--- a/self-study resources/J8SE1/Chapter 4 - Methods and Encapsulation.pptx
+++ b/self-study resources/J8SE1/Chapter 4 - Methods and Encapsulation.pptx
@@ -1051,7 +1051,7 @@
           </a:lstStyle>
           <a:p>
             <a:fld id="{9ACA2D73-2532-A640-A667-27AB4D0D333F}" type="datetimeFigureOut">
-              <a:t>22/11/24</a:t>
+              <a:t>23/11/24</a:t>
             </a:fld>
             <a:endParaRPr lang="en-VN"/>
           </a:p>
@@ -2628,7 +2628,7 @@
           <a:p>
             <a:fld id="{BAA8DE05-51EE-4692-B197-877FA1DAAAED}" type="datetimeFigureOut">
               <a:rPr lang="en-US" smtClean="0"/>
-              <a:t>11/22/24</a:t>
+              <a:t>11/23/24</a:t>
             </a:fld>
             <a:endParaRPr lang="en-US"/>
           </a:p>
@@ -2826,7 +2826,7 @@
           <a:p>
             <a:fld id="{BAA8DE05-51EE-4692-B197-877FA1DAAAED}" type="datetimeFigureOut">
               <a:rPr lang="en-US" smtClean="0"/>
-              <a:t>11/22/24</a:t>
+              <a:t>11/23/24</a:t>
             </a:fld>
             <a:endParaRPr lang="en-US"/>
           </a:p>
@@ -3034,7 +3034,7 @@
           <a:p>
             <a:fld id="{BAA8DE05-51EE-4692-B197-877FA1DAAAED}" type="datetimeFigureOut">
               <a:rPr lang="en-US" smtClean="0"/>
-              <a:t>11/22/24</a:t>
+              <a:t>11/23/24</a:t>
             </a:fld>
             <a:endParaRPr lang="en-US"/>
           </a:p>
@@ -3232,7 +3232,7 @@
           <a:p>
             <a:fld id="{BAA8DE05-51EE-4692-B197-877FA1DAAAED}" type="datetimeFigureOut">
               <a:rPr lang="en-US" smtClean="0"/>
-              <a:t>11/22/24</a:t>
+              <a:t>11/23/24</a:t>
             </a:fld>
             <a:endParaRPr lang="en-US"/>
           </a:p>
@@ -3507,7 +3507,7 @@
           <a:p>
             <a:fld id="{BAA8DE05-51EE-4692-B197-877FA1DAAAED}" type="datetimeFigureOut">
               <a:rPr lang="en-US" smtClean="0"/>
-              <a:t>11/22/24</a:t>
+              <a:t>11/23/24</a:t>
             </a:fld>
             <a:endParaRPr lang="en-US"/>
           </a:p>
@@ -3772,7 +3772,7 @@
           <a:p>
             <a:fld id="{BAA8DE05-51EE-4692-B197-877FA1DAAAED}" type="datetimeFigureOut">
               <a:rPr lang="en-US" smtClean="0"/>
-              <a:t>11/22/24</a:t>
+              <a:t>11/23/24</a:t>
             </a:fld>
             <a:endParaRPr lang="en-US"/>
           </a:p>
@@ -4184,7 +4184,7 @@
           <a:p>
             <a:fld id="{BAA8DE05-51EE-4692-B197-877FA1DAAAED}" type="datetimeFigureOut">
               <a:rPr lang="en-US" smtClean="0"/>
-              <a:t>11/22/24</a:t>
+              <a:t>11/23/24</a:t>
             </a:fld>
             <a:endParaRPr lang="en-US"/>
           </a:p>
@@ -4325,7 +4325,7 @@
           <a:p>
             <a:fld id="{BAA8DE05-51EE-4692-B197-877FA1DAAAED}" type="datetimeFigureOut">
               <a:rPr lang="en-US" smtClean="0"/>
-              <a:t>11/22/24</a:t>
+              <a:t>11/23/24</a:t>
             </a:fld>
             <a:endParaRPr lang="en-US"/>
           </a:p>
@@ -4438,7 +4438,7 @@
           <a:p>
             <a:fld id="{BAA8DE05-51EE-4692-B197-877FA1DAAAED}" type="datetimeFigureOut">
               <a:rPr lang="en-US" smtClean="0"/>
-              <a:t>11/22/24</a:t>
+              <a:t>11/23/24</a:t>
             </a:fld>
             <a:endParaRPr lang="en-US"/>
           </a:p>
@@ -4749,7 +4749,7 @@
           <a:p>
             <a:fld id="{BAA8DE05-51EE-4692-B197-877FA1DAAAED}" type="datetimeFigureOut">
               <a:rPr lang="en-US" smtClean="0"/>
-              <a:t>11/22/24</a:t>
+              <a:t>11/23/24</a:t>
             </a:fld>
             <a:endParaRPr lang="en-US"/>
           </a:p>
@@ -5037,7 +5037,7 @@
           <a:p>
             <a:fld id="{BAA8DE05-51EE-4692-B197-877FA1DAAAED}" type="datetimeFigureOut">
               <a:rPr lang="en-US" smtClean="0"/>
-              <a:t>11/22/24</a:t>
+              <a:t>11/23/24</a:t>
             </a:fld>
             <a:endParaRPr lang="en-US"/>
           </a:p>
@@ -5278,7 +5278,7 @@
           <a:p>
             <a:fld id="{BAA8DE05-51EE-4692-B197-877FA1DAAAED}" type="datetimeFigureOut">
               <a:rPr lang="en-US" smtClean="0"/>
-              <a:t>11/22/24</a:t>
+              <a:t>11/23/24</a:t>
             </a:fld>
             <a:endParaRPr lang="en-US"/>
           </a:p>
@@ -6130,8 +6130,8 @@
           </a:prstGeom>
         </p:spPr>
       </p:pic>
-      <mc:AlternateContent xmlns:mc="http://schemas.openxmlformats.org/markup-compatibility/2006">
-        <mc:Choice xmlns:p14="http://schemas.microsoft.com/office/powerpoint/2010/main" Requires="p14">
+      <mc:AlternateContent xmlns:mc="http://schemas.openxmlformats.org/markup-compatibility/2006" xmlns:p14="http://schemas.microsoft.com/office/powerpoint/2010/main">
+        <mc:Choice Requires="p14">
           <p:contentPart p14:bwMode="auto" r:id="rId4">
             <p14:nvContentPartPr>
               <p14:cNvPr id="6" name="Ink 5">
@@ -6150,7 +6150,7 @@
             </p14:xfrm>
           </p:contentPart>
         </mc:Choice>
-        <mc:Fallback>
+        <mc:Fallback xmlns="">
           <p:pic>
             <p:nvPicPr>
               <p:cNvPr id="6" name="Ink 5">
@@ -9101,8 +9101,8 @@
             <a:chExt cx="485640" cy="48600"/>
           </a:xfrm>
         </p:grpSpPr>
-        <mc:AlternateContent xmlns:mc="http://schemas.openxmlformats.org/markup-compatibility/2006">
-          <mc:Choice xmlns:p14="http://schemas.microsoft.com/office/powerpoint/2010/main" Requires="p14">
+        <mc:AlternateContent xmlns:mc="http://schemas.openxmlformats.org/markup-compatibility/2006" xmlns:p14="http://schemas.microsoft.com/office/powerpoint/2010/main">
+          <mc:Choice Requires="p14">
             <p:contentPart p14:bwMode="auto" r:id="rId4">
               <p14:nvContentPartPr>
                 <p14:cNvPr id="5" name="Ink 4">
@@ -9121,7 +9121,7 @@
               </p14:xfrm>
             </p:contentPart>
           </mc:Choice>
-          <mc:Fallback>
+          <mc:Fallback xmlns="">
             <p:pic>
               <p:nvPicPr>
                 <p:cNvPr id="5" name="Ink 4">
@@ -9152,8 +9152,8 @@
             </p:pic>
           </mc:Fallback>
         </mc:AlternateContent>
-        <mc:AlternateContent xmlns:mc="http://schemas.openxmlformats.org/markup-compatibility/2006">
-          <mc:Choice xmlns:p14="http://schemas.microsoft.com/office/powerpoint/2010/main" Requires="p14">
+        <mc:AlternateContent xmlns:mc="http://schemas.openxmlformats.org/markup-compatibility/2006" xmlns:p14="http://schemas.microsoft.com/office/powerpoint/2010/main">
+          <mc:Choice Requires="p14">
             <p:contentPart p14:bwMode="auto" r:id="rId6">
               <p14:nvContentPartPr>
                 <p14:cNvPr id="6" name="Ink 5">
@@ -9172,7 +9172,7 @@
               </p14:xfrm>
             </p:contentPart>
           </mc:Choice>
-          <mc:Fallback>
+          <mc:Fallback xmlns="">
             <p:pic>
               <p:nvPicPr>
                 <p:cNvPr id="6" name="Ink 5">
@@ -9204,8 +9204,8 @@
           </mc:Fallback>
         </mc:AlternateContent>
       </p:grpSp>
-      <mc:AlternateContent xmlns:mc="http://schemas.openxmlformats.org/markup-compatibility/2006">
-        <mc:Choice xmlns:p14="http://schemas.microsoft.com/office/powerpoint/2010/main" Requires="p14">
+      <mc:AlternateContent xmlns:mc="http://schemas.openxmlformats.org/markup-compatibility/2006" xmlns:p14="http://schemas.microsoft.com/office/powerpoint/2010/main">
+        <mc:Choice Requires="p14">
           <p:contentPart p14:bwMode="auto" r:id="rId8">
             <p14:nvContentPartPr>
               <p14:cNvPr id="7" name="Ink 6">
@@ -9224,7 +9224,7 @@
             </p14:xfrm>
           </p:contentPart>
         </mc:Choice>
-        <mc:Fallback>
+        <mc:Fallback xmlns="">
           <p:pic>
             <p:nvPicPr>
               <p:cNvPr id="7" name="Ink 6">
@@ -9255,8 +9255,8 @@
           </p:pic>
         </mc:Fallback>
       </mc:AlternateContent>
-      <mc:AlternateContent xmlns:mc="http://schemas.openxmlformats.org/markup-compatibility/2006">
-        <mc:Choice xmlns:p14="http://schemas.microsoft.com/office/powerpoint/2010/main" Requires="p14">
+      <mc:AlternateContent xmlns:mc="http://schemas.openxmlformats.org/markup-compatibility/2006" xmlns:p14="http://schemas.microsoft.com/office/powerpoint/2010/main">
+        <mc:Choice Requires="p14">
           <p:contentPart p14:bwMode="auto" r:id="rId10">
             <p14:nvContentPartPr>
               <p14:cNvPr id="10" name="Ink 9">
@@ -9275,7 +9275,7 @@
             </p14:xfrm>
           </p:contentPart>
         </mc:Choice>
-        <mc:Fallback>
+        <mc:Fallback xmlns="">
           <p:pic>
             <p:nvPicPr>
               <p:cNvPr id="10" name="Ink 9">
@@ -9306,8 +9306,8 @@
           </p:pic>
         </mc:Fallback>
       </mc:AlternateContent>
-      <mc:AlternateContent xmlns:mc="http://schemas.openxmlformats.org/markup-compatibility/2006">
-        <mc:Choice xmlns:p14="http://schemas.microsoft.com/office/powerpoint/2010/main" Requires="p14">
+      <mc:AlternateContent xmlns:mc="http://schemas.openxmlformats.org/markup-compatibility/2006" xmlns:p14="http://schemas.microsoft.com/office/powerpoint/2010/main">
+        <mc:Choice Requires="p14">
           <p:contentPart p14:bwMode="auto" r:id="rId12">
             <p14:nvContentPartPr>
               <p14:cNvPr id="11" name="Ink 10">
@@ -9326,7 +9326,7 @@
             </p14:xfrm>
           </p:contentPart>
         </mc:Choice>
-        <mc:Fallback>
+        <mc:Fallback xmlns="">
           <p:pic>
             <p:nvPicPr>
               <p:cNvPr id="11" name="Ink 10">
@@ -9357,8 +9357,8 @@
           </p:pic>
         </mc:Fallback>
       </mc:AlternateContent>
-      <mc:AlternateContent xmlns:mc="http://schemas.openxmlformats.org/markup-compatibility/2006">
-        <mc:Choice xmlns:p14="http://schemas.microsoft.com/office/powerpoint/2010/main" Requires="p14">
+      <mc:AlternateContent xmlns:mc="http://schemas.openxmlformats.org/markup-compatibility/2006" xmlns:p14="http://schemas.microsoft.com/office/powerpoint/2010/main">
+        <mc:Choice Requires="p14">
           <p:contentPart p14:bwMode="auto" r:id="rId14">
             <p14:nvContentPartPr>
               <p14:cNvPr id="12" name="Ink 11">
@@ -9377,7 +9377,7 @@
             </p14:xfrm>
           </p:contentPart>
         </mc:Choice>
-        <mc:Fallback>
+        <mc:Fallback xmlns="">
           <p:pic>
             <p:nvPicPr>
               <p:cNvPr id="12" name="Ink 11">
@@ -9408,8 +9408,8 @@
           </p:pic>
         </mc:Fallback>
       </mc:AlternateContent>
-      <mc:AlternateContent xmlns:mc="http://schemas.openxmlformats.org/markup-compatibility/2006">
-        <mc:Choice xmlns:p14="http://schemas.microsoft.com/office/powerpoint/2010/main" Requires="p14">
+      <mc:AlternateContent xmlns:mc="http://schemas.openxmlformats.org/markup-compatibility/2006" xmlns:p14="http://schemas.microsoft.com/office/powerpoint/2010/main">
+        <mc:Choice Requires="p14">
           <p:contentPart p14:bwMode="auto" r:id="rId16">
             <p14:nvContentPartPr>
               <p14:cNvPr id="13" name="Ink 12">
@@ -9428,7 +9428,7 @@
             </p14:xfrm>
           </p:contentPart>
         </mc:Choice>
-        <mc:Fallback>
+        <mc:Fallback xmlns="">
           <p:pic>
             <p:nvPicPr>
               <p:cNvPr id="13" name="Ink 12">
@@ -9459,8 +9459,8 @@
           </p:pic>
         </mc:Fallback>
       </mc:AlternateContent>
-      <mc:AlternateContent xmlns:mc="http://schemas.openxmlformats.org/markup-compatibility/2006">
-        <mc:Choice xmlns:p14="http://schemas.microsoft.com/office/powerpoint/2010/main" Requires="p14">
+      <mc:AlternateContent xmlns:mc="http://schemas.openxmlformats.org/markup-compatibility/2006" xmlns:p14="http://schemas.microsoft.com/office/powerpoint/2010/main">
+        <mc:Choice Requires="p14">
           <p:contentPart p14:bwMode="auto" r:id="rId18">
             <p14:nvContentPartPr>
               <p14:cNvPr id="14" name="Ink 13">
@@ -9479,7 +9479,7 @@
             </p14:xfrm>
           </p:contentPart>
         </mc:Choice>
-        <mc:Fallback>
+        <mc:Fallback xmlns="">
           <p:pic>
             <p:nvPicPr>
               <p:cNvPr id="14" name="Ink 13">
@@ -9510,8 +9510,8 @@
           </p:pic>
         </mc:Fallback>
       </mc:AlternateContent>
-      <mc:AlternateContent xmlns:mc="http://schemas.openxmlformats.org/markup-compatibility/2006">
-        <mc:Choice xmlns:p14="http://schemas.microsoft.com/office/powerpoint/2010/main" Requires="p14">
+      <mc:AlternateContent xmlns:mc="http://schemas.openxmlformats.org/markup-compatibility/2006" xmlns:p14="http://schemas.microsoft.com/office/powerpoint/2010/main">
+        <mc:Choice Requires="p14">
           <p:contentPart p14:bwMode="auto" r:id="rId20">
             <p14:nvContentPartPr>
               <p14:cNvPr id="15" name="Ink 14">
@@ -9530,7 +9530,7 @@
             </p14:xfrm>
           </p:contentPart>
         </mc:Choice>
-        <mc:Fallback>
+        <mc:Fallback xmlns="">
           <p:pic>
             <p:nvPicPr>
               <p:cNvPr id="15" name="Ink 14">
@@ -9561,8 +9561,8 @@
           </p:pic>
         </mc:Fallback>
       </mc:AlternateContent>
-      <mc:AlternateContent xmlns:mc="http://schemas.openxmlformats.org/markup-compatibility/2006">
-        <mc:Choice xmlns:p14="http://schemas.microsoft.com/office/powerpoint/2010/main" Requires="p14">
+      <mc:AlternateContent xmlns:mc="http://schemas.openxmlformats.org/markup-compatibility/2006" xmlns:p14="http://schemas.microsoft.com/office/powerpoint/2010/main">
+        <mc:Choice Requires="p14">
           <p:contentPart p14:bwMode="auto" r:id="rId22">
             <p14:nvContentPartPr>
               <p14:cNvPr id="16" name="Ink 15">
@@ -9581,7 +9581,7 @@
             </p14:xfrm>
           </p:contentPart>
         </mc:Choice>
-        <mc:Fallback>
+        <mc:Fallback xmlns="">
           <p:pic>
             <p:nvPicPr>
               <p:cNvPr id="16" name="Ink 15">
@@ -9612,8 +9612,8 @@
           </p:pic>
         </mc:Fallback>
       </mc:AlternateContent>
-      <mc:AlternateContent xmlns:mc="http://schemas.openxmlformats.org/markup-compatibility/2006">
-        <mc:Choice xmlns:p14="http://schemas.microsoft.com/office/powerpoint/2010/main" Requires="p14">
+      <mc:AlternateContent xmlns:mc="http://schemas.openxmlformats.org/markup-compatibility/2006" xmlns:p14="http://schemas.microsoft.com/office/powerpoint/2010/main">
+        <mc:Choice Requires="p14">
           <p:contentPart p14:bwMode="auto" r:id="rId24">
             <p14:nvContentPartPr>
               <p14:cNvPr id="17" name="Ink 16">
@@ -9632,7 +9632,7 @@
             </p14:xfrm>
           </p:contentPart>
         </mc:Choice>
-        <mc:Fallback>
+        <mc:Fallback xmlns="">
           <p:pic>
             <p:nvPicPr>
               <p:cNvPr id="17" name="Ink 16">
@@ -9663,8 +9663,8 @@
           </p:pic>
         </mc:Fallback>
       </mc:AlternateContent>
-      <mc:AlternateContent xmlns:mc="http://schemas.openxmlformats.org/markup-compatibility/2006">
-        <mc:Choice xmlns:p14="http://schemas.microsoft.com/office/powerpoint/2010/main" Requires="p14">
+      <mc:AlternateContent xmlns:mc="http://schemas.openxmlformats.org/markup-compatibility/2006" xmlns:p14="http://schemas.microsoft.com/office/powerpoint/2010/main">
+        <mc:Choice Requires="p14">
           <p:contentPart p14:bwMode="auto" r:id="rId26">
             <p14:nvContentPartPr>
               <p14:cNvPr id="18" name="Ink 17">
@@ -9683,7 +9683,7 @@
             </p14:xfrm>
           </p:contentPart>
         </mc:Choice>
-        <mc:Fallback>
+        <mc:Fallback xmlns="">
           <p:pic>
             <p:nvPicPr>
               <p:cNvPr id="18" name="Ink 17">
@@ -9714,8 +9714,8 @@
           </p:pic>
         </mc:Fallback>
       </mc:AlternateContent>
-      <mc:AlternateContent xmlns:mc="http://schemas.openxmlformats.org/markup-compatibility/2006">
-        <mc:Choice xmlns:p14="http://schemas.microsoft.com/office/powerpoint/2010/main" Requires="p14">
+      <mc:AlternateContent xmlns:mc="http://schemas.openxmlformats.org/markup-compatibility/2006" xmlns:p14="http://schemas.microsoft.com/office/powerpoint/2010/main">
+        <mc:Choice Requires="p14">
           <p:contentPart p14:bwMode="auto" r:id="rId28">
             <p14:nvContentPartPr>
               <p14:cNvPr id="19" name="Ink 18">
@@ -9734,7 +9734,7 @@
             </p14:xfrm>
           </p:contentPart>
         </mc:Choice>
-        <mc:Fallback>
+        <mc:Fallback xmlns="">
           <p:pic>
             <p:nvPicPr>
               <p:cNvPr id="19" name="Ink 18">
@@ -9765,8 +9765,8 @@
           </p:pic>
         </mc:Fallback>
       </mc:AlternateContent>
-      <mc:AlternateContent xmlns:mc="http://schemas.openxmlformats.org/markup-compatibility/2006">
-        <mc:Choice xmlns:p14="http://schemas.microsoft.com/office/powerpoint/2010/main" Requires="p14">
+      <mc:AlternateContent xmlns:mc="http://schemas.openxmlformats.org/markup-compatibility/2006" xmlns:p14="http://schemas.microsoft.com/office/powerpoint/2010/main">
+        <mc:Choice Requires="p14">
           <p:contentPart p14:bwMode="auto" r:id="rId30">
             <p14:nvContentPartPr>
               <p14:cNvPr id="20" name="Ink 19">
@@ -9785,7 +9785,7 @@
             </p14:xfrm>
           </p:contentPart>
         </mc:Choice>
-        <mc:Fallback>
+        <mc:Fallback xmlns="">
           <p:pic>
             <p:nvPicPr>
               <p:cNvPr id="20" name="Ink 19">
@@ -9816,8 +9816,8 @@
           </p:pic>
         </mc:Fallback>
       </mc:AlternateContent>
-      <mc:AlternateContent xmlns:mc="http://schemas.openxmlformats.org/markup-compatibility/2006">
-        <mc:Choice xmlns:p14="http://schemas.microsoft.com/office/powerpoint/2010/main" Requires="p14">
+      <mc:AlternateContent xmlns:mc="http://schemas.openxmlformats.org/markup-compatibility/2006" xmlns:p14="http://schemas.microsoft.com/office/powerpoint/2010/main">
+        <mc:Choice Requires="p14">
           <p:contentPart p14:bwMode="auto" r:id="rId32">
             <p14:nvContentPartPr>
               <p14:cNvPr id="21" name="Ink 20">
@@ -9836,7 +9836,7 @@
             </p14:xfrm>
           </p:contentPart>
         </mc:Choice>
-        <mc:Fallback>
+        <mc:Fallback xmlns="">
           <p:pic>
             <p:nvPicPr>
               <p:cNvPr id="21" name="Ink 20">
@@ -9867,8 +9867,8 @@
           </p:pic>
         </mc:Fallback>
       </mc:AlternateContent>
-      <mc:AlternateContent xmlns:mc="http://schemas.openxmlformats.org/markup-compatibility/2006">
-        <mc:Choice xmlns:p14="http://schemas.microsoft.com/office/powerpoint/2010/main" Requires="p14">
+      <mc:AlternateContent xmlns:mc="http://schemas.openxmlformats.org/markup-compatibility/2006" xmlns:p14="http://schemas.microsoft.com/office/powerpoint/2010/main">
+        <mc:Choice Requires="p14">
           <p:contentPart p14:bwMode="auto" r:id="rId34">
             <p14:nvContentPartPr>
               <p14:cNvPr id="22" name="Ink 21">
@@ -9887,7 +9887,7 @@
             </p14:xfrm>
           </p:contentPart>
         </mc:Choice>
-        <mc:Fallback>
+        <mc:Fallback xmlns="">
           <p:pic>
             <p:nvPicPr>
               <p:cNvPr id="22" name="Ink 21">
@@ -9918,8 +9918,8 @@
           </p:pic>
         </mc:Fallback>
       </mc:AlternateContent>
-      <mc:AlternateContent xmlns:mc="http://schemas.openxmlformats.org/markup-compatibility/2006">
-        <mc:Choice xmlns:p14="http://schemas.microsoft.com/office/powerpoint/2010/main" Requires="p14">
+      <mc:AlternateContent xmlns:mc="http://schemas.openxmlformats.org/markup-compatibility/2006" xmlns:p14="http://schemas.microsoft.com/office/powerpoint/2010/main">
+        <mc:Choice Requires="p14">
           <p:contentPart p14:bwMode="auto" r:id="rId36">
             <p14:nvContentPartPr>
               <p14:cNvPr id="23" name="Ink 22">
@@ -9938,7 +9938,7 @@
             </p14:xfrm>
           </p:contentPart>
         </mc:Choice>
-        <mc:Fallback>
+        <mc:Fallback xmlns="">
           <p:pic>
             <p:nvPicPr>
               <p:cNvPr id="23" name="Ink 22">

--- a/self-study resources/J8SE1/Chapter 4 - Methods and Encapsulation.pptx
+++ b/self-study resources/J8SE1/Chapter 4 - Methods and Encapsulation.pptx
@@ -5,7 +5,7 @@
     <p:sldMasterId id="2147483648" r:id="rId1"/>
   </p:sldMasterIdLst>
   <p:notesMasterIdLst>
-    <p:notesMasterId r:id="rId13"/>
+    <p:notesMasterId r:id="rId20"/>
   </p:notesMasterIdLst>
   <p:sldIdLst>
     <p:sldId id="256" r:id="rId2"/>
@@ -19,6 +19,13 @@
     <p:sldId id="265" r:id="rId10"/>
     <p:sldId id="266" r:id="rId11"/>
     <p:sldId id="267" r:id="rId12"/>
+    <p:sldId id="268" r:id="rId13"/>
+    <p:sldId id="269" r:id="rId14"/>
+    <p:sldId id="270" r:id="rId15"/>
+    <p:sldId id="271" r:id="rId16"/>
+    <p:sldId id="272" r:id="rId17"/>
+    <p:sldId id="273" r:id="rId18"/>
+    <p:sldId id="274" r:id="rId19"/>
   </p:sldIdLst>
   <p:sldSz cx="12192000" cy="6858000"/>
   <p:notesSz cx="6858000" cy="9144000"/>
@@ -133,6 +140,13 @@
             <p14:sldId id="265"/>
             <p14:sldId id="266"/>
             <p14:sldId id="267"/>
+            <p14:sldId id="268"/>
+            <p14:sldId id="269"/>
+            <p14:sldId id="270"/>
+            <p14:sldId id="271"/>
+            <p14:sldId id="272"/>
+            <p14:sldId id="273"/>
+            <p14:sldId id="274"/>
           </p14:sldIdLst>
         </p14:section>
       </p14:sectionLst>
@@ -1051,7 +1065,7 @@
           </a:lstStyle>
           <a:p>
             <a:fld id="{9ACA2D73-2532-A640-A667-27AB4D0D333F}" type="datetimeFigureOut">
-              <a:t>23/11/24</a:t>
+              <a:t>26/11/24</a:t>
             </a:fld>
             <a:endParaRPr lang="en-VN"/>
           </a:p>
@@ -1566,6 +1580,755 @@
 </p:notes>
 </file>
 
+<file path=ppt/notesSlides/notesSlide11.xml><?xml version="1.0" encoding="utf-8"?>
+<p:notes xmlns:a="http://schemas.openxmlformats.org/drawingml/2006/main" xmlns:r="http://schemas.openxmlformats.org/officeDocument/2006/relationships" xmlns:p="http://schemas.openxmlformats.org/presentationml/2006/main">
+  <p:cSld>
+    <p:spTree>
+      <p:nvGrpSpPr>
+        <p:cNvPr id="1" name="">
+          <a:extLst>
+            <a:ext uri="{FF2B5EF4-FFF2-40B4-BE49-F238E27FC236}">
+              <a16:creationId xmlns:a16="http://schemas.microsoft.com/office/drawing/2014/main" id="{38ACC113-7162-0918-1C49-A192E68C1994}"/>
+            </a:ext>
+          </a:extLst>
+        </p:cNvPr>
+        <p:cNvGrpSpPr/>
+        <p:nvPr/>
+      </p:nvGrpSpPr>
+      <p:grpSpPr>
+        <a:xfrm>
+          <a:off x="0" y="0"/>
+          <a:ext cx="0" cy="0"/>
+          <a:chOff x="0" y="0"/>
+          <a:chExt cx="0" cy="0"/>
+        </a:xfrm>
+      </p:grpSpPr>
+      <p:sp>
+        <p:nvSpPr>
+          <p:cNvPr id="2" name="Slide Image Placeholder 1">
+            <a:extLst>
+              <a:ext uri="{FF2B5EF4-FFF2-40B4-BE49-F238E27FC236}">
+                <a16:creationId xmlns:a16="http://schemas.microsoft.com/office/drawing/2014/main" id="{AE871077-023A-F944-2662-1899D81881C7}"/>
+              </a:ext>
+            </a:extLst>
+          </p:cNvPr>
+          <p:cNvSpPr>
+            <a:spLocks noGrp="1" noRot="1" noChangeAspect="1"/>
+          </p:cNvSpPr>
+          <p:nvPr>
+            <p:ph type="sldImg"/>
+          </p:nvPr>
+        </p:nvSpPr>
+        <p:spPr/>
+      </p:sp>
+      <p:sp>
+        <p:nvSpPr>
+          <p:cNvPr id="3" name="Notes Placeholder 2">
+            <a:extLst>
+              <a:ext uri="{FF2B5EF4-FFF2-40B4-BE49-F238E27FC236}">
+                <a16:creationId xmlns:a16="http://schemas.microsoft.com/office/drawing/2014/main" id="{2C2EB7D3-0378-0BE4-ABDF-2BF03AE3BCA8}"/>
+              </a:ext>
+            </a:extLst>
+          </p:cNvPr>
+          <p:cNvSpPr>
+            <a:spLocks noGrp="1"/>
+          </p:cNvSpPr>
+          <p:nvPr>
+            <p:ph type="body" idx="1"/>
+          </p:nvPr>
+        </p:nvSpPr>
+        <p:spPr/>
+        <p:txBody>
+          <a:bodyPr/>
+          <a:lstStyle/>
+          <a:p>
+            <a:endParaRPr lang="en-VN"/>
+          </a:p>
+        </p:txBody>
+      </p:sp>
+      <p:sp>
+        <p:nvSpPr>
+          <p:cNvPr id="4" name="Slide Number Placeholder 3">
+            <a:extLst>
+              <a:ext uri="{FF2B5EF4-FFF2-40B4-BE49-F238E27FC236}">
+                <a16:creationId xmlns:a16="http://schemas.microsoft.com/office/drawing/2014/main" id="{D6D8FC1B-66CB-0017-0046-02134400D703}"/>
+              </a:ext>
+            </a:extLst>
+          </p:cNvPr>
+          <p:cNvSpPr>
+            <a:spLocks noGrp="1"/>
+          </p:cNvSpPr>
+          <p:nvPr>
+            <p:ph type="sldNum" sz="quarter" idx="5"/>
+          </p:nvPr>
+        </p:nvSpPr>
+        <p:spPr/>
+        <p:txBody>
+          <a:bodyPr/>
+          <a:lstStyle/>
+          <a:p>
+            <a:fld id="{576FF3D1-0F45-2240-9B47-75654C02E24A}" type="slidenum">
+              <a:t>12</a:t>
+            </a:fld>
+            <a:endParaRPr lang="en-VN"/>
+          </a:p>
+        </p:txBody>
+      </p:sp>
+    </p:spTree>
+    <p:extLst>
+      <p:ext uri="{BB962C8B-B14F-4D97-AF65-F5344CB8AC3E}">
+        <p14:creationId xmlns:p14="http://schemas.microsoft.com/office/powerpoint/2010/main" val="2560464136"/>
+      </p:ext>
+    </p:extLst>
+  </p:cSld>
+  <p:clrMapOvr>
+    <a:masterClrMapping/>
+  </p:clrMapOvr>
+</p:notes>
+</file>
+
+<file path=ppt/notesSlides/notesSlide12.xml><?xml version="1.0" encoding="utf-8"?>
+<p:notes xmlns:a="http://schemas.openxmlformats.org/drawingml/2006/main" xmlns:r="http://schemas.openxmlformats.org/officeDocument/2006/relationships" xmlns:p="http://schemas.openxmlformats.org/presentationml/2006/main">
+  <p:cSld>
+    <p:spTree>
+      <p:nvGrpSpPr>
+        <p:cNvPr id="1" name="">
+          <a:extLst>
+            <a:ext uri="{FF2B5EF4-FFF2-40B4-BE49-F238E27FC236}">
+              <a16:creationId xmlns:a16="http://schemas.microsoft.com/office/drawing/2014/main" id="{00A7EE53-4F58-2A58-1C51-7251105EA1B6}"/>
+            </a:ext>
+          </a:extLst>
+        </p:cNvPr>
+        <p:cNvGrpSpPr/>
+        <p:nvPr/>
+      </p:nvGrpSpPr>
+      <p:grpSpPr>
+        <a:xfrm>
+          <a:off x="0" y="0"/>
+          <a:ext cx="0" cy="0"/>
+          <a:chOff x="0" y="0"/>
+          <a:chExt cx="0" cy="0"/>
+        </a:xfrm>
+      </p:grpSpPr>
+      <p:sp>
+        <p:nvSpPr>
+          <p:cNvPr id="2" name="Slide Image Placeholder 1">
+            <a:extLst>
+              <a:ext uri="{FF2B5EF4-FFF2-40B4-BE49-F238E27FC236}">
+                <a16:creationId xmlns:a16="http://schemas.microsoft.com/office/drawing/2014/main" id="{5B73F776-FCEE-340E-1F3A-382B6854347D}"/>
+              </a:ext>
+            </a:extLst>
+          </p:cNvPr>
+          <p:cNvSpPr>
+            <a:spLocks noGrp="1" noRot="1" noChangeAspect="1"/>
+          </p:cNvSpPr>
+          <p:nvPr>
+            <p:ph type="sldImg"/>
+          </p:nvPr>
+        </p:nvSpPr>
+        <p:spPr/>
+      </p:sp>
+      <p:sp>
+        <p:nvSpPr>
+          <p:cNvPr id="3" name="Notes Placeholder 2">
+            <a:extLst>
+              <a:ext uri="{FF2B5EF4-FFF2-40B4-BE49-F238E27FC236}">
+                <a16:creationId xmlns:a16="http://schemas.microsoft.com/office/drawing/2014/main" id="{3FDE6B02-F78D-482F-1BAA-647AFC9D6CAE}"/>
+              </a:ext>
+            </a:extLst>
+          </p:cNvPr>
+          <p:cNvSpPr>
+            <a:spLocks noGrp="1"/>
+          </p:cNvSpPr>
+          <p:nvPr>
+            <p:ph type="body" idx="1"/>
+          </p:nvPr>
+        </p:nvSpPr>
+        <p:spPr/>
+        <p:txBody>
+          <a:bodyPr/>
+          <a:lstStyle/>
+          <a:p>
+            <a:endParaRPr lang="en-VN"/>
+          </a:p>
+        </p:txBody>
+      </p:sp>
+      <p:sp>
+        <p:nvSpPr>
+          <p:cNvPr id="4" name="Slide Number Placeholder 3">
+            <a:extLst>
+              <a:ext uri="{FF2B5EF4-FFF2-40B4-BE49-F238E27FC236}">
+                <a16:creationId xmlns:a16="http://schemas.microsoft.com/office/drawing/2014/main" id="{08891C0C-0580-A168-6C41-9C6F8E77B21C}"/>
+              </a:ext>
+            </a:extLst>
+          </p:cNvPr>
+          <p:cNvSpPr>
+            <a:spLocks noGrp="1"/>
+          </p:cNvSpPr>
+          <p:nvPr>
+            <p:ph type="sldNum" sz="quarter" idx="5"/>
+          </p:nvPr>
+        </p:nvSpPr>
+        <p:spPr/>
+        <p:txBody>
+          <a:bodyPr/>
+          <a:lstStyle/>
+          <a:p>
+            <a:fld id="{576FF3D1-0F45-2240-9B47-75654C02E24A}" type="slidenum">
+              <a:t>13</a:t>
+            </a:fld>
+            <a:endParaRPr lang="en-VN"/>
+          </a:p>
+        </p:txBody>
+      </p:sp>
+    </p:spTree>
+    <p:extLst>
+      <p:ext uri="{BB962C8B-B14F-4D97-AF65-F5344CB8AC3E}">
+        <p14:creationId xmlns:p14="http://schemas.microsoft.com/office/powerpoint/2010/main" val="3489637461"/>
+      </p:ext>
+    </p:extLst>
+  </p:cSld>
+  <p:clrMapOvr>
+    <a:masterClrMapping/>
+  </p:clrMapOvr>
+</p:notes>
+</file>
+
+<file path=ppt/notesSlides/notesSlide13.xml><?xml version="1.0" encoding="utf-8"?>
+<p:notes xmlns:a="http://schemas.openxmlformats.org/drawingml/2006/main" xmlns:r="http://schemas.openxmlformats.org/officeDocument/2006/relationships" xmlns:p="http://schemas.openxmlformats.org/presentationml/2006/main">
+  <p:cSld>
+    <p:spTree>
+      <p:nvGrpSpPr>
+        <p:cNvPr id="1" name="">
+          <a:extLst>
+            <a:ext uri="{FF2B5EF4-FFF2-40B4-BE49-F238E27FC236}">
+              <a16:creationId xmlns:a16="http://schemas.microsoft.com/office/drawing/2014/main" id="{1E7DEBCA-9452-6645-00CE-D7047FF6B269}"/>
+            </a:ext>
+          </a:extLst>
+        </p:cNvPr>
+        <p:cNvGrpSpPr/>
+        <p:nvPr/>
+      </p:nvGrpSpPr>
+      <p:grpSpPr>
+        <a:xfrm>
+          <a:off x="0" y="0"/>
+          <a:ext cx="0" cy="0"/>
+          <a:chOff x="0" y="0"/>
+          <a:chExt cx="0" cy="0"/>
+        </a:xfrm>
+      </p:grpSpPr>
+      <p:sp>
+        <p:nvSpPr>
+          <p:cNvPr id="2" name="Slide Image Placeholder 1">
+            <a:extLst>
+              <a:ext uri="{FF2B5EF4-FFF2-40B4-BE49-F238E27FC236}">
+                <a16:creationId xmlns:a16="http://schemas.microsoft.com/office/drawing/2014/main" id="{003EA588-C31C-5C0F-837D-A47A83F14AB6}"/>
+              </a:ext>
+            </a:extLst>
+          </p:cNvPr>
+          <p:cNvSpPr>
+            <a:spLocks noGrp="1" noRot="1" noChangeAspect="1"/>
+          </p:cNvSpPr>
+          <p:nvPr>
+            <p:ph type="sldImg"/>
+          </p:nvPr>
+        </p:nvSpPr>
+        <p:spPr/>
+      </p:sp>
+      <p:sp>
+        <p:nvSpPr>
+          <p:cNvPr id="3" name="Notes Placeholder 2">
+            <a:extLst>
+              <a:ext uri="{FF2B5EF4-FFF2-40B4-BE49-F238E27FC236}">
+                <a16:creationId xmlns:a16="http://schemas.microsoft.com/office/drawing/2014/main" id="{6C7FA035-AE5E-83D2-D1DD-EEE8CB2736FD}"/>
+              </a:ext>
+            </a:extLst>
+          </p:cNvPr>
+          <p:cNvSpPr>
+            <a:spLocks noGrp="1"/>
+          </p:cNvSpPr>
+          <p:nvPr>
+            <p:ph type="body" idx="1"/>
+          </p:nvPr>
+        </p:nvSpPr>
+        <p:spPr/>
+        <p:txBody>
+          <a:bodyPr/>
+          <a:lstStyle/>
+          <a:p>
+            <a:endParaRPr lang="en-VN"/>
+          </a:p>
+        </p:txBody>
+      </p:sp>
+      <p:sp>
+        <p:nvSpPr>
+          <p:cNvPr id="4" name="Slide Number Placeholder 3">
+            <a:extLst>
+              <a:ext uri="{FF2B5EF4-FFF2-40B4-BE49-F238E27FC236}">
+                <a16:creationId xmlns:a16="http://schemas.microsoft.com/office/drawing/2014/main" id="{43BC267F-CC5F-834B-D8FE-52EB6972B708}"/>
+              </a:ext>
+            </a:extLst>
+          </p:cNvPr>
+          <p:cNvSpPr>
+            <a:spLocks noGrp="1"/>
+          </p:cNvSpPr>
+          <p:nvPr>
+            <p:ph type="sldNum" sz="quarter" idx="5"/>
+          </p:nvPr>
+        </p:nvSpPr>
+        <p:spPr/>
+        <p:txBody>
+          <a:bodyPr/>
+          <a:lstStyle/>
+          <a:p>
+            <a:fld id="{576FF3D1-0F45-2240-9B47-75654C02E24A}" type="slidenum">
+              <a:t>14</a:t>
+            </a:fld>
+            <a:endParaRPr lang="en-VN"/>
+          </a:p>
+        </p:txBody>
+      </p:sp>
+    </p:spTree>
+    <p:extLst>
+      <p:ext uri="{BB962C8B-B14F-4D97-AF65-F5344CB8AC3E}">
+        <p14:creationId xmlns:p14="http://schemas.microsoft.com/office/powerpoint/2010/main" val="3954284294"/>
+      </p:ext>
+    </p:extLst>
+  </p:cSld>
+  <p:clrMapOvr>
+    <a:masterClrMapping/>
+  </p:clrMapOvr>
+</p:notes>
+</file>
+
+<file path=ppt/notesSlides/notesSlide14.xml><?xml version="1.0" encoding="utf-8"?>
+<p:notes xmlns:a="http://schemas.openxmlformats.org/drawingml/2006/main" xmlns:r="http://schemas.openxmlformats.org/officeDocument/2006/relationships" xmlns:p="http://schemas.openxmlformats.org/presentationml/2006/main">
+  <p:cSld>
+    <p:spTree>
+      <p:nvGrpSpPr>
+        <p:cNvPr id="1" name="">
+          <a:extLst>
+            <a:ext uri="{FF2B5EF4-FFF2-40B4-BE49-F238E27FC236}">
+              <a16:creationId xmlns:a16="http://schemas.microsoft.com/office/drawing/2014/main" id="{14211D66-AF48-102F-0B05-BEC5A2501BE4}"/>
+            </a:ext>
+          </a:extLst>
+        </p:cNvPr>
+        <p:cNvGrpSpPr/>
+        <p:nvPr/>
+      </p:nvGrpSpPr>
+      <p:grpSpPr>
+        <a:xfrm>
+          <a:off x="0" y="0"/>
+          <a:ext cx="0" cy="0"/>
+          <a:chOff x="0" y="0"/>
+          <a:chExt cx="0" cy="0"/>
+        </a:xfrm>
+      </p:grpSpPr>
+      <p:sp>
+        <p:nvSpPr>
+          <p:cNvPr id="2" name="Slide Image Placeholder 1">
+            <a:extLst>
+              <a:ext uri="{FF2B5EF4-FFF2-40B4-BE49-F238E27FC236}">
+                <a16:creationId xmlns:a16="http://schemas.microsoft.com/office/drawing/2014/main" id="{9F3C921C-E4FF-A77C-92DA-ED00DE807A54}"/>
+              </a:ext>
+            </a:extLst>
+          </p:cNvPr>
+          <p:cNvSpPr>
+            <a:spLocks noGrp="1" noRot="1" noChangeAspect="1"/>
+          </p:cNvSpPr>
+          <p:nvPr>
+            <p:ph type="sldImg"/>
+          </p:nvPr>
+        </p:nvSpPr>
+        <p:spPr/>
+      </p:sp>
+      <p:sp>
+        <p:nvSpPr>
+          <p:cNvPr id="3" name="Notes Placeholder 2">
+            <a:extLst>
+              <a:ext uri="{FF2B5EF4-FFF2-40B4-BE49-F238E27FC236}">
+                <a16:creationId xmlns:a16="http://schemas.microsoft.com/office/drawing/2014/main" id="{46CBEE5D-406E-9735-91B2-651A4C037284}"/>
+              </a:ext>
+            </a:extLst>
+          </p:cNvPr>
+          <p:cNvSpPr>
+            <a:spLocks noGrp="1"/>
+          </p:cNvSpPr>
+          <p:nvPr>
+            <p:ph type="body" idx="1"/>
+          </p:nvPr>
+        </p:nvSpPr>
+        <p:spPr/>
+        <p:txBody>
+          <a:bodyPr/>
+          <a:lstStyle/>
+          <a:p>
+            <a:endParaRPr lang="en-VN"/>
+          </a:p>
+        </p:txBody>
+      </p:sp>
+      <p:sp>
+        <p:nvSpPr>
+          <p:cNvPr id="4" name="Slide Number Placeholder 3">
+            <a:extLst>
+              <a:ext uri="{FF2B5EF4-FFF2-40B4-BE49-F238E27FC236}">
+                <a16:creationId xmlns:a16="http://schemas.microsoft.com/office/drawing/2014/main" id="{C81734D7-A46F-D204-28A3-280213257C2F}"/>
+              </a:ext>
+            </a:extLst>
+          </p:cNvPr>
+          <p:cNvSpPr>
+            <a:spLocks noGrp="1"/>
+          </p:cNvSpPr>
+          <p:nvPr>
+            <p:ph type="sldNum" sz="quarter" idx="5"/>
+          </p:nvPr>
+        </p:nvSpPr>
+        <p:spPr/>
+        <p:txBody>
+          <a:bodyPr/>
+          <a:lstStyle/>
+          <a:p>
+            <a:fld id="{576FF3D1-0F45-2240-9B47-75654C02E24A}" type="slidenum">
+              <a:t>15</a:t>
+            </a:fld>
+            <a:endParaRPr lang="en-VN"/>
+          </a:p>
+        </p:txBody>
+      </p:sp>
+    </p:spTree>
+    <p:extLst>
+      <p:ext uri="{BB962C8B-B14F-4D97-AF65-F5344CB8AC3E}">
+        <p14:creationId xmlns:p14="http://schemas.microsoft.com/office/powerpoint/2010/main" val="3334009977"/>
+      </p:ext>
+    </p:extLst>
+  </p:cSld>
+  <p:clrMapOvr>
+    <a:masterClrMapping/>
+  </p:clrMapOvr>
+</p:notes>
+</file>
+
+<file path=ppt/notesSlides/notesSlide15.xml><?xml version="1.0" encoding="utf-8"?>
+<p:notes xmlns:a="http://schemas.openxmlformats.org/drawingml/2006/main" xmlns:r="http://schemas.openxmlformats.org/officeDocument/2006/relationships" xmlns:p="http://schemas.openxmlformats.org/presentationml/2006/main">
+  <p:cSld>
+    <p:spTree>
+      <p:nvGrpSpPr>
+        <p:cNvPr id="1" name="">
+          <a:extLst>
+            <a:ext uri="{FF2B5EF4-FFF2-40B4-BE49-F238E27FC236}">
+              <a16:creationId xmlns:a16="http://schemas.microsoft.com/office/drawing/2014/main" id="{922D1C47-BCE8-0E07-3E5A-4BDBAD1163B7}"/>
+            </a:ext>
+          </a:extLst>
+        </p:cNvPr>
+        <p:cNvGrpSpPr/>
+        <p:nvPr/>
+      </p:nvGrpSpPr>
+      <p:grpSpPr>
+        <a:xfrm>
+          <a:off x="0" y="0"/>
+          <a:ext cx="0" cy="0"/>
+          <a:chOff x="0" y="0"/>
+          <a:chExt cx="0" cy="0"/>
+        </a:xfrm>
+      </p:grpSpPr>
+      <p:sp>
+        <p:nvSpPr>
+          <p:cNvPr id="2" name="Slide Image Placeholder 1">
+            <a:extLst>
+              <a:ext uri="{FF2B5EF4-FFF2-40B4-BE49-F238E27FC236}">
+                <a16:creationId xmlns:a16="http://schemas.microsoft.com/office/drawing/2014/main" id="{D5DB38D0-33D0-F3BA-72DB-C5D6B0226754}"/>
+              </a:ext>
+            </a:extLst>
+          </p:cNvPr>
+          <p:cNvSpPr>
+            <a:spLocks noGrp="1" noRot="1" noChangeAspect="1"/>
+          </p:cNvSpPr>
+          <p:nvPr>
+            <p:ph type="sldImg"/>
+          </p:nvPr>
+        </p:nvSpPr>
+        <p:spPr/>
+      </p:sp>
+      <p:sp>
+        <p:nvSpPr>
+          <p:cNvPr id="3" name="Notes Placeholder 2">
+            <a:extLst>
+              <a:ext uri="{FF2B5EF4-FFF2-40B4-BE49-F238E27FC236}">
+                <a16:creationId xmlns:a16="http://schemas.microsoft.com/office/drawing/2014/main" id="{9C60ACC3-84B1-0EE8-6ADF-20AE7A4AA23C}"/>
+              </a:ext>
+            </a:extLst>
+          </p:cNvPr>
+          <p:cNvSpPr>
+            <a:spLocks noGrp="1"/>
+          </p:cNvSpPr>
+          <p:nvPr>
+            <p:ph type="body" idx="1"/>
+          </p:nvPr>
+        </p:nvSpPr>
+        <p:spPr/>
+        <p:txBody>
+          <a:bodyPr/>
+          <a:lstStyle/>
+          <a:p>
+            <a:endParaRPr lang="en-VN"/>
+          </a:p>
+        </p:txBody>
+      </p:sp>
+      <p:sp>
+        <p:nvSpPr>
+          <p:cNvPr id="4" name="Slide Number Placeholder 3">
+            <a:extLst>
+              <a:ext uri="{FF2B5EF4-FFF2-40B4-BE49-F238E27FC236}">
+                <a16:creationId xmlns:a16="http://schemas.microsoft.com/office/drawing/2014/main" id="{167B77EE-D820-F453-4586-FF2429B9D6A3}"/>
+              </a:ext>
+            </a:extLst>
+          </p:cNvPr>
+          <p:cNvSpPr>
+            <a:spLocks noGrp="1"/>
+          </p:cNvSpPr>
+          <p:nvPr>
+            <p:ph type="sldNum" sz="quarter" idx="5"/>
+          </p:nvPr>
+        </p:nvSpPr>
+        <p:spPr/>
+        <p:txBody>
+          <a:bodyPr/>
+          <a:lstStyle/>
+          <a:p>
+            <a:fld id="{576FF3D1-0F45-2240-9B47-75654C02E24A}" type="slidenum">
+              <a:t>16</a:t>
+            </a:fld>
+            <a:endParaRPr lang="en-VN"/>
+          </a:p>
+        </p:txBody>
+      </p:sp>
+    </p:spTree>
+    <p:extLst>
+      <p:ext uri="{BB962C8B-B14F-4D97-AF65-F5344CB8AC3E}">
+        <p14:creationId xmlns:p14="http://schemas.microsoft.com/office/powerpoint/2010/main" val="3073066432"/>
+      </p:ext>
+    </p:extLst>
+  </p:cSld>
+  <p:clrMapOvr>
+    <a:masterClrMapping/>
+  </p:clrMapOvr>
+</p:notes>
+</file>
+
+<file path=ppt/notesSlides/notesSlide16.xml><?xml version="1.0" encoding="utf-8"?>
+<p:notes xmlns:a="http://schemas.openxmlformats.org/drawingml/2006/main" xmlns:r="http://schemas.openxmlformats.org/officeDocument/2006/relationships" xmlns:p="http://schemas.openxmlformats.org/presentationml/2006/main">
+  <p:cSld>
+    <p:spTree>
+      <p:nvGrpSpPr>
+        <p:cNvPr id="1" name="">
+          <a:extLst>
+            <a:ext uri="{FF2B5EF4-FFF2-40B4-BE49-F238E27FC236}">
+              <a16:creationId xmlns:a16="http://schemas.microsoft.com/office/drawing/2014/main" id="{B2679AA3-5C5E-1345-2321-6B6099C6ECDD}"/>
+            </a:ext>
+          </a:extLst>
+        </p:cNvPr>
+        <p:cNvGrpSpPr/>
+        <p:nvPr/>
+      </p:nvGrpSpPr>
+      <p:grpSpPr>
+        <a:xfrm>
+          <a:off x="0" y="0"/>
+          <a:ext cx="0" cy="0"/>
+          <a:chOff x="0" y="0"/>
+          <a:chExt cx="0" cy="0"/>
+        </a:xfrm>
+      </p:grpSpPr>
+      <p:sp>
+        <p:nvSpPr>
+          <p:cNvPr id="2" name="Slide Image Placeholder 1">
+            <a:extLst>
+              <a:ext uri="{FF2B5EF4-FFF2-40B4-BE49-F238E27FC236}">
+                <a16:creationId xmlns:a16="http://schemas.microsoft.com/office/drawing/2014/main" id="{E2863859-115F-9CD9-E52D-78520F4EC245}"/>
+              </a:ext>
+            </a:extLst>
+          </p:cNvPr>
+          <p:cNvSpPr>
+            <a:spLocks noGrp="1" noRot="1" noChangeAspect="1"/>
+          </p:cNvSpPr>
+          <p:nvPr>
+            <p:ph type="sldImg"/>
+          </p:nvPr>
+        </p:nvSpPr>
+        <p:spPr/>
+      </p:sp>
+      <p:sp>
+        <p:nvSpPr>
+          <p:cNvPr id="3" name="Notes Placeholder 2">
+            <a:extLst>
+              <a:ext uri="{FF2B5EF4-FFF2-40B4-BE49-F238E27FC236}">
+                <a16:creationId xmlns:a16="http://schemas.microsoft.com/office/drawing/2014/main" id="{3EAD1423-8FC1-11E1-488F-2199838DA358}"/>
+              </a:ext>
+            </a:extLst>
+          </p:cNvPr>
+          <p:cNvSpPr>
+            <a:spLocks noGrp="1"/>
+          </p:cNvSpPr>
+          <p:nvPr>
+            <p:ph type="body" idx="1"/>
+          </p:nvPr>
+        </p:nvSpPr>
+        <p:spPr/>
+        <p:txBody>
+          <a:bodyPr/>
+          <a:lstStyle/>
+          <a:p>
+            <a:endParaRPr lang="en-VN"/>
+          </a:p>
+        </p:txBody>
+      </p:sp>
+      <p:sp>
+        <p:nvSpPr>
+          <p:cNvPr id="4" name="Slide Number Placeholder 3">
+            <a:extLst>
+              <a:ext uri="{FF2B5EF4-FFF2-40B4-BE49-F238E27FC236}">
+                <a16:creationId xmlns:a16="http://schemas.microsoft.com/office/drawing/2014/main" id="{35B448D4-93E5-8C4E-D5ED-83F9A0C8089D}"/>
+              </a:ext>
+            </a:extLst>
+          </p:cNvPr>
+          <p:cNvSpPr>
+            <a:spLocks noGrp="1"/>
+          </p:cNvSpPr>
+          <p:nvPr>
+            <p:ph type="sldNum" sz="quarter" idx="5"/>
+          </p:nvPr>
+        </p:nvSpPr>
+        <p:spPr/>
+        <p:txBody>
+          <a:bodyPr/>
+          <a:lstStyle/>
+          <a:p>
+            <a:fld id="{576FF3D1-0F45-2240-9B47-75654C02E24A}" type="slidenum">
+              <a:t>17</a:t>
+            </a:fld>
+            <a:endParaRPr lang="en-VN"/>
+          </a:p>
+        </p:txBody>
+      </p:sp>
+    </p:spTree>
+    <p:extLst>
+      <p:ext uri="{BB962C8B-B14F-4D97-AF65-F5344CB8AC3E}">
+        <p14:creationId xmlns:p14="http://schemas.microsoft.com/office/powerpoint/2010/main" val="364985602"/>
+      </p:ext>
+    </p:extLst>
+  </p:cSld>
+  <p:clrMapOvr>
+    <a:masterClrMapping/>
+  </p:clrMapOvr>
+</p:notes>
+</file>
+
+<file path=ppt/notesSlides/notesSlide17.xml><?xml version="1.0" encoding="utf-8"?>
+<p:notes xmlns:a="http://schemas.openxmlformats.org/drawingml/2006/main" xmlns:r="http://schemas.openxmlformats.org/officeDocument/2006/relationships" xmlns:p="http://schemas.openxmlformats.org/presentationml/2006/main">
+  <p:cSld>
+    <p:spTree>
+      <p:nvGrpSpPr>
+        <p:cNvPr id="1" name="">
+          <a:extLst>
+            <a:ext uri="{FF2B5EF4-FFF2-40B4-BE49-F238E27FC236}">
+              <a16:creationId xmlns:a16="http://schemas.microsoft.com/office/drawing/2014/main" id="{8ECB7AC3-11FC-80CF-663B-9DFC3F6142B5}"/>
+            </a:ext>
+          </a:extLst>
+        </p:cNvPr>
+        <p:cNvGrpSpPr/>
+        <p:nvPr/>
+      </p:nvGrpSpPr>
+      <p:grpSpPr>
+        <a:xfrm>
+          <a:off x="0" y="0"/>
+          <a:ext cx="0" cy="0"/>
+          <a:chOff x="0" y="0"/>
+          <a:chExt cx="0" cy="0"/>
+        </a:xfrm>
+      </p:grpSpPr>
+      <p:sp>
+        <p:nvSpPr>
+          <p:cNvPr id="2" name="Slide Image Placeholder 1">
+            <a:extLst>
+              <a:ext uri="{FF2B5EF4-FFF2-40B4-BE49-F238E27FC236}">
+                <a16:creationId xmlns:a16="http://schemas.microsoft.com/office/drawing/2014/main" id="{98693C0D-CDC4-8F4D-7382-D43B5DA8BBFC}"/>
+              </a:ext>
+            </a:extLst>
+          </p:cNvPr>
+          <p:cNvSpPr>
+            <a:spLocks noGrp="1" noRot="1" noChangeAspect="1"/>
+          </p:cNvSpPr>
+          <p:nvPr>
+            <p:ph type="sldImg"/>
+          </p:nvPr>
+        </p:nvSpPr>
+        <p:spPr/>
+      </p:sp>
+      <p:sp>
+        <p:nvSpPr>
+          <p:cNvPr id="3" name="Notes Placeholder 2">
+            <a:extLst>
+              <a:ext uri="{FF2B5EF4-FFF2-40B4-BE49-F238E27FC236}">
+                <a16:creationId xmlns:a16="http://schemas.microsoft.com/office/drawing/2014/main" id="{3AFF7CFE-8967-9ADF-94A6-20CA8A452F04}"/>
+              </a:ext>
+            </a:extLst>
+          </p:cNvPr>
+          <p:cNvSpPr>
+            <a:spLocks noGrp="1"/>
+          </p:cNvSpPr>
+          <p:nvPr>
+            <p:ph type="body" idx="1"/>
+          </p:nvPr>
+        </p:nvSpPr>
+        <p:spPr/>
+        <p:txBody>
+          <a:bodyPr/>
+          <a:lstStyle/>
+          <a:p>
+            <a:endParaRPr lang="en-VN"/>
+          </a:p>
+        </p:txBody>
+      </p:sp>
+      <p:sp>
+        <p:nvSpPr>
+          <p:cNvPr id="4" name="Slide Number Placeholder 3">
+            <a:extLst>
+              <a:ext uri="{FF2B5EF4-FFF2-40B4-BE49-F238E27FC236}">
+                <a16:creationId xmlns:a16="http://schemas.microsoft.com/office/drawing/2014/main" id="{BAEABBAF-072C-B9E7-4C37-5A8A5DC6866B}"/>
+              </a:ext>
+            </a:extLst>
+          </p:cNvPr>
+          <p:cNvSpPr>
+            <a:spLocks noGrp="1"/>
+          </p:cNvSpPr>
+          <p:nvPr>
+            <p:ph type="sldNum" sz="quarter" idx="5"/>
+          </p:nvPr>
+        </p:nvSpPr>
+        <p:spPr/>
+        <p:txBody>
+          <a:bodyPr/>
+          <a:lstStyle/>
+          <a:p>
+            <a:fld id="{576FF3D1-0F45-2240-9B47-75654C02E24A}" type="slidenum">
+              <a:t>18</a:t>
+            </a:fld>
+            <a:endParaRPr lang="en-VN"/>
+          </a:p>
+        </p:txBody>
+      </p:sp>
+    </p:spTree>
+    <p:extLst>
+      <p:ext uri="{BB962C8B-B14F-4D97-AF65-F5344CB8AC3E}">
+        <p14:creationId xmlns:p14="http://schemas.microsoft.com/office/powerpoint/2010/main" val="2155063417"/>
+      </p:ext>
+    </p:extLst>
+  </p:cSld>
+  <p:clrMapOvr>
+    <a:masterClrMapping/>
+  </p:clrMapOvr>
+</p:notes>
+</file>
+
 <file path=ppt/notesSlides/notesSlide2.xml><?xml version="1.0" encoding="utf-8"?>
 <p:notes xmlns:a="http://schemas.openxmlformats.org/drawingml/2006/main" xmlns:r="http://schemas.openxmlformats.org/officeDocument/2006/relationships" xmlns:p="http://schemas.openxmlformats.org/presentationml/2006/main">
   <p:cSld>
@@ -2628,7 +3391,7 @@
           <a:p>
             <a:fld id="{BAA8DE05-51EE-4692-B197-877FA1DAAAED}" type="datetimeFigureOut">
               <a:rPr lang="en-US" smtClean="0"/>
-              <a:t>11/23/24</a:t>
+              <a:t>11/26/24</a:t>
             </a:fld>
             <a:endParaRPr lang="en-US"/>
           </a:p>
@@ -2826,7 +3589,7 @@
           <a:p>
             <a:fld id="{BAA8DE05-51EE-4692-B197-877FA1DAAAED}" type="datetimeFigureOut">
               <a:rPr lang="en-US" smtClean="0"/>
-              <a:t>11/23/24</a:t>
+              <a:t>11/26/24</a:t>
             </a:fld>
             <a:endParaRPr lang="en-US"/>
           </a:p>
@@ -3034,7 +3797,7 @@
           <a:p>
             <a:fld id="{BAA8DE05-51EE-4692-B197-877FA1DAAAED}" type="datetimeFigureOut">
               <a:rPr lang="en-US" smtClean="0"/>
-              <a:t>11/23/24</a:t>
+              <a:t>11/26/24</a:t>
             </a:fld>
             <a:endParaRPr lang="en-US"/>
           </a:p>
@@ -3232,7 +3995,7 @@
           <a:p>
             <a:fld id="{BAA8DE05-51EE-4692-B197-877FA1DAAAED}" type="datetimeFigureOut">
               <a:rPr lang="en-US" smtClean="0"/>
-              <a:t>11/23/24</a:t>
+              <a:t>11/26/24</a:t>
             </a:fld>
             <a:endParaRPr lang="en-US"/>
           </a:p>
@@ -3507,7 +4270,7 @@
           <a:p>
             <a:fld id="{BAA8DE05-51EE-4692-B197-877FA1DAAAED}" type="datetimeFigureOut">
               <a:rPr lang="en-US" smtClean="0"/>
-              <a:t>11/23/24</a:t>
+              <a:t>11/26/24</a:t>
             </a:fld>
             <a:endParaRPr lang="en-US"/>
           </a:p>
@@ -3772,7 +4535,7 @@
           <a:p>
             <a:fld id="{BAA8DE05-51EE-4692-B197-877FA1DAAAED}" type="datetimeFigureOut">
               <a:rPr lang="en-US" smtClean="0"/>
-              <a:t>11/23/24</a:t>
+              <a:t>11/26/24</a:t>
             </a:fld>
             <a:endParaRPr lang="en-US"/>
           </a:p>
@@ -4184,7 +4947,7 @@
           <a:p>
             <a:fld id="{BAA8DE05-51EE-4692-B197-877FA1DAAAED}" type="datetimeFigureOut">
               <a:rPr lang="en-US" smtClean="0"/>
-              <a:t>11/23/24</a:t>
+              <a:t>11/26/24</a:t>
             </a:fld>
             <a:endParaRPr lang="en-US"/>
           </a:p>
@@ -4325,7 +5088,7 @@
           <a:p>
             <a:fld id="{BAA8DE05-51EE-4692-B197-877FA1DAAAED}" type="datetimeFigureOut">
               <a:rPr lang="en-US" smtClean="0"/>
-              <a:t>11/23/24</a:t>
+              <a:t>11/26/24</a:t>
             </a:fld>
             <a:endParaRPr lang="en-US"/>
           </a:p>
@@ -4438,7 +5201,7 @@
           <a:p>
             <a:fld id="{BAA8DE05-51EE-4692-B197-877FA1DAAAED}" type="datetimeFigureOut">
               <a:rPr lang="en-US" smtClean="0"/>
-              <a:t>11/23/24</a:t>
+              <a:t>11/26/24</a:t>
             </a:fld>
             <a:endParaRPr lang="en-US"/>
           </a:p>
@@ -4749,7 +5512,7 @@
           <a:p>
             <a:fld id="{BAA8DE05-51EE-4692-B197-877FA1DAAAED}" type="datetimeFigureOut">
               <a:rPr lang="en-US" smtClean="0"/>
-              <a:t>11/23/24</a:t>
+              <a:t>11/26/24</a:t>
             </a:fld>
             <a:endParaRPr lang="en-US"/>
           </a:p>
@@ -5037,7 +5800,7 @@
           <a:p>
             <a:fld id="{BAA8DE05-51EE-4692-B197-877FA1DAAAED}" type="datetimeFigureOut">
               <a:rPr lang="en-US" smtClean="0"/>
-              <a:t>11/23/24</a:t>
+              <a:t>11/26/24</a:t>
             </a:fld>
             <a:endParaRPr lang="en-US"/>
           </a:p>
@@ -5278,7 +6041,7 @@
           <a:p>
             <a:fld id="{BAA8DE05-51EE-4692-B197-877FA1DAAAED}" type="datetimeFigureOut">
               <a:rPr lang="en-US" smtClean="0"/>
-              <a:t>11/23/24</a:t>
+              <a:t>11/26/24</a:t>
             </a:fld>
             <a:endParaRPr lang="en-US"/>
           </a:p>
@@ -6969,6 +7732,5062 @@
                                           <p:spTgt spid="4">
                                             <p:txEl>
                                               <p:pRg st="0" end="0"/>
+                                            </p:txEl>
+                                          </p:spTgt>
+                                        </p:tgtEl>
+                                        <p:attrNameLst>
+                                          <p:attrName>style.visibility</p:attrName>
+                                        </p:attrNameLst>
+                                      </p:cBhvr>
+                                      <p:to>
+                                        <p:strVal val="visible"/>
+                                      </p:to>
+                                    </p:set>
+                                  </p:childTnLst>
+                                </p:cTn>
+                              </p:par>
+                            </p:childTnLst>
+                          </p:cTn>
+                        </p:par>
+                      </p:childTnLst>
+                    </p:cTn>
+                  </p:par>
+                </p:childTnLst>
+              </p:cTn>
+              <p:prevCondLst>
+                <p:cond evt="onPrev" delay="0">
+                  <p:tgtEl>
+                    <p:sldTgt/>
+                  </p:tgtEl>
+                </p:cond>
+              </p:prevCondLst>
+              <p:nextCondLst>
+                <p:cond evt="onNext" delay="0">
+                  <p:tgtEl>
+                    <p:sldTgt/>
+                  </p:tgtEl>
+                </p:cond>
+              </p:nextCondLst>
+            </p:seq>
+          </p:childTnLst>
+        </p:cTn>
+      </p:par>
+    </p:tnLst>
+  </p:timing>
+</p:sld>
+</file>
+
+<file path=ppt/slides/slide12.xml><?xml version="1.0" encoding="utf-8"?>
+<p:sld xmlns:a="http://schemas.openxmlformats.org/drawingml/2006/main" xmlns:r="http://schemas.openxmlformats.org/officeDocument/2006/relationships" xmlns:p="http://schemas.openxmlformats.org/presentationml/2006/main">
+  <p:cSld>
+    <p:spTree>
+      <p:nvGrpSpPr>
+        <p:cNvPr id="1" name="">
+          <a:extLst>
+            <a:ext uri="{FF2B5EF4-FFF2-40B4-BE49-F238E27FC236}">
+              <a16:creationId xmlns:a16="http://schemas.microsoft.com/office/drawing/2014/main" id="{A3AC98DD-6581-8050-CC85-073978E9FEB1}"/>
+            </a:ext>
+          </a:extLst>
+        </p:cNvPr>
+        <p:cNvGrpSpPr/>
+        <p:nvPr/>
+      </p:nvGrpSpPr>
+      <p:grpSpPr>
+        <a:xfrm>
+          <a:off x="0" y="0"/>
+          <a:ext cx="0" cy="0"/>
+          <a:chOff x="0" y="0"/>
+          <a:chExt cx="0" cy="0"/>
+        </a:xfrm>
+      </p:grpSpPr>
+      <p:sp>
+        <p:nvSpPr>
+          <p:cNvPr id="3" name="Subtitle 2">
+            <a:extLst>
+              <a:ext uri="{FF2B5EF4-FFF2-40B4-BE49-F238E27FC236}">
+                <a16:creationId xmlns:a16="http://schemas.microsoft.com/office/drawing/2014/main" id="{E3FC0386-4912-5D0C-1E80-A75CB26BE177}"/>
+              </a:ext>
+            </a:extLst>
+          </p:cNvPr>
+          <p:cNvSpPr>
+            <a:spLocks noGrp="1"/>
+          </p:cNvSpPr>
+          <p:nvPr>
+            <p:ph type="subTitle" idx="1"/>
+          </p:nvPr>
+        </p:nvSpPr>
+        <p:spPr>
+          <a:xfrm>
+            <a:off x="152399" y="217488"/>
+            <a:ext cx="11223171" cy="303212"/>
+          </a:xfrm>
+        </p:spPr>
+        <p:txBody>
+          <a:bodyPr>
+            <a:normAutofit fontScale="92500" lnSpcReduction="20000"/>
+          </a:bodyPr>
+          <a:lstStyle/>
+          <a:p>
+            <a:r>
+              <a:rPr lang="en-US" sz="1800" b="1"/>
+              <a:t>Chapter 4 – Continued</a:t>
+            </a:r>
+          </a:p>
+        </p:txBody>
+      </p:sp>
+      <p:sp>
+        <p:nvSpPr>
+          <p:cNvPr id="4" name="Subtitle 2">
+            <a:extLst>
+              <a:ext uri="{FF2B5EF4-FFF2-40B4-BE49-F238E27FC236}">
+                <a16:creationId xmlns:a16="http://schemas.microsoft.com/office/drawing/2014/main" id="{3A2D6BC2-CE15-63DD-37CB-B233AF637ABA}"/>
+              </a:ext>
+            </a:extLst>
+          </p:cNvPr>
+          <p:cNvSpPr txBox="1">
+            <a:spLocks/>
+          </p:cNvSpPr>
+          <p:nvPr/>
+        </p:nvSpPr>
+        <p:spPr>
+          <a:xfrm>
+            <a:off x="0" y="820738"/>
+            <a:ext cx="12192000" cy="6037262"/>
+          </a:xfrm>
+          <a:prstGeom prst="rect">
+            <a:avLst/>
+          </a:prstGeom>
+        </p:spPr>
+        <p:txBody>
+          <a:bodyPr vert="horz" lIns="91440" tIns="45720" rIns="91440" bIns="45720" rtlCol="0">
+            <a:normAutofit/>
+          </a:bodyPr>
+          <a:lstStyle>
+            <a:lvl1pPr marL="0" indent="0" algn="ctr" defTabSz="914400" rtl="0" eaLnBrk="1" latinLnBrk="0" hangingPunct="1">
+              <a:lnSpc>
+                <a:spcPct val="90000"/>
+              </a:lnSpc>
+              <a:spcBef>
+                <a:spcPts val="1000"/>
+              </a:spcBef>
+              <a:buFont typeface="Arial" panose="020B0604020202020204" pitchFamily="34" charset="0"/>
+              <a:buNone/>
+              <a:defRPr sz="2400" kern="1200">
+                <a:solidFill>
+                  <a:schemeClr val="tx1"/>
+                </a:solidFill>
+                <a:latin typeface="+mn-lt"/>
+                <a:ea typeface="+mn-ea"/>
+                <a:cs typeface="+mn-cs"/>
+              </a:defRPr>
+            </a:lvl1pPr>
+            <a:lvl2pPr marL="457200" indent="0" algn="ctr" defTabSz="914400" rtl="0" eaLnBrk="1" latinLnBrk="0" hangingPunct="1">
+              <a:lnSpc>
+                <a:spcPct val="90000"/>
+              </a:lnSpc>
+              <a:spcBef>
+                <a:spcPts val="500"/>
+              </a:spcBef>
+              <a:buFont typeface="Arial" panose="020B0604020202020204" pitchFamily="34" charset="0"/>
+              <a:buNone/>
+              <a:defRPr sz="2000" kern="1200">
+                <a:solidFill>
+                  <a:schemeClr val="tx1"/>
+                </a:solidFill>
+                <a:latin typeface="+mn-lt"/>
+                <a:ea typeface="+mn-ea"/>
+                <a:cs typeface="+mn-cs"/>
+              </a:defRPr>
+            </a:lvl2pPr>
+            <a:lvl3pPr marL="914400" indent="0" algn="ctr" defTabSz="914400" rtl="0" eaLnBrk="1" latinLnBrk="0" hangingPunct="1">
+              <a:lnSpc>
+                <a:spcPct val="90000"/>
+              </a:lnSpc>
+              <a:spcBef>
+                <a:spcPts val="500"/>
+              </a:spcBef>
+              <a:buFont typeface="Arial" panose="020B0604020202020204" pitchFamily="34" charset="0"/>
+              <a:buNone/>
+              <a:defRPr sz="1800" kern="1200">
+                <a:solidFill>
+                  <a:schemeClr val="tx1"/>
+                </a:solidFill>
+                <a:latin typeface="+mn-lt"/>
+                <a:ea typeface="+mn-ea"/>
+                <a:cs typeface="+mn-cs"/>
+              </a:defRPr>
+            </a:lvl3pPr>
+            <a:lvl4pPr marL="1371600" indent="0" algn="ctr" defTabSz="914400" rtl="0" eaLnBrk="1" latinLnBrk="0" hangingPunct="1">
+              <a:lnSpc>
+                <a:spcPct val="90000"/>
+              </a:lnSpc>
+              <a:spcBef>
+                <a:spcPts val="500"/>
+              </a:spcBef>
+              <a:buFont typeface="Arial" panose="020B0604020202020204" pitchFamily="34" charset="0"/>
+              <a:buNone/>
+              <a:defRPr sz="1600" kern="1200">
+                <a:solidFill>
+                  <a:schemeClr val="tx1"/>
+                </a:solidFill>
+                <a:latin typeface="+mn-lt"/>
+                <a:ea typeface="+mn-ea"/>
+                <a:cs typeface="+mn-cs"/>
+              </a:defRPr>
+            </a:lvl4pPr>
+            <a:lvl5pPr marL="1828800" indent="0" algn="ctr" defTabSz="914400" rtl="0" eaLnBrk="1" latinLnBrk="0" hangingPunct="1">
+              <a:lnSpc>
+                <a:spcPct val="90000"/>
+              </a:lnSpc>
+              <a:spcBef>
+                <a:spcPts val="500"/>
+              </a:spcBef>
+              <a:buFont typeface="Arial" panose="020B0604020202020204" pitchFamily="34" charset="0"/>
+              <a:buNone/>
+              <a:defRPr sz="1600" kern="1200">
+                <a:solidFill>
+                  <a:schemeClr val="tx1"/>
+                </a:solidFill>
+                <a:latin typeface="+mn-lt"/>
+                <a:ea typeface="+mn-ea"/>
+                <a:cs typeface="+mn-cs"/>
+              </a:defRPr>
+            </a:lvl5pPr>
+            <a:lvl6pPr marL="2286000" indent="0" algn="ctr" defTabSz="914400" rtl="0" eaLnBrk="1" latinLnBrk="0" hangingPunct="1">
+              <a:lnSpc>
+                <a:spcPct val="90000"/>
+              </a:lnSpc>
+              <a:spcBef>
+                <a:spcPts val="500"/>
+              </a:spcBef>
+              <a:buFont typeface="Arial" panose="020B0604020202020204" pitchFamily="34" charset="0"/>
+              <a:buNone/>
+              <a:defRPr sz="1600" kern="1200">
+                <a:solidFill>
+                  <a:schemeClr val="tx1"/>
+                </a:solidFill>
+                <a:latin typeface="+mn-lt"/>
+                <a:ea typeface="+mn-ea"/>
+                <a:cs typeface="+mn-cs"/>
+              </a:defRPr>
+            </a:lvl6pPr>
+            <a:lvl7pPr marL="2743200" indent="0" algn="ctr" defTabSz="914400" rtl="0" eaLnBrk="1" latinLnBrk="0" hangingPunct="1">
+              <a:lnSpc>
+                <a:spcPct val="90000"/>
+              </a:lnSpc>
+              <a:spcBef>
+                <a:spcPts val="500"/>
+              </a:spcBef>
+              <a:buFont typeface="Arial" panose="020B0604020202020204" pitchFamily="34" charset="0"/>
+              <a:buNone/>
+              <a:defRPr sz="1600" kern="1200">
+                <a:solidFill>
+                  <a:schemeClr val="tx1"/>
+                </a:solidFill>
+                <a:latin typeface="+mn-lt"/>
+                <a:ea typeface="+mn-ea"/>
+                <a:cs typeface="+mn-cs"/>
+              </a:defRPr>
+            </a:lvl7pPr>
+            <a:lvl8pPr marL="3200400" indent="0" algn="ctr" defTabSz="914400" rtl="0" eaLnBrk="1" latinLnBrk="0" hangingPunct="1">
+              <a:lnSpc>
+                <a:spcPct val="90000"/>
+              </a:lnSpc>
+              <a:spcBef>
+                <a:spcPts val="500"/>
+              </a:spcBef>
+              <a:buFont typeface="Arial" panose="020B0604020202020204" pitchFamily="34" charset="0"/>
+              <a:buNone/>
+              <a:defRPr sz="1600" kern="1200">
+                <a:solidFill>
+                  <a:schemeClr val="tx1"/>
+                </a:solidFill>
+                <a:latin typeface="+mn-lt"/>
+                <a:ea typeface="+mn-ea"/>
+                <a:cs typeface="+mn-cs"/>
+              </a:defRPr>
+            </a:lvl8pPr>
+            <a:lvl9pPr marL="3657600" indent="0" algn="ctr" defTabSz="914400" rtl="0" eaLnBrk="1" latinLnBrk="0" hangingPunct="1">
+              <a:lnSpc>
+                <a:spcPct val="90000"/>
+              </a:lnSpc>
+              <a:spcBef>
+                <a:spcPts val="500"/>
+              </a:spcBef>
+              <a:buFont typeface="Arial" panose="020B0604020202020204" pitchFamily="34" charset="0"/>
+              <a:buNone/>
+              <a:defRPr sz="1600" kern="1200">
+                <a:solidFill>
+                  <a:schemeClr val="tx1"/>
+                </a:solidFill>
+                <a:latin typeface="+mn-lt"/>
+                <a:ea typeface="+mn-ea"/>
+                <a:cs typeface="+mn-cs"/>
+              </a:defRPr>
+            </a:lvl9pPr>
+          </a:lstStyle>
+          <a:p>
+            <a:pPr algn="l"/>
+            <a:r>
+              <a:rPr lang="en-US" sz="1800">
+                <a:sym typeface="Wingdings" pitchFamily="2" charset="2"/>
+              </a:rPr>
+              <a:t>- Question from previous lession: Why can't we use implicit widening in boxing primitive type ?</a:t>
+            </a:r>
+          </a:p>
+          <a:p>
+            <a:pPr algn="l"/>
+            <a:r>
+              <a:rPr lang="en-US" sz="1800">
+                <a:sym typeface="Wingdings" pitchFamily="2" charset="2"/>
+              </a:rPr>
+              <a:t>Answer: According to Java Specification, boxing primitive is considered as "Boxing ..." and it defines Boxing ... as: </a:t>
+            </a:r>
+          </a:p>
+          <a:p>
+            <a:pPr algn="l"/>
+            <a:r>
+              <a:rPr lang="en-US" sz="1800">
+                <a:sym typeface="Wingdings" pitchFamily="2" charset="2"/>
+              </a:rPr>
+              <a:t>...-&gt; ...</a:t>
+            </a:r>
+          </a:p>
+          <a:p>
+            <a:pPr algn="l"/>
+            <a:r>
+              <a:rPr lang="en-US" sz="1800">
+                <a:sym typeface="Wingdings" pitchFamily="2" charset="2"/>
+              </a:rPr>
+              <a:t>...-&gt; ...</a:t>
+            </a:r>
+          </a:p>
+          <a:p>
+            <a:pPr algn="l"/>
+            <a:r>
+              <a:rPr lang="en-US" sz="1800">
+                <a:sym typeface="Wingdings" pitchFamily="2" charset="2"/>
+              </a:rPr>
+              <a:t>...-&gt; ...</a:t>
+            </a:r>
+          </a:p>
+          <a:p>
+            <a:pPr algn="l"/>
+            <a:r>
+              <a:rPr lang="en-US" sz="1800">
+                <a:sym typeface="Wingdings" pitchFamily="2" charset="2"/>
+              </a:rPr>
+              <a:t>...-&gt; ...</a:t>
+            </a:r>
+          </a:p>
+          <a:p>
+            <a:pPr algn="l"/>
+            <a:r>
+              <a:rPr lang="en-US" sz="1800">
+                <a:sym typeface="Wingdings" pitchFamily="2" charset="2"/>
+              </a:rPr>
+              <a:t>...-&gt; ...</a:t>
+            </a:r>
+          </a:p>
+          <a:p>
+            <a:pPr algn="l"/>
+            <a:r>
+              <a:rPr lang="en-US" sz="1800">
+                <a:sym typeface="Wingdings" pitchFamily="2" charset="2"/>
+              </a:rPr>
+              <a:t>...-&gt; ...</a:t>
+            </a:r>
+          </a:p>
+          <a:p>
+            <a:pPr algn="l"/>
+            <a:r>
+              <a:rPr lang="en-US" sz="1800">
+                <a:sym typeface="Wingdings" pitchFamily="2" charset="2"/>
+              </a:rPr>
+              <a:t>... -&gt; ...</a:t>
+            </a:r>
+          </a:p>
+          <a:p>
+            <a:pPr algn="l"/>
+            <a:r>
+              <a:rPr lang="en-US" sz="1800">
+                <a:sym typeface="Wingdings" pitchFamily="2" charset="2"/>
+              </a:rPr>
+              <a:t>...-&gt; ...</a:t>
+            </a:r>
+          </a:p>
+          <a:p>
+            <a:pPr algn="l"/>
+            <a:r>
+              <a:rPr lang="en-US" sz="1800">
+                <a:sym typeface="Wingdings" pitchFamily="2" charset="2"/>
+              </a:rPr>
+              <a:t>null -&gt; null (ask question about this, Q6)</a:t>
+            </a:r>
+          </a:p>
+          <a:p>
+            <a:pPr algn="l"/>
+            <a:r>
+              <a:rPr lang="en-US" sz="1800">
+                <a:sym typeface="Wingdings" pitchFamily="2" charset="2"/>
+              </a:rPr>
+              <a:t>=&gt; Therefore, we can't pass ... but we must ...</a:t>
+            </a:r>
+          </a:p>
+          <a:p>
+            <a:pPr algn="l"/>
+            <a:endParaRPr lang="en-US" sz="1800">
+              <a:sym typeface="Wingdings" pitchFamily="2" charset="2"/>
+            </a:endParaRPr>
+          </a:p>
+        </p:txBody>
+      </p:sp>
+    </p:spTree>
+    <p:extLst>
+      <p:ext uri="{BB962C8B-B14F-4D97-AF65-F5344CB8AC3E}">
+        <p14:creationId xmlns:p14="http://schemas.microsoft.com/office/powerpoint/2010/main" val="740686078"/>
+      </p:ext>
+    </p:extLst>
+  </p:cSld>
+  <p:clrMapOvr>
+    <a:masterClrMapping/>
+  </p:clrMapOvr>
+  <p:timing>
+    <p:tnLst>
+      <p:par>
+        <p:cTn id="1" dur="indefinite" restart="never" nodeType="tmRoot">
+          <p:childTnLst>
+            <p:seq concurrent="1" nextAc="seek">
+              <p:cTn id="2" dur="indefinite" nodeType="mainSeq">
+                <p:childTnLst>
+                  <p:par>
+                    <p:cTn id="3" fill="hold">
+                      <p:stCondLst>
+                        <p:cond delay="indefinite"/>
+                      </p:stCondLst>
+                      <p:childTnLst>
+                        <p:par>
+                          <p:cTn id="4" fill="hold">
+                            <p:stCondLst>
+                              <p:cond delay="0"/>
+                            </p:stCondLst>
+                            <p:childTnLst>
+                              <p:par>
+                                <p:cTn id="5" presetID="1" presetClass="entr" presetSubtype="0" fill="hold" nodeType="clickEffect">
+                                  <p:stCondLst>
+                                    <p:cond delay="0"/>
+                                  </p:stCondLst>
+                                  <p:childTnLst>
+                                    <p:set>
+                                      <p:cBhvr>
+                                        <p:cTn id="6" dur="1" fill="hold">
+                                          <p:stCondLst>
+                                            <p:cond delay="0"/>
+                                          </p:stCondLst>
+                                        </p:cTn>
+                                        <p:tgtEl>
+                                          <p:spTgt spid="4">
+                                            <p:txEl>
+                                              <p:pRg st="0" end="0"/>
+                                            </p:txEl>
+                                          </p:spTgt>
+                                        </p:tgtEl>
+                                        <p:attrNameLst>
+                                          <p:attrName>style.visibility</p:attrName>
+                                        </p:attrNameLst>
+                                      </p:cBhvr>
+                                      <p:to>
+                                        <p:strVal val="visible"/>
+                                      </p:to>
+                                    </p:set>
+                                  </p:childTnLst>
+                                </p:cTn>
+                              </p:par>
+                            </p:childTnLst>
+                          </p:cTn>
+                        </p:par>
+                      </p:childTnLst>
+                    </p:cTn>
+                  </p:par>
+                  <p:par>
+                    <p:cTn id="7" fill="hold">
+                      <p:stCondLst>
+                        <p:cond delay="indefinite"/>
+                      </p:stCondLst>
+                      <p:childTnLst>
+                        <p:par>
+                          <p:cTn id="8" fill="hold">
+                            <p:stCondLst>
+                              <p:cond delay="0"/>
+                            </p:stCondLst>
+                            <p:childTnLst>
+                              <p:par>
+                                <p:cTn id="9" presetID="1" presetClass="entr" presetSubtype="0" fill="hold" nodeType="clickEffect">
+                                  <p:stCondLst>
+                                    <p:cond delay="0"/>
+                                  </p:stCondLst>
+                                  <p:childTnLst>
+                                    <p:set>
+                                      <p:cBhvr>
+                                        <p:cTn id="10" dur="1" fill="hold">
+                                          <p:stCondLst>
+                                            <p:cond delay="0"/>
+                                          </p:stCondLst>
+                                        </p:cTn>
+                                        <p:tgtEl>
+                                          <p:spTgt spid="4">
+                                            <p:txEl>
+                                              <p:pRg st="1" end="1"/>
+                                            </p:txEl>
+                                          </p:spTgt>
+                                        </p:tgtEl>
+                                        <p:attrNameLst>
+                                          <p:attrName>style.visibility</p:attrName>
+                                        </p:attrNameLst>
+                                      </p:cBhvr>
+                                      <p:to>
+                                        <p:strVal val="visible"/>
+                                      </p:to>
+                                    </p:set>
+                                  </p:childTnLst>
+                                </p:cTn>
+                              </p:par>
+                            </p:childTnLst>
+                          </p:cTn>
+                        </p:par>
+                      </p:childTnLst>
+                    </p:cTn>
+                  </p:par>
+                  <p:par>
+                    <p:cTn id="11" fill="hold">
+                      <p:stCondLst>
+                        <p:cond delay="indefinite"/>
+                      </p:stCondLst>
+                      <p:childTnLst>
+                        <p:par>
+                          <p:cTn id="12" fill="hold">
+                            <p:stCondLst>
+                              <p:cond delay="0"/>
+                            </p:stCondLst>
+                            <p:childTnLst>
+                              <p:par>
+                                <p:cTn id="13" presetID="1" presetClass="entr" presetSubtype="0" fill="hold" nodeType="clickEffect">
+                                  <p:stCondLst>
+                                    <p:cond delay="0"/>
+                                  </p:stCondLst>
+                                  <p:childTnLst>
+                                    <p:set>
+                                      <p:cBhvr>
+                                        <p:cTn id="14" dur="1" fill="hold">
+                                          <p:stCondLst>
+                                            <p:cond delay="0"/>
+                                          </p:stCondLst>
+                                        </p:cTn>
+                                        <p:tgtEl>
+                                          <p:spTgt spid="4">
+                                            <p:txEl>
+                                              <p:pRg st="2" end="2"/>
+                                            </p:txEl>
+                                          </p:spTgt>
+                                        </p:tgtEl>
+                                        <p:attrNameLst>
+                                          <p:attrName>style.visibility</p:attrName>
+                                        </p:attrNameLst>
+                                      </p:cBhvr>
+                                      <p:to>
+                                        <p:strVal val="visible"/>
+                                      </p:to>
+                                    </p:set>
+                                  </p:childTnLst>
+                                </p:cTn>
+                              </p:par>
+                            </p:childTnLst>
+                          </p:cTn>
+                        </p:par>
+                      </p:childTnLst>
+                    </p:cTn>
+                  </p:par>
+                  <p:par>
+                    <p:cTn id="15" fill="hold">
+                      <p:stCondLst>
+                        <p:cond delay="indefinite"/>
+                      </p:stCondLst>
+                      <p:childTnLst>
+                        <p:par>
+                          <p:cTn id="16" fill="hold">
+                            <p:stCondLst>
+                              <p:cond delay="0"/>
+                            </p:stCondLst>
+                            <p:childTnLst>
+                              <p:par>
+                                <p:cTn id="17" presetID="1" presetClass="entr" presetSubtype="0" fill="hold" nodeType="clickEffect">
+                                  <p:stCondLst>
+                                    <p:cond delay="0"/>
+                                  </p:stCondLst>
+                                  <p:childTnLst>
+                                    <p:set>
+                                      <p:cBhvr>
+                                        <p:cTn id="18" dur="1" fill="hold">
+                                          <p:stCondLst>
+                                            <p:cond delay="0"/>
+                                          </p:stCondLst>
+                                        </p:cTn>
+                                        <p:tgtEl>
+                                          <p:spTgt spid="4">
+                                            <p:txEl>
+                                              <p:pRg st="3" end="3"/>
+                                            </p:txEl>
+                                          </p:spTgt>
+                                        </p:tgtEl>
+                                        <p:attrNameLst>
+                                          <p:attrName>style.visibility</p:attrName>
+                                        </p:attrNameLst>
+                                      </p:cBhvr>
+                                      <p:to>
+                                        <p:strVal val="visible"/>
+                                      </p:to>
+                                    </p:set>
+                                  </p:childTnLst>
+                                </p:cTn>
+                              </p:par>
+                            </p:childTnLst>
+                          </p:cTn>
+                        </p:par>
+                      </p:childTnLst>
+                    </p:cTn>
+                  </p:par>
+                  <p:par>
+                    <p:cTn id="19" fill="hold">
+                      <p:stCondLst>
+                        <p:cond delay="indefinite"/>
+                      </p:stCondLst>
+                      <p:childTnLst>
+                        <p:par>
+                          <p:cTn id="20" fill="hold">
+                            <p:stCondLst>
+                              <p:cond delay="0"/>
+                            </p:stCondLst>
+                            <p:childTnLst>
+                              <p:par>
+                                <p:cTn id="21" presetID="1" presetClass="entr" presetSubtype="0" fill="hold" nodeType="clickEffect">
+                                  <p:stCondLst>
+                                    <p:cond delay="0"/>
+                                  </p:stCondLst>
+                                  <p:childTnLst>
+                                    <p:set>
+                                      <p:cBhvr>
+                                        <p:cTn id="22" dur="1" fill="hold">
+                                          <p:stCondLst>
+                                            <p:cond delay="0"/>
+                                          </p:stCondLst>
+                                        </p:cTn>
+                                        <p:tgtEl>
+                                          <p:spTgt spid="4">
+                                            <p:txEl>
+                                              <p:pRg st="4" end="4"/>
+                                            </p:txEl>
+                                          </p:spTgt>
+                                        </p:tgtEl>
+                                        <p:attrNameLst>
+                                          <p:attrName>style.visibility</p:attrName>
+                                        </p:attrNameLst>
+                                      </p:cBhvr>
+                                      <p:to>
+                                        <p:strVal val="visible"/>
+                                      </p:to>
+                                    </p:set>
+                                  </p:childTnLst>
+                                </p:cTn>
+                              </p:par>
+                            </p:childTnLst>
+                          </p:cTn>
+                        </p:par>
+                      </p:childTnLst>
+                    </p:cTn>
+                  </p:par>
+                  <p:par>
+                    <p:cTn id="23" fill="hold">
+                      <p:stCondLst>
+                        <p:cond delay="indefinite"/>
+                      </p:stCondLst>
+                      <p:childTnLst>
+                        <p:par>
+                          <p:cTn id="24" fill="hold">
+                            <p:stCondLst>
+                              <p:cond delay="0"/>
+                            </p:stCondLst>
+                            <p:childTnLst>
+                              <p:par>
+                                <p:cTn id="25" presetID="1" presetClass="entr" presetSubtype="0" fill="hold" nodeType="clickEffect">
+                                  <p:stCondLst>
+                                    <p:cond delay="0"/>
+                                  </p:stCondLst>
+                                  <p:childTnLst>
+                                    <p:set>
+                                      <p:cBhvr>
+                                        <p:cTn id="26" dur="1" fill="hold">
+                                          <p:stCondLst>
+                                            <p:cond delay="0"/>
+                                          </p:stCondLst>
+                                        </p:cTn>
+                                        <p:tgtEl>
+                                          <p:spTgt spid="4">
+                                            <p:txEl>
+                                              <p:pRg st="5" end="5"/>
+                                            </p:txEl>
+                                          </p:spTgt>
+                                        </p:tgtEl>
+                                        <p:attrNameLst>
+                                          <p:attrName>style.visibility</p:attrName>
+                                        </p:attrNameLst>
+                                      </p:cBhvr>
+                                      <p:to>
+                                        <p:strVal val="visible"/>
+                                      </p:to>
+                                    </p:set>
+                                  </p:childTnLst>
+                                </p:cTn>
+                              </p:par>
+                            </p:childTnLst>
+                          </p:cTn>
+                        </p:par>
+                      </p:childTnLst>
+                    </p:cTn>
+                  </p:par>
+                  <p:par>
+                    <p:cTn id="27" fill="hold">
+                      <p:stCondLst>
+                        <p:cond delay="indefinite"/>
+                      </p:stCondLst>
+                      <p:childTnLst>
+                        <p:par>
+                          <p:cTn id="28" fill="hold">
+                            <p:stCondLst>
+                              <p:cond delay="0"/>
+                            </p:stCondLst>
+                            <p:childTnLst>
+                              <p:par>
+                                <p:cTn id="29" presetID="1" presetClass="entr" presetSubtype="0" fill="hold" nodeType="clickEffect">
+                                  <p:stCondLst>
+                                    <p:cond delay="0"/>
+                                  </p:stCondLst>
+                                  <p:childTnLst>
+                                    <p:set>
+                                      <p:cBhvr>
+                                        <p:cTn id="30" dur="1" fill="hold">
+                                          <p:stCondLst>
+                                            <p:cond delay="0"/>
+                                          </p:stCondLst>
+                                        </p:cTn>
+                                        <p:tgtEl>
+                                          <p:spTgt spid="4">
+                                            <p:txEl>
+                                              <p:pRg st="6" end="6"/>
+                                            </p:txEl>
+                                          </p:spTgt>
+                                        </p:tgtEl>
+                                        <p:attrNameLst>
+                                          <p:attrName>style.visibility</p:attrName>
+                                        </p:attrNameLst>
+                                      </p:cBhvr>
+                                      <p:to>
+                                        <p:strVal val="visible"/>
+                                      </p:to>
+                                    </p:set>
+                                  </p:childTnLst>
+                                </p:cTn>
+                              </p:par>
+                            </p:childTnLst>
+                          </p:cTn>
+                        </p:par>
+                      </p:childTnLst>
+                    </p:cTn>
+                  </p:par>
+                  <p:par>
+                    <p:cTn id="31" fill="hold">
+                      <p:stCondLst>
+                        <p:cond delay="indefinite"/>
+                      </p:stCondLst>
+                      <p:childTnLst>
+                        <p:par>
+                          <p:cTn id="32" fill="hold">
+                            <p:stCondLst>
+                              <p:cond delay="0"/>
+                            </p:stCondLst>
+                            <p:childTnLst>
+                              <p:par>
+                                <p:cTn id="33" presetID="1" presetClass="entr" presetSubtype="0" fill="hold" nodeType="clickEffect">
+                                  <p:stCondLst>
+                                    <p:cond delay="0"/>
+                                  </p:stCondLst>
+                                  <p:childTnLst>
+                                    <p:set>
+                                      <p:cBhvr>
+                                        <p:cTn id="34" dur="1" fill="hold">
+                                          <p:stCondLst>
+                                            <p:cond delay="0"/>
+                                          </p:stCondLst>
+                                        </p:cTn>
+                                        <p:tgtEl>
+                                          <p:spTgt spid="4">
+                                            <p:txEl>
+                                              <p:pRg st="7" end="7"/>
+                                            </p:txEl>
+                                          </p:spTgt>
+                                        </p:tgtEl>
+                                        <p:attrNameLst>
+                                          <p:attrName>style.visibility</p:attrName>
+                                        </p:attrNameLst>
+                                      </p:cBhvr>
+                                      <p:to>
+                                        <p:strVal val="visible"/>
+                                      </p:to>
+                                    </p:set>
+                                  </p:childTnLst>
+                                </p:cTn>
+                              </p:par>
+                            </p:childTnLst>
+                          </p:cTn>
+                        </p:par>
+                      </p:childTnLst>
+                    </p:cTn>
+                  </p:par>
+                  <p:par>
+                    <p:cTn id="35" fill="hold">
+                      <p:stCondLst>
+                        <p:cond delay="indefinite"/>
+                      </p:stCondLst>
+                      <p:childTnLst>
+                        <p:par>
+                          <p:cTn id="36" fill="hold">
+                            <p:stCondLst>
+                              <p:cond delay="0"/>
+                            </p:stCondLst>
+                            <p:childTnLst>
+                              <p:par>
+                                <p:cTn id="37" presetID="1" presetClass="entr" presetSubtype="0" fill="hold" nodeType="clickEffect">
+                                  <p:stCondLst>
+                                    <p:cond delay="0"/>
+                                  </p:stCondLst>
+                                  <p:childTnLst>
+                                    <p:set>
+                                      <p:cBhvr>
+                                        <p:cTn id="38" dur="1" fill="hold">
+                                          <p:stCondLst>
+                                            <p:cond delay="0"/>
+                                          </p:stCondLst>
+                                        </p:cTn>
+                                        <p:tgtEl>
+                                          <p:spTgt spid="4">
+                                            <p:txEl>
+                                              <p:pRg st="8" end="8"/>
+                                            </p:txEl>
+                                          </p:spTgt>
+                                        </p:tgtEl>
+                                        <p:attrNameLst>
+                                          <p:attrName>style.visibility</p:attrName>
+                                        </p:attrNameLst>
+                                      </p:cBhvr>
+                                      <p:to>
+                                        <p:strVal val="visible"/>
+                                      </p:to>
+                                    </p:set>
+                                  </p:childTnLst>
+                                </p:cTn>
+                              </p:par>
+                            </p:childTnLst>
+                          </p:cTn>
+                        </p:par>
+                      </p:childTnLst>
+                    </p:cTn>
+                  </p:par>
+                  <p:par>
+                    <p:cTn id="39" fill="hold">
+                      <p:stCondLst>
+                        <p:cond delay="indefinite"/>
+                      </p:stCondLst>
+                      <p:childTnLst>
+                        <p:par>
+                          <p:cTn id="40" fill="hold">
+                            <p:stCondLst>
+                              <p:cond delay="0"/>
+                            </p:stCondLst>
+                            <p:childTnLst>
+                              <p:par>
+                                <p:cTn id="41" presetID="1" presetClass="entr" presetSubtype="0" fill="hold" nodeType="clickEffect">
+                                  <p:stCondLst>
+                                    <p:cond delay="0"/>
+                                  </p:stCondLst>
+                                  <p:childTnLst>
+                                    <p:set>
+                                      <p:cBhvr>
+                                        <p:cTn id="42" dur="1" fill="hold">
+                                          <p:stCondLst>
+                                            <p:cond delay="0"/>
+                                          </p:stCondLst>
+                                        </p:cTn>
+                                        <p:tgtEl>
+                                          <p:spTgt spid="4">
+                                            <p:txEl>
+                                              <p:pRg st="9" end="9"/>
+                                            </p:txEl>
+                                          </p:spTgt>
+                                        </p:tgtEl>
+                                        <p:attrNameLst>
+                                          <p:attrName>style.visibility</p:attrName>
+                                        </p:attrNameLst>
+                                      </p:cBhvr>
+                                      <p:to>
+                                        <p:strVal val="visible"/>
+                                      </p:to>
+                                    </p:set>
+                                  </p:childTnLst>
+                                </p:cTn>
+                              </p:par>
+                            </p:childTnLst>
+                          </p:cTn>
+                        </p:par>
+                      </p:childTnLst>
+                    </p:cTn>
+                  </p:par>
+                  <p:par>
+                    <p:cTn id="43" fill="hold">
+                      <p:stCondLst>
+                        <p:cond delay="indefinite"/>
+                      </p:stCondLst>
+                      <p:childTnLst>
+                        <p:par>
+                          <p:cTn id="44" fill="hold">
+                            <p:stCondLst>
+                              <p:cond delay="0"/>
+                            </p:stCondLst>
+                            <p:childTnLst>
+                              <p:par>
+                                <p:cTn id="45" presetID="1" presetClass="entr" presetSubtype="0" fill="hold" nodeType="clickEffect">
+                                  <p:stCondLst>
+                                    <p:cond delay="0"/>
+                                  </p:stCondLst>
+                                  <p:childTnLst>
+                                    <p:set>
+                                      <p:cBhvr>
+                                        <p:cTn id="46" dur="1" fill="hold">
+                                          <p:stCondLst>
+                                            <p:cond delay="0"/>
+                                          </p:stCondLst>
+                                        </p:cTn>
+                                        <p:tgtEl>
+                                          <p:spTgt spid="4">
+                                            <p:txEl>
+                                              <p:pRg st="10" end="10"/>
+                                            </p:txEl>
+                                          </p:spTgt>
+                                        </p:tgtEl>
+                                        <p:attrNameLst>
+                                          <p:attrName>style.visibility</p:attrName>
+                                        </p:attrNameLst>
+                                      </p:cBhvr>
+                                      <p:to>
+                                        <p:strVal val="visible"/>
+                                      </p:to>
+                                    </p:set>
+                                  </p:childTnLst>
+                                </p:cTn>
+                              </p:par>
+                            </p:childTnLst>
+                          </p:cTn>
+                        </p:par>
+                      </p:childTnLst>
+                    </p:cTn>
+                  </p:par>
+                  <p:par>
+                    <p:cTn id="47" fill="hold">
+                      <p:stCondLst>
+                        <p:cond delay="indefinite"/>
+                      </p:stCondLst>
+                      <p:childTnLst>
+                        <p:par>
+                          <p:cTn id="48" fill="hold">
+                            <p:stCondLst>
+                              <p:cond delay="0"/>
+                            </p:stCondLst>
+                            <p:childTnLst>
+                              <p:par>
+                                <p:cTn id="49" presetID="1" presetClass="entr" presetSubtype="0" fill="hold" nodeType="clickEffect">
+                                  <p:stCondLst>
+                                    <p:cond delay="0"/>
+                                  </p:stCondLst>
+                                  <p:childTnLst>
+                                    <p:set>
+                                      <p:cBhvr>
+                                        <p:cTn id="50" dur="1" fill="hold">
+                                          <p:stCondLst>
+                                            <p:cond delay="0"/>
+                                          </p:stCondLst>
+                                        </p:cTn>
+                                        <p:tgtEl>
+                                          <p:spTgt spid="4">
+                                            <p:txEl>
+                                              <p:pRg st="11" end="11"/>
+                                            </p:txEl>
+                                          </p:spTgt>
+                                        </p:tgtEl>
+                                        <p:attrNameLst>
+                                          <p:attrName>style.visibility</p:attrName>
+                                        </p:attrNameLst>
+                                      </p:cBhvr>
+                                      <p:to>
+                                        <p:strVal val="visible"/>
+                                      </p:to>
+                                    </p:set>
+                                  </p:childTnLst>
+                                </p:cTn>
+                              </p:par>
+                            </p:childTnLst>
+                          </p:cTn>
+                        </p:par>
+                      </p:childTnLst>
+                    </p:cTn>
+                  </p:par>
+                </p:childTnLst>
+              </p:cTn>
+              <p:prevCondLst>
+                <p:cond evt="onPrev" delay="0">
+                  <p:tgtEl>
+                    <p:sldTgt/>
+                  </p:tgtEl>
+                </p:cond>
+              </p:prevCondLst>
+              <p:nextCondLst>
+                <p:cond evt="onNext" delay="0">
+                  <p:tgtEl>
+                    <p:sldTgt/>
+                  </p:tgtEl>
+                </p:cond>
+              </p:nextCondLst>
+            </p:seq>
+          </p:childTnLst>
+        </p:cTn>
+      </p:par>
+    </p:tnLst>
+  </p:timing>
+</p:sld>
+</file>
+
+<file path=ppt/slides/slide13.xml><?xml version="1.0" encoding="utf-8"?>
+<p:sld xmlns:a="http://schemas.openxmlformats.org/drawingml/2006/main" xmlns:r="http://schemas.openxmlformats.org/officeDocument/2006/relationships" xmlns:p="http://schemas.openxmlformats.org/presentationml/2006/main">
+  <p:cSld>
+    <p:spTree>
+      <p:nvGrpSpPr>
+        <p:cNvPr id="1" name="">
+          <a:extLst>
+            <a:ext uri="{FF2B5EF4-FFF2-40B4-BE49-F238E27FC236}">
+              <a16:creationId xmlns:a16="http://schemas.microsoft.com/office/drawing/2014/main" id="{3D57705D-DAD2-A882-0A80-6037A5CB93DC}"/>
+            </a:ext>
+          </a:extLst>
+        </p:cNvPr>
+        <p:cNvGrpSpPr/>
+        <p:nvPr/>
+      </p:nvGrpSpPr>
+      <p:grpSpPr>
+        <a:xfrm>
+          <a:off x="0" y="0"/>
+          <a:ext cx="0" cy="0"/>
+          <a:chOff x="0" y="0"/>
+          <a:chExt cx="0" cy="0"/>
+        </a:xfrm>
+      </p:grpSpPr>
+      <p:sp>
+        <p:nvSpPr>
+          <p:cNvPr id="3" name="Subtitle 2">
+            <a:extLst>
+              <a:ext uri="{FF2B5EF4-FFF2-40B4-BE49-F238E27FC236}">
+                <a16:creationId xmlns:a16="http://schemas.microsoft.com/office/drawing/2014/main" id="{9B5EC92C-E6F9-3D3D-5B8D-18895E995570}"/>
+              </a:ext>
+            </a:extLst>
+          </p:cNvPr>
+          <p:cNvSpPr>
+            <a:spLocks noGrp="1"/>
+          </p:cNvSpPr>
+          <p:nvPr>
+            <p:ph type="subTitle" idx="1"/>
+          </p:nvPr>
+        </p:nvSpPr>
+        <p:spPr>
+          <a:xfrm>
+            <a:off x="152399" y="217488"/>
+            <a:ext cx="11223171" cy="303212"/>
+          </a:xfrm>
+        </p:spPr>
+        <p:txBody>
+          <a:bodyPr>
+            <a:normAutofit fontScale="92500" lnSpcReduction="20000"/>
+          </a:bodyPr>
+          <a:lstStyle/>
+          <a:p>
+            <a:r>
+              <a:rPr lang="en-US" sz="1800" b="1"/>
+              <a:t>Creating Constructor</a:t>
+            </a:r>
+          </a:p>
+        </p:txBody>
+      </p:sp>
+      <p:sp>
+        <p:nvSpPr>
+          <p:cNvPr id="4" name="Subtitle 2">
+            <a:extLst>
+              <a:ext uri="{FF2B5EF4-FFF2-40B4-BE49-F238E27FC236}">
+                <a16:creationId xmlns:a16="http://schemas.microsoft.com/office/drawing/2014/main" id="{D27145FF-C1CF-B707-FBC2-491C1A8480D0}"/>
+              </a:ext>
+            </a:extLst>
+          </p:cNvPr>
+          <p:cNvSpPr txBox="1">
+            <a:spLocks/>
+          </p:cNvSpPr>
+          <p:nvPr/>
+        </p:nvSpPr>
+        <p:spPr>
+          <a:xfrm>
+            <a:off x="0" y="820738"/>
+            <a:ext cx="12192000" cy="6037262"/>
+          </a:xfrm>
+          <a:prstGeom prst="rect">
+            <a:avLst/>
+          </a:prstGeom>
+        </p:spPr>
+        <p:txBody>
+          <a:bodyPr vert="horz" lIns="91440" tIns="45720" rIns="91440" bIns="45720" rtlCol="0">
+            <a:normAutofit/>
+          </a:bodyPr>
+          <a:lstStyle>
+            <a:lvl1pPr marL="0" indent="0" algn="ctr" defTabSz="914400" rtl="0" eaLnBrk="1" latinLnBrk="0" hangingPunct="1">
+              <a:lnSpc>
+                <a:spcPct val="90000"/>
+              </a:lnSpc>
+              <a:spcBef>
+                <a:spcPts val="1000"/>
+              </a:spcBef>
+              <a:buFont typeface="Arial" panose="020B0604020202020204" pitchFamily="34" charset="0"/>
+              <a:buNone/>
+              <a:defRPr sz="2400" kern="1200">
+                <a:solidFill>
+                  <a:schemeClr val="tx1"/>
+                </a:solidFill>
+                <a:latin typeface="+mn-lt"/>
+                <a:ea typeface="+mn-ea"/>
+                <a:cs typeface="+mn-cs"/>
+              </a:defRPr>
+            </a:lvl1pPr>
+            <a:lvl2pPr marL="457200" indent="0" algn="ctr" defTabSz="914400" rtl="0" eaLnBrk="1" latinLnBrk="0" hangingPunct="1">
+              <a:lnSpc>
+                <a:spcPct val="90000"/>
+              </a:lnSpc>
+              <a:spcBef>
+                <a:spcPts val="500"/>
+              </a:spcBef>
+              <a:buFont typeface="Arial" panose="020B0604020202020204" pitchFamily="34" charset="0"/>
+              <a:buNone/>
+              <a:defRPr sz="2000" kern="1200">
+                <a:solidFill>
+                  <a:schemeClr val="tx1"/>
+                </a:solidFill>
+                <a:latin typeface="+mn-lt"/>
+                <a:ea typeface="+mn-ea"/>
+                <a:cs typeface="+mn-cs"/>
+              </a:defRPr>
+            </a:lvl2pPr>
+            <a:lvl3pPr marL="914400" indent="0" algn="ctr" defTabSz="914400" rtl="0" eaLnBrk="1" latinLnBrk="0" hangingPunct="1">
+              <a:lnSpc>
+                <a:spcPct val="90000"/>
+              </a:lnSpc>
+              <a:spcBef>
+                <a:spcPts val="500"/>
+              </a:spcBef>
+              <a:buFont typeface="Arial" panose="020B0604020202020204" pitchFamily="34" charset="0"/>
+              <a:buNone/>
+              <a:defRPr sz="1800" kern="1200">
+                <a:solidFill>
+                  <a:schemeClr val="tx1"/>
+                </a:solidFill>
+                <a:latin typeface="+mn-lt"/>
+                <a:ea typeface="+mn-ea"/>
+                <a:cs typeface="+mn-cs"/>
+              </a:defRPr>
+            </a:lvl3pPr>
+            <a:lvl4pPr marL="1371600" indent="0" algn="ctr" defTabSz="914400" rtl="0" eaLnBrk="1" latinLnBrk="0" hangingPunct="1">
+              <a:lnSpc>
+                <a:spcPct val="90000"/>
+              </a:lnSpc>
+              <a:spcBef>
+                <a:spcPts val="500"/>
+              </a:spcBef>
+              <a:buFont typeface="Arial" panose="020B0604020202020204" pitchFamily="34" charset="0"/>
+              <a:buNone/>
+              <a:defRPr sz="1600" kern="1200">
+                <a:solidFill>
+                  <a:schemeClr val="tx1"/>
+                </a:solidFill>
+                <a:latin typeface="+mn-lt"/>
+                <a:ea typeface="+mn-ea"/>
+                <a:cs typeface="+mn-cs"/>
+              </a:defRPr>
+            </a:lvl4pPr>
+            <a:lvl5pPr marL="1828800" indent="0" algn="ctr" defTabSz="914400" rtl="0" eaLnBrk="1" latinLnBrk="0" hangingPunct="1">
+              <a:lnSpc>
+                <a:spcPct val="90000"/>
+              </a:lnSpc>
+              <a:spcBef>
+                <a:spcPts val="500"/>
+              </a:spcBef>
+              <a:buFont typeface="Arial" panose="020B0604020202020204" pitchFamily="34" charset="0"/>
+              <a:buNone/>
+              <a:defRPr sz="1600" kern="1200">
+                <a:solidFill>
+                  <a:schemeClr val="tx1"/>
+                </a:solidFill>
+                <a:latin typeface="+mn-lt"/>
+                <a:ea typeface="+mn-ea"/>
+                <a:cs typeface="+mn-cs"/>
+              </a:defRPr>
+            </a:lvl5pPr>
+            <a:lvl6pPr marL="2286000" indent="0" algn="ctr" defTabSz="914400" rtl="0" eaLnBrk="1" latinLnBrk="0" hangingPunct="1">
+              <a:lnSpc>
+                <a:spcPct val="90000"/>
+              </a:lnSpc>
+              <a:spcBef>
+                <a:spcPts val="500"/>
+              </a:spcBef>
+              <a:buFont typeface="Arial" panose="020B0604020202020204" pitchFamily="34" charset="0"/>
+              <a:buNone/>
+              <a:defRPr sz="1600" kern="1200">
+                <a:solidFill>
+                  <a:schemeClr val="tx1"/>
+                </a:solidFill>
+                <a:latin typeface="+mn-lt"/>
+                <a:ea typeface="+mn-ea"/>
+                <a:cs typeface="+mn-cs"/>
+              </a:defRPr>
+            </a:lvl6pPr>
+            <a:lvl7pPr marL="2743200" indent="0" algn="ctr" defTabSz="914400" rtl="0" eaLnBrk="1" latinLnBrk="0" hangingPunct="1">
+              <a:lnSpc>
+                <a:spcPct val="90000"/>
+              </a:lnSpc>
+              <a:spcBef>
+                <a:spcPts val="500"/>
+              </a:spcBef>
+              <a:buFont typeface="Arial" panose="020B0604020202020204" pitchFamily="34" charset="0"/>
+              <a:buNone/>
+              <a:defRPr sz="1600" kern="1200">
+                <a:solidFill>
+                  <a:schemeClr val="tx1"/>
+                </a:solidFill>
+                <a:latin typeface="+mn-lt"/>
+                <a:ea typeface="+mn-ea"/>
+                <a:cs typeface="+mn-cs"/>
+              </a:defRPr>
+            </a:lvl7pPr>
+            <a:lvl8pPr marL="3200400" indent="0" algn="ctr" defTabSz="914400" rtl="0" eaLnBrk="1" latinLnBrk="0" hangingPunct="1">
+              <a:lnSpc>
+                <a:spcPct val="90000"/>
+              </a:lnSpc>
+              <a:spcBef>
+                <a:spcPts val="500"/>
+              </a:spcBef>
+              <a:buFont typeface="Arial" panose="020B0604020202020204" pitchFamily="34" charset="0"/>
+              <a:buNone/>
+              <a:defRPr sz="1600" kern="1200">
+                <a:solidFill>
+                  <a:schemeClr val="tx1"/>
+                </a:solidFill>
+                <a:latin typeface="+mn-lt"/>
+                <a:ea typeface="+mn-ea"/>
+                <a:cs typeface="+mn-cs"/>
+              </a:defRPr>
+            </a:lvl8pPr>
+            <a:lvl9pPr marL="3657600" indent="0" algn="ctr" defTabSz="914400" rtl="0" eaLnBrk="1" latinLnBrk="0" hangingPunct="1">
+              <a:lnSpc>
+                <a:spcPct val="90000"/>
+              </a:lnSpc>
+              <a:spcBef>
+                <a:spcPts val="500"/>
+              </a:spcBef>
+              <a:buFont typeface="Arial" panose="020B0604020202020204" pitchFamily="34" charset="0"/>
+              <a:buNone/>
+              <a:defRPr sz="1600" kern="1200">
+                <a:solidFill>
+                  <a:schemeClr val="tx1"/>
+                </a:solidFill>
+                <a:latin typeface="+mn-lt"/>
+                <a:ea typeface="+mn-ea"/>
+                <a:cs typeface="+mn-cs"/>
+              </a:defRPr>
+            </a:lvl9pPr>
+          </a:lstStyle>
+          <a:p>
+            <a:pPr algn="l"/>
+            <a:r>
+              <a:rPr lang="en-US" sz="1800">
+                <a:sym typeface="Wingdings" pitchFamily="2" charset="2"/>
+              </a:rPr>
+              <a:t>- Explain how to create a constructor ?</a:t>
+            </a:r>
+          </a:p>
+          <a:p>
+            <a:pPr algn="l"/>
+            <a:r>
+              <a:rPr lang="en-US" sz="1800">
+                <a:sym typeface="Wingdings" pitchFamily="2" charset="2"/>
+              </a:rPr>
+              <a:t>– When Java detect the "new" keyword, its ...</a:t>
+            </a:r>
+          </a:p>
+          <a:p>
+            <a:pPr algn="l"/>
+            <a:r>
+              <a:rPr lang="en-US" sz="1800">
+                <a:sym typeface="Wingdings" pitchFamily="2" charset="2"/>
+              </a:rPr>
+              <a:t>– The "this" variable is .... However, in some cases, there will be ... =&gt; If we don't specify ... using "this" =&gt; Java will refer to ... =&gt; ... </a:t>
+            </a:r>
+          </a:p>
+          <a:p>
+            <a:pPr algn="l"/>
+            <a:r>
+              <a:rPr lang="en-US" sz="1800">
+                <a:sym typeface="Wingdings" pitchFamily="2" charset="2"/>
+              </a:rPr>
+              <a:t>(code illustration snippet 23) (ask question Q7)</a:t>
+            </a:r>
+          </a:p>
+          <a:p>
+            <a:pPr algn="l"/>
+            <a:r>
+              <a:rPr lang="en-US" sz="1800">
+                <a:sym typeface="Wingdings" pitchFamily="2" charset="2"/>
+              </a:rPr>
+              <a:t>(code illustration snippet 24)</a:t>
+            </a:r>
+          </a:p>
+          <a:p>
+            <a:pPr algn="l"/>
+            <a:r>
+              <a:rPr lang="en-US" sz="1800">
+                <a:sym typeface="Wingdings" pitchFamily="2" charset="2"/>
+              </a:rPr>
+              <a:t>– Explain what is "default constructor" ?</a:t>
+            </a:r>
+          </a:p>
+          <a:p>
+            <a:pPr algn="l"/>
+            <a:r>
+              <a:rPr lang="en-US" sz="1800">
+                <a:sym typeface="Wingdings" pitchFamily="2" charset="2"/>
+              </a:rPr>
+              <a:t>(code illustration snippet 25 – 26)</a:t>
+            </a:r>
+          </a:p>
+          <a:p>
+            <a:pPr algn="l"/>
+            <a:r>
+              <a:rPr lang="en-US" sz="1800">
+                <a:sym typeface="Wingdings" pitchFamily="2" charset="2"/>
+              </a:rPr>
+              <a:t>-Explain what is Constructor overloading ? and how to do it ?</a:t>
+            </a:r>
+          </a:p>
+          <a:p>
+            <a:pPr algn="l"/>
+            <a:r>
+              <a:rPr lang="en-US" sz="1800">
+                <a:sym typeface="Wingdings" pitchFamily="2" charset="2"/>
+              </a:rPr>
+              <a:t>(code illustrations snippet 27)</a:t>
+            </a:r>
+          </a:p>
+          <a:p>
+            <a:pPr algn="l"/>
+            <a:r>
+              <a:rPr lang="en-US" sz="1800">
+                <a:sym typeface="Wingdings" pitchFamily="2" charset="2"/>
+              </a:rPr>
+              <a:t>- Explain what is Constructor chaining ? (also mention about a special rule when using Constructor chaining ?)</a:t>
+            </a:r>
+          </a:p>
+          <a:p>
+            <a:pPr algn="l"/>
+            <a:r>
+              <a:rPr lang="en-US" sz="1800">
+                <a:sym typeface="Wingdings" pitchFamily="2" charset="2"/>
+              </a:rPr>
+              <a:t>(code illustrations snippet 28 – 29)</a:t>
+            </a:r>
+          </a:p>
+          <a:p>
+            <a:pPr algn="l"/>
+            <a:r>
+              <a:rPr lang="en-US" sz="1800">
+                <a:sym typeface="Wingdings" pitchFamily="2" charset="2"/>
+              </a:rPr>
+              <a:t>- Explain what is "final field" ?</a:t>
+            </a:r>
+          </a:p>
+          <a:p>
+            <a:pPr algn="l"/>
+            <a:r>
+              <a:rPr lang="en-US" sz="1800">
+                <a:sym typeface="Wingdings" pitchFamily="2" charset="2"/>
+              </a:rPr>
+              <a:t>(code illustration snippet 30) </a:t>
+            </a:r>
+          </a:p>
+          <a:p>
+            <a:pPr algn="l"/>
+            <a:endParaRPr lang="en-US" sz="1800">
+              <a:sym typeface="Wingdings" pitchFamily="2" charset="2"/>
+            </a:endParaRPr>
+          </a:p>
+          <a:p>
+            <a:pPr algn="l"/>
+            <a:r>
+              <a:rPr lang="en-US" sz="1800">
+                <a:sym typeface="Wingdings" pitchFamily="2" charset="2"/>
+              </a:rPr>
+              <a:t> </a:t>
+            </a:r>
+          </a:p>
+        </p:txBody>
+      </p:sp>
+    </p:spTree>
+    <p:extLst>
+      <p:ext uri="{BB962C8B-B14F-4D97-AF65-F5344CB8AC3E}">
+        <p14:creationId xmlns:p14="http://schemas.microsoft.com/office/powerpoint/2010/main" val="1838613584"/>
+      </p:ext>
+    </p:extLst>
+  </p:cSld>
+  <p:clrMapOvr>
+    <a:masterClrMapping/>
+  </p:clrMapOvr>
+  <p:timing>
+    <p:tnLst>
+      <p:par>
+        <p:cTn id="1" dur="indefinite" restart="never" nodeType="tmRoot">
+          <p:childTnLst>
+            <p:seq concurrent="1" nextAc="seek">
+              <p:cTn id="2" dur="indefinite" nodeType="mainSeq">
+                <p:childTnLst>
+                  <p:par>
+                    <p:cTn id="3" fill="hold">
+                      <p:stCondLst>
+                        <p:cond delay="indefinite"/>
+                      </p:stCondLst>
+                      <p:childTnLst>
+                        <p:par>
+                          <p:cTn id="4" fill="hold">
+                            <p:stCondLst>
+                              <p:cond delay="0"/>
+                            </p:stCondLst>
+                            <p:childTnLst>
+                              <p:par>
+                                <p:cTn id="5" presetID="1" presetClass="entr" presetSubtype="0" fill="hold" nodeType="clickEffect">
+                                  <p:stCondLst>
+                                    <p:cond delay="0"/>
+                                  </p:stCondLst>
+                                  <p:childTnLst>
+                                    <p:set>
+                                      <p:cBhvr>
+                                        <p:cTn id="6" dur="1" fill="hold">
+                                          <p:stCondLst>
+                                            <p:cond delay="0"/>
+                                          </p:stCondLst>
+                                        </p:cTn>
+                                        <p:tgtEl>
+                                          <p:spTgt spid="4">
+                                            <p:txEl>
+                                              <p:pRg st="0" end="0"/>
+                                            </p:txEl>
+                                          </p:spTgt>
+                                        </p:tgtEl>
+                                        <p:attrNameLst>
+                                          <p:attrName>style.visibility</p:attrName>
+                                        </p:attrNameLst>
+                                      </p:cBhvr>
+                                      <p:to>
+                                        <p:strVal val="visible"/>
+                                      </p:to>
+                                    </p:set>
+                                  </p:childTnLst>
+                                </p:cTn>
+                              </p:par>
+                            </p:childTnLst>
+                          </p:cTn>
+                        </p:par>
+                      </p:childTnLst>
+                    </p:cTn>
+                  </p:par>
+                  <p:par>
+                    <p:cTn id="7" fill="hold">
+                      <p:stCondLst>
+                        <p:cond delay="indefinite"/>
+                      </p:stCondLst>
+                      <p:childTnLst>
+                        <p:par>
+                          <p:cTn id="8" fill="hold">
+                            <p:stCondLst>
+                              <p:cond delay="0"/>
+                            </p:stCondLst>
+                            <p:childTnLst>
+                              <p:par>
+                                <p:cTn id="9" presetID="1" presetClass="entr" presetSubtype="0" fill="hold" nodeType="clickEffect">
+                                  <p:stCondLst>
+                                    <p:cond delay="0"/>
+                                  </p:stCondLst>
+                                  <p:childTnLst>
+                                    <p:set>
+                                      <p:cBhvr>
+                                        <p:cTn id="10" dur="1" fill="hold">
+                                          <p:stCondLst>
+                                            <p:cond delay="0"/>
+                                          </p:stCondLst>
+                                        </p:cTn>
+                                        <p:tgtEl>
+                                          <p:spTgt spid="4">
+                                            <p:txEl>
+                                              <p:pRg st="1" end="1"/>
+                                            </p:txEl>
+                                          </p:spTgt>
+                                        </p:tgtEl>
+                                        <p:attrNameLst>
+                                          <p:attrName>style.visibility</p:attrName>
+                                        </p:attrNameLst>
+                                      </p:cBhvr>
+                                      <p:to>
+                                        <p:strVal val="visible"/>
+                                      </p:to>
+                                    </p:set>
+                                  </p:childTnLst>
+                                </p:cTn>
+                              </p:par>
+                            </p:childTnLst>
+                          </p:cTn>
+                        </p:par>
+                      </p:childTnLst>
+                    </p:cTn>
+                  </p:par>
+                  <p:par>
+                    <p:cTn id="11" fill="hold">
+                      <p:stCondLst>
+                        <p:cond delay="indefinite"/>
+                      </p:stCondLst>
+                      <p:childTnLst>
+                        <p:par>
+                          <p:cTn id="12" fill="hold">
+                            <p:stCondLst>
+                              <p:cond delay="0"/>
+                            </p:stCondLst>
+                            <p:childTnLst>
+                              <p:par>
+                                <p:cTn id="13" presetID="1" presetClass="entr" presetSubtype="0" fill="hold" nodeType="clickEffect">
+                                  <p:stCondLst>
+                                    <p:cond delay="0"/>
+                                  </p:stCondLst>
+                                  <p:childTnLst>
+                                    <p:set>
+                                      <p:cBhvr>
+                                        <p:cTn id="14" dur="1" fill="hold">
+                                          <p:stCondLst>
+                                            <p:cond delay="0"/>
+                                          </p:stCondLst>
+                                        </p:cTn>
+                                        <p:tgtEl>
+                                          <p:spTgt spid="4">
+                                            <p:txEl>
+                                              <p:pRg st="2" end="2"/>
+                                            </p:txEl>
+                                          </p:spTgt>
+                                        </p:tgtEl>
+                                        <p:attrNameLst>
+                                          <p:attrName>style.visibility</p:attrName>
+                                        </p:attrNameLst>
+                                      </p:cBhvr>
+                                      <p:to>
+                                        <p:strVal val="visible"/>
+                                      </p:to>
+                                    </p:set>
+                                  </p:childTnLst>
+                                </p:cTn>
+                              </p:par>
+                            </p:childTnLst>
+                          </p:cTn>
+                        </p:par>
+                      </p:childTnLst>
+                    </p:cTn>
+                  </p:par>
+                  <p:par>
+                    <p:cTn id="15" fill="hold">
+                      <p:stCondLst>
+                        <p:cond delay="indefinite"/>
+                      </p:stCondLst>
+                      <p:childTnLst>
+                        <p:par>
+                          <p:cTn id="16" fill="hold">
+                            <p:stCondLst>
+                              <p:cond delay="0"/>
+                            </p:stCondLst>
+                            <p:childTnLst>
+                              <p:par>
+                                <p:cTn id="17" presetID="1" presetClass="entr" presetSubtype="0" fill="hold" nodeType="clickEffect">
+                                  <p:stCondLst>
+                                    <p:cond delay="0"/>
+                                  </p:stCondLst>
+                                  <p:childTnLst>
+                                    <p:set>
+                                      <p:cBhvr>
+                                        <p:cTn id="18" dur="1" fill="hold">
+                                          <p:stCondLst>
+                                            <p:cond delay="0"/>
+                                          </p:stCondLst>
+                                        </p:cTn>
+                                        <p:tgtEl>
+                                          <p:spTgt spid="4">
+                                            <p:txEl>
+                                              <p:pRg st="3" end="3"/>
+                                            </p:txEl>
+                                          </p:spTgt>
+                                        </p:tgtEl>
+                                        <p:attrNameLst>
+                                          <p:attrName>style.visibility</p:attrName>
+                                        </p:attrNameLst>
+                                      </p:cBhvr>
+                                      <p:to>
+                                        <p:strVal val="visible"/>
+                                      </p:to>
+                                    </p:set>
+                                  </p:childTnLst>
+                                </p:cTn>
+                              </p:par>
+                            </p:childTnLst>
+                          </p:cTn>
+                        </p:par>
+                      </p:childTnLst>
+                    </p:cTn>
+                  </p:par>
+                  <p:par>
+                    <p:cTn id="19" fill="hold">
+                      <p:stCondLst>
+                        <p:cond delay="indefinite"/>
+                      </p:stCondLst>
+                      <p:childTnLst>
+                        <p:par>
+                          <p:cTn id="20" fill="hold">
+                            <p:stCondLst>
+                              <p:cond delay="0"/>
+                            </p:stCondLst>
+                            <p:childTnLst>
+                              <p:par>
+                                <p:cTn id="21" presetID="1" presetClass="entr" presetSubtype="0" fill="hold" nodeType="clickEffect">
+                                  <p:stCondLst>
+                                    <p:cond delay="0"/>
+                                  </p:stCondLst>
+                                  <p:childTnLst>
+                                    <p:set>
+                                      <p:cBhvr>
+                                        <p:cTn id="22" dur="1" fill="hold">
+                                          <p:stCondLst>
+                                            <p:cond delay="0"/>
+                                          </p:stCondLst>
+                                        </p:cTn>
+                                        <p:tgtEl>
+                                          <p:spTgt spid="4">
+                                            <p:txEl>
+                                              <p:pRg st="4" end="4"/>
+                                            </p:txEl>
+                                          </p:spTgt>
+                                        </p:tgtEl>
+                                        <p:attrNameLst>
+                                          <p:attrName>style.visibility</p:attrName>
+                                        </p:attrNameLst>
+                                      </p:cBhvr>
+                                      <p:to>
+                                        <p:strVal val="visible"/>
+                                      </p:to>
+                                    </p:set>
+                                  </p:childTnLst>
+                                </p:cTn>
+                              </p:par>
+                            </p:childTnLst>
+                          </p:cTn>
+                        </p:par>
+                      </p:childTnLst>
+                    </p:cTn>
+                  </p:par>
+                  <p:par>
+                    <p:cTn id="23" fill="hold">
+                      <p:stCondLst>
+                        <p:cond delay="indefinite"/>
+                      </p:stCondLst>
+                      <p:childTnLst>
+                        <p:par>
+                          <p:cTn id="24" fill="hold">
+                            <p:stCondLst>
+                              <p:cond delay="0"/>
+                            </p:stCondLst>
+                            <p:childTnLst>
+                              <p:par>
+                                <p:cTn id="25" presetID="1" presetClass="entr" presetSubtype="0" fill="hold" nodeType="clickEffect">
+                                  <p:stCondLst>
+                                    <p:cond delay="0"/>
+                                  </p:stCondLst>
+                                  <p:childTnLst>
+                                    <p:set>
+                                      <p:cBhvr>
+                                        <p:cTn id="26" dur="1" fill="hold">
+                                          <p:stCondLst>
+                                            <p:cond delay="0"/>
+                                          </p:stCondLst>
+                                        </p:cTn>
+                                        <p:tgtEl>
+                                          <p:spTgt spid="4">
+                                            <p:txEl>
+                                              <p:pRg st="5" end="5"/>
+                                            </p:txEl>
+                                          </p:spTgt>
+                                        </p:tgtEl>
+                                        <p:attrNameLst>
+                                          <p:attrName>style.visibility</p:attrName>
+                                        </p:attrNameLst>
+                                      </p:cBhvr>
+                                      <p:to>
+                                        <p:strVal val="visible"/>
+                                      </p:to>
+                                    </p:set>
+                                  </p:childTnLst>
+                                </p:cTn>
+                              </p:par>
+                            </p:childTnLst>
+                          </p:cTn>
+                        </p:par>
+                      </p:childTnLst>
+                    </p:cTn>
+                  </p:par>
+                  <p:par>
+                    <p:cTn id="27" fill="hold">
+                      <p:stCondLst>
+                        <p:cond delay="indefinite"/>
+                      </p:stCondLst>
+                      <p:childTnLst>
+                        <p:par>
+                          <p:cTn id="28" fill="hold">
+                            <p:stCondLst>
+                              <p:cond delay="0"/>
+                            </p:stCondLst>
+                            <p:childTnLst>
+                              <p:par>
+                                <p:cTn id="29" presetID="1" presetClass="entr" presetSubtype="0" fill="hold" nodeType="clickEffect">
+                                  <p:stCondLst>
+                                    <p:cond delay="0"/>
+                                  </p:stCondLst>
+                                  <p:childTnLst>
+                                    <p:set>
+                                      <p:cBhvr>
+                                        <p:cTn id="30" dur="1" fill="hold">
+                                          <p:stCondLst>
+                                            <p:cond delay="0"/>
+                                          </p:stCondLst>
+                                        </p:cTn>
+                                        <p:tgtEl>
+                                          <p:spTgt spid="4">
+                                            <p:txEl>
+                                              <p:pRg st="6" end="6"/>
+                                            </p:txEl>
+                                          </p:spTgt>
+                                        </p:tgtEl>
+                                        <p:attrNameLst>
+                                          <p:attrName>style.visibility</p:attrName>
+                                        </p:attrNameLst>
+                                      </p:cBhvr>
+                                      <p:to>
+                                        <p:strVal val="visible"/>
+                                      </p:to>
+                                    </p:set>
+                                  </p:childTnLst>
+                                </p:cTn>
+                              </p:par>
+                            </p:childTnLst>
+                          </p:cTn>
+                        </p:par>
+                      </p:childTnLst>
+                    </p:cTn>
+                  </p:par>
+                  <p:par>
+                    <p:cTn id="31" fill="hold">
+                      <p:stCondLst>
+                        <p:cond delay="indefinite"/>
+                      </p:stCondLst>
+                      <p:childTnLst>
+                        <p:par>
+                          <p:cTn id="32" fill="hold">
+                            <p:stCondLst>
+                              <p:cond delay="0"/>
+                            </p:stCondLst>
+                            <p:childTnLst>
+                              <p:par>
+                                <p:cTn id="33" presetID="1" presetClass="entr" presetSubtype="0" fill="hold" nodeType="clickEffect">
+                                  <p:stCondLst>
+                                    <p:cond delay="0"/>
+                                  </p:stCondLst>
+                                  <p:childTnLst>
+                                    <p:set>
+                                      <p:cBhvr>
+                                        <p:cTn id="34" dur="1" fill="hold">
+                                          <p:stCondLst>
+                                            <p:cond delay="0"/>
+                                          </p:stCondLst>
+                                        </p:cTn>
+                                        <p:tgtEl>
+                                          <p:spTgt spid="4">
+                                            <p:txEl>
+                                              <p:pRg st="7" end="7"/>
+                                            </p:txEl>
+                                          </p:spTgt>
+                                        </p:tgtEl>
+                                        <p:attrNameLst>
+                                          <p:attrName>style.visibility</p:attrName>
+                                        </p:attrNameLst>
+                                      </p:cBhvr>
+                                      <p:to>
+                                        <p:strVal val="visible"/>
+                                      </p:to>
+                                    </p:set>
+                                  </p:childTnLst>
+                                </p:cTn>
+                              </p:par>
+                            </p:childTnLst>
+                          </p:cTn>
+                        </p:par>
+                      </p:childTnLst>
+                    </p:cTn>
+                  </p:par>
+                  <p:par>
+                    <p:cTn id="35" fill="hold">
+                      <p:stCondLst>
+                        <p:cond delay="indefinite"/>
+                      </p:stCondLst>
+                      <p:childTnLst>
+                        <p:par>
+                          <p:cTn id="36" fill="hold">
+                            <p:stCondLst>
+                              <p:cond delay="0"/>
+                            </p:stCondLst>
+                            <p:childTnLst>
+                              <p:par>
+                                <p:cTn id="37" presetID="1" presetClass="entr" presetSubtype="0" fill="hold" nodeType="clickEffect">
+                                  <p:stCondLst>
+                                    <p:cond delay="0"/>
+                                  </p:stCondLst>
+                                  <p:childTnLst>
+                                    <p:set>
+                                      <p:cBhvr>
+                                        <p:cTn id="38" dur="1" fill="hold">
+                                          <p:stCondLst>
+                                            <p:cond delay="0"/>
+                                          </p:stCondLst>
+                                        </p:cTn>
+                                        <p:tgtEl>
+                                          <p:spTgt spid="4">
+                                            <p:txEl>
+                                              <p:pRg st="8" end="8"/>
+                                            </p:txEl>
+                                          </p:spTgt>
+                                        </p:tgtEl>
+                                        <p:attrNameLst>
+                                          <p:attrName>style.visibility</p:attrName>
+                                        </p:attrNameLst>
+                                      </p:cBhvr>
+                                      <p:to>
+                                        <p:strVal val="visible"/>
+                                      </p:to>
+                                    </p:set>
+                                  </p:childTnLst>
+                                </p:cTn>
+                              </p:par>
+                            </p:childTnLst>
+                          </p:cTn>
+                        </p:par>
+                      </p:childTnLst>
+                    </p:cTn>
+                  </p:par>
+                  <p:par>
+                    <p:cTn id="39" fill="hold">
+                      <p:stCondLst>
+                        <p:cond delay="indefinite"/>
+                      </p:stCondLst>
+                      <p:childTnLst>
+                        <p:par>
+                          <p:cTn id="40" fill="hold">
+                            <p:stCondLst>
+                              <p:cond delay="0"/>
+                            </p:stCondLst>
+                            <p:childTnLst>
+                              <p:par>
+                                <p:cTn id="41" presetID="1" presetClass="entr" presetSubtype="0" fill="hold" nodeType="clickEffect">
+                                  <p:stCondLst>
+                                    <p:cond delay="0"/>
+                                  </p:stCondLst>
+                                  <p:childTnLst>
+                                    <p:set>
+                                      <p:cBhvr>
+                                        <p:cTn id="42" dur="1" fill="hold">
+                                          <p:stCondLst>
+                                            <p:cond delay="0"/>
+                                          </p:stCondLst>
+                                        </p:cTn>
+                                        <p:tgtEl>
+                                          <p:spTgt spid="4">
+                                            <p:txEl>
+                                              <p:pRg st="9" end="9"/>
+                                            </p:txEl>
+                                          </p:spTgt>
+                                        </p:tgtEl>
+                                        <p:attrNameLst>
+                                          <p:attrName>style.visibility</p:attrName>
+                                        </p:attrNameLst>
+                                      </p:cBhvr>
+                                      <p:to>
+                                        <p:strVal val="visible"/>
+                                      </p:to>
+                                    </p:set>
+                                  </p:childTnLst>
+                                </p:cTn>
+                              </p:par>
+                            </p:childTnLst>
+                          </p:cTn>
+                        </p:par>
+                      </p:childTnLst>
+                    </p:cTn>
+                  </p:par>
+                  <p:par>
+                    <p:cTn id="43" fill="hold">
+                      <p:stCondLst>
+                        <p:cond delay="indefinite"/>
+                      </p:stCondLst>
+                      <p:childTnLst>
+                        <p:par>
+                          <p:cTn id="44" fill="hold">
+                            <p:stCondLst>
+                              <p:cond delay="0"/>
+                            </p:stCondLst>
+                            <p:childTnLst>
+                              <p:par>
+                                <p:cTn id="45" presetID="1" presetClass="entr" presetSubtype="0" fill="hold" nodeType="clickEffect">
+                                  <p:stCondLst>
+                                    <p:cond delay="0"/>
+                                  </p:stCondLst>
+                                  <p:childTnLst>
+                                    <p:set>
+                                      <p:cBhvr>
+                                        <p:cTn id="46" dur="1" fill="hold">
+                                          <p:stCondLst>
+                                            <p:cond delay="0"/>
+                                          </p:stCondLst>
+                                        </p:cTn>
+                                        <p:tgtEl>
+                                          <p:spTgt spid="4">
+                                            <p:txEl>
+                                              <p:pRg st="10" end="10"/>
+                                            </p:txEl>
+                                          </p:spTgt>
+                                        </p:tgtEl>
+                                        <p:attrNameLst>
+                                          <p:attrName>style.visibility</p:attrName>
+                                        </p:attrNameLst>
+                                      </p:cBhvr>
+                                      <p:to>
+                                        <p:strVal val="visible"/>
+                                      </p:to>
+                                    </p:set>
+                                  </p:childTnLst>
+                                </p:cTn>
+                              </p:par>
+                            </p:childTnLst>
+                          </p:cTn>
+                        </p:par>
+                      </p:childTnLst>
+                    </p:cTn>
+                  </p:par>
+                  <p:par>
+                    <p:cTn id="47" fill="hold">
+                      <p:stCondLst>
+                        <p:cond delay="indefinite"/>
+                      </p:stCondLst>
+                      <p:childTnLst>
+                        <p:par>
+                          <p:cTn id="48" fill="hold">
+                            <p:stCondLst>
+                              <p:cond delay="0"/>
+                            </p:stCondLst>
+                            <p:childTnLst>
+                              <p:par>
+                                <p:cTn id="49" presetID="1" presetClass="entr" presetSubtype="0" fill="hold" nodeType="clickEffect">
+                                  <p:stCondLst>
+                                    <p:cond delay="0"/>
+                                  </p:stCondLst>
+                                  <p:childTnLst>
+                                    <p:set>
+                                      <p:cBhvr>
+                                        <p:cTn id="50" dur="1" fill="hold">
+                                          <p:stCondLst>
+                                            <p:cond delay="0"/>
+                                          </p:stCondLst>
+                                        </p:cTn>
+                                        <p:tgtEl>
+                                          <p:spTgt spid="4">
+                                            <p:txEl>
+                                              <p:pRg st="11" end="11"/>
+                                            </p:txEl>
+                                          </p:spTgt>
+                                        </p:tgtEl>
+                                        <p:attrNameLst>
+                                          <p:attrName>style.visibility</p:attrName>
+                                        </p:attrNameLst>
+                                      </p:cBhvr>
+                                      <p:to>
+                                        <p:strVal val="visible"/>
+                                      </p:to>
+                                    </p:set>
+                                  </p:childTnLst>
+                                </p:cTn>
+                              </p:par>
+                            </p:childTnLst>
+                          </p:cTn>
+                        </p:par>
+                      </p:childTnLst>
+                    </p:cTn>
+                  </p:par>
+                  <p:par>
+                    <p:cTn id="51" fill="hold">
+                      <p:stCondLst>
+                        <p:cond delay="indefinite"/>
+                      </p:stCondLst>
+                      <p:childTnLst>
+                        <p:par>
+                          <p:cTn id="52" fill="hold">
+                            <p:stCondLst>
+                              <p:cond delay="0"/>
+                            </p:stCondLst>
+                            <p:childTnLst>
+                              <p:par>
+                                <p:cTn id="53" presetID="1" presetClass="entr" presetSubtype="0" fill="hold" nodeType="clickEffect">
+                                  <p:stCondLst>
+                                    <p:cond delay="0"/>
+                                  </p:stCondLst>
+                                  <p:childTnLst>
+                                    <p:set>
+                                      <p:cBhvr>
+                                        <p:cTn id="54" dur="1" fill="hold">
+                                          <p:stCondLst>
+                                            <p:cond delay="0"/>
+                                          </p:stCondLst>
+                                        </p:cTn>
+                                        <p:tgtEl>
+                                          <p:spTgt spid="4">
+                                            <p:txEl>
+                                              <p:pRg st="12" end="12"/>
+                                            </p:txEl>
+                                          </p:spTgt>
+                                        </p:tgtEl>
+                                        <p:attrNameLst>
+                                          <p:attrName>style.visibility</p:attrName>
+                                        </p:attrNameLst>
+                                      </p:cBhvr>
+                                      <p:to>
+                                        <p:strVal val="visible"/>
+                                      </p:to>
+                                    </p:set>
+                                  </p:childTnLst>
+                                </p:cTn>
+                              </p:par>
+                            </p:childTnLst>
+                          </p:cTn>
+                        </p:par>
+                      </p:childTnLst>
+                    </p:cTn>
+                  </p:par>
+                  <p:par>
+                    <p:cTn id="55" fill="hold">
+                      <p:stCondLst>
+                        <p:cond delay="indefinite"/>
+                      </p:stCondLst>
+                      <p:childTnLst>
+                        <p:par>
+                          <p:cTn id="56" fill="hold">
+                            <p:stCondLst>
+                              <p:cond delay="0"/>
+                            </p:stCondLst>
+                            <p:childTnLst>
+                              <p:par>
+                                <p:cTn id="57" presetID="1" presetClass="entr" presetSubtype="0" fill="hold" nodeType="clickEffect">
+                                  <p:stCondLst>
+                                    <p:cond delay="0"/>
+                                  </p:stCondLst>
+                                  <p:childTnLst>
+                                    <p:set>
+                                      <p:cBhvr>
+                                        <p:cTn id="58" dur="1" fill="hold">
+                                          <p:stCondLst>
+                                            <p:cond delay="0"/>
+                                          </p:stCondLst>
+                                        </p:cTn>
+                                        <p:tgtEl>
+                                          <p:spTgt spid="4">
+                                            <p:txEl>
+                                              <p:pRg st="14" end="14"/>
+                                            </p:txEl>
+                                          </p:spTgt>
+                                        </p:tgtEl>
+                                        <p:attrNameLst>
+                                          <p:attrName>style.visibility</p:attrName>
+                                        </p:attrNameLst>
+                                      </p:cBhvr>
+                                      <p:to>
+                                        <p:strVal val="visible"/>
+                                      </p:to>
+                                    </p:set>
+                                  </p:childTnLst>
+                                </p:cTn>
+                              </p:par>
+                            </p:childTnLst>
+                          </p:cTn>
+                        </p:par>
+                      </p:childTnLst>
+                    </p:cTn>
+                  </p:par>
+                </p:childTnLst>
+              </p:cTn>
+              <p:prevCondLst>
+                <p:cond evt="onPrev" delay="0">
+                  <p:tgtEl>
+                    <p:sldTgt/>
+                  </p:tgtEl>
+                </p:cond>
+              </p:prevCondLst>
+              <p:nextCondLst>
+                <p:cond evt="onNext" delay="0">
+                  <p:tgtEl>
+                    <p:sldTgt/>
+                  </p:tgtEl>
+                </p:cond>
+              </p:nextCondLst>
+            </p:seq>
+          </p:childTnLst>
+        </p:cTn>
+      </p:par>
+    </p:tnLst>
+  </p:timing>
+</p:sld>
+</file>
+
+<file path=ppt/slides/slide14.xml><?xml version="1.0" encoding="utf-8"?>
+<p:sld xmlns:a="http://schemas.openxmlformats.org/drawingml/2006/main" xmlns:r="http://schemas.openxmlformats.org/officeDocument/2006/relationships" xmlns:p="http://schemas.openxmlformats.org/presentationml/2006/main">
+  <p:cSld>
+    <p:spTree>
+      <p:nvGrpSpPr>
+        <p:cNvPr id="1" name="">
+          <a:extLst>
+            <a:ext uri="{FF2B5EF4-FFF2-40B4-BE49-F238E27FC236}">
+              <a16:creationId xmlns:a16="http://schemas.microsoft.com/office/drawing/2014/main" id="{2A9BE968-DB2A-FAB6-CB99-4F7C01A07D5B}"/>
+            </a:ext>
+          </a:extLst>
+        </p:cNvPr>
+        <p:cNvGrpSpPr/>
+        <p:nvPr/>
+      </p:nvGrpSpPr>
+      <p:grpSpPr>
+        <a:xfrm>
+          <a:off x="0" y="0"/>
+          <a:ext cx="0" cy="0"/>
+          <a:chOff x="0" y="0"/>
+          <a:chExt cx="0" cy="0"/>
+        </a:xfrm>
+      </p:grpSpPr>
+      <p:sp>
+        <p:nvSpPr>
+          <p:cNvPr id="3" name="Subtitle 2">
+            <a:extLst>
+              <a:ext uri="{FF2B5EF4-FFF2-40B4-BE49-F238E27FC236}">
+                <a16:creationId xmlns:a16="http://schemas.microsoft.com/office/drawing/2014/main" id="{7076DCD9-FAED-8608-13E9-C16AD85E5340}"/>
+              </a:ext>
+            </a:extLst>
+          </p:cNvPr>
+          <p:cNvSpPr>
+            <a:spLocks noGrp="1"/>
+          </p:cNvSpPr>
+          <p:nvPr>
+            <p:ph type="subTitle" idx="1"/>
+          </p:nvPr>
+        </p:nvSpPr>
+        <p:spPr>
+          <a:xfrm>
+            <a:off x="152399" y="217488"/>
+            <a:ext cx="11223171" cy="303212"/>
+          </a:xfrm>
+        </p:spPr>
+        <p:txBody>
+          <a:bodyPr>
+            <a:normAutofit fontScale="92500" lnSpcReduction="20000"/>
+          </a:bodyPr>
+          <a:lstStyle/>
+          <a:p>
+            <a:r>
+              <a:rPr lang="en-US" sz="1800" b="1"/>
+              <a:t>Creating Constructor</a:t>
+            </a:r>
+          </a:p>
+        </p:txBody>
+      </p:sp>
+      <p:sp>
+        <p:nvSpPr>
+          <p:cNvPr id="4" name="Subtitle 2">
+            <a:extLst>
+              <a:ext uri="{FF2B5EF4-FFF2-40B4-BE49-F238E27FC236}">
+                <a16:creationId xmlns:a16="http://schemas.microsoft.com/office/drawing/2014/main" id="{C1124FDA-2AC6-9DED-8D59-CFE0FAD85B6B}"/>
+              </a:ext>
+            </a:extLst>
+          </p:cNvPr>
+          <p:cNvSpPr txBox="1">
+            <a:spLocks/>
+          </p:cNvSpPr>
+          <p:nvPr/>
+        </p:nvSpPr>
+        <p:spPr>
+          <a:xfrm>
+            <a:off x="0" y="820738"/>
+            <a:ext cx="12192000" cy="6037262"/>
+          </a:xfrm>
+          <a:prstGeom prst="rect">
+            <a:avLst/>
+          </a:prstGeom>
+        </p:spPr>
+        <p:txBody>
+          <a:bodyPr vert="horz" lIns="91440" tIns="45720" rIns="91440" bIns="45720" rtlCol="0">
+            <a:normAutofit/>
+          </a:bodyPr>
+          <a:lstStyle>
+            <a:lvl1pPr marL="0" indent="0" algn="ctr" defTabSz="914400" rtl="0" eaLnBrk="1" latinLnBrk="0" hangingPunct="1">
+              <a:lnSpc>
+                <a:spcPct val="90000"/>
+              </a:lnSpc>
+              <a:spcBef>
+                <a:spcPts val="1000"/>
+              </a:spcBef>
+              <a:buFont typeface="Arial" panose="020B0604020202020204" pitchFamily="34" charset="0"/>
+              <a:buNone/>
+              <a:defRPr sz="2400" kern="1200">
+                <a:solidFill>
+                  <a:schemeClr val="tx1"/>
+                </a:solidFill>
+                <a:latin typeface="+mn-lt"/>
+                <a:ea typeface="+mn-ea"/>
+                <a:cs typeface="+mn-cs"/>
+              </a:defRPr>
+            </a:lvl1pPr>
+            <a:lvl2pPr marL="457200" indent="0" algn="ctr" defTabSz="914400" rtl="0" eaLnBrk="1" latinLnBrk="0" hangingPunct="1">
+              <a:lnSpc>
+                <a:spcPct val="90000"/>
+              </a:lnSpc>
+              <a:spcBef>
+                <a:spcPts val="500"/>
+              </a:spcBef>
+              <a:buFont typeface="Arial" panose="020B0604020202020204" pitchFamily="34" charset="0"/>
+              <a:buNone/>
+              <a:defRPr sz="2000" kern="1200">
+                <a:solidFill>
+                  <a:schemeClr val="tx1"/>
+                </a:solidFill>
+                <a:latin typeface="+mn-lt"/>
+                <a:ea typeface="+mn-ea"/>
+                <a:cs typeface="+mn-cs"/>
+              </a:defRPr>
+            </a:lvl2pPr>
+            <a:lvl3pPr marL="914400" indent="0" algn="ctr" defTabSz="914400" rtl="0" eaLnBrk="1" latinLnBrk="0" hangingPunct="1">
+              <a:lnSpc>
+                <a:spcPct val="90000"/>
+              </a:lnSpc>
+              <a:spcBef>
+                <a:spcPts val="500"/>
+              </a:spcBef>
+              <a:buFont typeface="Arial" panose="020B0604020202020204" pitchFamily="34" charset="0"/>
+              <a:buNone/>
+              <a:defRPr sz="1800" kern="1200">
+                <a:solidFill>
+                  <a:schemeClr val="tx1"/>
+                </a:solidFill>
+                <a:latin typeface="+mn-lt"/>
+                <a:ea typeface="+mn-ea"/>
+                <a:cs typeface="+mn-cs"/>
+              </a:defRPr>
+            </a:lvl3pPr>
+            <a:lvl4pPr marL="1371600" indent="0" algn="ctr" defTabSz="914400" rtl="0" eaLnBrk="1" latinLnBrk="0" hangingPunct="1">
+              <a:lnSpc>
+                <a:spcPct val="90000"/>
+              </a:lnSpc>
+              <a:spcBef>
+                <a:spcPts val="500"/>
+              </a:spcBef>
+              <a:buFont typeface="Arial" panose="020B0604020202020204" pitchFamily="34" charset="0"/>
+              <a:buNone/>
+              <a:defRPr sz="1600" kern="1200">
+                <a:solidFill>
+                  <a:schemeClr val="tx1"/>
+                </a:solidFill>
+                <a:latin typeface="+mn-lt"/>
+                <a:ea typeface="+mn-ea"/>
+                <a:cs typeface="+mn-cs"/>
+              </a:defRPr>
+            </a:lvl4pPr>
+            <a:lvl5pPr marL="1828800" indent="0" algn="ctr" defTabSz="914400" rtl="0" eaLnBrk="1" latinLnBrk="0" hangingPunct="1">
+              <a:lnSpc>
+                <a:spcPct val="90000"/>
+              </a:lnSpc>
+              <a:spcBef>
+                <a:spcPts val="500"/>
+              </a:spcBef>
+              <a:buFont typeface="Arial" panose="020B0604020202020204" pitchFamily="34" charset="0"/>
+              <a:buNone/>
+              <a:defRPr sz="1600" kern="1200">
+                <a:solidFill>
+                  <a:schemeClr val="tx1"/>
+                </a:solidFill>
+                <a:latin typeface="+mn-lt"/>
+                <a:ea typeface="+mn-ea"/>
+                <a:cs typeface="+mn-cs"/>
+              </a:defRPr>
+            </a:lvl5pPr>
+            <a:lvl6pPr marL="2286000" indent="0" algn="ctr" defTabSz="914400" rtl="0" eaLnBrk="1" latinLnBrk="0" hangingPunct="1">
+              <a:lnSpc>
+                <a:spcPct val="90000"/>
+              </a:lnSpc>
+              <a:spcBef>
+                <a:spcPts val="500"/>
+              </a:spcBef>
+              <a:buFont typeface="Arial" panose="020B0604020202020204" pitchFamily="34" charset="0"/>
+              <a:buNone/>
+              <a:defRPr sz="1600" kern="1200">
+                <a:solidFill>
+                  <a:schemeClr val="tx1"/>
+                </a:solidFill>
+                <a:latin typeface="+mn-lt"/>
+                <a:ea typeface="+mn-ea"/>
+                <a:cs typeface="+mn-cs"/>
+              </a:defRPr>
+            </a:lvl6pPr>
+            <a:lvl7pPr marL="2743200" indent="0" algn="ctr" defTabSz="914400" rtl="0" eaLnBrk="1" latinLnBrk="0" hangingPunct="1">
+              <a:lnSpc>
+                <a:spcPct val="90000"/>
+              </a:lnSpc>
+              <a:spcBef>
+                <a:spcPts val="500"/>
+              </a:spcBef>
+              <a:buFont typeface="Arial" panose="020B0604020202020204" pitchFamily="34" charset="0"/>
+              <a:buNone/>
+              <a:defRPr sz="1600" kern="1200">
+                <a:solidFill>
+                  <a:schemeClr val="tx1"/>
+                </a:solidFill>
+                <a:latin typeface="+mn-lt"/>
+                <a:ea typeface="+mn-ea"/>
+                <a:cs typeface="+mn-cs"/>
+              </a:defRPr>
+            </a:lvl7pPr>
+            <a:lvl8pPr marL="3200400" indent="0" algn="ctr" defTabSz="914400" rtl="0" eaLnBrk="1" latinLnBrk="0" hangingPunct="1">
+              <a:lnSpc>
+                <a:spcPct val="90000"/>
+              </a:lnSpc>
+              <a:spcBef>
+                <a:spcPts val="500"/>
+              </a:spcBef>
+              <a:buFont typeface="Arial" panose="020B0604020202020204" pitchFamily="34" charset="0"/>
+              <a:buNone/>
+              <a:defRPr sz="1600" kern="1200">
+                <a:solidFill>
+                  <a:schemeClr val="tx1"/>
+                </a:solidFill>
+                <a:latin typeface="+mn-lt"/>
+                <a:ea typeface="+mn-ea"/>
+                <a:cs typeface="+mn-cs"/>
+              </a:defRPr>
+            </a:lvl8pPr>
+            <a:lvl9pPr marL="3657600" indent="0" algn="ctr" defTabSz="914400" rtl="0" eaLnBrk="1" latinLnBrk="0" hangingPunct="1">
+              <a:lnSpc>
+                <a:spcPct val="90000"/>
+              </a:lnSpc>
+              <a:spcBef>
+                <a:spcPts val="500"/>
+              </a:spcBef>
+              <a:buFont typeface="Arial" panose="020B0604020202020204" pitchFamily="34" charset="0"/>
+              <a:buNone/>
+              <a:defRPr sz="1600" kern="1200">
+                <a:solidFill>
+                  <a:schemeClr val="tx1"/>
+                </a:solidFill>
+                <a:latin typeface="+mn-lt"/>
+                <a:ea typeface="+mn-ea"/>
+                <a:cs typeface="+mn-cs"/>
+              </a:defRPr>
+            </a:lvl9pPr>
+          </a:lstStyle>
+          <a:p>
+            <a:pPr algn="l"/>
+            <a:r>
+              <a:rPr lang="en-US" sz="1800">
+                <a:sym typeface="Wingdings" pitchFamily="2" charset="2"/>
+              </a:rPr>
+              <a:t>- Remember, the order of initialization of each member in the class is: </a:t>
+            </a:r>
+          </a:p>
+          <a:p>
+            <a:pPr algn="l"/>
+            <a:r>
+              <a:rPr lang="en-US" sz="1800">
+                <a:sym typeface="Wingdings" pitchFamily="2" charset="2"/>
+              </a:rPr>
+              <a:t>... -&gt; ... -&gt; ...</a:t>
+            </a:r>
+          </a:p>
+          <a:p>
+            <a:pPr algn="l"/>
+            <a:r>
+              <a:rPr lang="en-US" sz="1800">
+                <a:sym typeface="Wingdings" pitchFamily="2" charset="2"/>
+              </a:rPr>
+              <a:t>(code illustration snippet 31 – 32 - 33)  </a:t>
+            </a:r>
+          </a:p>
+        </p:txBody>
+      </p:sp>
+    </p:spTree>
+    <p:extLst>
+      <p:ext uri="{BB962C8B-B14F-4D97-AF65-F5344CB8AC3E}">
+        <p14:creationId xmlns:p14="http://schemas.microsoft.com/office/powerpoint/2010/main" val="4239127491"/>
+      </p:ext>
+    </p:extLst>
+  </p:cSld>
+  <p:clrMapOvr>
+    <a:masterClrMapping/>
+  </p:clrMapOvr>
+  <p:timing>
+    <p:tnLst>
+      <p:par>
+        <p:cTn id="1" dur="indefinite" restart="never" nodeType="tmRoot">
+          <p:childTnLst>
+            <p:seq concurrent="1" nextAc="seek">
+              <p:cTn id="2" dur="indefinite" nodeType="mainSeq">
+                <p:childTnLst>
+                  <p:par>
+                    <p:cTn id="3" fill="hold">
+                      <p:stCondLst>
+                        <p:cond delay="indefinite"/>
+                      </p:stCondLst>
+                      <p:childTnLst>
+                        <p:par>
+                          <p:cTn id="4" fill="hold">
+                            <p:stCondLst>
+                              <p:cond delay="0"/>
+                            </p:stCondLst>
+                            <p:childTnLst>
+                              <p:par>
+                                <p:cTn id="5" presetID="1" presetClass="entr" presetSubtype="0" fill="hold" nodeType="clickEffect">
+                                  <p:stCondLst>
+                                    <p:cond delay="0"/>
+                                  </p:stCondLst>
+                                  <p:childTnLst>
+                                    <p:set>
+                                      <p:cBhvr>
+                                        <p:cTn id="6" dur="1" fill="hold">
+                                          <p:stCondLst>
+                                            <p:cond delay="0"/>
+                                          </p:stCondLst>
+                                        </p:cTn>
+                                        <p:tgtEl>
+                                          <p:spTgt spid="4">
+                                            <p:txEl>
+                                              <p:pRg st="0" end="0"/>
+                                            </p:txEl>
+                                          </p:spTgt>
+                                        </p:tgtEl>
+                                        <p:attrNameLst>
+                                          <p:attrName>style.visibility</p:attrName>
+                                        </p:attrNameLst>
+                                      </p:cBhvr>
+                                      <p:to>
+                                        <p:strVal val="visible"/>
+                                      </p:to>
+                                    </p:set>
+                                  </p:childTnLst>
+                                </p:cTn>
+                              </p:par>
+                            </p:childTnLst>
+                          </p:cTn>
+                        </p:par>
+                      </p:childTnLst>
+                    </p:cTn>
+                  </p:par>
+                  <p:par>
+                    <p:cTn id="7" fill="hold">
+                      <p:stCondLst>
+                        <p:cond delay="indefinite"/>
+                      </p:stCondLst>
+                      <p:childTnLst>
+                        <p:par>
+                          <p:cTn id="8" fill="hold">
+                            <p:stCondLst>
+                              <p:cond delay="0"/>
+                            </p:stCondLst>
+                            <p:childTnLst>
+                              <p:par>
+                                <p:cTn id="9" presetID="1" presetClass="entr" presetSubtype="0" fill="hold" nodeType="clickEffect">
+                                  <p:stCondLst>
+                                    <p:cond delay="0"/>
+                                  </p:stCondLst>
+                                  <p:childTnLst>
+                                    <p:set>
+                                      <p:cBhvr>
+                                        <p:cTn id="10" dur="1" fill="hold">
+                                          <p:stCondLst>
+                                            <p:cond delay="0"/>
+                                          </p:stCondLst>
+                                        </p:cTn>
+                                        <p:tgtEl>
+                                          <p:spTgt spid="4">
+                                            <p:txEl>
+                                              <p:pRg st="1" end="1"/>
+                                            </p:txEl>
+                                          </p:spTgt>
+                                        </p:tgtEl>
+                                        <p:attrNameLst>
+                                          <p:attrName>style.visibility</p:attrName>
+                                        </p:attrNameLst>
+                                      </p:cBhvr>
+                                      <p:to>
+                                        <p:strVal val="visible"/>
+                                      </p:to>
+                                    </p:set>
+                                  </p:childTnLst>
+                                </p:cTn>
+                              </p:par>
+                            </p:childTnLst>
+                          </p:cTn>
+                        </p:par>
+                      </p:childTnLst>
+                    </p:cTn>
+                  </p:par>
+                  <p:par>
+                    <p:cTn id="11" fill="hold">
+                      <p:stCondLst>
+                        <p:cond delay="indefinite"/>
+                      </p:stCondLst>
+                      <p:childTnLst>
+                        <p:par>
+                          <p:cTn id="12" fill="hold">
+                            <p:stCondLst>
+                              <p:cond delay="0"/>
+                            </p:stCondLst>
+                            <p:childTnLst>
+                              <p:par>
+                                <p:cTn id="13" presetID="1" presetClass="entr" presetSubtype="0" fill="hold" nodeType="clickEffect">
+                                  <p:stCondLst>
+                                    <p:cond delay="0"/>
+                                  </p:stCondLst>
+                                  <p:childTnLst>
+                                    <p:set>
+                                      <p:cBhvr>
+                                        <p:cTn id="14" dur="1" fill="hold">
+                                          <p:stCondLst>
+                                            <p:cond delay="0"/>
+                                          </p:stCondLst>
+                                        </p:cTn>
+                                        <p:tgtEl>
+                                          <p:spTgt spid="4">
+                                            <p:txEl>
+                                              <p:pRg st="2" end="2"/>
+                                            </p:txEl>
+                                          </p:spTgt>
+                                        </p:tgtEl>
+                                        <p:attrNameLst>
+                                          <p:attrName>style.visibility</p:attrName>
+                                        </p:attrNameLst>
+                                      </p:cBhvr>
+                                      <p:to>
+                                        <p:strVal val="visible"/>
+                                      </p:to>
+                                    </p:set>
+                                  </p:childTnLst>
+                                </p:cTn>
+                              </p:par>
+                            </p:childTnLst>
+                          </p:cTn>
+                        </p:par>
+                      </p:childTnLst>
+                    </p:cTn>
+                  </p:par>
+                </p:childTnLst>
+              </p:cTn>
+              <p:prevCondLst>
+                <p:cond evt="onPrev" delay="0">
+                  <p:tgtEl>
+                    <p:sldTgt/>
+                  </p:tgtEl>
+                </p:cond>
+              </p:prevCondLst>
+              <p:nextCondLst>
+                <p:cond evt="onNext" delay="0">
+                  <p:tgtEl>
+                    <p:sldTgt/>
+                  </p:tgtEl>
+                </p:cond>
+              </p:nextCondLst>
+            </p:seq>
+          </p:childTnLst>
+        </p:cTn>
+      </p:par>
+    </p:tnLst>
+  </p:timing>
+</p:sld>
+</file>
+
+<file path=ppt/slides/slide15.xml><?xml version="1.0" encoding="utf-8"?>
+<p:sld xmlns:a="http://schemas.openxmlformats.org/drawingml/2006/main" xmlns:r="http://schemas.openxmlformats.org/officeDocument/2006/relationships" xmlns:p="http://schemas.openxmlformats.org/presentationml/2006/main">
+  <p:cSld>
+    <p:spTree>
+      <p:nvGrpSpPr>
+        <p:cNvPr id="1" name="">
+          <a:extLst>
+            <a:ext uri="{FF2B5EF4-FFF2-40B4-BE49-F238E27FC236}">
+              <a16:creationId xmlns:a16="http://schemas.microsoft.com/office/drawing/2014/main" id="{12C43C30-90C0-5497-36F6-7CD2D9065FD1}"/>
+            </a:ext>
+          </a:extLst>
+        </p:cNvPr>
+        <p:cNvGrpSpPr/>
+        <p:nvPr/>
+      </p:nvGrpSpPr>
+      <p:grpSpPr>
+        <a:xfrm>
+          <a:off x="0" y="0"/>
+          <a:ext cx="0" cy="0"/>
+          <a:chOff x="0" y="0"/>
+          <a:chExt cx="0" cy="0"/>
+        </a:xfrm>
+      </p:grpSpPr>
+      <p:sp>
+        <p:nvSpPr>
+          <p:cNvPr id="3" name="Subtitle 2">
+            <a:extLst>
+              <a:ext uri="{FF2B5EF4-FFF2-40B4-BE49-F238E27FC236}">
+                <a16:creationId xmlns:a16="http://schemas.microsoft.com/office/drawing/2014/main" id="{9A35761D-89E0-429C-70C9-67784BBEFA0C}"/>
+              </a:ext>
+            </a:extLst>
+          </p:cNvPr>
+          <p:cNvSpPr>
+            <a:spLocks noGrp="1"/>
+          </p:cNvSpPr>
+          <p:nvPr>
+            <p:ph type="subTitle" idx="1"/>
+          </p:nvPr>
+        </p:nvSpPr>
+        <p:spPr>
+          <a:xfrm>
+            <a:off x="152399" y="217488"/>
+            <a:ext cx="11223171" cy="303212"/>
+          </a:xfrm>
+        </p:spPr>
+        <p:txBody>
+          <a:bodyPr>
+            <a:normAutofit fontScale="92500" lnSpcReduction="20000"/>
+          </a:bodyPr>
+          <a:lstStyle/>
+          <a:p>
+            <a:r>
+              <a:rPr lang="en-US" sz="1800" b="1"/>
+              <a:t>Encapsulating Data</a:t>
+            </a:r>
+          </a:p>
+        </p:txBody>
+      </p:sp>
+      <p:sp>
+        <p:nvSpPr>
+          <p:cNvPr id="4" name="Subtitle 2">
+            <a:extLst>
+              <a:ext uri="{FF2B5EF4-FFF2-40B4-BE49-F238E27FC236}">
+                <a16:creationId xmlns:a16="http://schemas.microsoft.com/office/drawing/2014/main" id="{D72BB67E-B4E4-6CCE-2EAF-8453A1588895}"/>
+              </a:ext>
+            </a:extLst>
+          </p:cNvPr>
+          <p:cNvSpPr txBox="1">
+            <a:spLocks/>
+          </p:cNvSpPr>
+          <p:nvPr/>
+        </p:nvSpPr>
+        <p:spPr>
+          <a:xfrm>
+            <a:off x="0" y="820738"/>
+            <a:ext cx="12192000" cy="6037262"/>
+          </a:xfrm>
+          <a:prstGeom prst="rect">
+            <a:avLst/>
+          </a:prstGeom>
+        </p:spPr>
+        <p:txBody>
+          <a:bodyPr vert="horz" lIns="91440" tIns="45720" rIns="91440" bIns="45720" rtlCol="0">
+            <a:normAutofit/>
+          </a:bodyPr>
+          <a:lstStyle>
+            <a:lvl1pPr marL="0" indent="0" algn="ctr" defTabSz="914400" rtl="0" eaLnBrk="1" latinLnBrk="0" hangingPunct="1">
+              <a:lnSpc>
+                <a:spcPct val="90000"/>
+              </a:lnSpc>
+              <a:spcBef>
+                <a:spcPts val="1000"/>
+              </a:spcBef>
+              <a:buFont typeface="Arial" panose="020B0604020202020204" pitchFamily="34" charset="0"/>
+              <a:buNone/>
+              <a:defRPr sz="2400" kern="1200">
+                <a:solidFill>
+                  <a:schemeClr val="tx1"/>
+                </a:solidFill>
+                <a:latin typeface="+mn-lt"/>
+                <a:ea typeface="+mn-ea"/>
+                <a:cs typeface="+mn-cs"/>
+              </a:defRPr>
+            </a:lvl1pPr>
+            <a:lvl2pPr marL="457200" indent="0" algn="ctr" defTabSz="914400" rtl="0" eaLnBrk="1" latinLnBrk="0" hangingPunct="1">
+              <a:lnSpc>
+                <a:spcPct val="90000"/>
+              </a:lnSpc>
+              <a:spcBef>
+                <a:spcPts val="500"/>
+              </a:spcBef>
+              <a:buFont typeface="Arial" panose="020B0604020202020204" pitchFamily="34" charset="0"/>
+              <a:buNone/>
+              <a:defRPr sz="2000" kern="1200">
+                <a:solidFill>
+                  <a:schemeClr val="tx1"/>
+                </a:solidFill>
+                <a:latin typeface="+mn-lt"/>
+                <a:ea typeface="+mn-ea"/>
+                <a:cs typeface="+mn-cs"/>
+              </a:defRPr>
+            </a:lvl2pPr>
+            <a:lvl3pPr marL="914400" indent="0" algn="ctr" defTabSz="914400" rtl="0" eaLnBrk="1" latinLnBrk="0" hangingPunct="1">
+              <a:lnSpc>
+                <a:spcPct val="90000"/>
+              </a:lnSpc>
+              <a:spcBef>
+                <a:spcPts val="500"/>
+              </a:spcBef>
+              <a:buFont typeface="Arial" panose="020B0604020202020204" pitchFamily="34" charset="0"/>
+              <a:buNone/>
+              <a:defRPr sz="1800" kern="1200">
+                <a:solidFill>
+                  <a:schemeClr val="tx1"/>
+                </a:solidFill>
+                <a:latin typeface="+mn-lt"/>
+                <a:ea typeface="+mn-ea"/>
+                <a:cs typeface="+mn-cs"/>
+              </a:defRPr>
+            </a:lvl3pPr>
+            <a:lvl4pPr marL="1371600" indent="0" algn="ctr" defTabSz="914400" rtl="0" eaLnBrk="1" latinLnBrk="0" hangingPunct="1">
+              <a:lnSpc>
+                <a:spcPct val="90000"/>
+              </a:lnSpc>
+              <a:spcBef>
+                <a:spcPts val="500"/>
+              </a:spcBef>
+              <a:buFont typeface="Arial" panose="020B0604020202020204" pitchFamily="34" charset="0"/>
+              <a:buNone/>
+              <a:defRPr sz="1600" kern="1200">
+                <a:solidFill>
+                  <a:schemeClr val="tx1"/>
+                </a:solidFill>
+                <a:latin typeface="+mn-lt"/>
+                <a:ea typeface="+mn-ea"/>
+                <a:cs typeface="+mn-cs"/>
+              </a:defRPr>
+            </a:lvl4pPr>
+            <a:lvl5pPr marL="1828800" indent="0" algn="ctr" defTabSz="914400" rtl="0" eaLnBrk="1" latinLnBrk="0" hangingPunct="1">
+              <a:lnSpc>
+                <a:spcPct val="90000"/>
+              </a:lnSpc>
+              <a:spcBef>
+                <a:spcPts val="500"/>
+              </a:spcBef>
+              <a:buFont typeface="Arial" panose="020B0604020202020204" pitchFamily="34" charset="0"/>
+              <a:buNone/>
+              <a:defRPr sz="1600" kern="1200">
+                <a:solidFill>
+                  <a:schemeClr val="tx1"/>
+                </a:solidFill>
+                <a:latin typeface="+mn-lt"/>
+                <a:ea typeface="+mn-ea"/>
+                <a:cs typeface="+mn-cs"/>
+              </a:defRPr>
+            </a:lvl5pPr>
+            <a:lvl6pPr marL="2286000" indent="0" algn="ctr" defTabSz="914400" rtl="0" eaLnBrk="1" latinLnBrk="0" hangingPunct="1">
+              <a:lnSpc>
+                <a:spcPct val="90000"/>
+              </a:lnSpc>
+              <a:spcBef>
+                <a:spcPts val="500"/>
+              </a:spcBef>
+              <a:buFont typeface="Arial" panose="020B0604020202020204" pitchFamily="34" charset="0"/>
+              <a:buNone/>
+              <a:defRPr sz="1600" kern="1200">
+                <a:solidFill>
+                  <a:schemeClr val="tx1"/>
+                </a:solidFill>
+                <a:latin typeface="+mn-lt"/>
+                <a:ea typeface="+mn-ea"/>
+                <a:cs typeface="+mn-cs"/>
+              </a:defRPr>
+            </a:lvl6pPr>
+            <a:lvl7pPr marL="2743200" indent="0" algn="ctr" defTabSz="914400" rtl="0" eaLnBrk="1" latinLnBrk="0" hangingPunct="1">
+              <a:lnSpc>
+                <a:spcPct val="90000"/>
+              </a:lnSpc>
+              <a:spcBef>
+                <a:spcPts val="500"/>
+              </a:spcBef>
+              <a:buFont typeface="Arial" panose="020B0604020202020204" pitchFamily="34" charset="0"/>
+              <a:buNone/>
+              <a:defRPr sz="1600" kern="1200">
+                <a:solidFill>
+                  <a:schemeClr val="tx1"/>
+                </a:solidFill>
+                <a:latin typeface="+mn-lt"/>
+                <a:ea typeface="+mn-ea"/>
+                <a:cs typeface="+mn-cs"/>
+              </a:defRPr>
+            </a:lvl7pPr>
+            <a:lvl8pPr marL="3200400" indent="0" algn="ctr" defTabSz="914400" rtl="0" eaLnBrk="1" latinLnBrk="0" hangingPunct="1">
+              <a:lnSpc>
+                <a:spcPct val="90000"/>
+              </a:lnSpc>
+              <a:spcBef>
+                <a:spcPts val="500"/>
+              </a:spcBef>
+              <a:buFont typeface="Arial" panose="020B0604020202020204" pitchFamily="34" charset="0"/>
+              <a:buNone/>
+              <a:defRPr sz="1600" kern="1200">
+                <a:solidFill>
+                  <a:schemeClr val="tx1"/>
+                </a:solidFill>
+                <a:latin typeface="+mn-lt"/>
+                <a:ea typeface="+mn-ea"/>
+                <a:cs typeface="+mn-cs"/>
+              </a:defRPr>
+            </a:lvl8pPr>
+            <a:lvl9pPr marL="3657600" indent="0" algn="ctr" defTabSz="914400" rtl="0" eaLnBrk="1" latinLnBrk="0" hangingPunct="1">
+              <a:lnSpc>
+                <a:spcPct val="90000"/>
+              </a:lnSpc>
+              <a:spcBef>
+                <a:spcPts val="500"/>
+              </a:spcBef>
+              <a:buFont typeface="Arial" panose="020B0604020202020204" pitchFamily="34" charset="0"/>
+              <a:buNone/>
+              <a:defRPr sz="1600" kern="1200">
+                <a:solidFill>
+                  <a:schemeClr val="tx1"/>
+                </a:solidFill>
+                <a:latin typeface="+mn-lt"/>
+                <a:ea typeface="+mn-ea"/>
+                <a:cs typeface="+mn-cs"/>
+              </a:defRPr>
+            </a:lvl9pPr>
+          </a:lstStyle>
+          <a:p>
+            <a:pPr algn="l"/>
+            <a:r>
+              <a:rPr lang="en-US" sz="1800">
+                <a:sym typeface="Wingdings" pitchFamily="2" charset="2"/>
+              </a:rPr>
+              <a:t>- Explain about data encapsulation ? (what should we do ?, what is the purposes of doing encapsulation ?)</a:t>
+            </a:r>
+          </a:p>
+          <a:p>
+            <a:pPr algn="l"/>
+            <a:r>
+              <a:rPr lang="en-US" sz="1800">
+                <a:sym typeface="Wingdings" pitchFamily="2" charset="2"/>
+              </a:rPr>
+              <a:t>- When using data encapsulation, the ... convention for ...er and ...er must follow a speical type of convention called ...</a:t>
+            </a:r>
+          </a:p>
+          <a:p>
+            <a:pPr algn="l"/>
+            <a:r>
+              <a:rPr lang="en-US" sz="1800">
+                <a:sym typeface="Wingdings" pitchFamily="2" charset="2"/>
+              </a:rPr>
+              <a:t>(code illustration snippet 34 – 35) </a:t>
+            </a:r>
+          </a:p>
+        </p:txBody>
+      </p:sp>
+    </p:spTree>
+    <p:extLst>
+      <p:ext uri="{BB962C8B-B14F-4D97-AF65-F5344CB8AC3E}">
+        <p14:creationId xmlns:p14="http://schemas.microsoft.com/office/powerpoint/2010/main" val="596768230"/>
+      </p:ext>
+    </p:extLst>
+  </p:cSld>
+  <p:clrMapOvr>
+    <a:masterClrMapping/>
+  </p:clrMapOvr>
+  <p:timing>
+    <p:tnLst>
+      <p:par>
+        <p:cTn id="1" dur="indefinite" restart="never" nodeType="tmRoot">
+          <p:childTnLst>
+            <p:seq concurrent="1" nextAc="seek">
+              <p:cTn id="2" dur="indefinite" nodeType="mainSeq">
+                <p:childTnLst>
+                  <p:par>
+                    <p:cTn id="3" fill="hold">
+                      <p:stCondLst>
+                        <p:cond delay="indefinite"/>
+                      </p:stCondLst>
+                      <p:childTnLst>
+                        <p:par>
+                          <p:cTn id="4" fill="hold">
+                            <p:stCondLst>
+                              <p:cond delay="0"/>
+                            </p:stCondLst>
+                            <p:childTnLst>
+                              <p:par>
+                                <p:cTn id="5" presetID="1" presetClass="entr" presetSubtype="0" fill="hold" nodeType="clickEffect">
+                                  <p:stCondLst>
+                                    <p:cond delay="0"/>
+                                  </p:stCondLst>
+                                  <p:childTnLst>
+                                    <p:set>
+                                      <p:cBhvr>
+                                        <p:cTn id="6" dur="1" fill="hold">
+                                          <p:stCondLst>
+                                            <p:cond delay="0"/>
+                                          </p:stCondLst>
+                                        </p:cTn>
+                                        <p:tgtEl>
+                                          <p:spTgt spid="4">
+                                            <p:txEl>
+                                              <p:pRg st="0" end="0"/>
+                                            </p:txEl>
+                                          </p:spTgt>
+                                        </p:tgtEl>
+                                        <p:attrNameLst>
+                                          <p:attrName>style.visibility</p:attrName>
+                                        </p:attrNameLst>
+                                      </p:cBhvr>
+                                      <p:to>
+                                        <p:strVal val="visible"/>
+                                      </p:to>
+                                    </p:set>
+                                  </p:childTnLst>
+                                </p:cTn>
+                              </p:par>
+                            </p:childTnLst>
+                          </p:cTn>
+                        </p:par>
+                      </p:childTnLst>
+                    </p:cTn>
+                  </p:par>
+                  <p:par>
+                    <p:cTn id="7" fill="hold">
+                      <p:stCondLst>
+                        <p:cond delay="indefinite"/>
+                      </p:stCondLst>
+                      <p:childTnLst>
+                        <p:par>
+                          <p:cTn id="8" fill="hold">
+                            <p:stCondLst>
+                              <p:cond delay="0"/>
+                            </p:stCondLst>
+                            <p:childTnLst>
+                              <p:par>
+                                <p:cTn id="9" presetID="1" presetClass="entr" presetSubtype="0" fill="hold" nodeType="clickEffect">
+                                  <p:stCondLst>
+                                    <p:cond delay="0"/>
+                                  </p:stCondLst>
+                                  <p:childTnLst>
+                                    <p:set>
+                                      <p:cBhvr>
+                                        <p:cTn id="10" dur="1" fill="hold">
+                                          <p:stCondLst>
+                                            <p:cond delay="0"/>
+                                          </p:stCondLst>
+                                        </p:cTn>
+                                        <p:tgtEl>
+                                          <p:spTgt spid="4">
+                                            <p:txEl>
+                                              <p:pRg st="1" end="1"/>
+                                            </p:txEl>
+                                          </p:spTgt>
+                                        </p:tgtEl>
+                                        <p:attrNameLst>
+                                          <p:attrName>style.visibility</p:attrName>
+                                        </p:attrNameLst>
+                                      </p:cBhvr>
+                                      <p:to>
+                                        <p:strVal val="visible"/>
+                                      </p:to>
+                                    </p:set>
+                                  </p:childTnLst>
+                                </p:cTn>
+                              </p:par>
+                            </p:childTnLst>
+                          </p:cTn>
+                        </p:par>
+                      </p:childTnLst>
+                    </p:cTn>
+                  </p:par>
+                  <p:par>
+                    <p:cTn id="11" fill="hold">
+                      <p:stCondLst>
+                        <p:cond delay="indefinite"/>
+                      </p:stCondLst>
+                      <p:childTnLst>
+                        <p:par>
+                          <p:cTn id="12" fill="hold">
+                            <p:stCondLst>
+                              <p:cond delay="0"/>
+                            </p:stCondLst>
+                            <p:childTnLst>
+                              <p:par>
+                                <p:cTn id="13" presetID="1" presetClass="entr" presetSubtype="0" fill="hold" nodeType="clickEffect">
+                                  <p:stCondLst>
+                                    <p:cond delay="0"/>
+                                  </p:stCondLst>
+                                  <p:childTnLst>
+                                    <p:set>
+                                      <p:cBhvr>
+                                        <p:cTn id="14" dur="1" fill="hold">
+                                          <p:stCondLst>
+                                            <p:cond delay="0"/>
+                                          </p:stCondLst>
+                                        </p:cTn>
+                                        <p:tgtEl>
+                                          <p:spTgt spid="4">
+                                            <p:txEl>
+                                              <p:pRg st="2" end="2"/>
+                                            </p:txEl>
+                                          </p:spTgt>
+                                        </p:tgtEl>
+                                        <p:attrNameLst>
+                                          <p:attrName>style.visibility</p:attrName>
+                                        </p:attrNameLst>
+                                      </p:cBhvr>
+                                      <p:to>
+                                        <p:strVal val="visible"/>
+                                      </p:to>
+                                    </p:set>
+                                  </p:childTnLst>
+                                </p:cTn>
+                              </p:par>
+                            </p:childTnLst>
+                          </p:cTn>
+                        </p:par>
+                      </p:childTnLst>
+                    </p:cTn>
+                  </p:par>
+                </p:childTnLst>
+              </p:cTn>
+              <p:prevCondLst>
+                <p:cond evt="onPrev" delay="0">
+                  <p:tgtEl>
+                    <p:sldTgt/>
+                  </p:tgtEl>
+                </p:cond>
+              </p:prevCondLst>
+              <p:nextCondLst>
+                <p:cond evt="onNext" delay="0">
+                  <p:tgtEl>
+                    <p:sldTgt/>
+                  </p:tgtEl>
+                </p:cond>
+              </p:nextCondLst>
+            </p:seq>
+          </p:childTnLst>
+        </p:cTn>
+      </p:par>
+    </p:tnLst>
+  </p:timing>
+</p:sld>
+</file>
+
+<file path=ppt/slides/slide16.xml><?xml version="1.0" encoding="utf-8"?>
+<p:sld xmlns:a="http://schemas.openxmlformats.org/drawingml/2006/main" xmlns:r="http://schemas.openxmlformats.org/officeDocument/2006/relationships" xmlns:p="http://schemas.openxmlformats.org/presentationml/2006/main">
+  <p:cSld>
+    <p:spTree>
+      <p:nvGrpSpPr>
+        <p:cNvPr id="1" name="">
+          <a:extLst>
+            <a:ext uri="{FF2B5EF4-FFF2-40B4-BE49-F238E27FC236}">
+              <a16:creationId xmlns:a16="http://schemas.microsoft.com/office/drawing/2014/main" id="{2C0E64ED-05D1-053E-FC6C-2BC46964A1C2}"/>
+            </a:ext>
+          </a:extLst>
+        </p:cNvPr>
+        <p:cNvGrpSpPr/>
+        <p:nvPr/>
+      </p:nvGrpSpPr>
+      <p:grpSpPr>
+        <a:xfrm>
+          <a:off x="0" y="0"/>
+          <a:ext cx="0" cy="0"/>
+          <a:chOff x="0" y="0"/>
+          <a:chExt cx="0" cy="0"/>
+        </a:xfrm>
+      </p:grpSpPr>
+      <p:sp>
+        <p:nvSpPr>
+          <p:cNvPr id="3" name="Subtitle 2">
+            <a:extLst>
+              <a:ext uri="{FF2B5EF4-FFF2-40B4-BE49-F238E27FC236}">
+                <a16:creationId xmlns:a16="http://schemas.microsoft.com/office/drawing/2014/main" id="{50062D60-26EB-4D1B-1D9D-589FB48F7893}"/>
+              </a:ext>
+            </a:extLst>
+          </p:cNvPr>
+          <p:cNvSpPr>
+            <a:spLocks noGrp="1"/>
+          </p:cNvSpPr>
+          <p:nvPr>
+            <p:ph type="subTitle" idx="1"/>
+          </p:nvPr>
+        </p:nvSpPr>
+        <p:spPr>
+          <a:xfrm>
+            <a:off x="152399" y="217488"/>
+            <a:ext cx="11223171" cy="303212"/>
+          </a:xfrm>
+        </p:spPr>
+        <p:txBody>
+          <a:bodyPr>
+            <a:normAutofit fontScale="92500" lnSpcReduction="20000"/>
+          </a:bodyPr>
+          <a:lstStyle/>
+          <a:p>
+            <a:r>
+              <a:rPr lang="en-US" sz="1800" b="1"/>
+              <a:t>Encapsulating Data</a:t>
+            </a:r>
+          </a:p>
+        </p:txBody>
+      </p:sp>
+      <p:sp>
+        <p:nvSpPr>
+          <p:cNvPr id="4" name="Subtitle 2">
+            <a:extLst>
+              <a:ext uri="{FF2B5EF4-FFF2-40B4-BE49-F238E27FC236}">
+                <a16:creationId xmlns:a16="http://schemas.microsoft.com/office/drawing/2014/main" id="{0FA0FC30-EF80-7F6D-5424-7291C7390248}"/>
+              </a:ext>
+            </a:extLst>
+          </p:cNvPr>
+          <p:cNvSpPr txBox="1">
+            <a:spLocks/>
+          </p:cNvSpPr>
+          <p:nvPr/>
+        </p:nvSpPr>
+        <p:spPr>
+          <a:xfrm>
+            <a:off x="0" y="820738"/>
+            <a:ext cx="12192000" cy="6037262"/>
+          </a:xfrm>
+          <a:prstGeom prst="rect">
+            <a:avLst/>
+          </a:prstGeom>
+        </p:spPr>
+        <p:txBody>
+          <a:bodyPr vert="horz" lIns="91440" tIns="45720" rIns="91440" bIns="45720" rtlCol="0">
+            <a:normAutofit/>
+          </a:bodyPr>
+          <a:lstStyle>
+            <a:lvl1pPr marL="0" indent="0" algn="ctr" defTabSz="914400" rtl="0" eaLnBrk="1" latinLnBrk="0" hangingPunct="1">
+              <a:lnSpc>
+                <a:spcPct val="90000"/>
+              </a:lnSpc>
+              <a:spcBef>
+                <a:spcPts val="1000"/>
+              </a:spcBef>
+              <a:buFont typeface="Arial" panose="020B0604020202020204" pitchFamily="34" charset="0"/>
+              <a:buNone/>
+              <a:defRPr sz="2400" kern="1200">
+                <a:solidFill>
+                  <a:schemeClr val="tx1"/>
+                </a:solidFill>
+                <a:latin typeface="+mn-lt"/>
+                <a:ea typeface="+mn-ea"/>
+                <a:cs typeface="+mn-cs"/>
+              </a:defRPr>
+            </a:lvl1pPr>
+            <a:lvl2pPr marL="457200" indent="0" algn="ctr" defTabSz="914400" rtl="0" eaLnBrk="1" latinLnBrk="0" hangingPunct="1">
+              <a:lnSpc>
+                <a:spcPct val="90000"/>
+              </a:lnSpc>
+              <a:spcBef>
+                <a:spcPts val="500"/>
+              </a:spcBef>
+              <a:buFont typeface="Arial" panose="020B0604020202020204" pitchFamily="34" charset="0"/>
+              <a:buNone/>
+              <a:defRPr sz="2000" kern="1200">
+                <a:solidFill>
+                  <a:schemeClr val="tx1"/>
+                </a:solidFill>
+                <a:latin typeface="+mn-lt"/>
+                <a:ea typeface="+mn-ea"/>
+                <a:cs typeface="+mn-cs"/>
+              </a:defRPr>
+            </a:lvl2pPr>
+            <a:lvl3pPr marL="914400" indent="0" algn="ctr" defTabSz="914400" rtl="0" eaLnBrk="1" latinLnBrk="0" hangingPunct="1">
+              <a:lnSpc>
+                <a:spcPct val="90000"/>
+              </a:lnSpc>
+              <a:spcBef>
+                <a:spcPts val="500"/>
+              </a:spcBef>
+              <a:buFont typeface="Arial" panose="020B0604020202020204" pitchFamily="34" charset="0"/>
+              <a:buNone/>
+              <a:defRPr sz="1800" kern="1200">
+                <a:solidFill>
+                  <a:schemeClr val="tx1"/>
+                </a:solidFill>
+                <a:latin typeface="+mn-lt"/>
+                <a:ea typeface="+mn-ea"/>
+                <a:cs typeface="+mn-cs"/>
+              </a:defRPr>
+            </a:lvl3pPr>
+            <a:lvl4pPr marL="1371600" indent="0" algn="ctr" defTabSz="914400" rtl="0" eaLnBrk="1" latinLnBrk="0" hangingPunct="1">
+              <a:lnSpc>
+                <a:spcPct val="90000"/>
+              </a:lnSpc>
+              <a:spcBef>
+                <a:spcPts val="500"/>
+              </a:spcBef>
+              <a:buFont typeface="Arial" panose="020B0604020202020204" pitchFamily="34" charset="0"/>
+              <a:buNone/>
+              <a:defRPr sz="1600" kern="1200">
+                <a:solidFill>
+                  <a:schemeClr val="tx1"/>
+                </a:solidFill>
+                <a:latin typeface="+mn-lt"/>
+                <a:ea typeface="+mn-ea"/>
+                <a:cs typeface="+mn-cs"/>
+              </a:defRPr>
+            </a:lvl4pPr>
+            <a:lvl5pPr marL="1828800" indent="0" algn="ctr" defTabSz="914400" rtl="0" eaLnBrk="1" latinLnBrk="0" hangingPunct="1">
+              <a:lnSpc>
+                <a:spcPct val="90000"/>
+              </a:lnSpc>
+              <a:spcBef>
+                <a:spcPts val="500"/>
+              </a:spcBef>
+              <a:buFont typeface="Arial" panose="020B0604020202020204" pitchFamily="34" charset="0"/>
+              <a:buNone/>
+              <a:defRPr sz="1600" kern="1200">
+                <a:solidFill>
+                  <a:schemeClr val="tx1"/>
+                </a:solidFill>
+                <a:latin typeface="+mn-lt"/>
+                <a:ea typeface="+mn-ea"/>
+                <a:cs typeface="+mn-cs"/>
+              </a:defRPr>
+            </a:lvl5pPr>
+            <a:lvl6pPr marL="2286000" indent="0" algn="ctr" defTabSz="914400" rtl="0" eaLnBrk="1" latinLnBrk="0" hangingPunct="1">
+              <a:lnSpc>
+                <a:spcPct val="90000"/>
+              </a:lnSpc>
+              <a:spcBef>
+                <a:spcPts val="500"/>
+              </a:spcBef>
+              <a:buFont typeface="Arial" panose="020B0604020202020204" pitchFamily="34" charset="0"/>
+              <a:buNone/>
+              <a:defRPr sz="1600" kern="1200">
+                <a:solidFill>
+                  <a:schemeClr val="tx1"/>
+                </a:solidFill>
+                <a:latin typeface="+mn-lt"/>
+                <a:ea typeface="+mn-ea"/>
+                <a:cs typeface="+mn-cs"/>
+              </a:defRPr>
+            </a:lvl6pPr>
+            <a:lvl7pPr marL="2743200" indent="0" algn="ctr" defTabSz="914400" rtl="0" eaLnBrk="1" latinLnBrk="0" hangingPunct="1">
+              <a:lnSpc>
+                <a:spcPct val="90000"/>
+              </a:lnSpc>
+              <a:spcBef>
+                <a:spcPts val="500"/>
+              </a:spcBef>
+              <a:buFont typeface="Arial" panose="020B0604020202020204" pitchFamily="34" charset="0"/>
+              <a:buNone/>
+              <a:defRPr sz="1600" kern="1200">
+                <a:solidFill>
+                  <a:schemeClr val="tx1"/>
+                </a:solidFill>
+                <a:latin typeface="+mn-lt"/>
+                <a:ea typeface="+mn-ea"/>
+                <a:cs typeface="+mn-cs"/>
+              </a:defRPr>
+            </a:lvl7pPr>
+            <a:lvl8pPr marL="3200400" indent="0" algn="ctr" defTabSz="914400" rtl="0" eaLnBrk="1" latinLnBrk="0" hangingPunct="1">
+              <a:lnSpc>
+                <a:spcPct val="90000"/>
+              </a:lnSpc>
+              <a:spcBef>
+                <a:spcPts val="500"/>
+              </a:spcBef>
+              <a:buFont typeface="Arial" panose="020B0604020202020204" pitchFamily="34" charset="0"/>
+              <a:buNone/>
+              <a:defRPr sz="1600" kern="1200">
+                <a:solidFill>
+                  <a:schemeClr val="tx1"/>
+                </a:solidFill>
+                <a:latin typeface="+mn-lt"/>
+                <a:ea typeface="+mn-ea"/>
+                <a:cs typeface="+mn-cs"/>
+              </a:defRPr>
+            </a:lvl8pPr>
+            <a:lvl9pPr marL="3657600" indent="0" algn="ctr" defTabSz="914400" rtl="0" eaLnBrk="1" latinLnBrk="0" hangingPunct="1">
+              <a:lnSpc>
+                <a:spcPct val="90000"/>
+              </a:lnSpc>
+              <a:spcBef>
+                <a:spcPts val="500"/>
+              </a:spcBef>
+              <a:buFont typeface="Arial" panose="020B0604020202020204" pitchFamily="34" charset="0"/>
+              <a:buNone/>
+              <a:defRPr sz="1600" kern="1200">
+                <a:solidFill>
+                  <a:schemeClr val="tx1"/>
+                </a:solidFill>
+                <a:latin typeface="+mn-lt"/>
+                <a:ea typeface="+mn-ea"/>
+                <a:cs typeface="+mn-cs"/>
+              </a:defRPr>
+            </a:lvl9pPr>
+          </a:lstStyle>
+          <a:p>
+            <a:pPr algn="l"/>
+            <a:endParaRPr lang="en-US" sz="1800">
+              <a:sym typeface="Wingdings" pitchFamily="2" charset="2"/>
+            </a:endParaRPr>
+          </a:p>
+        </p:txBody>
+      </p:sp>
+      <p:pic>
+        <p:nvPicPr>
+          <p:cNvPr id="2" name="Picture 1">
+            <a:extLst>
+              <a:ext uri="{FF2B5EF4-FFF2-40B4-BE49-F238E27FC236}">
+                <a16:creationId xmlns:a16="http://schemas.microsoft.com/office/drawing/2014/main" id="{B6FD2D6C-342A-EAA1-C3A5-81063F5C1665}"/>
+              </a:ext>
+            </a:extLst>
+          </p:cNvPr>
+          <p:cNvPicPr>
+            <a:picLocks noChangeAspect="1"/>
+          </p:cNvPicPr>
+          <p:nvPr/>
+        </p:nvPicPr>
+        <p:blipFill>
+          <a:blip r:embed="rId3"/>
+          <a:stretch>
+            <a:fillRect/>
+          </a:stretch>
+        </p:blipFill>
+        <p:spPr>
+          <a:xfrm>
+            <a:off x="2034154" y="820738"/>
+            <a:ext cx="8123692" cy="5444239"/>
+          </a:xfrm>
+          <a:prstGeom prst="rect">
+            <a:avLst/>
+          </a:prstGeom>
+        </p:spPr>
+      </p:pic>
+    </p:spTree>
+    <p:extLst>
+      <p:ext uri="{BB962C8B-B14F-4D97-AF65-F5344CB8AC3E}">
+        <p14:creationId xmlns:p14="http://schemas.microsoft.com/office/powerpoint/2010/main" val="1720786696"/>
+      </p:ext>
+    </p:extLst>
+  </p:cSld>
+  <p:clrMapOvr>
+    <a:masterClrMapping/>
+  </p:clrMapOvr>
+  <p:timing>
+    <p:tnLst>
+      <p:par>
+        <p:cTn id="1" dur="indefinite" restart="never" nodeType="tmRoot">
+          <p:childTnLst>
+            <p:seq concurrent="1" nextAc="seek">
+              <p:cTn id="2" dur="indefinite" nodeType="mainSeq">
+                <p:childTnLst>
+                  <p:par>
+                    <p:cTn id="3" fill="hold">
+                      <p:stCondLst>
+                        <p:cond delay="indefinite"/>
+                      </p:stCondLst>
+                      <p:childTnLst>
+                        <p:par>
+                          <p:cTn id="4" fill="hold">
+                            <p:stCondLst>
+                              <p:cond delay="0"/>
+                            </p:stCondLst>
+                            <p:childTnLst>
+                              <p:par>
+                                <p:cTn id="5" presetID="1" presetClass="entr" presetSubtype="0" fill="hold" nodeType="clickEffect" nodePh="1">
+                                  <p:stCondLst>
+                                    <p:cond delay="0"/>
+                                  </p:stCondLst>
+                                  <p:endCondLst>
+                                    <p:cond evt="begin" delay="0">
+                                      <p:tn val="5"/>
+                                    </p:cond>
+                                  </p:endCondLst>
+                                  <p:childTnLst>
+                                    <p:set>
+                                      <p:cBhvr>
+                                        <p:cTn id="6" dur="1" fill="hold">
+                                          <p:stCondLst>
+                                            <p:cond delay="0"/>
+                                          </p:stCondLst>
+                                        </p:cTn>
+                                        <p:tgtEl>
+                                          <p:spTgt spid="4">
+                                            <p:txEl>
+                                              <p:pRg st="0" end="0"/>
+                                            </p:txEl>
+                                          </p:spTgt>
+                                        </p:tgtEl>
+                                        <p:attrNameLst>
+                                          <p:attrName>style.visibility</p:attrName>
+                                        </p:attrNameLst>
+                                      </p:cBhvr>
+                                      <p:to>
+                                        <p:strVal val="visible"/>
+                                      </p:to>
+                                    </p:set>
+                                  </p:childTnLst>
+                                </p:cTn>
+                              </p:par>
+                            </p:childTnLst>
+                          </p:cTn>
+                        </p:par>
+                      </p:childTnLst>
+                    </p:cTn>
+                  </p:par>
+                </p:childTnLst>
+              </p:cTn>
+              <p:prevCondLst>
+                <p:cond evt="onPrev" delay="0">
+                  <p:tgtEl>
+                    <p:sldTgt/>
+                  </p:tgtEl>
+                </p:cond>
+              </p:prevCondLst>
+              <p:nextCondLst>
+                <p:cond evt="onNext" delay="0">
+                  <p:tgtEl>
+                    <p:sldTgt/>
+                  </p:tgtEl>
+                </p:cond>
+              </p:nextCondLst>
+            </p:seq>
+          </p:childTnLst>
+        </p:cTn>
+      </p:par>
+    </p:tnLst>
+  </p:timing>
+</p:sld>
+</file>
+
+<file path=ppt/slides/slide17.xml><?xml version="1.0" encoding="utf-8"?>
+<p:sld xmlns:a="http://schemas.openxmlformats.org/drawingml/2006/main" xmlns:r="http://schemas.openxmlformats.org/officeDocument/2006/relationships" xmlns:p="http://schemas.openxmlformats.org/presentationml/2006/main">
+  <p:cSld>
+    <p:spTree>
+      <p:nvGrpSpPr>
+        <p:cNvPr id="1" name="">
+          <a:extLst>
+            <a:ext uri="{FF2B5EF4-FFF2-40B4-BE49-F238E27FC236}">
+              <a16:creationId xmlns:a16="http://schemas.microsoft.com/office/drawing/2014/main" id="{66279388-55F0-5540-E4DC-72F57DFB7EB2}"/>
+            </a:ext>
+          </a:extLst>
+        </p:cNvPr>
+        <p:cNvGrpSpPr/>
+        <p:nvPr/>
+      </p:nvGrpSpPr>
+      <p:grpSpPr>
+        <a:xfrm>
+          <a:off x="0" y="0"/>
+          <a:ext cx="0" cy="0"/>
+          <a:chOff x="0" y="0"/>
+          <a:chExt cx="0" cy="0"/>
+        </a:xfrm>
+      </p:grpSpPr>
+      <p:sp>
+        <p:nvSpPr>
+          <p:cNvPr id="3" name="Subtitle 2">
+            <a:extLst>
+              <a:ext uri="{FF2B5EF4-FFF2-40B4-BE49-F238E27FC236}">
+                <a16:creationId xmlns:a16="http://schemas.microsoft.com/office/drawing/2014/main" id="{2BCF1247-AA2F-C302-6980-3CF7477A534B}"/>
+              </a:ext>
+            </a:extLst>
+          </p:cNvPr>
+          <p:cNvSpPr>
+            <a:spLocks noGrp="1"/>
+          </p:cNvSpPr>
+          <p:nvPr>
+            <p:ph type="subTitle" idx="1"/>
+          </p:nvPr>
+        </p:nvSpPr>
+        <p:spPr>
+          <a:xfrm>
+            <a:off x="152399" y="217488"/>
+            <a:ext cx="11223171" cy="303212"/>
+          </a:xfrm>
+        </p:spPr>
+        <p:txBody>
+          <a:bodyPr>
+            <a:normAutofit fontScale="92500" lnSpcReduction="20000"/>
+          </a:bodyPr>
+          <a:lstStyle/>
+          <a:p>
+            <a:r>
+              <a:rPr lang="en-US" sz="1800" b="1"/>
+              <a:t>Encapsulating Data</a:t>
+            </a:r>
+          </a:p>
+        </p:txBody>
+      </p:sp>
+      <p:sp>
+        <p:nvSpPr>
+          <p:cNvPr id="4" name="Subtitle 2">
+            <a:extLst>
+              <a:ext uri="{FF2B5EF4-FFF2-40B4-BE49-F238E27FC236}">
+                <a16:creationId xmlns:a16="http://schemas.microsoft.com/office/drawing/2014/main" id="{48B7CC6E-53E2-5BBB-D344-346A7914772B}"/>
+              </a:ext>
+            </a:extLst>
+          </p:cNvPr>
+          <p:cNvSpPr txBox="1">
+            <a:spLocks/>
+          </p:cNvSpPr>
+          <p:nvPr/>
+        </p:nvSpPr>
+        <p:spPr>
+          <a:xfrm>
+            <a:off x="0" y="820738"/>
+            <a:ext cx="12192000" cy="6037262"/>
+          </a:xfrm>
+          <a:prstGeom prst="rect">
+            <a:avLst/>
+          </a:prstGeom>
+        </p:spPr>
+        <p:txBody>
+          <a:bodyPr vert="horz" lIns="91440" tIns="45720" rIns="91440" bIns="45720" rtlCol="0">
+            <a:normAutofit/>
+          </a:bodyPr>
+          <a:lstStyle>
+            <a:lvl1pPr marL="0" indent="0" algn="ctr" defTabSz="914400" rtl="0" eaLnBrk="1" latinLnBrk="0" hangingPunct="1">
+              <a:lnSpc>
+                <a:spcPct val="90000"/>
+              </a:lnSpc>
+              <a:spcBef>
+                <a:spcPts val="1000"/>
+              </a:spcBef>
+              <a:buFont typeface="Arial" panose="020B0604020202020204" pitchFamily="34" charset="0"/>
+              <a:buNone/>
+              <a:defRPr sz="2400" kern="1200">
+                <a:solidFill>
+                  <a:schemeClr val="tx1"/>
+                </a:solidFill>
+                <a:latin typeface="+mn-lt"/>
+                <a:ea typeface="+mn-ea"/>
+                <a:cs typeface="+mn-cs"/>
+              </a:defRPr>
+            </a:lvl1pPr>
+            <a:lvl2pPr marL="457200" indent="0" algn="ctr" defTabSz="914400" rtl="0" eaLnBrk="1" latinLnBrk="0" hangingPunct="1">
+              <a:lnSpc>
+                <a:spcPct val="90000"/>
+              </a:lnSpc>
+              <a:spcBef>
+                <a:spcPts val="500"/>
+              </a:spcBef>
+              <a:buFont typeface="Arial" panose="020B0604020202020204" pitchFamily="34" charset="0"/>
+              <a:buNone/>
+              <a:defRPr sz="2000" kern="1200">
+                <a:solidFill>
+                  <a:schemeClr val="tx1"/>
+                </a:solidFill>
+                <a:latin typeface="+mn-lt"/>
+                <a:ea typeface="+mn-ea"/>
+                <a:cs typeface="+mn-cs"/>
+              </a:defRPr>
+            </a:lvl2pPr>
+            <a:lvl3pPr marL="914400" indent="0" algn="ctr" defTabSz="914400" rtl="0" eaLnBrk="1" latinLnBrk="0" hangingPunct="1">
+              <a:lnSpc>
+                <a:spcPct val="90000"/>
+              </a:lnSpc>
+              <a:spcBef>
+                <a:spcPts val="500"/>
+              </a:spcBef>
+              <a:buFont typeface="Arial" panose="020B0604020202020204" pitchFamily="34" charset="0"/>
+              <a:buNone/>
+              <a:defRPr sz="1800" kern="1200">
+                <a:solidFill>
+                  <a:schemeClr val="tx1"/>
+                </a:solidFill>
+                <a:latin typeface="+mn-lt"/>
+                <a:ea typeface="+mn-ea"/>
+                <a:cs typeface="+mn-cs"/>
+              </a:defRPr>
+            </a:lvl3pPr>
+            <a:lvl4pPr marL="1371600" indent="0" algn="ctr" defTabSz="914400" rtl="0" eaLnBrk="1" latinLnBrk="0" hangingPunct="1">
+              <a:lnSpc>
+                <a:spcPct val="90000"/>
+              </a:lnSpc>
+              <a:spcBef>
+                <a:spcPts val="500"/>
+              </a:spcBef>
+              <a:buFont typeface="Arial" panose="020B0604020202020204" pitchFamily="34" charset="0"/>
+              <a:buNone/>
+              <a:defRPr sz="1600" kern="1200">
+                <a:solidFill>
+                  <a:schemeClr val="tx1"/>
+                </a:solidFill>
+                <a:latin typeface="+mn-lt"/>
+                <a:ea typeface="+mn-ea"/>
+                <a:cs typeface="+mn-cs"/>
+              </a:defRPr>
+            </a:lvl4pPr>
+            <a:lvl5pPr marL="1828800" indent="0" algn="ctr" defTabSz="914400" rtl="0" eaLnBrk="1" latinLnBrk="0" hangingPunct="1">
+              <a:lnSpc>
+                <a:spcPct val="90000"/>
+              </a:lnSpc>
+              <a:spcBef>
+                <a:spcPts val="500"/>
+              </a:spcBef>
+              <a:buFont typeface="Arial" panose="020B0604020202020204" pitchFamily="34" charset="0"/>
+              <a:buNone/>
+              <a:defRPr sz="1600" kern="1200">
+                <a:solidFill>
+                  <a:schemeClr val="tx1"/>
+                </a:solidFill>
+                <a:latin typeface="+mn-lt"/>
+                <a:ea typeface="+mn-ea"/>
+                <a:cs typeface="+mn-cs"/>
+              </a:defRPr>
+            </a:lvl5pPr>
+            <a:lvl6pPr marL="2286000" indent="0" algn="ctr" defTabSz="914400" rtl="0" eaLnBrk="1" latinLnBrk="0" hangingPunct="1">
+              <a:lnSpc>
+                <a:spcPct val="90000"/>
+              </a:lnSpc>
+              <a:spcBef>
+                <a:spcPts val="500"/>
+              </a:spcBef>
+              <a:buFont typeface="Arial" panose="020B0604020202020204" pitchFamily="34" charset="0"/>
+              <a:buNone/>
+              <a:defRPr sz="1600" kern="1200">
+                <a:solidFill>
+                  <a:schemeClr val="tx1"/>
+                </a:solidFill>
+                <a:latin typeface="+mn-lt"/>
+                <a:ea typeface="+mn-ea"/>
+                <a:cs typeface="+mn-cs"/>
+              </a:defRPr>
+            </a:lvl6pPr>
+            <a:lvl7pPr marL="2743200" indent="0" algn="ctr" defTabSz="914400" rtl="0" eaLnBrk="1" latinLnBrk="0" hangingPunct="1">
+              <a:lnSpc>
+                <a:spcPct val="90000"/>
+              </a:lnSpc>
+              <a:spcBef>
+                <a:spcPts val="500"/>
+              </a:spcBef>
+              <a:buFont typeface="Arial" panose="020B0604020202020204" pitchFamily="34" charset="0"/>
+              <a:buNone/>
+              <a:defRPr sz="1600" kern="1200">
+                <a:solidFill>
+                  <a:schemeClr val="tx1"/>
+                </a:solidFill>
+                <a:latin typeface="+mn-lt"/>
+                <a:ea typeface="+mn-ea"/>
+                <a:cs typeface="+mn-cs"/>
+              </a:defRPr>
+            </a:lvl7pPr>
+            <a:lvl8pPr marL="3200400" indent="0" algn="ctr" defTabSz="914400" rtl="0" eaLnBrk="1" latinLnBrk="0" hangingPunct="1">
+              <a:lnSpc>
+                <a:spcPct val="90000"/>
+              </a:lnSpc>
+              <a:spcBef>
+                <a:spcPts val="500"/>
+              </a:spcBef>
+              <a:buFont typeface="Arial" panose="020B0604020202020204" pitchFamily="34" charset="0"/>
+              <a:buNone/>
+              <a:defRPr sz="1600" kern="1200">
+                <a:solidFill>
+                  <a:schemeClr val="tx1"/>
+                </a:solidFill>
+                <a:latin typeface="+mn-lt"/>
+                <a:ea typeface="+mn-ea"/>
+                <a:cs typeface="+mn-cs"/>
+              </a:defRPr>
+            </a:lvl8pPr>
+            <a:lvl9pPr marL="3657600" indent="0" algn="ctr" defTabSz="914400" rtl="0" eaLnBrk="1" latinLnBrk="0" hangingPunct="1">
+              <a:lnSpc>
+                <a:spcPct val="90000"/>
+              </a:lnSpc>
+              <a:spcBef>
+                <a:spcPts val="500"/>
+              </a:spcBef>
+              <a:buFont typeface="Arial" panose="020B0604020202020204" pitchFamily="34" charset="0"/>
+              <a:buNone/>
+              <a:defRPr sz="1600" kern="1200">
+                <a:solidFill>
+                  <a:schemeClr val="tx1"/>
+                </a:solidFill>
+                <a:latin typeface="+mn-lt"/>
+                <a:ea typeface="+mn-ea"/>
+                <a:cs typeface="+mn-cs"/>
+              </a:defRPr>
+            </a:lvl9pPr>
+          </a:lstStyle>
+          <a:p>
+            <a:pPr algn="l"/>
+            <a:r>
+              <a:rPr lang="en-US" sz="1800">
+                <a:sym typeface="Wingdings" pitchFamily="2" charset="2"/>
+              </a:rPr>
+              <a:t>(code illustration snippet 36)</a:t>
+            </a:r>
+          </a:p>
+          <a:p>
+            <a:pPr algn="l"/>
+            <a:r>
+              <a:rPr lang="en-US" sz="1800">
+                <a:sym typeface="Wingdings" pitchFamily="2" charset="2"/>
+              </a:rPr>
+              <a:t>- If we want to create an immutable class, we could set the field to ... and remove ...er</a:t>
+            </a:r>
+          </a:p>
+          <a:p>
+            <a:pPr algn="l"/>
+            <a:r>
+              <a:rPr lang="en-US" sz="1800">
+                <a:sym typeface="Wingdings" pitchFamily="2" charset="2"/>
+              </a:rPr>
+              <a:t>(code illustration snippet 37)</a:t>
+            </a:r>
+          </a:p>
+          <a:p>
+            <a:pPr algn="l"/>
+            <a:r>
+              <a:rPr lang="en-US" sz="1800">
+                <a:sym typeface="Wingdings" pitchFamily="2" charset="2"/>
+              </a:rPr>
+              <a:t>- However, there are some cases where the class looks like "immutable" but turns out, it is not</a:t>
+            </a:r>
+          </a:p>
+          <a:p>
+            <a:pPr algn="l"/>
+            <a:r>
+              <a:rPr lang="en-US" sz="1800">
+                <a:sym typeface="Wingdings" pitchFamily="2" charset="2"/>
+              </a:rPr>
+              <a:t>(code illustration snippet 38) </a:t>
+            </a:r>
+          </a:p>
+          <a:p>
+            <a:pPr algn="l"/>
+            <a:r>
+              <a:rPr lang="en-US" sz="1800">
+                <a:sym typeface="Wingdings" pitchFamily="2" charset="2"/>
+              </a:rPr>
+              <a:t>- As we have seen, the class is not totally immutable. To make it immutable, we have 2 options:</a:t>
+            </a:r>
+          </a:p>
+          <a:p>
+            <a:pPr algn="l"/>
+            <a:r>
+              <a:rPr lang="en-US" sz="1800">
+                <a:sym typeface="Wingdings" pitchFamily="2" charset="2"/>
+              </a:rPr>
+              <a:t>+) We could return a new ... when user try to ... the method getBuilder() =&gt; this is called a "..."</a:t>
+            </a:r>
+          </a:p>
+          <a:p>
+            <a:pPr algn="l"/>
+            <a:r>
+              <a:rPr lang="en-US" sz="1800">
+                <a:sym typeface="Wingdings" pitchFamily="2" charset="2"/>
+              </a:rPr>
+              <a:t>+) return an ... object </a:t>
+            </a:r>
+          </a:p>
+          <a:p>
+            <a:pPr algn="l"/>
+            <a:endParaRPr lang="en-US" sz="1800">
+              <a:sym typeface="Wingdings" pitchFamily="2" charset="2"/>
+            </a:endParaRPr>
+          </a:p>
+        </p:txBody>
+      </p:sp>
+    </p:spTree>
+    <p:extLst>
+      <p:ext uri="{BB962C8B-B14F-4D97-AF65-F5344CB8AC3E}">
+        <p14:creationId xmlns:p14="http://schemas.microsoft.com/office/powerpoint/2010/main" val="1753565640"/>
+      </p:ext>
+    </p:extLst>
+  </p:cSld>
+  <p:clrMapOvr>
+    <a:masterClrMapping/>
+  </p:clrMapOvr>
+  <p:timing>
+    <p:tnLst>
+      <p:par>
+        <p:cTn id="1" dur="indefinite" restart="never" nodeType="tmRoot">
+          <p:childTnLst>
+            <p:seq concurrent="1" nextAc="seek">
+              <p:cTn id="2" dur="indefinite" nodeType="mainSeq">
+                <p:childTnLst>
+                  <p:par>
+                    <p:cTn id="3" fill="hold">
+                      <p:stCondLst>
+                        <p:cond delay="indefinite"/>
+                      </p:stCondLst>
+                      <p:childTnLst>
+                        <p:par>
+                          <p:cTn id="4" fill="hold">
+                            <p:stCondLst>
+                              <p:cond delay="0"/>
+                            </p:stCondLst>
+                            <p:childTnLst>
+                              <p:par>
+                                <p:cTn id="5" presetID="1" presetClass="entr" presetSubtype="0" fill="hold" nodeType="clickEffect">
+                                  <p:stCondLst>
+                                    <p:cond delay="0"/>
+                                  </p:stCondLst>
+                                  <p:childTnLst>
+                                    <p:set>
+                                      <p:cBhvr>
+                                        <p:cTn id="6" dur="1" fill="hold">
+                                          <p:stCondLst>
+                                            <p:cond delay="0"/>
+                                          </p:stCondLst>
+                                        </p:cTn>
+                                        <p:tgtEl>
+                                          <p:spTgt spid="4">
+                                            <p:txEl>
+                                              <p:pRg st="0" end="0"/>
+                                            </p:txEl>
+                                          </p:spTgt>
+                                        </p:tgtEl>
+                                        <p:attrNameLst>
+                                          <p:attrName>style.visibility</p:attrName>
+                                        </p:attrNameLst>
+                                      </p:cBhvr>
+                                      <p:to>
+                                        <p:strVal val="visible"/>
+                                      </p:to>
+                                    </p:set>
+                                  </p:childTnLst>
+                                </p:cTn>
+                              </p:par>
+                            </p:childTnLst>
+                          </p:cTn>
+                        </p:par>
+                      </p:childTnLst>
+                    </p:cTn>
+                  </p:par>
+                  <p:par>
+                    <p:cTn id="7" fill="hold">
+                      <p:stCondLst>
+                        <p:cond delay="indefinite"/>
+                      </p:stCondLst>
+                      <p:childTnLst>
+                        <p:par>
+                          <p:cTn id="8" fill="hold">
+                            <p:stCondLst>
+                              <p:cond delay="0"/>
+                            </p:stCondLst>
+                            <p:childTnLst>
+                              <p:par>
+                                <p:cTn id="9" presetID="1" presetClass="entr" presetSubtype="0" fill="hold" nodeType="clickEffect">
+                                  <p:stCondLst>
+                                    <p:cond delay="0"/>
+                                  </p:stCondLst>
+                                  <p:childTnLst>
+                                    <p:set>
+                                      <p:cBhvr>
+                                        <p:cTn id="10" dur="1" fill="hold">
+                                          <p:stCondLst>
+                                            <p:cond delay="0"/>
+                                          </p:stCondLst>
+                                        </p:cTn>
+                                        <p:tgtEl>
+                                          <p:spTgt spid="4">
+                                            <p:txEl>
+                                              <p:pRg st="1" end="1"/>
+                                            </p:txEl>
+                                          </p:spTgt>
+                                        </p:tgtEl>
+                                        <p:attrNameLst>
+                                          <p:attrName>style.visibility</p:attrName>
+                                        </p:attrNameLst>
+                                      </p:cBhvr>
+                                      <p:to>
+                                        <p:strVal val="visible"/>
+                                      </p:to>
+                                    </p:set>
+                                  </p:childTnLst>
+                                </p:cTn>
+                              </p:par>
+                            </p:childTnLst>
+                          </p:cTn>
+                        </p:par>
+                      </p:childTnLst>
+                    </p:cTn>
+                  </p:par>
+                  <p:par>
+                    <p:cTn id="11" fill="hold">
+                      <p:stCondLst>
+                        <p:cond delay="indefinite"/>
+                      </p:stCondLst>
+                      <p:childTnLst>
+                        <p:par>
+                          <p:cTn id="12" fill="hold">
+                            <p:stCondLst>
+                              <p:cond delay="0"/>
+                            </p:stCondLst>
+                            <p:childTnLst>
+                              <p:par>
+                                <p:cTn id="13" presetID="1" presetClass="entr" presetSubtype="0" fill="hold" nodeType="clickEffect">
+                                  <p:stCondLst>
+                                    <p:cond delay="0"/>
+                                  </p:stCondLst>
+                                  <p:childTnLst>
+                                    <p:set>
+                                      <p:cBhvr>
+                                        <p:cTn id="14" dur="1" fill="hold">
+                                          <p:stCondLst>
+                                            <p:cond delay="0"/>
+                                          </p:stCondLst>
+                                        </p:cTn>
+                                        <p:tgtEl>
+                                          <p:spTgt spid="4">
+                                            <p:txEl>
+                                              <p:pRg st="2" end="2"/>
+                                            </p:txEl>
+                                          </p:spTgt>
+                                        </p:tgtEl>
+                                        <p:attrNameLst>
+                                          <p:attrName>style.visibility</p:attrName>
+                                        </p:attrNameLst>
+                                      </p:cBhvr>
+                                      <p:to>
+                                        <p:strVal val="visible"/>
+                                      </p:to>
+                                    </p:set>
+                                  </p:childTnLst>
+                                </p:cTn>
+                              </p:par>
+                            </p:childTnLst>
+                          </p:cTn>
+                        </p:par>
+                      </p:childTnLst>
+                    </p:cTn>
+                  </p:par>
+                  <p:par>
+                    <p:cTn id="15" fill="hold">
+                      <p:stCondLst>
+                        <p:cond delay="indefinite"/>
+                      </p:stCondLst>
+                      <p:childTnLst>
+                        <p:par>
+                          <p:cTn id="16" fill="hold">
+                            <p:stCondLst>
+                              <p:cond delay="0"/>
+                            </p:stCondLst>
+                            <p:childTnLst>
+                              <p:par>
+                                <p:cTn id="17" presetID="1" presetClass="entr" presetSubtype="0" fill="hold" nodeType="clickEffect">
+                                  <p:stCondLst>
+                                    <p:cond delay="0"/>
+                                  </p:stCondLst>
+                                  <p:childTnLst>
+                                    <p:set>
+                                      <p:cBhvr>
+                                        <p:cTn id="18" dur="1" fill="hold">
+                                          <p:stCondLst>
+                                            <p:cond delay="0"/>
+                                          </p:stCondLst>
+                                        </p:cTn>
+                                        <p:tgtEl>
+                                          <p:spTgt spid="4">
+                                            <p:txEl>
+                                              <p:pRg st="3" end="3"/>
+                                            </p:txEl>
+                                          </p:spTgt>
+                                        </p:tgtEl>
+                                        <p:attrNameLst>
+                                          <p:attrName>style.visibility</p:attrName>
+                                        </p:attrNameLst>
+                                      </p:cBhvr>
+                                      <p:to>
+                                        <p:strVal val="visible"/>
+                                      </p:to>
+                                    </p:set>
+                                  </p:childTnLst>
+                                </p:cTn>
+                              </p:par>
+                            </p:childTnLst>
+                          </p:cTn>
+                        </p:par>
+                      </p:childTnLst>
+                    </p:cTn>
+                  </p:par>
+                  <p:par>
+                    <p:cTn id="19" fill="hold">
+                      <p:stCondLst>
+                        <p:cond delay="indefinite"/>
+                      </p:stCondLst>
+                      <p:childTnLst>
+                        <p:par>
+                          <p:cTn id="20" fill="hold">
+                            <p:stCondLst>
+                              <p:cond delay="0"/>
+                            </p:stCondLst>
+                            <p:childTnLst>
+                              <p:par>
+                                <p:cTn id="21" presetID="1" presetClass="entr" presetSubtype="0" fill="hold" nodeType="clickEffect">
+                                  <p:stCondLst>
+                                    <p:cond delay="0"/>
+                                  </p:stCondLst>
+                                  <p:childTnLst>
+                                    <p:set>
+                                      <p:cBhvr>
+                                        <p:cTn id="22" dur="1" fill="hold">
+                                          <p:stCondLst>
+                                            <p:cond delay="0"/>
+                                          </p:stCondLst>
+                                        </p:cTn>
+                                        <p:tgtEl>
+                                          <p:spTgt spid="4">
+                                            <p:txEl>
+                                              <p:pRg st="4" end="4"/>
+                                            </p:txEl>
+                                          </p:spTgt>
+                                        </p:tgtEl>
+                                        <p:attrNameLst>
+                                          <p:attrName>style.visibility</p:attrName>
+                                        </p:attrNameLst>
+                                      </p:cBhvr>
+                                      <p:to>
+                                        <p:strVal val="visible"/>
+                                      </p:to>
+                                    </p:set>
+                                  </p:childTnLst>
+                                </p:cTn>
+                              </p:par>
+                            </p:childTnLst>
+                          </p:cTn>
+                        </p:par>
+                      </p:childTnLst>
+                    </p:cTn>
+                  </p:par>
+                  <p:par>
+                    <p:cTn id="23" fill="hold">
+                      <p:stCondLst>
+                        <p:cond delay="indefinite"/>
+                      </p:stCondLst>
+                      <p:childTnLst>
+                        <p:par>
+                          <p:cTn id="24" fill="hold">
+                            <p:stCondLst>
+                              <p:cond delay="0"/>
+                            </p:stCondLst>
+                            <p:childTnLst>
+                              <p:par>
+                                <p:cTn id="25" presetID="1" presetClass="entr" presetSubtype="0" fill="hold" nodeType="clickEffect">
+                                  <p:stCondLst>
+                                    <p:cond delay="0"/>
+                                  </p:stCondLst>
+                                  <p:childTnLst>
+                                    <p:set>
+                                      <p:cBhvr>
+                                        <p:cTn id="26" dur="1" fill="hold">
+                                          <p:stCondLst>
+                                            <p:cond delay="0"/>
+                                          </p:stCondLst>
+                                        </p:cTn>
+                                        <p:tgtEl>
+                                          <p:spTgt spid="4">
+                                            <p:txEl>
+                                              <p:pRg st="5" end="5"/>
+                                            </p:txEl>
+                                          </p:spTgt>
+                                        </p:tgtEl>
+                                        <p:attrNameLst>
+                                          <p:attrName>style.visibility</p:attrName>
+                                        </p:attrNameLst>
+                                      </p:cBhvr>
+                                      <p:to>
+                                        <p:strVal val="visible"/>
+                                      </p:to>
+                                    </p:set>
+                                  </p:childTnLst>
+                                </p:cTn>
+                              </p:par>
+                            </p:childTnLst>
+                          </p:cTn>
+                        </p:par>
+                      </p:childTnLst>
+                    </p:cTn>
+                  </p:par>
+                  <p:par>
+                    <p:cTn id="27" fill="hold">
+                      <p:stCondLst>
+                        <p:cond delay="indefinite"/>
+                      </p:stCondLst>
+                      <p:childTnLst>
+                        <p:par>
+                          <p:cTn id="28" fill="hold">
+                            <p:stCondLst>
+                              <p:cond delay="0"/>
+                            </p:stCondLst>
+                            <p:childTnLst>
+                              <p:par>
+                                <p:cTn id="29" presetID="1" presetClass="entr" presetSubtype="0" fill="hold" nodeType="clickEffect">
+                                  <p:stCondLst>
+                                    <p:cond delay="0"/>
+                                  </p:stCondLst>
+                                  <p:childTnLst>
+                                    <p:set>
+                                      <p:cBhvr>
+                                        <p:cTn id="30" dur="1" fill="hold">
+                                          <p:stCondLst>
+                                            <p:cond delay="0"/>
+                                          </p:stCondLst>
+                                        </p:cTn>
+                                        <p:tgtEl>
+                                          <p:spTgt spid="4">
+                                            <p:txEl>
+                                              <p:pRg st="6" end="6"/>
+                                            </p:txEl>
+                                          </p:spTgt>
+                                        </p:tgtEl>
+                                        <p:attrNameLst>
+                                          <p:attrName>style.visibility</p:attrName>
+                                        </p:attrNameLst>
+                                      </p:cBhvr>
+                                      <p:to>
+                                        <p:strVal val="visible"/>
+                                      </p:to>
+                                    </p:set>
+                                  </p:childTnLst>
+                                </p:cTn>
+                              </p:par>
+                            </p:childTnLst>
+                          </p:cTn>
+                        </p:par>
+                      </p:childTnLst>
+                    </p:cTn>
+                  </p:par>
+                  <p:par>
+                    <p:cTn id="31" fill="hold">
+                      <p:stCondLst>
+                        <p:cond delay="indefinite"/>
+                      </p:stCondLst>
+                      <p:childTnLst>
+                        <p:par>
+                          <p:cTn id="32" fill="hold">
+                            <p:stCondLst>
+                              <p:cond delay="0"/>
+                            </p:stCondLst>
+                            <p:childTnLst>
+                              <p:par>
+                                <p:cTn id="33" presetID="1" presetClass="entr" presetSubtype="0" fill="hold" nodeType="clickEffect">
+                                  <p:stCondLst>
+                                    <p:cond delay="0"/>
+                                  </p:stCondLst>
+                                  <p:childTnLst>
+                                    <p:set>
+                                      <p:cBhvr>
+                                        <p:cTn id="34" dur="1" fill="hold">
+                                          <p:stCondLst>
+                                            <p:cond delay="0"/>
+                                          </p:stCondLst>
+                                        </p:cTn>
+                                        <p:tgtEl>
+                                          <p:spTgt spid="4">
+                                            <p:txEl>
+                                              <p:pRg st="7" end="7"/>
+                                            </p:txEl>
+                                          </p:spTgt>
+                                        </p:tgtEl>
+                                        <p:attrNameLst>
+                                          <p:attrName>style.visibility</p:attrName>
+                                        </p:attrNameLst>
+                                      </p:cBhvr>
+                                      <p:to>
+                                        <p:strVal val="visible"/>
+                                      </p:to>
+                                    </p:set>
+                                  </p:childTnLst>
+                                </p:cTn>
+                              </p:par>
+                            </p:childTnLst>
+                          </p:cTn>
+                        </p:par>
+                      </p:childTnLst>
+                    </p:cTn>
+                  </p:par>
+                </p:childTnLst>
+              </p:cTn>
+              <p:prevCondLst>
+                <p:cond evt="onPrev" delay="0">
+                  <p:tgtEl>
+                    <p:sldTgt/>
+                  </p:tgtEl>
+                </p:cond>
+              </p:prevCondLst>
+              <p:nextCondLst>
+                <p:cond evt="onNext" delay="0">
+                  <p:tgtEl>
+                    <p:sldTgt/>
+                  </p:tgtEl>
+                </p:cond>
+              </p:nextCondLst>
+            </p:seq>
+          </p:childTnLst>
+        </p:cTn>
+      </p:par>
+    </p:tnLst>
+  </p:timing>
+</p:sld>
+</file>
+
+<file path=ppt/slides/slide18.xml><?xml version="1.0" encoding="utf-8"?>
+<p:sld xmlns:a="http://schemas.openxmlformats.org/drawingml/2006/main" xmlns:r="http://schemas.openxmlformats.org/officeDocument/2006/relationships" xmlns:p="http://schemas.openxmlformats.org/presentationml/2006/main">
+  <p:cSld>
+    <p:spTree>
+      <p:nvGrpSpPr>
+        <p:cNvPr id="1" name="">
+          <a:extLst>
+            <a:ext uri="{FF2B5EF4-FFF2-40B4-BE49-F238E27FC236}">
+              <a16:creationId xmlns:a16="http://schemas.microsoft.com/office/drawing/2014/main" id="{4289313E-02A5-9175-88CF-B8797F49EC74}"/>
+            </a:ext>
+          </a:extLst>
+        </p:cNvPr>
+        <p:cNvGrpSpPr/>
+        <p:nvPr/>
+      </p:nvGrpSpPr>
+      <p:grpSpPr>
+        <a:xfrm>
+          <a:off x="0" y="0"/>
+          <a:ext cx="0" cy="0"/>
+          <a:chOff x="0" y="0"/>
+          <a:chExt cx="0" cy="0"/>
+        </a:xfrm>
+      </p:grpSpPr>
+      <p:sp>
+        <p:nvSpPr>
+          <p:cNvPr id="3" name="Subtitle 2">
+            <a:extLst>
+              <a:ext uri="{FF2B5EF4-FFF2-40B4-BE49-F238E27FC236}">
+                <a16:creationId xmlns:a16="http://schemas.microsoft.com/office/drawing/2014/main" id="{93CE2F46-8847-887D-8C27-8794C7B6EFC0}"/>
+              </a:ext>
+            </a:extLst>
+          </p:cNvPr>
+          <p:cNvSpPr>
+            <a:spLocks noGrp="1"/>
+          </p:cNvSpPr>
+          <p:nvPr>
+            <p:ph type="subTitle" idx="1"/>
+          </p:nvPr>
+        </p:nvSpPr>
+        <p:spPr>
+          <a:xfrm>
+            <a:off x="152399" y="217488"/>
+            <a:ext cx="11223171" cy="303212"/>
+          </a:xfrm>
+        </p:spPr>
+        <p:txBody>
+          <a:bodyPr>
+            <a:normAutofit fontScale="92500" lnSpcReduction="20000"/>
+          </a:bodyPr>
+          <a:lstStyle/>
+          <a:p>
+            <a:r>
+              <a:rPr lang="en-US" sz="1800" b="1"/>
+              <a:t>Writing simple lambda</a:t>
+            </a:r>
+          </a:p>
+        </p:txBody>
+      </p:sp>
+      <p:sp>
+        <p:nvSpPr>
+          <p:cNvPr id="4" name="Subtitle 2">
+            <a:extLst>
+              <a:ext uri="{FF2B5EF4-FFF2-40B4-BE49-F238E27FC236}">
+                <a16:creationId xmlns:a16="http://schemas.microsoft.com/office/drawing/2014/main" id="{49020E37-F758-E39C-BFC8-6AB305DF12C2}"/>
+              </a:ext>
+            </a:extLst>
+          </p:cNvPr>
+          <p:cNvSpPr txBox="1">
+            <a:spLocks/>
+          </p:cNvSpPr>
+          <p:nvPr/>
+        </p:nvSpPr>
+        <p:spPr>
+          <a:xfrm>
+            <a:off x="0" y="820738"/>
+            <a:ext cx="12192000" cy="6037262"/>
+          </a:xfrm>
+          <a:prstGeom prst="rect">
+            <a:avLst/>
+          </a:prstGeom>
+        </p:spPr>
+        <p:txBody>
+          <a:bodyPr vert="horz" lIns="91440" tIns="45720" rIns="91440" bIns="45720" rtlCol="0">
+            <a:normAutofit/>
+          </a:bodyPr>
+          <a:lstStyle>
+            <a:lvl1pPr marL="0" indent="0" algn="ctr" defTabSz="914400" rtl="0" eaLnBrk="1" latinLnBrk="0" hangingPunct="1">
+              <a:lnSpc>
+                <a:spcPct val="90000"/>
+              </a:lnSpc>
+              <a:spcBef>
+                <a:spcPts val="1000"/>
+              </a:spcBef>
+              <a:buFont typeface="Arial" panose="020B0604020202020204" pitchFamily="34" charset="0"/>
+              <a:buNone/>
+              <a:defRPr sz="2400" kern="1200">
+                <a:solidFill>
+                  <a:schemeClr val="tx1"/>
+                </a:solidFill>
+                <a:latin typeface="+mn-lt"/>
+                <a:ea typeface="+mn-ea"/>
+                <a:cs typeface="+mn-cs"/>
+              </a:defRPr>
+            </a:lvl1pPr>
+            <a:lvl2pPr marL="457200" indent="0" algn="ctr" defTabSz="914400" rtl="0" eaLnBrk="1" latinLnBrk="0" hangingPunct="1">
+              <a:lnSpc>
+                <a:spcPct val="90000"/>
+              </a:lnSpc>
+              <a:spcBef>
+                <a:spcPts val="500"/>
+              </a:spcBef>
+              <a:buFont typeface="Arial" panose="020B0604020202020204" pitchFamily="34" charset="0"/>
+              <a:buNone/>
+              <a:defRPr sz="2000" kern="1200">
+                <a:solidFill>
+                  <a:schemeClr val="tx1"/>
+                </a:solidFill>
+                <a:latin typeface="+mn-lt"/>
+                <a:ea typeface="+mn-ea"/>
+                <a:cs typeface="+mn-cs"/>
+              </a:defRPr>
+            </a:lvl2pPr>
+            <a:lvl3pPr marL="914400" indent="0" algn="ctr" defTabSz="914400" rtl="0" eaLnBrk="1" latinLnBrk="0" hangingPunct="1">
+              <a:lnSpc>
+                <a:spcPct val="90000"/>
+              </a:lnSpc>
+              <a:spcBef>
+                <a:spcPts val="500"/>
+              </a:spcBef>
+              <a:buFont typeface="Arial" panose="020B0604020202020204" pitchFamily="34" charset="0"/>
+              <a:buNone/>
+              <a:defRPr sz="1800" kern="1200">
+                <a:solidFill>
+                  <a:schemeClr val="tx1"/>
+                </a:solidFill>
+                <a:latin typeface="+mn-lt"/>
+                <a:ea typeface="+mn-ea"/>
+                <a:cs typeface="+mn-cs"/>
+              </a:defRPr>
+            </a:lvl3pPr>
+            <a:lvl4pPr marL="1371600" indent="0" algn="ctr" defTabSz="914400" rtl="0" eaLnBrk="1" latinLnBrk="0" hangingPunct="1">
+              <a:lnSpc>
+                <a:spcPct val="90000"/>
+              </a:lnSpc>
+              <a:spcBef>
+                <a:spcPts val="500"/>
+              </a:spcBef>
+              <a:buFont typeface="Arial" panose="020B0604020202020204" pitchFamily="34" charset="0"/>
+              <a:buNone/>
+              <a:defRPr sz="1600" kern="1200">
+                <a:solidFill>
+                  <a:schemeClr val="tx1"/>
+                </a:solidFill>
+                <a:latin typeface="+mn-lt"/>
+                <a:ea typeface="+mn-ea"/>
+                <a:cs typeface="+mn-cs"/>
+              </a:defRPr>
+            </a:lvl4pPr>
+            <a:lvl5pPr marL="1828800" indent="0" algn="ctr" defTabSz="914400" rtl="0" eaLnBrk="1" latinLnBrk="0" hangingPunct="1">
+              <a:lnSpc>
+                <a:spcPct val="90000"/>
+              </a:lnSpc>
+              <a:spcBef>
+                <a:spcPts val="500"/>
+              </a:spcBef>
+              <a:buFont typeface="Arial" panose="020B0604020202020204" pitchFamily="34" charset="0"/>
+              <a:buNone/>
+              <a:defRPr sz="1600" kern="1200">
+                <a:solidFill>
+                  <a:schemeClr val="tx1"/>
+                </a:solidFill>
+                <a:latin typeface="+mn-lt"/>
+                <a:ea typeface="+mn-ea"/>
+                <a:cs typeface="+mn-cs"/>
+              </a:defRPr>
+            </a:lvl5pPr>
+            <a:lvl6pPr marL="2286000" indent="0" algn="ctr" defTabSz="914400" rtl="0" eaLnBrk="1" latinLnBrk="0" hangingPunct="1">
+              <a:lnSpc>
+                <a:spcPct val="90000"/>
+              </a:lnSpc>
+              <a:spcBef>
+                <a:spcPts val="500"/>
+              </a:spcBef>
+              <a:buFont typeface="Arial" panose="020B0604020202020204" pitchFamily="34" charset="0"/>
+              <a:buNone/>
+              <a:defRPr sz="1600" kern="1200">
+                <a:solidFill>
+                  <a:schemeClr val="tx1"/>
+                </a:solidFill>
+                <a:latin typeface="+mn-lt"/>
+                <a:ea typeface="+mn-ea"/>
+                <a:cs typeface="+mn-cs"/>
+              </a:defRPr>
+            </a:lvl6pPr>
+            <a:lvl7pPr marL="2743200" indent="0" algn="ctr" defTabSz="914400" rtl="0" eaLnBrk="1" latinLnBrk="0" hangingPunct="1">
+              <a:lnSpc>
+                <a:spcPct val="90000"/>
+              </a:lnSpc>
+              <a:spcBef>
+                <a:spcPts val="500"/>
+              </a:spcBef>
+              <a:buFont typeface="Arial" panose="020B0604020202020204" pitchFamily="34" charset="0"/>
+              <a:buNone/>
+              <a:defRPr sz="1600" kern="1200">
+                <a:solidFill>
+                  <a:schemeClr val="tx1"/>
+                </a:solidFill>
+                <a:latin typeface="+mn-lt"/>
+                <a:ea typeface="+mn-ea"/>
+                <a:cs typeface="+mn-cs"/>
+              </a:defRPr>
+            </a:lvl7pPr>
+            <a:lvl8pPr marL="3200400" indent="0" algn="ctr" defTabSz="914400" rtl="0" eaLnBrk="1" latinLnBrk="0" hangingPunct="1">
+              <a:lnSpc>
+                <a:spcPct val="90000"/>
+              </a:lnSpc>
+              <a:spcBef>
+                <a:spcPts val="500"/>
+              </a:spcBef>
+              <a:buFont typeface="Arial" panose="020B0604020202020204" pitchFamily="34" charset="0"/>
+              <a:buNone/>
+              <a:defRPr sz="1600" kern="1200">
+                <a:solidFill>
+                  <a:schemeClr val="tx1"/>
+                </a:solidFill>
+                <a:latin typeface="+mn-lt"/>
+                <a:ea typeface="+mn-ea"/>
+                <a:cs typeface="+mn-cs"/>
+              </a:defRPr>
+            </a:lvl8pPr>
+            <a:lvl9pPr marL="3657600" indent="0" algn="ctr" defTabSz="914400" rtl="0" eaLnBrk="1" latinLnBrk="0" hangingPunct="1">
+              <a:lnSpc>
+                <a:spcPct val="90000"/>
+              </a:lnSpc>
+              <a:spcBef>
+                <a:spcPts val="500"/>
+              </a:spcBef>
+              <a:buFont typeface="Arial" panose="020B0604020202020204" pitchFamily="34" charset="0"/>
+              <a:buNone/>
+              <a:defRPr sz="1600" kern="1200">
+                <a:solidFill>
+                  <a:schemeClr val="tx1"/>
+                </a:solidFill>
+                <a:latin typeface="+mn-lt"/>
+                <a:ea typeface="+mn-ea"/>
+                <a:cs typeface="+mn-cs"/>
+              </a:defRPr>
+            </a:lvl9pPr>
+          </a:lstStyle>
+          <a:p>
+            <a:pPr algn="l"/>
+            <a:r>
+              <a:rPr lang="en-US" sz="1800">
+                <a:sym typeface="Wingdings" pitchFamily="2" charset="2"/>
+              </a:rPr>
+              <a:t>- The core of Java is .... However, Java 8 has also developed a new ... of ... called ...</a:t>
+            </a:r>
+          </a:p>
+          <a:p>
+            <a:pPr algn="l"/>
+            <a:r>
+              <a:rPr lang="en-US" sz="1800">
+                <a:sym typeface="Wingdings" pitchFamily="2" charset="2"/>
+              </a:rPr>
+              <a:t>- </a:t>
+            </a:r>
+            <a:r>
+              <a:rPr lang="en-US" sz="1800" b="1">
+                <a:sym typeface="Wingdings" pitchFamily="2" charset="2"/>
+              </a:rPr>
+              <a:t>Functional programming </a:t>
+            </a:r>
+            <a:r>
+              <a:rPr lang="en-US" sz="1800">
+                <a:sym typeface="Wingdings" pitchFamily="2" charset="2"/>
+              </a:rPr>
+              <a:t>is a ... style of ..., it belongs to a larger group called ...</a:t>
+            </a:r>
+          </a:p>
+          <a:p>
+            <a:pPr algn="l"/>
+            <a:r>
+              <a:rPr lang="en-US" sz="1800">
+                <a:sym typeface="Wingdings" pitchFamily="2" charset="2"/>
+              </a:rPr>
+              <a:t>- </a:t>
+            </a:r>
+            <a:r>
+              <a:rPr lang="en-US" sz="1800" b="1">
+                <a:sym typeface="Wingdings" pitchFamily="2" charset="2"/>
+              </a:rPr>
+              <a:t>Declarative programming </a:t>
+            </a:r>
+            <a:r>
+              <a:rPr lang="en-US" sz="1800">
+                <a:sym typeface="Wingdings" pitchFamily="2" charset="2"/>
+              </a:rPr>
+              <a:t>is a style of ... where we focusing on ... without specifying ... </a:t>
+            </a:r>
+          </a:p>
+          <a:p>
+            <a:pPr algn="l"/>
+            <a:r>
+              <a:rPr lang="en-US" sz="1800">
+                <a:sym typeface="Wingdings" pitchFamily="2" charset="2"/>
+              </a:rPr>
+              <a:t>- </a:t>
+            </a:r>
+            <a:r>
+              <a:rPr lang="en-US" sz="1800" b="1">
+                <a:sym typeface="Wingdings" pitchFamily="2" charset="2"/>
+              </a:rPr>
+              <a:t>Functional programming </a:t>
+            </a:r>
+            <a:r>
+              <a:rPr lang="en-US" sz="1800">
+                <a:sym typeface="Wingdings" pitchFamily="2" charset="2"/>
+              </a:rPr>
+              <a:t>is targeted on applying more ... rather than using ...</a:t>
+            </a:r>
+          </a:p>
+          <a:p>
+            <a:pPr algn="l"/>
+            <a:r>
+              <a:rPr lang="en-US" sz="1800">
+                <a:sym typeface="Wingdings" pitchFamily="2" charset="2"/>
+              </a:rPr>
+              <a:t>- </a:t>
+            </a:r>
+            <a:r>
+              <a:rPr lang="en-US" sz="1800" b="1">
+                <a:sym typeface="Wingdings" pitchFamily="2" charset="2"/>
+              </a:rPr>
+              <a:t>Functional programming </a:t>
+            </a:r>
+            <a:r>
+              <a:rPr lang="en-US" sz="1800">
+                <a:sym typeface="Wingdings" pitchFamily="2" charset="2"/>
+              </a:rPr>
+              <a:t>use something called ... to write .... </a:t>
+            </a:r>
+          </a:p>
+          <a:p>
+            <a:pPr algn="l"/>
+            <a:r>
+              <a:rPr lang="en-US" sz="1800">
+                <a:sym typeface="Wingdings" pitchFamily="2" charset="2"/>
+              </a:rPr>
+              <a:t>- Basically, lambda is like a ... of codes that can be ... around. We can imagine lambda is like an ... method (it has ..., ... but not ...) =&gt; we could say that lambda is like a ... that can ... around. </a:t>
+            </a:r>
+          </a:p>
+          <a:p>
+            <a:pPr algn="l"/>
+            <a:r>
+              <a:rPr lang="en-US" sz="1800">
+                <a:sym typeface="Wingdings" pitchFamily="2" charset="2"/>
+              </a:rPr>
+              <a:t>- For example, there are many ways to ... ages of a ... and a .... If we want to create a method that accept a ... (such as age()) as a ... =&gt; We must create 2 ... and create 2 ... methods for each of the .... However with lambda, we just need the ... to ... the ages to be passed in as a ....</a:t>
+            </a:r>
+          </a:p>
+          <a:p>
+            <a:pPr algn="l"/>
+            <a:r>
+              <a:rPr lang="en-US" sz="1800">
+                <a:sym typeface="Wingdings" pitchFamily="2" charset="2"/>
+              </a:rPr>
+              <a:t>(code illustration snippet 39) - this code will print out the list of Animals (based on some criterias) </a:t>
+            </a:r>
+          </a:p>
+          <a:p>
+            <a:pPr algn="l"/>
+            <a:r>
+              <a:rPr lang="en-US" sz="1800">
+                <a:sym typeface="Wingdings" pitchFamily="2" charset="2"/>
+              </a:rPr>
+              <a:t>- Although we will mention about</a:t>
+            </a:r>
+          </a:p>
+        </p:txBody>
+      </p:sp>
+    </p:spTree>
+    <p:extLst>
+      <p:ext uri="{BB962C8B-B14F-4D97-AF65-F5344CB8AC3E}">
+        <p14:creationId xmlns:p14="http://schemas.microsoft.com/office/powerpoint/2010/main" val="2248185025"/>
+      </p:ext>
+    </p:extLst>
+  </p:cSld>
+  <p:clrMapOvr>
+    <a:masterClrMapping/>
+  </p:clrMapOvr>
+  <p:timing>
+    <p:tnLst>
+      <p:par>
+        <p:cTn id="1" dur="indefinite" restart="never" nodeType="tmRoot">
+          <p:childTnLst>
+            <p:seq concurrent="1" nextAc="seek">
+              <p:cTn id="2" dur="indefinite" nodeType="mainSeq">
+                <p:childTnLst>
+                  <p:par>
+                    <p:cTn id="3" fill="hold">
+                      <p:stCondLst>
+                        <p:cond delay="indefinite"/>
+                      </p:stCondLst>
+                      <p:childTnLst>
+                        <p:par>
+                          <p:cTn id="4" fill="hold">
+                            <p:stCondLst>
+                              <p:cond delay="0"/>
+                            </p:stCondLst>
+                            <p:childTnLst>
+                              <p:par>
+                                <p:cTn id="5" presetID="1" presetClass="entr" presetSubtype="0" fill="hold" nodeType="clickEffect">
+                                  <p:stCondLst>
+                                    <p:cond delay="0"/>
+                                  </p:stCondLst>
+                                  <p:childTnLst>
+                                    <p:set>
+                                      <p:cBhvr>
+                                        <p:cTn id="6" dur="1" fill="hold">
+                                          <p:stCondLst>
+                                            <p:cond delay="0"/>
+                                          </p:stCondLst>
+                                        </p:cTn>
+                                        <p:tgtEl>
+                                          <p:spTgt spid="4">
+                                            <p:txEl>
+                                              <p:pRg st="0" end="0"/>
+                                            </p:txEl>
+                                          </p:spTgt>
+                                        </p:tgtEl>
+                                        <p:attrNameLst>
+                                          <p:attrName>style.visibility</p:attrName>
+                                        </p:attrNameLst>
+                                      </p:cBhvr>
+                                      <p:to>
+                                        <p:strVal val="visible"/>
+                                      </p:to>
+                                    </p:set>
+                                  </p:childTnLst>
+                                </p:cTn>
+                              </p:par>
+                            </p:childTnLst>
+                          </p:cTn>
+                        </p:par>
+                      </p:childTnLst>
+                    </p:cTn>
+                  </p:par>
+                  <p:par>
+                    <p:cTn id="7" fill="hold">
+                      <p:stCondLst>
+                        <p:cond delay="indefinite"/>
+                      </p:stCondLst>
+                      <p:childTnLst>
+                        <p:par>
+                          <p:cTn id="8" fill="hold">
+                            <p:stCondLst>
+                              <p:cond delay="0"/>
+                            </p:stCondLst>
+                            <p:childTnLst>
+                              <p:par>
+                                <p:cTn id="9" presetID="1" presetClass="entr" presetSubtype="0" fill="hold" nodeType="clickEffect">
+                                  <p:stCondLst>
+                                    <p:cond delay="0"/>
+                                  </p:stCondLst>
+                                  <p:childTnLst>
+                                    <p:set>
+                                      <p:cBhvr>
+                                        <p:cTn id="10" dur="1" fill="hold">
+                                          <p:stCondLst>
+                                            <p:cond delay="0"/>
+                                          </p:stCondLst>
+                                        </p:cTn>
+                                        <p:tgtEl>
+                                          <p:spTgt spid="4">
+                                            <p:txEl>
+                                              <p:pRg st="1" end="1"/>
+                                            </p:txEl>
+                                          </p:spTgt>
+                                        </p:tgtEl>
+                                        <p:attrNameLst>
+                                          <p:attrName>style.visibility</p:attrName>
+                                        </p:attrNameLst>
+                                      </p:cBhvr>
+                                      <p:to>
+                                        <p:strVal val="visible"/>
+                                      </p:to>
+                                    </p:set>
+                                  </p:childTnLst>
+                                </p:cTn>
+                              </p:par>
+                            </p:childTnLst>
+                          </p:cTn>
+                        </p:par>
+                      </p:childTnLst>
+                    </p:cTn>
+                  </p:par>
+                  <p:par>
+                    <p:cTn id="11" fill="hold">
+                      <p:stCondLst>
+                        <p:cond delay="indefinite"/>
+                      </p:stCondLst>
+                      <p:childTnLst>
+                        <p:par>
+                          <p:cTn id="12" fill="hold">
+                            <p:stCondLst>
+                              <p:cond delay="0"/>
+                            </p:stCondLst>
+                            <p:childTnLst>
+                              <p:par>
+                                <p:cTn id="13" presetID="1" presetClass="entr" presetSubtype="0" fill="hold" nodeType="clickEffect">
+                                  <p:stCondLst>
+                                    <p:cond delay="0"/>
+                                  </p:stCondLst>
+                                  <p:childTnLst>
+                                    <p:set>
+                                      <p:cBhvr>
+                                        <p:cTn id="14" dur="1" fill="hold">
+                                          <p:stCondLst>
+                                            <p:cond delay="0"/>
+                                          </p:stCondLst>
+                                        </p:cTn>
+                                        <p:tgtEl>
+                                          <p:spTgt spid="4">
+                                            <p:txEl>
+                                              <p:pRg st="2" end="2"/>
+                                            </p:txEl>
+                                          </p:spTgt>
+                                        </p:tgtEl>
+                                        <p:attrNameLst>
+                                          <p:attrName>style.visibility</p:attrName>
+                                        </p:attrNameLst>
+                                      </p:cBhvr>
+                                      <p:to>
+                                        <p:strVal val="visible"/>
+                                      </p:to>
+                                    </p:set>
+                                  </p:childTnLst>
+                                </p:cTn>
+                              </p:par>
+                            </p:childTnLst>
+                          </p:cTn>
+                        </p:par>
+                      </p:childTnLst>
+                    </p:cTn>
+                  </p:par>
+                  <p:par>
+                    <p:cTn id="15" fill="hold">
+                      <p:stCondLst>
+                        <p:cond delay="indefinite"/>
+                      </p:stCondLst>
+                      <p:childTnLst>
+                        <p:par>
+                          <p:cTn id="16" fill="hold">
+                            <p:stCondLst>
+                              <p:cond delay="0"/>
+                            </p:stCondLst>
+                            <p:childTnLst>
+                              <p:par>
+                                <p:cTn id="17" presetID="1" presetClass="entr" presetSubtype="0" fill="hold" nodeType="clickEffect">
+                                  <p:stCondLst>
+                                    <p:cond delay="0"/>
+                                  </p:stCondLst>
+                                  <p:childTnLst>
+                                    <p:set>
+                                      <p:cBhvr>
+                                        <p:cTn id="18" dur="1" fill="hold">
+                                          <p:stCondLst>
+                                            <p:cond delay="0"/>
+                                          </p:stCondLst>
+                                        </p:cTn>
+                                        <p:tgtEl>
+                                          <p:spTgt spid="4">
+                                            <p:txEl>
+                                              <p:pRg st="3" end="3"/>
+                                            </p:txEl>
+                                          </p:spTgt>
+                                        </p:tgtEl>
+                                        <p:attrNameLst>
+                                          <p:attrName>style.visibility</p:attrName>
+                                        </p:attrNameLst>
+                                      </p:cBhvr>
+                                      <p:to>
+                                        <p:strVal val="visible"/>
+                                      </p:to>
+                                    </p:set>
+                                  </p:childTnLst>
+                                </p:cTn>
+                              </p:par>
+                            </p:childTnLst>
+                          </p:cTn>
+                        </p:par>
+                      </p:childTnLst>
+                    </p:cTn>
+                  </p:par>
+                  <p:par>
+                    <p:cTn id="19" fill="hold">
+                      <p:stCondLst>
+                        <p:cond delay="indefinite"/>
+                      </p:stCondLst>
+                      <p:childTnLst>
+                        <p:par>
+                          <p:cTn id="20" fill="hold">
+                            <p:stCondLst>
+                              <p:cond delay="0"/>
+                            </p:stCondLst>
+                            <p:childTnLst>
+                              <p:par>
+                                <p:cTn id="21" presetID="1" presetClass="entr" presetSubtype="0" fill="hold" nodeType="clickEffect">
+                                  <p:stCondLst>
+                                    <p:cond delay="0"/>
+                                  </p:stCondLst>
+                                  <p:childTnLst>
+                                    <p:set>
+                                      <p:cBhvr>
+                                        <p:cTn id="22" dur="1" fill="hold">
+                                          <p:stCondLst>
+                                            <p:cond delay="0"/>
+                                          </p:stCondLst>
+                                        </p:cTn>
+                                        <p:tgtEl>
+                                          <p:spTgt spid="4">
+                                            <p:txEl>
+                                              <p:pRg st="4" end="4"/>
+                                            </p:txEl>
+                                          </p:spTgt>
+                                        </p:tgtEl>
+                                        <p:attrNameLst>
+                                          <p:attrName>style.visibility</p:attrName>
+                                        </p:attrNameLst>
+                                      </p:cBhvr>
+                                      <p:to>
+                                        <p:strVal val="visible"/>
+                                      </p:to>
+                                    </p:set>
+                                  </p:childTnLst>
+                                </p:cTn>
+                              </p:par>
+                            </p:childTnLst>
+                          </p:cTn>
+                        </p:par>
+                      </p:childTnLst>
+                    </p:cTn>
+                  </p:par>
+                  <p:par>
+                    <p:cTn id="23" fill="hold">
+                      <p:stCondLst>
+                        <p:cond delay="indefinite"/>
+                      </p:stCondLst>
+                      <p:childTnLst>
+                        <p:par>
+                          <p:cTn id="24" fill="hold">
+                            <p:stCondLst>
+                              <p:cond delay="0"/>
+                            </p:stCondLst>
+                            <p:childTnLst>
+                              <p:par>
+                                <p:cTn id="25" presetID="1" presetClass="entr" presetSubtype="0" fill="hold" nodeType="clickEffect">
+                                  <p:stCondLst>
+                                    <p:cond delay="0"/>
+                                  </p:stCondLst>
+                                  <p:childTnLst>
+                                    <p:set>
+                                      <p:cBhvr>
+                                        <p:cTn id="26" dur="1" fill="hold">
+                                          <p:stCondLst>
+                                            <p:cond delay="0"/>
+                                          </p:stCondLst>
+                                        </p:cTn>
+                                        <p:tgtEl>
+                                          <p:spTgt spid="4">
+                                            <p:txEl>
+                                              <p:pRg st="5" end="5"/>
+                                            </p:txEl>
+                                          </p:spTgt>
+                                        </p:tgtEl>
+                                        <p:attrNameLst>
+                                          <p:attrName>style.visibility</p:attrName>
+                                        </p:attrNameLst>
+                                      </p:cBhvr>
+                                      <p:to>
+                                        <p:strVal val="visible"/>
+                                      </p:to>
+                                    </p:set>
+                                  </p:childTnLst>
+                                </p:cTn>
+                              </p:par>
+                            </p:childTnLst>
+                          </p:cTn>
+                        </p:par>
+                      </p:childTnLst>
+                    </p:cTn>
+                  </p:par>
+                  <p:par>
+                    <p:cTn id="27" fill="hold">
+                      <p:stCondLst>
+                        <p:cond delay="indefinite"/>
+                      </p:stCondLst>
+                      <p:childTnLst>
+                        <p:par>
+                          <p:cTn id="28" fill="hold">
+                            <p:stCondLst>
+                              <p:cond delay="0"/>
+                            </p:stCondLst>
+                            <p:childTnLst>
+                              <p:par>
+                                <p:cTn id="29" presetID="1" presetClass="entr" presetSubtype="0" fill="hold" nodeType="clickEffect">
+                                  <p:stCondLst>
+                                    <p:cond delay="0"/>
+                                  </p:stCondLst>
+                                  <p:childTnLst>
+                                    <p:set>
+                                      <p:cBhvr>
+                                        <p:cTn id="30" dur="1" fill="hold">
+                                          <p:stCondLst>
+                                            <p:cond delay="0"/>
+                                          </p:stCondLst>
+                                        </p:cTn>
+                                        <p:tgtEl>
+                                          <p:spTgt spid="4">
+                                            <p:txEl>
+                                              <p:pRg st="6" end="6"/>
+                                            </p:txEl>
+                                          </p:spTgt>
+                                        </p:tgtEl>
+                                        <p:attrNameLst>
+                                          <p:attrName>style.visibility</p:attrName>
+                                        </p:attrNameLst>
+                                      </p:cBhvr>
+                                      <p:to>
+                                        <p:strVal val="visible"/>
+                                      </p:to>
+                                    </p:set>
+                                  </p:childTnLst>
+                                </p:cTn>
+                              </p:par>
+                            </p:childTnLst>
+                          </p:cTn>
+                        </p:par>
+                      </p:childTnLst>
+                    </p:cTn>
+                  </p:par>
+                  <p:par>
+                    <p:cTn id="31" fill="hold">
+                      <p:stCondLst>
+                        <p:cond delay="indefinite"/>
+                      </p:stCondLst>
+                      <p:childTnLst>
+                        <p:par>
+                          <p:cTn id="32" fill="hold">
+                            <p:stCondLst>
+                              <p:cond delay="0"/>
+                            </p:stCondLst>
+                            <p:childTnLst>
+                              <p:par>
+                                <p:cTn id="33" presetID="1" presetClass="entr" presetSubtype="0" fill="hold" nodeType="clickEffect">
+                                  <p:stCondLst>
+                                    <p:cond delay="0"/>
+                                  </p:stCondLst>
+                                  <p:childTnLst>
+                                    <p:set>
+                                      <p:cBhvr>
+                                        <p:cTn id="34" dur="1" fill="hold">
+                                          <p:stCondLst>
+                                            <p:cond delay="0"/>
+                                          </p:stCondLst>
+                                        </p:cTn>
+                                        <p:tgtEl>
+                                          <p:spTgt spid="4">
+                                            <p:txEl>
+                                              <p:pRg st="7" end="7"/>
+                                            </p:txEl>
+                                          </p:spTgt>
+                                        </p:tgtEl>
+                                        <p:attrNameLst>
+                                          <p:attrName>style.visibility</p:attrName>
+                                        </p:attrNameLst>
+                                      </p:cBhvr>
+                                      <p:to>
+                                        <p:strVal val="visible"/>
+                                      </p:to>
+                                    </p:set>
+                                  </p:childTnLst>
+                                </p:cTn>
+                              </p:par>
+                            </p:childTnLst>
+                          </p:cTn>
+                        </p:par>
+                      </p:childTnLst>
+                    </p:cTn>
+                  </p:par>
+                  <p:par>
+                    <p:cTn id="35" fill="hold">
+                      <p:stCondLst>
+                        <p:cond delay="indefinite"/>
+                      </p:stCondLst>
+                      <p:childTnLst>
+                        <p:par>
+                          <p:cTn id="36" fill="hold">
+                            <p:stCondLst>
+                              <p:cond delay="0"/>
+                            </p:stCondLst>
+                            <p:childTnLst>
+                              <p:par>
+                                <p:cTn id="37" presetID="1" presetClass="entr" presetSubtype="0" fill="hold" nodeType="clickEffect">
+                                  <p:stCondLst>
+                                    <p:cond delay="0"/>
+                                  </p:stCondLst>
+                                  <p:childTnLst>
+                                    <p:set>
+                                      <p:cBhvr>
+                                        <p:cTn id="38" dur="1" fill="hold">
+                                          <p:stCondLst>
+                                            <p:cond delay="0"/>
+                                          </p:stCondLst>
+                                        </p:cTn>
+                                        <p:tgtEl>
+                                          <p:spTgt spid="4">
+                                            <p:txEl>
+                                              <p:pRg st="8" end="8"/>
                                             </p:txEl>
                                           </p:spTgt>
                                         </p:tgtEl>

--- a/self-study resources/J8SE1/Chapter 4 - Methods and Encapsulation.pptx
+++ b/self-study resources/J8SE1/Chapter 4 - Methods and Encapsulation.pptx
@@ -5,7 +5,7 @@
     <p:sldMasterId id="2147483648" r:id="rId1"/>
   </p:sldMasterIdLst>
   <p:notesMasterIdLst>
-    <p:notesMasterId r:id="rId20"/>
+    <p:notesMasterId r:id="rId30"/>
   </p:notesMasterIdLst>
   <p:sldIdLst>
     <p:sldId id="256" r:id="rId2"/>
@@ -26,6 +26,16 @@
     <p:sldId id="272" r:id="rId17"/>
     <p:sldId id="273" r:id="rId18"/>
     <p:sldId id="274" r:id="rId19"/>
+    <p:sldId id="275" r:id="rId20"/>
+    <p:sldId id="276" r:id="rId21"/>
+    <p:sldId id="277" r:id="rId22"/>
+    <p:sldId id="278" r:id="rId23"/>
+    <p:sldId id="279" r:id="rId24"/>
+    <p:sldId id="280" r:id="rId25"/>
+    <p:sldId id="281" r:id="rId26"/>
+    <p:sldId id="282" r:id="rId27"/>
+    <p:sldId id="283" r:id="rId28"/>
+    <p:sldId id="284" r:id="rId29"/>
   </p:sldIdLst>
   <p:sldSz cx="12192000" cy="6858000"/>
   <p:notesSz cx="6858000" cy="9144000"/>
@@ -147,6 +157,16 @@
             <p14:sldId id="272"/>
             <p14:sldId id="273"/>
             <p14:sldId id="274"/>
+            <p14:sldId id="275"/>
+            <p14:sldId id="276"/>
+            <p14:sldId id="277"/>
+            <p14:sldId id="278"/>
+            <p14:sldId id="279"/>
+            <p14:sldId id="280"/>
+            <p14:sldId id="281"/>
+            <p14:sldId id="282"/>
+            <p14:sldId id="283"/>
+            <p14:sldId id="284"/>
           </p14:sldIdLst>
         </p14:section>
       </p14:sectionLst>
@@ -760,6 +780,34 @@
 </inkml:ink>
 </file>
 
+<file path=ppt/ink/ink19.xml><?xml version="1.0" encoding="utf-8"?>
+<inkml:ink xmlns:inkml="http://www.w3.org/2003/InkML">
+  <inkml:definitions>
+    <inkml:context xml:id="ctx0">
+      <inkml:inkSource xml:id="inkSrc0">
+        <inkml:traceFormat>
+          <inkml:channel name="X" type="integer" min="-2.14748E9" max="2.14748E9" units="cm"/>
+          <inkml:channel name="Y" type="integer" min="-2.14748E9" max="2.14748E9" units="cm"/>
+          <inkml:channel name="F" type="integer" max="32767" units="dev"/>
+        </inkml:traceFormat>
+        <inkml:channelProperties>
+          <inkml:channelProperty channel="X" name="resolution" value="1000" units="1/cm"/>
+          <inkml:channelProperty channel="Y" name="resolution" value="1000" units="1/cm"/>
+          <inkml:channelProperty channel="F" name="resolution" value="0" units="1/dev"/>
+        </inkml:channelProperties>
+      </inkml:inkSource>
+      <inkml:timestamp xml:id="ts0" timeString="2024-11-27T05:59:58.514"/>
+    </inkml:context>
+    <inkml:brush xml:id="br0">
+      <inkml:brushProperty name="width" value="0.35" units="cm"/>
+      <inkml:brushProperty name="height" value="0.35" units="cm"/>
+      <inkml:brushProperty name="color" value="#E71225"/>
+    </inkml:brush>
+  </inkml:definitions>
+  <inkml:trace contextRef="#ctx0" brushRef="#br0">393 249 24575,'65'15'0,"0"-1"0,27-1 0,11-2 0,-29-2 0,6 2 0,3-1 0,0-2-246,2-3 0,0-2 0,2 0 0,2 0 49,-9 1 0,3 0 1,0 0-1,0 0 0,-2-1-49,13 0 0,-2 0 0,0-1 0,0-1 0,4 0 0,0 0 0,0-1 0,-3 1 0,-9 1 0,0 1 0,-3-1 0,-2 0-82,13-1 0,-3-2 0,-8 1 336,3 0 1,-13 0-9,5 0 0,-49 0 0,-16 0 983,-1 0 0,17 0 0,18 0 0,7 0 0,20 0-11,-19 0-972,-3 1 0,2-2 0,19-5 0,-18 5 0,-1 0 0,22-6 0,10 7 0,2 0 0,11 0 0,-10 0 0,-3-6 0,0 4 0,3-4 0,-1 6 0,-28 0 0,-12-4 0,-25 3 0,1-7 0,34 8 0,-2-2 0,5 0 0,4 2 0,5 0-354,25 4 1,0 1 353,-23-4 0,-3 0 0,1 3 0,-5 0 0,7-4 0,-22 0 0,-29 0 0,10 0 0,0 4 0,40-3 707,-35 7-707,24-7 0,-39 3 0,-3-4 0,-9 0 0,0 0 0,3-3 0,37-12 0,3-5 0,6-1 0,4 0 0,21-11 0,1 9 0,4 1 0,-19 4 0,-3 2 0,2 4 0,-5 2 0,16-10 0,-65 16 0,-12-3 0,-17-14 0,-43-18 0,7 14 0,-15-10 0,-10 34 0,-16 14 0,43-8 0,-4 1 0,-31 11 0,-6 2-492,5-9 0,0-1 368,0 6 0,-4-2 124,9-8 0,-5-2 0,9-1 0,15 3 0,0-2-136,-7-2 1,-6-1 0,9-1 135,-30 1 0,3-3 0,-1-3 0,46 2 0,-2-1 0,-19-4 0,-11-1 0,9 1 0,14 3 0,1 0 0,-10-3 0,-5-1 0,9 3 0,-22 4 0,2-5 0,53 8 0,19 0 0,-3 3 983,-6-2-761,-12 2 211,-8-3-433,-21 0 0,-23 0 0,30 0 0,-2 0 0,1 1 0,-3-2-399,-26-3 0,-3-1 399,17 4 0,-1 0 0,-19-3 0,1 0 0,17 3 0,0 2 0,-10-1 0,1 0 0,16 0 0,1 0 0,-12-1 0,0 2 0,15 2 0,1 1 0,0-3 0,0 0 0,-2 3 0,3 0 0,-20-4 0,-11 6 0,37-4 0,-42 4 0,16-12 0,4 1 0,-7-1-492,0-2 0,1-1 311,4 0 0,-1 0 181,-14 3 0,5 2 371,34 0 0,4 1-371,-35 3 0,-14 0 0,68 0 0,-59 0 0,54 0 491,-14 4 1,-2 0-73,4-2-419,-25 5 0,21-3 0,2 1 0,-4 2 0,-14 2 0,0 0 0,19-2 0,-15 4 0,43-10 0,9 5 0,1-5 0,-1 5 0,4-2 0,-4 0 0,4 5 0,0-7 0,3 10 0,7-1 0,2 1 0,5-2 0,-6-4 0,2-2 0,14 26 0,0 2 0,15 33 0,-12-23 0,0 6 0,-10-27 0,2-1 0,-7-6 0,18 27 0,2 0 0,0 4 0,-5-14 0,-13-24 0,1-7 0,3-4 0,48-15 0,-16-1 0,2 0 0,47-9 0,-21-2 0,-4 3 0,-9 11 0,12-9 0,-50 17 0,-20 8 0,-3-2 0</inkml:trace>
+</inkml:ink>
+</file>
+
 <file path=ppt/ink/ink2.xml><?xml version="1.0" encoding="utf-8"?>
 <inkml:ink xmlns:inkml="http://www.w3.org/2003/InkML">
   <inkml:definitions>
@@ -785,6 +833,202 @@
     </inkml:brush>
   </inkml:definitions>
   <inkml:trace contextRef="#ctx0" brushRef="#br0">1 134 24575,'49'0'0,"5"0"0,7 0 0,-5 0 0,3 0-328,5 0 0,5 1 0,0-2-164,27-2 0,1-3 313,-24 1 0,2-2 0,-3-1 179,16-6 0,-5-3 0,-3-1 0,-8 0 799,11-2-799,-44 3 0,-45 22 0,-7 0 0</inkml:trace>
+</inkml:ink>
+</file>
+
+<file path=ppt/ink/ink20.xml><?xml version="1.0" encoding="utf-8"?>
+<inkml:ink xmlns:inkml="http://www.w3.org/2003/InkML">
+  <inkml:definitions>
+    <inkml:context xml:id="ctx0">
+      <inkml:inkSource xml:id="inkSrc0">
+        <inkml:traceFormat>
+          <inkml:channel name="X" type="integer" min="-2.14748E9" max="2.14748E9" units="cm"/>
+          <inkml:channel name="Y" type="integer" min="-2.14748E9" max="2.14748E9" units="cm"/>
+          <inkml:channel name="F" type="integer" max="32767" units="dev"/>
+        </inkml:traceFormat>
+        <inkml:channelProperties>
+          <inkml:channelProperty channel="X" name="resolution" value="1000" units="1/cm"/>
+          <inkml:channelProperty channel="Y" name="resolution" value="1000" units="1/cm"/>
+          <inkml:channelProperty channel="F" name="resolution" value="0" units="1/dev"/>
+        </inkml:channelProperties>
+      </inkml:inkSource>
+      <inkml:timestamp xml:id="ts0" timeString="2024-11-27T06:00:01.993"/>
+    </inkml:context>
+    <inkml:brush xml:id="br0">
+      <inkml:brushProperty name="width" value="0.35" units="cm"/>
+      <inkml:brushProperty name="height" value="0.35" units="cm"/>
+      <inkml:brushProperty name="color" value="#E71225"/>
+    </inkml:brush>
+  </inkml:definitions>
+  <inkml:trace contextRef="#ctx0" brushRef="#br0">417 380 24575,'73'21'0,"0"0"0,3-1 0,-1-6 0,-19-12 0,0-4-492,18-1 0,2-3 272,-2-3 0,-1-1 220,-13 4 0,-2 0 463,36-15-463,-86 6 118,-43-14 0,-18-1-118,-27-4 0,27 4 0,2 6 0,-16 16 725,22 8-725,-29 7 0,-23-5 0,46 5 0,2 1 0,-22-7 0,27 10 0,34-11 0,3 4 0,-1-8 0,-6 4 0,-2-4 0,3 4 0,-3-3 0,6-1 0,2-3 0,-6 0 0,3 0 0,3 0 0,-1 0 0,-4-5 0,-29-22 0,9 14 0,-18-18 0,29 32 0,9-5 0,6 20 0,14 8 0,-8 7 0,-22 27 0,-10 7 0,-16 19 0,4-13 0,1-2 0,5-3 0,19-28 0,20-18 0,3-5 0,8-1 0,-4-4 0,86-20 0,-46 4 0,5-3 0,31-10 0,1-3 0,-20 2 0,-4 1 0,-6 3 0,-3 2 0,23 0 0,-1 15 0,22 21 0,-26 3 0,4 2-492,2 0 0,2 1 423,7 7 1,0-2 68,-17-11 0,-3-2 0,33 4 0,-40-7 0,-26-6 0,-31 6 0,-11 1 0,-14 14 0,-5 11 0,5-9 983,4 3-845,21-29-138,47-37 0,-16 6 0,8-8 0,1-3 0,1-1 0,11-31 0,-27 41 0,-1-5 0,-17 27 0,-3 2 0,-5-11 0,-36-17 0,-22-24 0,14 29 0,-1 2 0,-33-26 0,8 25 0,36 14 0,-1 10 0,15-2 0,-17 7 0,14-3 0,-6 4 0,-21 0 0,1-6 0,-44 4 0,7-4 0,32 5 0,2 2 0,-6-1 0,1 0 0,44 0 0,-34 7 0,-37 2 0,4 6 0,17-6 0,4-1 0,18 0 0,-16-1 0,38-7 0,11 0 0,-10-3 0,-19-17 0,-9 5 0,-16-17 0,18 19 0,14 1 0,24 6 0,-3 5 0,6-2 0</inkml:trace>
+</inkml:ink>
+</file>
+
+<file path=ppt/ink/ink21.xml><?xml version="1.0" encoding="utf-8"?>
+<inkml:ink xmlns:inkml="http://www.w3.org/2003/InkML">
+  <inkml:definitions>
+    <inkml:context xml:id="ctx0">
+      <inkml:inkSource xml:id="inkSrc0">
+        <inkml:traceFormat>
+          <inkml:channel name="X" type="integer" min="-2.14748E9" max="2.14748E9" units="cm"/>
+          <inkml:channel name="Y" type="integer" min="-2.14748E9" max="2.14748E9" units="cm"/>
+          <inkml:channel name="F" type="integer" max="32767" units="dev"/>
+        </inkml:traceFormat>
+        <inkml:channelProperties>
+          <inkml:channelProperty channel="X" name="resolution" value="1000" units="1/cm"/>
+          <inkml:channelProperty channel="Y" name="resolution" value="1000" units="1/cm"/>
+          <inkml:channelProperty channel="F" name="resolution" value="0" units="1/dev"/>
+        </inkml:channelProperties>
+      </inkml:inkSource>
+      <inkml:timestamp xml:id="ts0" timeString="2024-11-27T06:00:04.306"/>
+    </inkml:context>
+    <inkml:brush xml:id="br0">
+      <inkml:brushProperty name="width" value="0.35" units="cm"/>
+      <inkml:brushProperty name="height" value="0.35" units="cm"/>
+      <inkml:brushProperty name="color" value="#E71225"/>
+    </inkml:brush>
+  </inkml:definitions>
+  <inkml:trace contextRef="#ctx0" brushRef="#br0">1257 929 24575,'56'-32'0,"0"0"0,0 0 0,-2 3 0,32-11 0,-40 19 0,2 3 0,5 4 0,2 3-492,15-6 0,4 0 168,12 6 1,-1 1-169,-15 1 0,-1-1 0,11 1 0,-3 2 0,-25 2 0,-1 0 0,10 0 0,-2 0-492,12-3 194,6 8 790,-29-6 557,-1 4-557,10-10 983,8 3 0,14 1-492,-11 0 1,3 0-1,-18 7 1,-1 0-1,8-3 1,-2 0 491,26 4-97,-31 0-886,-5 0 0,-11 5 0,34 4 0,-18-1 0,4 0 0,20 1 0,4 0-263,5 1 0,-2-1 263,-13-3 0,-5-1 0,20 3 0,-53-11 0,-68-44 0,-4 5 0,-11-2-492,-28-6 0,-9 1 307,26 15 0,-2 0 0,-4 6-143,-15 6 0,-4 7 0,-1 3 0,7 3 0,0 3 0,-4 1 279,8 2 0,-3 1 1,-2 0-1,-1 0-197,-5 2 0,-2 0 0,-1 1 0,-1-2 0,-3 0 0,-1-2 0,0 1 0,4-1 91,11 1 0,3-1 1,1 1-1,1-2 51,-18-2 0,1-1 0,15 0 104,-20-3 983,28 11-851,94 28-132,20-7 0,22 12 983,7-25-512,-24-6 1,5 0-472,19-2 0,7-2 327,-14 1 1,4 0 0,-2 0 163,32 0 1,-2 0-389,-6 4 0,-10-1 332,-5-1-435,-50 5 0,-60-15 0,-50-14 0,-29-5 0,-9-1 0,14 7-164,24 9 0,1 4 0,-1 1 0,-2 0 0,-3 0 0,-4-3 41,4-2 0,-4-2 0,-4-1 0,-2-1 0,0 1 0,1 1 0,3 4 0,3 3-41,-11 5 0,1 3 0,2 4 0,3 1 0,6 1 0,6 0-164,-23 3 0,10 1 0,9 5 183,-9 15 0,19-2 145,21-11 983,119-15-900,15-3 1,17-2-84,-27 0 0,7-1 0,4 1 0,0 0-246,14 3 0,3 2 0,1 0 0,1 0 0,2 0 0,1 0 0,-1 0 0,-5 0 0,-14-1 0,-3 1 0,-2 0 0,-4 0 573,8 1 1,-5 0 0,-9-2 163,-9-2 1,-9 0 491,13 5-833,-27-3-150,-4 6 0,-16-7 983,27 15 0,17 2 0,-9-1 0,2 0-507,-20-16-476,34 2 0,-18 5 0,6 0 0,31-2 0,8 1-492,5 7 0,3-1 300,1-6 0,-6-3 192,-26 1 0,-9-1 0,9-4 0,-59 0 0,-3 0 0,3 0 0,7-4 0,4-1 983,16-6-598,-7 2-385,2 2 0,-16 3 0,-6 4 0,1-3 0,5 2 0,6-6 0,-1 6 0,-1-3 0,-9 4 0,-1 0 0,37 0 0,0 0 0,37 0 0,-32 0 0,-13 3 0,-26-2 0,-10 2 0</inkml:trace>
+</inkml:ink>
+</file>
+
+<file path=ppt/ink/ink22.xml><?xml version="1.0" encoding="utf-8"?>
+<inkml:ink xmlns:inkml="http://www.w3.org/2003/InkML">
+  <inkml:definitions>
+    <inkml:context xml:id="ctx0">
+      <inkml:inkSource xml:id="inkSrc0">
+        <inkml:traceFormat>
+          <inkml:channel name="X" type="integer" min="-2.14748E9" max="2.14748E9" units="cm"/>
+          <inkml:channel name="Y" type="integer" min="-2.14748E9" max="2.14748E9" units="cm"/>
+          <inkml:channel name="F" type="integer" max="32767" units="dev"/>
+        </inkml:traceFormat>
+        <inkml:channelProperties>
+          <inkml:channelProperty channel="X" name="resolution" value="1000" units="1/cm"/>
+          <inkml:channelProperty channel="Y" name="resolution" value="1000" units="1/cm"/>
+          <inkml:channelProperty channel="F" name="resolution" value="0" units="1/dev"/>
+        </inkml:channelProperties>
+      </inkml:inkSource>
+      <inkml:timestamp xml:id="ts0" timeString="2024-11-27T06:02:41.238"/>
+    </inkml:context>
+    <inkml:brush xml:id="br0">
+      <inkml:brushProperty name="width" value="0.35" units="cm"/>
+      <inkml:brushProperty name="height" value="0.35" units="cm"/>
+      <inkml:brushProperty name="color" value="#E71225"/>
+    </inkml:brush>
+  </inkml:definitions>
+  <inkml:trace contextRef="#ctx0" brushRef="#br0">262 584 24575,'68'7'0,"-1"1"0,-1 1 0,6 0 0,5 0 0,-2-3 0,5 0 0,4-1 0,2 0-197,-4 0 0,2-1 1,2 1-1,2-1 0,0-1 0,7 2 0,2-1 1,0 0-1,2-1 0,2 1 33,-9-2 0,2 0 0,2 0 0,-1 0 0,-1 0 0,-2 0-33,7 1 0,-2-1 1,-1 1-1,-1-1 0,1 1 0,-2-1 0,1 1 1,-1-1-1,-3 0 0,-4-1-49,-1 0 0,-4-1 0,-4-1 0,-4 1-82,0 0 0,-4 0 0,-4 0 255,19 0 1,-10 0 72,-1 0 0,-24 4 0,-2-3 0,23 11 0,29-10 0,-40 1 0,3 1 491,8-3 1,0-2-1,-5 1 1,2 0-1,14 1 1,1-2-1,-14-2 1,1-1-390,19-1 1,-5-1-103,11-9 491,-41 5 1,-6-1 491,-14-1-476,2-8-507,-20 9 0,10-7 0,-5 1 423,6-1-423,14-11 0,0 4 0,13-8 0,-23 15 0,-32 6 0,-68 6 0,-34 9-492,20 0 0,-7 3 346,16 0 0,-8 1 0,-3 1 0,3 0-182,-14 3 0,1 0 0,0 1 0,2 5 0,0 0 0,-2-1 117,18-6 0,-3-2 0,1-1 1,0 0 210,4 1 0,0 0 0,1-1 0,-1 0 0,-1-1 0,-1-1 0,2 0 0,1-1-328,-13 1 0,3-2 0,0 1 163,1-1 1,1 1 0,6-2 82,-3-2 0,6 0 82,4 0 0,6 0 983,-8 0-768,33 0 768,-10 0 0,6 0-492,-7 0 1,-5 0-1,0-4 1,-5-1-163,-36 0 1,-10-1-658,21 3 0,-5 0 0,0-1 0,3-2 0,0 0 0,-5 0 225,1 3 0,-8 0 0,1 1 1,7-2 102,1-2 0,6-1 0,-5 0 0,1 3 0,-7 1 0,3 1 0,8-1 0,-18-2 0,8 2-82,-5 2 1,12 2 81,18-1 0,37 0 0,67 3 0,31 1 0,15-3 0,14 0-246,-20 1 0,8 0 0,4 0 0,0 0 0,4-2 0,1 1 0,1-1 0,3-1 49,-12 0 0,2 0 1,2-1-1,-1 0 0,-2-2 0,-2-1 0,-1-1 1,-1-1-1,-1 1 0,-1-1-49,10 1 0,-2 1 0,-1-1 0,0-2 0,0-4 0,2-1 0,-3-1 0,-4 4-82,3 4 0,-3 2 0,-3 0 203,-3-2 1,-3-1 0,-4 2 124,9 4 0,-3 2-214,-2-2 0,1 2 214,9 7 0,4 2 0,10-4 0,6 1 327,-11 2 1,6 1 0,-2 0-93,-11-2 0,-2-2 0,-2 0-235,-4-1 0,-2-2 0,-4 0 491,16 0 1,-14-2 491,-18-3 0,-31-10-290,-44-9-693,-37-11 0,-21-2 0,9 9 0,-8 2 0,-4 0-246,5 1 0,-3-1 0,-3 2 0,0 4 0,-5 2 0,-2 4 0,-1 2 0,1 1 233,0 2 1,1 0 0,-1 3 0,1 0 12,0 1 0,1 3 0,0-1 0,-1 1 0,0-1 0,0 1 0,-1-1 0,-3-1 0,7-2 0,-3 0 0,-1-1 0,0 0 0,2-2-9,6 1 1,2-2-1,1 0 1,-2 0 0,-2 0 8,-12-1 0,-3-1 0,-1 0 0,1-1 0,3 0 0,10 0 0,2 0 0,1-1 0,0 0 0,2 1 0,-16-1 0,0 0 0,2 1 0,5 0-236,-6-1 1,4 0 0,7 1 235,-12-1 0,13 2 0,6 1 0,59 14 0,46 27 0,25 7 0,-11-16 0,7 0 312,16 7 0,11 4 0,1-7-312,-7-11 0,2-6 0,3-1 212,-1 1 1,4-1 0,2 0 0,2-2-213,9-3 0,2-2 0,3-1 0,1 1 0,-12 3 0,2 0 0,1 1 0,1-1 0,0-2-197,7-2 0,2-2 1,0 0-1,-1 0 0,-2 0 0,-12 2 0,-1 0 1,-2 0-1,1 0 0,3 0 167,10-1 0,3-1 0,1-1 0,-4 1 0,-5 0 30,-5 0 0,-6 0 0,-1 0 0,1 0 0,8 0 0,3 0 0,-4 0 0,-11 0 0,12 2 0,-22-4 0,-34-10 0,-76 0 0,-53 1 0,-2 2-246,28 3 0,-2 1 0,-2 1 0,-6-1 217,-6-1 1,-7-1 0,-3 1 0,-2 0-1,0 2-135,12 2 0,-1 1 0,-1 1 0,-2 1 0,0 0 0,-3 0 23,5 0 1,-3 1-1,-1-1 1,-2 1-1,1 0 1,1 0-1,1 0 126,5 0 1,0-1 0,1 1-1,0 0 1,0-1 0,0 1-1,0 1 15,-5 0 0,-2 0 0,0 1 0,0 0 0,3-1 0,4 1 0,7-1 245,-16 0 1,8 0 0,4 0 0,5 0-222,-6 0 1,4 1 0,13-2-25,-23-2 0,84 0 0,77 20 0,49 8 0,-55-17 0,0-2 0,10 1-197,-1 1 0,9 0 1,5 1-1,1-2 0,-1-2 35,-1-1 1,-1-3-1,1-1 1,3 0-1,3-1 199,-10-1 0,2 0 0,3-1 0,1-1 0,0 1 0,1-1 0,-2 1-37,0 0 0,-1 0 0,1 0 0,-1 0 0,2 0 0,1 0 0,1 0-123,-2 0 0,3 0 0,1 0 0,1 0 0,0 0 0,-1 0 0,-1 0 0,-1 0-18,3 0 1,0 0-1,-2 0 1,0 0-1,0 0 1,-1 0-1,0 0 115,-2 0 1,1 0-1,-1-1 1,0 1-1,-1 0 1,-2 0-1,-2 1 26,19 0 0,-1 1 0,-3 1 0,-3-1 0,-3-1-127,3 0 1,-3-1 0,-5 0 0,-7 1 126,24 4 0,-16 0 983,9-5 0,-51 5 0,9-3 0,21 3 0,0-5 0,6 0 0,-48 0 0,-4-6-492,-59-26 1,-28-8-1,-9 5 1,-10 1-820,-4-3 0,-8-2 0,0 5 0,6 10 0,-1 4 0,1 3 296,8 5 0,2 2 1,3 3 31,-11 0 0,8 5 0,-15 8 0,16 1 0,37 3 0,3-1 0,20-5 983,4 2 0,4 1 0,14 20 0,9 2 0,1 4 0,4-9-97,-24-13-886,-44 7 0,-26-2 0,-12-1 0,-11-1-328,6 1 0,-8 3 0,-4-2 82,9-4 0,-5-1 0,0-1 0,1-1 0,6 0 0,2-1 0,-1 0 0,-3-1 134,7 0 0,-4 0 0,0-1 0,0 0 0,3-1 112,-10 1 0,3 0 0,0-1 0,1-1 0,1 0 0,0-1 0,1-1 0,6 1 0,-4 1 0,4 0 0,3-3 0,4-3 0,3-1 0,8 0 0,-29 1 0,33-9 0,8 0 0,16 3 0,-23-7 0,10 4 983,5 9 0,-28-4 0,18 6-420,2 4-563,20-3 0,14 6 0,3-3 0,-3 4 0,5-1 0,-34 4 0,-8 8 0,-12-3 0,10-1 0,-1 2 0,-14 5 0,-5-2 0,39-7 0,27-13 0,2 0 0,-5 3 0,-35 5-984,19 1 0,-61 20 0,55-15 0,-11 11 738,31-20 0,14-2 0,-2-3 0</inkml:trace>
+</inkml:ink>
+</file>
+
+<file path=ppt/ink/ink23.xml><?xml version="1.0" encoding="utf-8"?>
+<inkml:ink xmlns:inkml="http://www.w3.org/2003/InkML">
+  <inkml:definitions>
+    <inkml:context xml:id="ctx0">
+      <inkml:inkSource xml:id="inkSrc0">
+        <inkml:traceFormat>
+          <inkml:channel name="X" type="integer" min="-2.14748E9" max="2.14748E9" units="cm"/>
+          <inkml:channel name="Y" type="integer" min="-2.14748E9" max="2.14748E9" units="cm"/>
+          <inkml:channel name="F" type="integer" max="32767" units="dev"/>
+        </inkml:traceFormat>
+        <inkml:channelProperties>
+          <inkml:channelProperty channel="X" name="resolution" value="1000" units="1/cm"/>
+          <inkml:channelProperty channel="Y" name="resolution" value="1000" units="1/cm"/>
+          <inkml:channelProperty channel="F" name="resolution" value="0" units="1/dev"/>
+        </inkml:channelProperties>
+      </inkml:inkSource>
+      <inkml:timestamp xml:id="ts0" timeString="2024-11-27T06:02:46.745"/>
+    </inkml:context>
+    <inkml:brush xml:id="br0">
+      <inkml:brushProperty name="width" value="0.35" units="cm"/>
+      <inkml:brushProperty name="height" value="0.35" units="cm"/>
+      <inkml:brushProperty name="color" value="#E71225"/>
+    </inkml:brush>
+  </inkml:definitions>
+  <inkml:trace contextRef="#ctx0" brushRef="#br0">0 394 24575,'85'0'0,"-1"0"0,-18 0 0,3 0 0,2 0 0,17 0 0,3 0 0,1 0-328,-1 1 0,1-1 0,3-1 82,-10 0 0,3-1 0,1 0 0,-2-2 0,-8 0 0,-2-1 0,0-1 0,0 0 0,-1 1 0,-1-1 0,1 1 0,-1-2-82,26-2 0,-1-2 0,-5 1 174,-22 3 0,-4 1 0,-1 0 154,34 1 0,-10 0 491,-38 0 1,-5 2-279,45 3-213,-22-7 0,1 6 0,-21-9 0,4-3 0,9 3 0,4-1 491,8-6 1,3-2-93,4-5 0,0 2-399,-6 6 0,1 1 0,6-8 0,-5 2 0,15 9 491,-24-1 1,0 2-311,10 9-181,-16-6 0,1 0 0,24 6 0,-27-2 0,-3 0 0,1 4 0,4 0 0,4 0 0,-17 4 0,-2 0 0,1-1 0,1 2 0,17 7 0,-5 1 0,-3 2 446,6 2 1,0 0-447,-6-2 174,-13-4 0,6 2-174,23 7 0,5 0 0,-3-4 0,2 0 0,13 6 0,-3-1 0,-21-7 0,-3-2 0,-3-3 0,-2-1 0,35 7 0,-34-6 0,3-1 0,-1 1 0,-4-1 0,12 6 0,14-4 0,-31-4 0,13-6 0,-12 3 0,6 2 0,21 0 0,0 1 0,-18-1 0,-1 0 0,26 1 0,-3-3 0,6-10 0,4 5 0,-20-12 0,-35 7 0,2-1 0,-15-1 0,-19 8 0,2-2 0,4-1 0,-2 3 0,5-6 0,11 0 0,-16 0 0,14-3 0,-24 3 0,-2-4 0,-7 4 0,-23-6 0,7 4 0,-39 2 0,5 8 0,-8 3 0,-5 1 0,-7 1-328,1 0 0,-6 1 0,-3-1 0,-9 2 0,-3-1 0,-5-1 82,6-3 0,-4 0 0,-3-1 0,-1 1 49,17-1 0,0 1 1,-2-1-1,0-1 0,-2 0 0,-9-1 0,-2-2 1,-2 0-1,2-1 0,1 1 0,8-1 0,0 1 1,2 0-1,0-1 0,0 1 0,3-1 0,-1 1 1,1-1-1,3 1 0,3 0-49,-1-1 0,4 0 0,2 0 0,-1 2 0,-3 2 0,-2 2 0,4 0 0,6-1-246,-17-1 0,3 0 164,-1 4 0,-7 2 0,9-1 314,8-1 1,3 0 13,-26 4 0,2 1 0,27-1 0,4 0 0,-2 0 0,0-1 0,1-3 0,1 0 0,0 3 0,-1 0 0,-15-2 0,-4-1 0,19-2 0,-2 0 0,-3 1 0,-10 2 0,-4 0 0,-1-1 0,-3-3 0,-1-2 0,4 1 0,-15 3 0,3 1 0,25-5 0,0 0 0,6 0 0,1 0 0,3 0 0,-10 0 0,2 0 983,-16 0 0,19-6 0,47 5-485,-6-5-498,68 11 0,33 2 0,-12-5 0,7-2 0,6 1-246,4 2 0,6 0 0,3 1 0,4-2 73,-6-1 0,4-1 0,2 0 0,2-1 0,1 1 173,-7 0 0,2 0 0,2 1 0,0-1 0,-1 0 0,-1-1 0,10 0 0,-2-2 0,-1 1 0,3 0 0,4 0-141,-14 2 1,5-1-1,2 1 1,1 0-1,-1 0 1,-4 0-1,-4-1-56,5-1 0,-3 0 1,-4 0-1,-1 0 0,2 1 67,2 0 1,2 1 0,-1 0 0,-5 0 0,-10 1 129,1-1 0,-8 0 0,-10 0 0,30 0 0,-73 0 983,33 7 0,49 3-492,-26-5 1,3-1-1,1-3 1,-2-1-325,-7-3 0,-3-3 816,31-10 0,-32 8 0,8-5 0,-18 11-492,2-1 1,3 0 491,26 3-492,-25 0 1,0 0 228,25 0-720,-21 0 0,-12 0 0,-20 0 0,16 0 0,0 0 0,16 0 0,-18 0 0,-15 0 0,-10 0 0,-4 0 0,19 0 0,20 7 0,22-5 0,-18 5 0,0 1 0,6-6 0,7 6 0,-61-8 0,-1 0 0,16 0 0,16 0 0,11 0 0,-3 0 0,-18 0 0,-16 0 0,17 0 0,20 0 0,5 0 0,3 0 0,-29 0 0,-16 0 0,-6 0 0,-85 8 0,15 1 0,-1 2 0,-1 1 0,-1 2 0,-6 13 0,37-11 0,-16 3 0,21-10 0,0-1 0,0-7 0,8 3 0,-16 1 0,4 2 0,-3 0 0,-23 12 0,9-3 0,-5 4 0,-36 2 0,41-10 0,-13-3 0,-1-1 0,1-1 0,-32 1 0,41-4 0,2 1 0,-14 2 0,-22 3 0,-4-1 0,1-2 0,21-2 0,-3-1 0,-5 1 0,5-1 0,-19-2 0,16 2 0,1 0 0,-3-4 0,3 1 0,-1-2 0,-16-5 0,22 5 0,0 0 0,-17-5 0,17 1 0,-3 1 0,16 3 0,0 0 0,-16-4 0,3 1 0,-16 4 0,20 0 0,3 0 0,-1 0 0,-5 0 0,9 1 0,3-2 0,15-3 0,3 3 0,10-3 0,5 4 0,-4 0 0,5 0 0,-6-4 0,-31 3 0,13-3 0,-22-2 0,-18-1 0,8 1-244,22 4 1,-1-1 243,-34-2 0,-14-2 0,12 0-492,31 3 0,2 1 392,-11 2 1,-6 1-1,6-1 100,9-3 0,-1 0 0,-11 3 0,-7 2 0,10-1 0,18 0 0,1 0 0,-39 0 0,2 0 0,6 0 0,-2 0 0,36-4 0,21 3 0,0-3 456,-11-2-456,14 5 983,-22-5-652,1 6-331,2 0 0,1 0 0,6 0 0,-9 0 0,3 0 0,-48 0 0,42 0 0,-18 0 0,-2 0 0,5 0 0,-6 0 0,4 0 0,23 0 0,-36 0 0,60-3 0,-13 2 0,1-7 0,-4 0 0,-48-6 0,24 6 0,-34-6 0,29 9 0,-1 0 0,15-3 0,-2 0 0,-23 2 0,-1 1 0,18-3 0,6 1 0,-17 5 0,8-5 0,44 0 0,12 2 0,14-34 0,1 15 0,21-29 0,20-19 0,-8 24 0,-11 0 0,-2 3 0,-7 17 0,3-12 0,-19 32 0,5-2 0,-5 0 0,2 2 0,-3 0 0,-3 2 0,17 1 0,-4 1 0,37 0 0,-1 4 0,31 0 0,-29 0 0,45 8 0,-51-4 0,2 2 0,11 2 0,2 1 0,4 0 0,-5 0 0,8 0 0,-15-2 0,-24-7 0,-11 0 0,35 7 0,9 2 0,-10-1 0,10 1 0,6-3 0,8 1 0,-8-1 0,-8-1 0,-3 0 0,29 1 0,-14-3 0,-49-3 0,12 0 0,23 0 0,36 8 0,-26-6 0,-11 3 0,1-2 0,7-3 0,-15 0 0,2 0 0,21 0 0,-26 0 0,2 0 0,-2 4 0,0 0 0,42-2 0,-18 3 0,-4-2 0,-6-3 0,14 0 0,-2 0 0,-23 0 0,9 0 0,-3 0 0,-24 0 0,18 0 0,4 0 0,4 7 0,25-2 0,6 0 0,-41 0 0,1-1-249,43 1 1,1-1 248,-36-4 0,-5 0-27,1 0 1,-1 0 26,-3 0 0,-2 0 0,37 0 0,-8 0 0,-12 0 0,-1 0 0,-2 0 0,8 0 0,0 0 495,-11 0-495,1 0 0,-1 0 0,-13-4 55,41-4-55,6-14 0,-11 5 0,0 0 0,0-2 0,3-4 0,-25 9 0,2 1 0,-10-4 0,-3 3 0,20 3 0,5-8 0,-40 14 0,6-6 0,-15 6 0,13-5 0,-20 5 0,12-5 0,-8 2 0,12-3 0,-15 7 0,0-3 0,5 2 0,-11 1 0,11 0 0,-14 4 0,4 3 0,-9-2 0,0 2 0,3-3 0,48 15 0,-38-11 0,34 11 0</inkml:trace>
+</inkml:ink>
+</file>
+
+<file path=ppt/ink/ink24.xml><?xml version="1.0" encoding="utf-8"?>
+<inkml:ink xmlns:inkml="http://www.w3.org/2003/InkML">
+  <inkml:definitions>
+    <inkml:context xml:id="ctx0">
+      <inkml:inkSource xml:id="inkSrc0">
+        <inkml:traceFormat>
+          <inkml:channel name="X" type="integer" min="-2.14748E9" max="2.14748E9" units="cm"/>
+          <inkml:channel name="Y" type="integer" min="-2.14748E9" max="2.14748E9" units="cm"/>
+          <inkml:channel name="F" type="integer" max="32767" units="dev"/>
+        </inkml:traceFormat>
+        <inkml:channelProperties>
+          <inkml:channelProperty channel="X" name="resolution" value="1000" units="1/cm"/>
+          <inkml:channelProperty channel="Y" name="resolution" value="1000" units="1/cm"/>
+          <inkml:channelProperty channel="F" name="resolution" value="0" units="1/dev"/>
+        </inkml:channelProperties>
+      </inkml:inkSource>
+      <inkml:timestamp xml:id="ts0" timeString="2024-11-27T06:02:48.534"/>
+    </inkml:context>
+    <inkml:brush xml:id="br0">
+      <inkml:brushProperty name="width" value="0.35" units="cm"/>
+      <inkml:brushProperty name="height" value="0.35" units="cm"/>
+      <inkml:brushProperty name="color" value="#E71225"/>
+    </inkml:brush>
+  </inkml:definitions>
+  <inkml:trace contextRef="#ctx0" brushRef="#br0">304 1 24575,'65'14'0,"0"1"0,-10-4 0,1-1 0,17-1 0,4 0-492,5-1 0,4 0 164,-13-4 0,5 0 0,-1-1 0,-2 1 0,-1 0 0,0-1 139,1 1 1,-1-1 0,0-1 166,-2-1 1,-1-2-1,-4 1 22,6 0 0,-2 0 389,12-3 0,-6-1-389,10 2 0,-24-5 0,-15 3 983,-21-1-220,10 0 220,-7 1-971,28 4 51,-5 0-63,10 0 0,-18 0 0,-18 0 0,-30 9 0,-36 18 0,-18 2 0,6-9 0,-7-1-328,-7 5 0,-9 3 0,2-4 124,-20-2 1,0-4 203,22-1 0,-2 0 0,1 0 0,3 0 0,0 0 0,0 2 0,-1 1 0,1 1 0,0-1 0,0-2 0,0 0 0,2-2 0,-19 6 0,-1-4 0,14-8 0,-2-3 0,2-2 0,-11-3 0,-2-2 0,6-2 0,-6-1 0,8 0 0,2-2 0,5 1 0,-4 0 0,9 1 0,10 4 0,31-3 0,36-9 0,35-8 0,1 1 0,8-2 0,24-7 0,8 0-183,-21 7 1,2 1 0,2 1 182,7-2 0,2 1 0,1 1 0,5-2 0,1 2 0,0 0 0,-1 4 0,0 2 0,-4-1 0,-12 1 0,-4-1 0,-2 2 0,17-2 0,-12 3 0,-21 2 0,-25 3 0</inkml:trace>
+</inkml:ink>
+</file>
+
+<file path=ppt/ink/ink25.xml><?xml version="1.0" encoding="utf-8"?>
+<inkml:ink xmlns:inkml="http://www.w3.org/2003/InkML">
+  <inkml:definitions>
+    <inkml:context xml:id="ctx0">
+      <inkml:inkSource xml:id="inkSrc0">
+        <inkml:traceFormat>
+          <inkml:channel name="X" type="integer" min="-2.14748E9" max="2.14748E9" units="cm"/>
+          <inkml:channel name="Y" type="integer" min="-2.14748E9" max="2.14748E9" units="cm"/>
+          <inkml:channel name="F" type="integer" max="32767" units="dev"/>
+        </inkml:traceFormat>
+        <inkml:channelProperties>
+          <inkml:channelProperty channel="X" name="resolution" value="1000" units="1/cm"/>
+          <inkml:channelProperty channel="Y" name="resolution" value="1000" units="1/cm"/>
+          <inkml:channelProperty channel="F" name="resolution" value="0" units="1/dev"/>
+        </inkml:channelProperties>
+      </inkml:inkSource>
+      <inkml:timestamp xml:id="ts0" timeString="2024-11-27T06:02:53.937"/>
+    </inkml:context>
+    <inkml:brush xml:id="br0">
+      <inkml:brushProperty name="width" value="0.35" units="cm"/>
+      <inkml:brushProperty name="height" value="0.35" units="cm"/>
+      <inkml:brushProperty name="color" value="#E71225"/>
+    </inkml:brush>
+  </inkml:definitions>
+  <inkml:trace contextRef="#ctx0" brushRef="#br0">0 307 24575,'66'0'0,"6"-6"0,-54 5 0,29-11 0,18 3 0,24-6 0,-21 6 0,6 0-492,8-1 0,4 1 169,-17 5 1,3 1-1,2 0 323,8-1 0,2 1 0,2 1 0,10 4 0,1 2 0,-4-1-328,-20-2 0,-4 0 0,4 0 0,25 2 0,5 0 0,-4 0 259,-25-3 0,-4 0 0,3 0 69,18 0 0,3 0 0,-3 0-257,-12 0 1,-3 0 0,-5 0 256,-2-1 0,-2 2 0,17 3 0,-2 0 0,-23-3 0,0 0 0,8 7 0,2-1-117,18-5 1,-6-2 116,-4 7 0,11-6 0,0-2 0,-22-5 0,11 1 0,0 0 0,-16-2 491,10-2 1,2 1 142,1 6-634,9-3 0,2 2 0,2 9 0,-21-5 0,4 0 0,1 2 0,-3 1 0,32-4 0,-32 0 0,1 0 0,-10 0 0,-3 0 983,28 0-492,-23 0 1,4 0-347,15 0 1,0 0-146,-18 0 0,2 0 110,9 0 0,7 0 1,-7 0-111,-6 0 0,-3 0 0,8-4 0,-2 1 0,24 1 50,-37-2 1,2 2-51,1 5 0,6 2 0,6 1 0,8 0 0,-1 2-328,-11 2 0,-1 0 0,2 1 261,15-1 0,3 1 1,0-1 66,-3 0 0,-1 0 0,-4-1 0,13-3 0,-3-1 0,6 0 0,-6-1 0,-33-4 0,-5 0 0,46 0 0,0 7 0,0-5 584,-21 5-584,-15-7 189,-29 0-189,-9 0 983,8 0-732,48 8-251,-23-7 0,1 0 0,38 7 0,-31-8 0,-8 0 0,-27 0 0,19-3 0,-38-1 0,0-4 0,-2 4 0,2-5 0,-3 7 0,0-7 0,0 5 0,0-3 0,4-4 0,-7 3 0,6 1 0,-3-2 0,1 4 0,5-8 0,-2 1 0,-3 1 0,1 1 0,-8 3 0,-40-20 0,-25 11-492,6 2 0,-4 3 0,1 5 0,-2 4 0,-8 5 0,1 2 0,11-1 0,5 1-492,-33 5 492,36-2 0,2-1-388,-20-5 880,15 5 0,1 1 0,-13-7 0,17 6 983,29-3 0,3-1 0,-67 10 0,9-8-492,12-1 1,-2 0 491,-22-4-97,24 0-886,15 4 0,21-3 0,-11 9 0,-12-9 0,-35 5 0,27-2 0,-4 0-304,-16-2 0,-2-2 304,-6 0 0,1 0 0,21 0 0,2-2 0,3-6 0,5 1 0,-9 5 0,-11-11 0,0 5 0,13 4 0,-4 0 0,7-4 0,-2 1 0,-35 5 0,-7 2-328,31-2 0,-1-2 0,-1 2 10,-3 1 1,-2 2 0,-1-1 317,-8 0 0,-1-1 0,3 2 0,14 2 0,2 0 0,1-1 0,-28-1 0,3 0-174,19 4 1,4-1 173,9-4 0,1 0 0,7 0 0,-1 0 0,-4 1 0,-2-2 0,-9-7 0,-7-1-328,-1 6 0,-7 3 0,1-2 121,6-3 0,1-2 0,-2 2 207,-12 4 0,-2 2 0,4-1 0,14 0 0,4 0 0,1 0 0,-28 0 0,2 0 0,-1 1 0,1-2 491,3-3 1,2 0-441,6 3 1,0 0-52,5-3 0,4 0 0,23 3 0,1 2 0,-16-1 0,0 0 0,12-4 0,-3-1 0,-30 0 0,-3-1 0,21 1 0,-1 0 0,4 1 0,-3 1 0,5 1 0,-2 2 0,2 0 0,-13 0 0,2 0 0,20 0 0,4 0 869,-32 7-869,20 0 0,-7 7 0,18-1 983,-18 2-163,7 5-82,-9 3-738,20-3 0,-6 5 0,30-10 0,0-2 0,16 2 0,4 8 0,8-4 0,-5 17 0,6-24 0,0 4 0,3-9 0,1 3 0,3-2 0,0-1 0,20 2 0,4-2 0,50 7 0,-12-6 0,7-3 0,5-3-310,-21-5 0,1-2 310,31 1 0,2-2 0,-14-2 0,-2-3 0,-4-1 0,-2-1-46,-9 4 0,-5-1 46,26-18 0,-13 12 0,-18-8 0,-8 14 0,12-14 0,11 13 0,-9 0 0,3-1 617,32-4-617,-21 4 0,-2-2 0,11-2 95,5-6-95,-31 16 0,-2 3 0,7-1 0,25 4 0,6 0-492,-42 0 0,3 0 387,23 0 0,12 0 0,-8 0 105,-16 0 0,0 0 0,22 3 0,10 1 0,-10-2 0,-21 0 0,-2-1 0,11 2 0,6 0 0,-11 0 0,29-3-187,-32 0 1,4 0 186,6 0 0,-2 0 0,-23 0 0,0 0 0,22 0 0,1 0 0,-13 0 0,-6 0 0,8 0 0,37 0 0,-50 0 983,-13 0-692,9 0 107,-24 0-398,5 0 0,20 0 0,27 7 0,5-5 0,-11 6 0,-21-8 0,-16 6 0,-7-5 0,22 10 0,-1-3 0,-2-1 0,11-3 0,2-1 0,-3-3 0,27 0 0,5 0-612,2 0 612,7-1 0,4 2 0,-44 2 0,2 1 0,16-3 0,8-1 0,-9 1 0,23 6 0,-17-7 0,-9 0 0,-34 0 0,-4 0 0,-16 3 0,-3-2 0,-77-6 0,18 0 0,-5-1 0,-19 0 0,-4 2 0,-2 2 0,3 3 0,20 6 0,0 2 0,-8 4 0,-2 2 46,-1 2 1,-2 1-47,-20-3 0,-3-2-492,11-2 0,-2-3 407,11-4 0,-4-2 0,3 1 85,-18 1 0,4 0 0,-1-3 0,3 0 0,17 7 0,5-1 0,-22-5 0,31 8 0,-5-3 487,28 2-487,-7 2 983,10-2-695,-11 2-288,-12 0 0,-24 4 0,27-4 0,-3 1 0,-6-2 0,2-1 0,-36 8 0,38-9 0,2-1 0,-27 2 0,11 0 0,13-5 0,-4-1 0,1-2 0,-1-2 0,0-2 0,-4-1 0,-36 4 0,4-1 0,4-12 0,4 7 0,2 2 0,12-5 0,2 1 0,4 0 0,14 2 0,-14 2 0,-1-1 0,15-5 0,-41 9 0,58-5 0,3 6 0,11-4 0,-11 3 0,-20-3 0,-33-3 0,35 2 0,-2 0 0,-13 0 0,-3 0 0,-1 1 0,2 1 0,15 2 0,-1 2 0,-24-1 0,-3 0 0,20-4 0,0-1 0,-11 4 0,3 0 0,-22-7 0,52 8 0,26-3 0,4 2 0,-9-10 0,-10-18 0,6 8 0,-12-29 0,23 35 0,-3-11 0,9 15 0,3 0 0,0-9 0,0 5 0,4-11 0,0 10 0,5-9 0,1 9 0,-1-4 0,4 9 0,-5 0 0,11-1 0,-6 4 0,12-5 0,-4 5 0,1 0 0,3-1 0,17 5 0,-9-4 0,66 7 0,-7-11 0,-41 10 0,1 1 0,12-3 0,-5 0 0,-1 4 0,8 0 0,-9 0 0,-31 4 0,25 4 0,8 2 0,36 14 0,-15-9 0,5-1 0,-1 0 0,0-1 0,-4-3 0,0-2 0,5-2 0,-5-2 0,-22 1 0,-3-2 0,4-2 0,-2-2 0,19 1 0,-24 0 0,1 0 0,26 0 0,15 0 0,-20 0 0,0-6 0,10 4 0,13-12 0,-34 13 0,5 0-311,9-6 0,3-2 311,9-1 0,3 1-328,-25 2 0,2 0 0,-3-1 228,23-6 0,-5 1 100,-14 4 0,-5 1 0,-11 3 0,-6 1 0,-5-2 0,-1 6 0,4 0 585,11 0-585,20 7 0,-11-3 0,4 2 0,-17 2 0,2 0 0,10-3 0,8-2 0,-7 0 0,-4 1 0,0-1 0,4-2 0,7-1 0,-10-1 983,23 1-864,-25 1 0,2-2-119,-9-3 0,-3 0 0,23 2 0,4-6 0,-1-1 0,-14 1 0,-12 4 0,1-1 0,19-8 0,-26 7 0,7-2 0,-6-3 0,-9 10 0,24-6 0,-11 7 0,1 0 0,1 0 0,1 0 0,31 0 0,-64 0 0,31 0 0,19 0 0,7 0 0,9 0-403,1 4 1,2 1 402,2-1 0,1 2 0,4-1 0,-8 0 0,7 3 0,-12-8 0,-57 0 0,-19 0 0,0 0 0,19 0 0,5 0 805,9 0-805,-11 3 0,-13-2 0,-12 2 0,-1-3 0</inkml:trace>
+</inkml:ink>
+</file>
+
+<file path=ppt/ink/ink26.xml><?xml version="1.0" encoding="utf-8"?>
+<inkml:ink xmlns:inkml="http://www.w3.org/2003/InkML">
+  <inkml:definitions>
+    <inkml:context xml:id="ctx0">
+      <inkml:inkSource xml:id="inkSrc0">
+        <inkml:traceFormat>
+          <inkml:channel name="X" type="integer" min="-2.14748E9" max="2.14748E9" units="cm"/>
+          <inkml:channel name="Y" type="integer" min="-2.14748E9" max="2.14748E9" units="cm"/>
+          <inkml:channel name="F" type="integer" max="32767" units="dev"/>
+        </inkml:traceFormat>
+        <inkml:channelProperties>
+          <inkml:channelProperty channel="X" name="resolution" value="1000" units="1/cm"/>
+          <inkml:channelProperty channel="Y" name="resolution" value="1000" units="1/cm"/>
+          <inkml:channelProperty channel="F" name="resolution" value="0" units="1/dev"/>
+        </inkml:channelProperties>
+      </inkml:inkSource>
+      <inkml:timestamp xml:id="ts0" timeString="2024-11-27T06:02:56.692"/>
+    </inkml:context>
+    <inkml:brush xml:id="br0">
+      <inkml:brushProperty name="width" value="0.35" units="cm"/>
+      <inkml:brushProperty name="height" value="0.35" units="cm"/>
+      <inkml:brushProperty name="color" value="#E71225"/>
+    </inkml:brush>
+  </inkml:definitions>
+  <inkml:trace contextRef="#ctx0" brushRef="#br0">18 557 24575,'60'-2'0,"0"0"0,8 0 0,4 0 0,10 2 0,4 0-328,-13 0 0,3 0 0,1 0 0,-3 1 0,0-1 0,1-1 0,7-1 0,2-1 0,-4 0 172,15-2 0,-6-1 156,-13-2 0,-8-1 763,11-1-763,-38 1 0,-34 5 0,-4-12 983,-31-17-61,1-2-326,-10-2-596,2 2 0,12 20 0,0-6 0,-12 5 0,23 10 0,-34-11 0,-16 8 0,14 2 0,-15-1 0,37 8 0,14 0 0,-13 0 0,-24 7 0,-17 2 0,-31 7 0,0 0 0,0 8 0,0-7 0,10 13 0,-8-6 0,9 7 0,25-10 0,5-1 0,24-5 0,-8-3 0,9 1 0,4-8 0,30-5 0,38 0 0,30 0 0,-18-2 0,4-3 0,-8-2 0,1-1 0,18-1 0,1-2 0,-11-4 0,-1-1 0,10 5 0,0 3 0,-11-2 0,-4 2 0,11-4 0,-24 11 0,-14-3 0,-13 4 0,34 0 0,-9 0 0,8 0 0,-21-3 0,-18-1 0,-71-64 0,23 29-492,-23-9 0,-6 2-492,-4 7 492,22 20 0,1 4-492,-1 0 0,5 9 0,27 6 104,-26 0 880,10 0 983,-55 0 0,34 0-492,3 3 1,-3 1 491,-21-2-492,24 6 1,3-1 491,-9-5-97,17 8-886,34-9 0,9 5 0,2 13 0,20 15 0,-6-3 0,32 16 0,-28-29 0,21 11 0,-19-17 0,6 1 0,42-8 0,-32-1 0,42-4 0,14 0 0,-20 0 0,13-7 0,7-3 0,-22 4 0,0-1 0,3-5 0,1-2 0,9 0 0,-10 2 0,-19 1 0,17-8 0,-61 18 0,-1-2 0,0 3 0,38 0 0,22 0 0,20 0 0,-36 0 0,-3 0 0,-2-3 0,-7-5 0,-63-23 0,-53-6 0,19 8 0,-7 1-450,-19 6 1,-6 5 449,2 2 0,0 3 0,4 10 0,4 4 0,19 0 0,6 3 0,-20 8 0,41-3 0,14-6 0,6 0 0,7-1 0,1 1 0</inkml:trace>
 </inkml:ink>
 </file>
 
@@ -1065,7 +1309,7 @@
           </a:lstStyle>
           <a:p>
             <a:fld id="{9ACA2D73-2532-A640-A667-27AB4D0D333F}" type="datetimeFigureOut">
-              <a:t>26/11/24</a:t>
+              <a:t>27/11/24</a:t>
             </a:fld>
             <a:endParaRPr lang="en-VN"/>
           </a:p>
@@ -2329,6 +2573,220 @@
 </p:notes>
 </file>
 
+<file path=ppt/notesSlides/notesSlide18.xml><?xml version="1.0" encoding="utf-8"?>
+<p:notes xmlns:a="http://schemas.openxmlformats.org/drawingml/2006/main" xmlns:r="http://schemas.openxmlformats.org/officeDocument/2006/relationships" xmlns:p="http://schemas.openxmlformats.org/presentationml/2006/main">
+  <p:cSld>
+    <p:spTree>
+      <p:nvGrpSpPr>
+        <p:cNvPr id="1" name="">
+          <a:extLst>
+            <a:ext uri="{FF2B5EF4-FFF2-40B4-BE49-F238E27FC236}">
+              <a16:creationId xmlns:a16="http://schemas.microsoft.com/office/drawing/2014/main" id="{0AC7A7F4-8AB5-8AA7-E5AD-11AAD41A71A1}"/>
+            </a:ext>
+          </a:extLst>
+        </p:cNvPr>
+        <p:cNvGrpSpPr/>
+        <p:nvPr/>
+      </p:nvGrpSpPr>
+      <p:grpSpPr>
+        <a:xfrm>
+          <a:off x="0" y="0"/>
+          <a:ext cx="0" cy="0"/>
+          <a:chOff x="0" y="0"/>
+          <a:chExt cx="0" cy="0"/>
+        </a:xfrm>
+      </p:grpSpPr>
+      <p:sp>
+        <p:nvSpPr>
+          <p:cNvPr id="2" name="Slide Image Placeholder 1">
+            <a:extLst>
+              <a:ext uri="{FF2B5EF4-FFF2-40B4-BE49-F238E27FC236}">
+                <a16:creationId xmlns:a16="http://schemas.microsoft.com/office/drawing/2014/main" id="{84619711-FA2C-FB50-B3E1-38B3EB772EB7}"/>
+              </a:ext>
+            </a:extLst>
+          </p:cNvPr>
+          <p:cNvSpPr>
+            <a:spLocks noGrp="1" noRot="1" noChangeAspect="1"/>
+          </p:cNvSpPr>
+          <p:nvPr>
+            <p:ph type="sldImg"/>
+          </p:nvPr>
+        </p:nvSpPr>
+        <p:spPr/>
+      </p:sp>
+      <p:sp>
+        <p:nvSpPr>
+          <p:cNvPr id="3" name="Notes Placeholder 2">
+            <a:extLst>
+              <a:ext uri="{FF2B5EF4-FFF2-40B4-BE49-F238E27FC236}">
+                <a16:creationId xmlns:a16="http://schemas.microsoft.com/office/drawing/2014/main" id="{2046DFFF-131C-2E37-D5FD-541AB0193D8B}"/>
+              </a:ext>
+            </a:extLst>
+          </p:cNvPr>
+          <p:cNvSpPr>
+            <a:spLocks noGrp="1"/>
+          </p:cNvSpPr>
+          <p:nvPr>
+            <p:ph type="body" idx="1"/>
+          </p:nvPr>
+        </p:nvSpPr>
+        <p:spPr/>
+        <p:txBody>
+          <a:bodyPr/>
+          <a:lstStyle/>
+          <a:p>
+            <a:endParaRPr lang="en-VN"/>
+          </a:p>
+        </p:txBody>
+      </p:sp>
+      <p:sp>
+        <p:nvSpPr>
+          <p:cNvPr id="4" name="Slide Number Placeholder 3">
+            <a:extLst>
+              <a:ext uri="{FF2B5EF4-FFF2-40B4-BE49-F238E27FC236}">
+                <a16:creationId xmlns:a16="http://schemas.microsoft.com/office/drawing/2014/main" id="{D8622E2F-0984-527D-B0E0-0C0F33BB7D24}"/>
+              </a:ext>
+            </a:extLst>
+          </p:cNvPr>
+          <p:cNvSpPr>
+            <a:spLocks noGrp="1"/>
+          </p:cNvSpPr>
+          <p:nvPr>
+            <p:ph type="sldNum" sz="quarter" idx="5"/>
+          </p:nvPr>
+        </p:nvSpPr>
+        <p:spPr/>
+        <p:txBody>
+          <a:bodyPr/>
+          <a:lstStyle/>
+          <a:p>
+            <a:fld id="{576FF3D1-0F45-2240-9B47-75654C02E24A}" type="slidenum">
+              <a:t>19</a:t>
+            </a:fld>
+            <a:endParaRPr lang="en-VN"/>
+          </a:p>
+        </p:txBody>
+      </p:sp>
+    </p:spTree>
+    <p:extLst>
+      <p:ext uri="{BB962C8B-B14F-4D97-AF65-F5344CB8AC3E}">
+        <p14:creationId xmlns:p14="http://schemas.microsoft.com/office/powerpoint/2010/main" val="1725672570"/>
+      </p:ext>
+    </p:extLst>
+  </p:cSld>
+  <p:clrMapOvr>
+    <a:masterClrMapping/>
+  </p:clrMapOvr>
+</p:notes>
+</file>
+
+<file path=ppt/notesSlides/notesSlide19.xml><?xml version="1.0" encoding="utf-8"?>
+<p:notes xmlns:a="http://schemas.openxmlformats.org/drawingml/2006/main" xmlns:r="http://schemas.openxmlformats.org/officeDocument/2006/relationships" xmlns:p="http://schemas.openxmlformats.org/presentationml/2006/main">
+  <p:cSld>
+    <p:spTree>
+      <p:nvGrpSpPr>
+        <p:cNvPr id="1" name="">
+          <a:extLst>
+            <a:ext uri="{FF2B5EF4-FFF2-40B4-BE49-F238E27FC236}">
+              <a16:creationId xmlns:a16="http://schemas.microsoft.com/office/drawing/2014/main" id="{4DEB3D75-4767-51D2-37DF-42421EA27E3B}"/>
+            </a:ext>
+          </a:extLst>
+        </p:cNvPr>
+        <p:cNvGrpSpPr/>
+        <p:nvPr/>
+      </p:nvGrpSpPr>
+      <p:grpSpPr>
+        <a:xfrm>
+          <a:off x="0" y="0"/>
+          <a:ext cx="0" cy="0"/>
+          <a:chOff x="0" y="0"/>
+          <a:chExt cx="0" cy="0"/>
+        </a:xfrm>
+      </p:grpSpPr>
+      <p:sp>
+        <p:nvSpPr>
+          <p:cNvPr id="2" name="Slide Image Placeholder 1">
+            <a:extLst>
+              <a:ext uri="{FF2B5EF4-FFF2-40B4-BE49-F238E27FC236}">
+                <a16:creationId xmlns:a16="http://schemas.microsoft.com/office/drawing/2014/main" id="{455B4973-D49B-AB42-284C-C6933AD66E49}"/>
+              </a:ext>
+            </a:extLst>
+          </p:cNvPr>
+          <p:cNvSpPr>
+            <a:spLocks noGrp="1" noRot="1" noChangeAspect="1"/>
+          </p:cNvSpPr>
+          <p:nvPr>
+            <p:ph type="sldImg"/>
+          </p:nvPr>
+        </p:nvSpPr>
+        <p:spPr/>
+      </p:sp>
+      <p:sp>
+        <p:nvSpPr>
+          <p:cNvPr id="3" name="Notes Placeholder 2">
+            <a:extLst>
+              <a:ext uri="{FF2B5EF4-FFF2-40B4-BE49-F238E27FC236}">
+                <a16:creationId xmlns:a16="http://schemas.microsoft.com/office/drawing/2014/main" id="{A52D275C-0A3F-6466-BB08-188FD102BA71}"/>
+              </a:ext>
+            </a:extLst>
+          </p:cNvPr>
+          <p:cNvSpPr>
+            <a:spLocks noGrp="1"/>
+          </p:cNvSpPr>
+          <p:nvPr>
+            <p:ph type="body" idx="1"/>
+          </p:nvPr>
+        </p:nvSpPr>
+        <p:spPr/>
+        <p:txBody>
+          <a:bodyPr/>
+          <a:lstStyle/>
+          <a:p>
+            <a:endParaRPr lang="en-VN"/>
+          </a:p>
+        </p:txBody>
+      </p:sp>
+      <p:sp>
+        <p:nvSpPr>
+          <p:cNvPr id="4" name="Slide Number Placeholder 3">
+            <a:extLst>
+              <a:ext uri="{FF2B5EF4-FFF2-40B4-BE49-F238E27FC236}">
+                <a16:creationId xmlns:a16="http://schemas.microsoft.com/office/drawing/2014/main" id="{3C1969EB-0FF2-3618-ADDE-1F3A037CBFF0}"/>
+              </a:ext>
+            </a:extLst>
+          </p:cNvPr>
+          <p:cNvSpPr>
+            <a:spLocks noGrp="1"/>
+          </p:cNvSpPr>
+          <p:nvPr>
+            <p:ph type="sldNum" sz="quarter" idx="5"/>
+          </p:nvPr>
+        </p:nvSpPr>
+        <p:spPr/>
+        <p:txBody>
+          <a:bodyPr/>
+          <a:lstStyle/>
+          <a:p>
+            <a:fld id="{576FF3D1-0F45-2240-9B47-75654C02E24A}" type="slidenum">
+              <a:t>20</a:t>
+            </a:fld>
+            <a:endParaRPr lang="en-VN"/>
+          </a:p>
+        </p:txBody>
+      </p:sp>
+    </p:spTree>
+    <p:extLst>
+      <p:ext uri="{BB962C8B-B14F-4D97-AF65-F5344CB8AC3E}">
+        <p14:creationId xmlns:p14="http://schemas.microsoft.com/office/powerpoint/2010/main" val="2672220157"/>
+      </p:ext>
+    </p:extLst>
+  </p:cSld>
+  <p:clrMapOvr>
+    <a:masterClrMapping/>
+  </p:clrMapOvr>
+</p:notes>
+</file>
+
 <file path=ppt/notesSlides/notesSlide2.xml><?xml version="1.0" encoding="utf-8"?>
 <p:notes xmlns:a="http://schemas.openxmlformats.org/drawingml/2006/main" xmlns:r="http://schemas.openxmlformats.org/officeDocument/2006/relationships" xmlns:p="http://schemas.openxmlformats.org/presentationml/2006/main">
   <p:cSld>
@@ -2435,6 +2893,862 @@
     <p:extLst>
       <p:ext uri="{BB962C8B-B14F-4D97-AF65-F5344CB8AC3E}">
         <p14:creationId xmlns:p14="http://schemas.microsoft.com/office/powerpoint/2010/main" val="561855660"/>
+      </p:ext>
+    </p:extLst>
+  </p:cSld>
+  <p:clrMapOvr>
+    <a:masterClrMapping/>
+  </p:clrMapOvr>
+</p:notes>
+</file>
+
+<file path=ppt/notesSlides/notesSlide20.xml><?xml version="1.0" encoding="utf-8"?>
+<p:notes xmlns:a="http://schemas.openxmlformats.org/drawingml/2006/main" xmlns:r="http://schemas.openxmlformats.org/officeDocument/2006/relationships" xmlns:p="http://schemas.openxmlformats.org/presentationml/2006/main">
+  <p:cSld>
+    <p:spTree>
+      <p:nvGrpSpPr>
+        <p:cNvPr id="1" name="">
+          <a:extLst>
+            <a:ext uri="{FF2B5EF4-FFF2-40B4-BE49-F238E27FC236}">
+              <a16:creationId xmlns:a16="http://schemas.microsoft.com/office/drawing/2014/main" id="{26F665C4-4AA2-12C0-6308-02C583030841}"/>
+            </a:ext>
+          </a:extLst>
+        </p:cNvPr>
+        <p:cNvGrpSpPr/>
+        <p:nvPr/>
+      </p:nvGrpSpPr>
+      <p:grpSpPr>
+        <a:xfrm>
+          <a:off x="0" y="0"/>
+          <a:ext cx="0" cy="0"/>
+          <a:chOff x="0" y="0"/>
+          <a:chExt cx="0" cy="0"/>
+        </a:xfrm>
+      </p:grpSpPr>
+      <p:sp>
+        <p:nvSpPr>
+          <p:cNvPr id="2" name="Slide Image Placeholder 1">
+            <a:extLst>
+              <a:ext uri="{FF2B5EF4-FFF2-40B4-BE49-F238E27FC236}">
+                <a16:creationId xmlns:a16="http://schemas.microsoft.com/office/drawing/2014/main" id="{6BC019FF-F826-0DE5-8395-B3A9175E6049}"/>
+              </a:ext>
+            </a:extLst>
+          </p:cNvPr>
+          <p:cNvSpPr>
+            <a:spLocks noGrp="1" noRot="1" noChangeAspect="1"/>
+          </p:cNvSpPr>
+          <p:nvPr>
+            <p:ph type="sldImg"/>
+          </p:nvPr>
+        </p:nvSpPr>
+        <p:spPr/>
+      </p:sp>
+      <p:sp>
+        <p:nvSpPr>
+          <p:cNvPr id="3" name="Notes Placeholder 2">
+            <a:extLst>
+              <a:ext uri="{FF2B5EF4-FFF2-40B4-BE49-F238E27FC236}">
+                <a16:creationId xmlns:a16="http://schemas.microsoft.com/office/drawing/2014/main" id="{BC7935FD-95FA-BC55-FA34-3CE9B1BAD8A5}"/>
+              </a:ext>
+            </a:extLst>
+          </p:cNvPr>
+          <p:cNvSpPr>
+            <a:spLocks noGrp="1"/>
+          </p:cNvSpPr>
+          <p:nvPr>
+            <p:ph type="body" idx="1"/>
+          </p:nvPr>
+        </p:nvSpPr>
+        <p:spPr/>
+        <p:txBody>
+          <a:bodyPr/>
+          <a:lstStyle/>
+          <a:p>
+            <a:endParaRPr lang="en-VN"/>
+          </a:p>
+        </p:txBody>
+      </p:sp>
+      <p:sp>
+        <p:nvSpPr>
+          <p:cNvPr id="4" name="Slide Number Placeholder 3">
+            <a:extLst>
+              <a:ext uri="{FF2B5EF4-FFF2-40B4-BE49-F238E27FC236}">
+                <a16:creationId xmlns:a16="http://schemas.microsoft.com/office/drawing/2014/main" id="{E085CD79-94C9-FB9C-38AE-446DC0EFE65A}"/>
+              </a:ext>
+            </a:extLst>
+          </p:cNvPr>
+          <p:cNvSpPr>
+            <a:spLocks noGrp="1"/>
+          </p:cNvSpPr>
+          <p:nvPr>
+            <p:ph type="sldNum" sz="quarter" idx="5"/>
+          </p:nvPr>
+        </p:nvSpPr>
+        <p:spPr/>
+        <p:txBody>
+          <a:bodyPr/>
+          <a:lstStyle/>
+          <a:p>
+            <a:fld id="{576FF3D1-0F45-2240-9B47-75654C02E24A}" type="slidenum">
+              <a:t>21</a:t>
+            </a:fld>
+            <a:endParaRPr lang="en-VN"/>
+          </a:p>
+        </p:txBody>
+      </p:sp>
+    </p:spTree>
+    <p:extLst>
+      <p:ext uri="{BB962C8B-B14F-4D97-AF65-F5344CB8AC3E}">
+        <p14:creationId xmlns:p14="http://schemas.microsoft.com/office/powerpoint/2010/main" val="4061680530"/>
+      </p:ext>
+    </p:extLst>
+  </p:cSld>
+  <p:clrMapOvr>
+    <a:masterClrMapping/>
+  </p:clrMapOvr>
+</p:notes>
+</file>
+
+<file path=ppt/notesSlides/notesSlide21.xml><?xml version="1.0" encoding="utf-8"?>
+<p:notes xmlns:a="http://schemas.openxmlformats.org/drawingml/2006/main" xmlns:r="http://schemas.openxmlformats.org/officeDocument/2006/relationships" xmlns:p="http://schemas.openxmlformats.org/presentationml/2006/main">
+  <p:cSld>
+    <p:spTree>
+      <p:nvGrpSpPr>
+        <p:cNvPr id="1" name="">
+          <a:extLst>
+            <a:ext uri="{FF2B5EF4-FFF2-40B4-BE49-F238E27FC236}">
+              <a16:creationId xmlns:a16="http://schemas.microsoft.com/office/drawing/2014/main" id="{00B60EF2-D2C1-1C10-AE0B-86F9A36CB994}"/>
+            </a:ext>
+          </a:extLst>
+        </p:cNvPr>
+        <p:cNvGrpSpPr/>
+        <p:nvPr/>
+      </p:nvGrpSpPr>
+      <p:grpSpPr>
+        <a:xfrm>
+          <a:off x="0" y="0"/>
+          <a:ext cx="0" cy="0"/>
+          <a:chOff x="0" y="0"/>
+          <a:chExt cx="0" cy="0"/>
+        </a:xfrm>
+      </p:grpSpPr>
+      <p:sp>
+        <p:nvSpPr>
+          <p:cNvPr id="2" name="Slide Image Placeholder 1">
+            <a:extLst>
+              <a:ext uri="{FF2B5EF4-FFF2-40B4-BE49-F238E27FC236}">
+                <a16:creationId xmlns:a16="http://schemas.microsoft.com/office/drawing/2014/main" id="{1B7657F3-3CE9-2C5E-2B79-21528C11EC82}"/>
+              </a:ext>
+            </a:extLst>
+          </p:cNvPr>
+          <p:cNvSpPr>
+            <a:spLocks noGrp="1" noRot="1" noChangeAspect="1"/>
+          </p:cNvSpPr>
+          <p:nvPr>
+            <p:ph type="sldImg"/>
+          </p:nvPr>
+        </p:nvSpPr>
+        <p:spPr/>
+      </p:sp>
+      <p:sp>
+        <p:nvSpPr>
+          <p:cNvPr id="3" name="Notes Placeholder 2">
+            <a:extLst>
+              <a:ext uri="{FF2B5EF4-FFF2-40B4-BE49-F238E27FC236}">
+                <a16:creationId xmlns:a16="http://schemas.microsoft.com/office/drawing/2014/main" id="{96FBD51F-BCF8-6060-5418-3D0C5BBFDF2A}"/>
+              </a:ext>
+            </a:extLst>
+          </p:cNvPr>
+          <p:cNvSpPr>
+            <a:spLocks noGrp="1"/>
+          </p:cNvSpPr>
+          <p:nvPr>
+            <p:ph type="body" idx="1"/>
+          </p:nvPr>
+        </p:nvSpPr>
+        <p:spPr/>
+        <p:txBody>
+          <a:bodyPr/>
+          <a:lstStyle/>
+          <a:p>
+            <a:endParaRPr lang="en-VN"/>
+          </a:p>
+        </p:txBody>
+      </p:sp>
+      <p:sp>
+        <p:nvSpPr>
+          <p:cNvPr id="4" name="Slide Number Placeholder 3">
+            <a:extLst>
+              <a:ext uri="{FF2B5EF4-FFF2-40B4-BE49-F238E27FC236}">
+                <a16:creationId xmlns:a16="http://schemas.microsoft.com/office/drawing/2014/main" id="{6F80BCD0-CC6C-0897-165D-48A73ED977A1}"/>
+              </a:ext>
+            </a:extLst>
+          </p:cNvPr>
+          <p:cNvSpPr>
+            <a:spLocks noGrp="1"/>
+          </p:cNvSpPr>
+          <p:nvPr>
+            <p:ph type="sldNum" sz="quarter" idx="5"/>
+          </p:nvPr>
+        </p:nvSpPr>
+        <p:spPr/>
+        <p:txBody>
+          <a:bodyPr/>
+          <a:lstStyle/>
+          <a:p>
+            <a:fld id="{576FF3D1-0F45-2240-9B47-75654C02E24A}" type="slidenum">
+              <a:t>22</a:t>
+            </a:fld>
+            <a:endParaRPr lang="en-VN"/>
+          </a:p>
+        </p:txBody>
+      </p:sp>
+    </p:spTree>
+    <p:extLst>
+      <p:ext uri="{BB962C8B-B14F-4D97-AF65-F5344CB8AC3E}">
+        <p14:creationId xmlns:p14="http://schemas.microsoft.com/office/powerpoint/2010/main" val="1203482787"/>
+      </p:ext>
+    </p:extLst>
+  </p:cSld>
+  <p:clrMapOvr>
+    <a:masterClrMapping/>
+  </p:clrMapOvr>
+</p:notes>
+</file>
+
+<file path=ppt/notesSlides/notesSlide22.xml><?xml version="1.0" encoding="utf-8"?>
+<p:notes xmlns:a="http://schemas.openxmlformats.org/drawingml/2006/main" xmlns:r="http://schemas.openxmlformats.org/officeDocument/2006/relationships" xmlns:p="http://schemas.openxmlformats.org/presentationml/2006/main">
+  <p:cSld>
+    <p:spTree>
+      <p:nvGrpSpPr>
+        <p:cNvPr id="1" name="">
+          <a:extLst>
+            <a:ext uri="{FF2B5EF4-FFF2-40B4-BE49-F238E27FC236}">
+              <a16:creationId xmlns:a16="http://schemas.microsoft.com/office/drawing/2014/main" id="{3DE98A8C-3E32-1735-B464-8129C922B2FB}"/>
+            </a:ext>
+          </a:extLst>
+        </p:cNvPr>
+        <p:cNvGrpSpPr/>
+        <p:nvPr/>
+      </p:nvGrpSpPr>
+      <p:grpSpPr>
+        <a:xfrm>
+          <a:off x="0" y="0"/>
+          <a:ext cx="0" cy="0"/>
+          <a:chOff x="0" y="0"/>
+          <a:chExt cx="0" cy="0"/>
+        </a:xfrm>
+      </p:grpSpPr>
+      <p:sp>
+        <p:nvSpPr>
+          <p:cNvPr id="2" name="Slide Image Placeholder 1">
+            <a:extLst>
+              <a:ext uri="{FF2B5EF4-FFF2-40B4-BE49-F238E27FC236}">
+                <a16:creationId xmlns:a16="http://schemas.microsoft.com/office/drawing/2014/main" id="{A0265A26-1429-5FDB-B88A-3B1D8F132748}"/>
+              </a:ext>
+            </a:extLst>
+          </p:cNvPr>
+          <p:cNvSpPr>
+            <a:spLocks noGrp="1" noRot="1" noChangeAspect="1"/>
+          </p:cNvSpPr>
+          <p:nvPr>
+            <p:ph type="sldImg"/>
+          </p:nvPr>
+        </p:nvSpPr>
+        <p:spPr/>
+      </p:sp>
+      <p:sp>
+        <p:nvSpPr>
+          <p:cNvPr id="3" name="Notes Placeholder 2">
+            <a:extLst>
+              <a:ext uri="{FF2B5EF4-FFF2-40B4-BE49-F238E27FC236}">
+                <a16:creationId xmlns:a16="http://schemas.microsoft.com/office/drawing/2014/main" id="{F704D8A0-9382-A925-018E-57ED1B4F4F21}"/>
+              </a:ext>
+            </a:extLst>
+          </p:cNvPr>
+          <p:cNvSpPr>
+            <a:spLocks noGrp="1"/>
+          </p:cNvSpPr>
+          <p:nvPr>
+            <p:ph type="body" idx="1"/>
+          </p:nvPr>
+        </p:nvSpPr>
+        <p:spPr/>
+        <p:txBody>
+          <a:bodyPr/>
+          <a:lstStyle/>
+          <a:p>
+            <a:endParaRPr lang="en-VN"/>
+          </a:p>
+        </p:txBody>
+      </p:sp>
+      <p:sp>
+        <p:nvSpPr>
+          <p:cNvPr id="4" name="Slide Number Placeholder 3">
+            <a:extLst>
+              <a:ext uri="{FF2B5EF4-FFF2-40B4-BE49-F238E27FC236}">
+                <a16:creationId xmlns:a16="http://schemas.microsoft.com/office/drawing/2014/main" id="{2AABF540-5BA4-AF14-BF7E-07517507A430}"/>
+              </a:ext>
+            </a:extLst>
+          </p:cNvPr>
+          <p:cNvSpPr>
+            <a:spLocks noGrp="1"/>
+          </p:cNvSpPr>
+          <p:nvPr>
+            <p:ph type="sldNum" sz="quarter" idx="5"/>
+          </p:nvPr>
+        </p:nvSpPr>
+        <p:spPr/>
+        <p:txBody>
+          <a:bodyPr/>
+          <a:lstStyle/>
+          <a:p>
+            <a:fld id="{576FF3D1-0F45-2240-9B47-75654C02E24A}" type="slidenum">
+              <a:t>23</a:t>
+            </a:fld>
+            <a:endParaRPr lang="en-VN"/>
+          </a:p>
+        </p:txBody>
+      </p:sp>
+    </p:spTree>
+    <p:extLst>
+      <p:ext uri="{BB962C8B-B14F-4D97-AF65-F5344CB8AC3E}">
+        <p14:creationId xmlns:p14="http://schemas.microsoft.com/office/powerpoint/2010/main" val="585238568"/>
+      </p:ext>
+    </p:extLst>
+  </p:cSld>
+  <p:clrMapOvr>
+    <a:masterClrMapping/>
+  </p:clrMapOvr>
+</p:notes>
+</file>
+
+<file path=ppt/notesSlides/notesSlide23.xml><?xml version="1.0" encoding="utf-8"?>
+<p:notes xmlns:a="http://schemas.openxmlformats.org/drawingml/2006/main" xmlns:r="http://schemas.openxmlformats.org/officeDocument/2006/relationships" xmlns:p="http://schemas.openxmlformats.org/presentationml/2006/main">
+  <p:cSld>
+    <p:spTree>
+      <p:nvGrpSpPr>
+        <p:cNvPr id="1" name="">
+          <a:extLst>
+            <a:ext uri="{FF2B5EF4-FFF2-40B4-BE49-F238E27FC236}">
+              <a16:creationId xmlns:a16="http://schemas.microsoft.com/office/drawing/2014/main" id="{F1348036-190E-7655-A4C8-559A91EE9A86}"/>
+            </a:ext>
+          </a:extLst>
+        </p:cNvPr>
+        <p:cNvGrpSpPr/>
+        <p:nvPr/>
+      </p:nvGrpSpPr>
+      <p:grpSpPr>
+        <a:xfrm>
+          <a:off x="0" y="0"/>
+          <a:ext cx="0" cy="0"/>
+          <a:chOff x="0" y="0"/>
+          <a:chExt cx="0" cy="0"/>
+        </a:xfrm>
+      </p:grpSpPr>
+      <p:sp>
+        <p:nvSpPr>
+          <p:cNvPr id="2" name="Slide Image Placeholder 1">
+            <a:extLst>
+              <a:ext uri="{FF2B5EF4-FFF2-40B4-BE49-F238E27FC236}">
+                <a16:creationId xmlns:a16="http://schemas.microsoft.com/office/drawing/2014/main" id="{49D48A3B-0C39-D6E3-E451-560E0DC427F0}"/>
+              </a:ext>
+            </a:extLst>
+          </p:cNvPr>
+          <p:cNvSpPr>
+            <a:spLocks noGrp="1" noRot="1" noChangeAspect="1"/>
+          </p:cNvSpPr>
+          <p:nvPr>
+            <p:ph type="sldImg"/>
+          </p:nvPr>
+        </p:nvSpPr>
+        <p:spPr/>
+      </p:sp>
+      <p:sp>
+        <p:nvSpPr>
+          <p:cNvPr id="3" name="Notes Placeholder 2">
+            <a:extLst>
+              <a:ext uri="{FF2B5EF4-FFF2-40B4-BE49-F238E27FC236}">
+                <a16:creationId xmlns:a16="http://schemas.microsoft.com/office/drawing/2014/main" id="{EC668203-C4AC-EAFE-08CC-BB56FCFB5298}"/>
+              </a:ext>
+            </a:extLst>
+          </p:cNvPr>
+          <p:cNvSpPr>
+            <a:spLocks noGrp="1"/>
+          </p:cNvSpPr>
+          <p:nvPr>
+            <p:ph type="body" idx="1"/>
+          </p:nvPr>
+        </p:nvSpPr>
+        <p:spPr/>
+        <p:txBody>
+          <a:bodyPr/>
+          <a:lstStyle/>
+          <a:p>
+            <a:endParaRPr lang="en-VN"/>
+          </a:p>
+        </p:txBody>
+      </p:sp>
+      <p:sp>
+        <p:nvSpPr>
+          <p:cNvPr id="4" name="Slide Number Placeholder 3">
+            <a:extLst>
+              <a:ext uri="{FF2B5EF4-FFF2-40B4-BE49-F238E27FC236}">
+                <a16:creationId xmlns:a16="http://schemas.microsoft.com/office/drawing/2014/main" id="{1B65D3DF-07DA-D72A-BDDE-B4EF46C1841F}"/>
+              </a:ext>
+            </a:extLst>
+          </p:cNvPr>
+          <p:cNvSpPr>
+            <a:spLocks noGrp="1"/>
+          </p:cNvSpPr>
+          <p:nvPr>
+            <p:ph type="sldNum" sz="quarter" idx="5"/>
+          </p:nvPr>
+        </p:nvSpPr>
+        <p:spPr/>
+        <p:txBody>
+          <a:bodyPr/>
+          <a:lstStyle/>
+          <a:p>
+            <a:fld id="{576FF3D1-0F45-2240-9B47-75654C02E24A}" type="slidenum">
+              <a:t>24</a:t>
+            </a:fld>
+            <a:endParaRPr lang="en-VN"/>
+          </a:p>
+        </p:txBody>
+      </p:sp>
+    </p:spTree>
+    <p:extLst>
+      <p:ext uri="{BB962C8B-B14F-4D97-AF65-F5344CB8AC3E}">
+        <p14:creationId xmlns:p14="http://schemas.microsoft.com/office/powerpoint/2010/main" val="1055832000"/>
+      </p:ext>
+    </p:extLst>
+  </p:cSld>
+  <p:clrMapOvr>
+    <a:masterClrMapping/>
+  </p:clrMapOvr>
+</p:notes>
+</file>
+
+<file path=ppt/notesSlides/notesSlide24.xml><?xml version="1.0" encoding="utf-8"?>
+<p:notes xmlns:a="http://schemas.openxmlformats.org/drawingml/2006/main" xmlns:r="http://schemas.openxmlformats.org/officeDocument/2006/relationships" xmlns:p="http://schemas.openxmlformats.org/presentationml/2006/main">
+  <p:cSld>
+    <p:spTree>
+      <p:nvGrpSpPr>
+        <p:cNvPr id="1" name="">
+          <a:extLst>
+            <a:ext uri="{FF2B5EF4-FFF2-40B4-BE49-F238E27FC236}">
+              <a16:creationId xmlns:a16="http://schemas.microsoft.com/office/drawing/2014/main" id="{BCD3644A-6004-CD94-31BC-5AC2DB96D682}"/>
+            </a:ext>
+          </a:extLst>
+        </p:cNvPr>
+        <p:cNvGrpSpPr/>
+        <p:nvPr/>
+      </p:nvGrpSpPr>
+      <p:grpSpPr>
+        <a:xfrm>
+          <a:off x="0" y="0"/>
+          <a:ext cx="0" cy="0"/>
+          <a:chOff x="0" y="0"/>
+          <a:chExt cx="0" cy="0"/>
+        </a:xfrm>
+      </p:grpSpPr>
+      <p:sp>
+        <p:nvSpPr>
+          <p:cNvPr id="2" name="Slide Image Placeholder 1">
+            <a:extLst>
+              <a:ext uri="{FF2B5EF4-FFF2-40B4-BE49-F238E27FC236}">
+                <a16:creationId xmlns:a16="http://schemas.microsoft.com/office/drawing/2014/main" id="{E67D63AB-558D-9D83-A815-CA800C4C5EFD}"/>
+              </a:ext>
+            </a:extLst>
+          </p:cNvPr>
+          <p:cNvSpPr>
+            <a:spLocks noGrp="1" noRot="1" noChangeAspect="1"/>
+          </p:cNvSpPr>
+          <p:nvPr>
+            <p:ph type="sldImg"/>
+          </p:nvPr>
+        </p:nvSpPr>
+        <p:spPr/>
+      </p:sp>
+      <p:sp>
+        <p:nvSpPr>
+          <p:cNvPr id="3" name="Notes Placeholder 2">
+            <a:extLst>
+              <a:ext uri="{FF2B5EF4-FFF2-40B4-BE49-F238E27FC236}">
+                <a16:creationId xmlns:a16="http://schemas.microsoft.com/office/drawing/2014/main" id="{6AB0C0BA-2C3B-02C4-A2A7-9981A73F9FC9}"/>
+              </a:ext>
+            </a:extLst>
+          </p:cNvPr>
+          <p:cNvSpPr>
+            <a:spLocks noGrp="1"/>
+          </p:cNvSpPr>
+          <p:nvPr>
+            <p:ph type="body" idx="1"/>
+          </p:nvPr>
+        </p:nvSpPr>
+        <p:spPr/>
+        <p:txBody>
+          <a:bodyPr/>
+          <a:lstStyle/>
+          <a:p>
+            <a:endParaRPr lang="en-VN"/>
+          </a:p>
+        </p:txBody>
+      </p:sp>
+      <p:sp>
+        <p:nvSpPr>
+          <p:cNvPr id="4" name="Slide Number Placeholder 3">
+            <a:extLst>
+              <a:ext uri="{FF2B5EF4-FFF2-40B4-BE49-F238E27FC236}">
+                <a16:creationId xmlns:a16="http://schemas.microsoft.com/office/drawing/2014/main" id="{3FC6B220-CD97-92A6-6CFB-6B4404838C91}"/>
+              </a:ext>
+            </a:extLst>
+          </p:cNvPr>
+          <p:cNvSpPr>
+            <a:spLocks noGrp="1"/>
+          </p:cNvSpPr>
+          <p:nvPr>
+            <p:ph type="sldNum" sz="quarter" idx="5"/>
+          </p:nvPr>
+        </p:nvSpPr>
+        <p:spPr/>
+        <p:txBody>
+          <a:bodyPr/>
+          <a:lstStyle/>
+          <a:p>
+            <a:fld id="{576FF3D1-0F45-2240-9B47-75654C02E24A}" type="slidenum">
+              <a:t>25</a:t>
+            </a:fld>
+            <a:endParaRPr lang="en-VN"/>
+          </a:p>
+        </p:txBody>
+      </p:sp>
+    </p:spTree>
+    <p:extLst>
+      <p:ext uri="{BB962C8B-B14F-4D97-AF65-F5344CB8AC3E}">
+        <p14:creationId xmlns:p14="http://schemas.microsoft.com/office/powerpoint/2010/main" val="1206311950"/>
+      </p:ext>
+    </p:extLst>
+  </p:cSld>
+  <p:clrMapOvr>
+    <a:masterClrMapping/>
+  </p:clrMapOvr>
+</p:notes>
+</file>
+
+<file path=ppt/notesSlides/notesSlide25.xml><?xml version="1.0" encoding="utf-8"?>
+<p:notes xmlns:a="http://schemas.openxmlformats.org/drawingml/2006/main" xmlns:r="http://schemas.openxmlformats.org/officeDocument/2006/relationships" xmlns:p="http://schemas.openxmlformats.org/presentationml/2006/main">
+  <p:cSld>
+    <p:spTree>
+      <p:nvGrpSpPr>
+        <p:cNvPr id="1" name="">
+          <a:extLst>
+            <a:ext uri="{FF2B5EF4-FFF2-40B4-BE49-F238E27FC236}">
+              <a16:creationId xmlns:a16="http://schemas.microsoft.com/office/drawing/2014/main" id="{D6DF252D-8476-DC1A-EF7C-B494899A6457}"/>
+            </a:ext>
+          </a:extLst>
+        </p:cNvPr>
+        <p:cNvGrpSpPr/>
+        <p:nvPr/>
+      </p:nvGrpSpPr>
+      <p:grpSpPr>
+        <a:xfrm>
+          <a:off x="0" y="0"/>
+          <a:ext cx="0" cy="0"/>
+          <a:chOff x="0" y="0"/>
+          <a:chExt cx="0" cy="0"/>
+        </a:xfrm>
+      </p:grpSpPr>
+      <p:sp>
+        <p:nvSpPr>
+          <p:cNvPr id="2" name="Slide Image Placeholder 1">
+            <a:extLst>
+              <a:ext uri="{FF2B5EF4-FFF2-40B4-BE49-F238E27FC236}">
+                <a16:creationId xmlns:a16="http://schemas.microsoft.com/office/drawing/2014/main" id="{91D18C40-5245-AA10-DD9C-1690307F9C8B}"/>
+              </a:ext>
+            </a:extLst>
+          </p:cNvPr>
+          <p:cNvSpPr>
+            <a:spLocks noGrp="1" noRot="1" noChangeAspect="1"/>
+          </p:cNvSpPr>
+          <p:nvPr>
+            <p:ph type="sldImg"/>
+          </p:nvPr>
+        </p:nvSpPr>
+        <p:spPr/>
+      </p:sp>
+      <p:sp>
+        <p:nvSpPr>
+          <p:cNvPr id="3" name="Notes Placeholder 2">
+            <a:extLst>
+              <a:ext uri="{FF2B5EF4-FFF2-40B4-BE49-F238E27FC236}">
+                <a16:creationId xmlns:a16="http://schemas.microsoft.com/office/drawing/2014/main" id="{1AC226C5-20FA-6AD6-122E-ED42F567E70C}"/>
+              </a:ext>
+            </a:extLst>
+          </p:cNvPr>
+          <p:cNvSpPr>
+            <a:spLocks noGrp="1"/>
+          </p:cNvSpPr>
+          <p:nvPr>
+            <p:ph type="body" idx="1"/>
+          </p:nvPr>
+        </p:nvSpPr>
+        <p:spPr/>
+        <p:txBody>
+          <a:bodyPr/>
+          <a:lstStyle/>
+          <a:p>
+            <a:endParaRPr lang="en-VN"/>
+          </a:p>
+        </p:txBody>
+      </p:sp>
+      <p:sp>
+        <p:nvSpPr>
+          <p:cNvPr id="4" name="Slide Number Placeholder 3">
+            <a:extLst>
+              <a:ext uri="{FF2B5EF4-FFF2-40B4-BE49-F238E27FC236}">
+                <a16:creationId xmlns:a16="http://schemas.microsoft.com/office/drawing/2014/main" id="{7FA7972B-5555-3EEA-DCAD-BFDF190A3A87}"/>
+              </a:ext>
+            </a:extLst>
+          </p:cNvPr>
+          <p:cNvSpPr>
+            <a:spLocks noGrp="1"/>
+          </p:cNvSpPr>
+          <p:nvPr>
+            <p:ph type="sldNum" sz="quarter" idx="5"/>
+          </p:nvPr>
+        </p:nvSpPr>
+        <p:spPr/>
+        <p:txBody>
+          <a:bodyPr/>
+          <a:lstStyle/>
+          <a:p>
+            <a:fld id="{576FF3D1-0F45-2240-9B47-75654C02E24A}" type="slidenum">
+              <a:t>26</a:t>
+            </a:fld>
+            <a:endParaRPr lang="en-VN"/>
+          </a:p>
+        </p:txBody>
+      </p:sp>
+    </p:spTree>
+    <p:extLst>
+      <p:ext uri="{BB962C8B-B14F-4D97-AF65-F5344CB8AC3E}">
+        <p14:creationId xmlns:p14="http://schemas.microsoft.com/office/powerpoint/2010/main" val="800701685"/>
+      </p:ext>
+    </p:extLst>
+  </p:cSld>
+  <p:clrMapOvr>
+    <a:masterClrMapping/>
+  </p:clrMapOvr>
+</p:notes>
+</file>
+
+<file path=ppt/notesSlides/notesSlide26.xml><?xml version="1.0" encoding="utf-8"?>
+<p:notes xmlns:a="http://schemas.openxmlformats.org/drawingml/2006/main" xmlns:r="http://schemas.openxmlformats.org/officeDocument/2006/relationships" xmlns:p="http://schemas.openxmlformats.org/presentationml/2006/main">
+  <p:cSld>
+    <p:spTree>
+      <p:nvGrpSpPr>
+        <p:cNvPr id="1" name="">
+          <a:extLst>
+            <a:ext uri="{FF2B5EF4-FFF2-40B4-BE49-F238E27FC236}">
+              <a16:creationId xmlns:a16="http://schemas.microsoft.com/office/drawing/2014/main" id="{EA6A801C-B9D9-3E90-DDDA-5B751D0821AB}"/>
+            </a:ext>
+          </a:extLst>
+        </p:cNvPr>
+        <p:cNvGrpSpPr/>
+        <p:nvPr/>
+      </p:nvGrpSpPr>
+      <p:grpSpPr>
+        <a:xfrm>
+          <a:off x="0" y="0"/>
+          <a:ext cx="0" cy="0"/>
+          <a:chOff x="0" y="0"/>
+          <a:chExt cx="0" cy="0"/>
+        </a:xfrm>
+      </p:grpSpPr>
+      <p:sp>
+        <p:nvSpPr>
+          <p:cNvPr id="2" name="Slide Image Placeholder 1">
+            <a:extLst>
+              <a:ext uri="{FF2B5EF4-FFF2-40B4-BE49-F238E27FC236}">
+                <a16:creationId xmlns:a16="http://schemas.microsoft.com/office/drawing/2014/main" id="{17E88891-6E21-2FCC-5DA5-5ABDD5AAD111}"/>
+              </a:ext>
+            </a:extLst>
+          </p:cNvPr>
+          <p:cNvSpPr>
+            <a:spLocks noGrp="1" noRot="1" noChangeAspect="1"/>
+          </p:cNvSpPr>
+          <p:nvPr>
+            <p:ph type="sldImg"/>
+          </p:nvPr>
+        </p:nvSpPr>
+        <p:spPr/>
+      </p:sp>
+      <p:sp>
+        <p:nvSpPr>
+          <p:cNvPr id="3" name="Notes Placeholder 2">
+            <a:extLst>
+              <a:ext uri="{FF2B5EF4-FFF2-40B4-BE49-F238E27FC236}">
+                <a16:creationId xmlns:a16="http://schemas.microsoft.com/office/drawing/2014/main" id="{C60A794D-46DB-CBFE-1C16-BD3EE1A49948}"/>
+              </a:ext>
+            </a:extLst>
+          </p:cNvPr>
+          <p:cNvSpPr>
+            <a:spLocks noGrp="1"/>
+          </p:cNvSpPr>
+          <p:nvPr>
+            <p:ph type="body" idx="1"/>
+          </p:nvPr>
+        </p:nvSpPr>
+        <p:spPr/>
+        <p:txBody>
+          <a:bodyPr/>
+          <a:lstStyle/>
+          <a:p>
+            <a:endParaRPr lang="en-VN"/>
+          </a:p>
+        </p:txBody>
+      </p:sp>
+      <p:sp>
+        <p:nvSpPr>
+          <p:cNvPr id="4" name="Slide Number Placeholder 3">
+            <a:extLst>
+              <a:ext uri="{FF2B5EF4-FFF2-40B4-BE49-F238E27FC236}">
+                <a16:creationId xmlns:a16="http://schemas.microsoft.com/office/drawing/2014/main" id="{92C92C4C-E223-802C-B242-AC8EF7FF4A93}"/>
+              </a:ext>
+            </a:extLst>
+          </p:cNvPr>
+          <p:cNvSpPr>
+            <a:spLocks noGrp="1"/>
+          </p:cNvSpPr>
+          <p:nvPr>
+            <p:ph type="sldNum" sz="quarter" idx="5"/>
+          </p:nvPr>
+        </p:nvSpPr>
+        <p:spPr/>
+        <p:txBody>
+          <a:bodyPr/>
+          <a:lstStyle/>
+          <a:p>
+            <a:fld id="{576FF3D1-0F45-2240-9B47-75654C02E24A}" type="slidenum">
+              <a:t>27</a:t>
+            </a:fld>
+            <a:endParaRPr lang="en-VN"/>
+          </a:p>
+        </p:txBody>
+      </p:sp>
+    </p:spTree>
+    <p:extLst>
+      <p:ext uri="{BB962C8B-B14F-4D97-AF65-F5344CB8AC3E}">
+        <p14:creationId xmlns:p14="http://schemas.microsoft.com/office/powerpoint/2010/main" val="3672361393"/>
+      </p:ext>
+    </p:extLst>
+  </p:cSld>
+  <p:clrMapOvr>
+    <a:masterClrMapping/>
+  </p:clrMapOvr>
+</p:notes>
+</file>
+
+<file path=ppt/notesSlides/notesSlide27.xml><?xml version="1.0" encoding="utf-8"?>
+<p:notes xmlns:a="http://schemas.openxmlformats.org/drawingml/2006/main" xmlns:r="http://schemas.openxmlformats.org/officeDocument/2006/relationships" xmlns:p="http://schemas.openxmlformats.org/presentationml/2006/main">
+  <p:cSld>
+    <p:spTree>
+      <p:nvGrpSpPr>
+        <p:cNvPr id="1" name="">
+          <a:extLst>
+            <a:ext uri="{FF2B5EF4-FFF2-40B4-BE49-F238E27FC236}">
+              <a16:creationId xmlns:a16="http://schemas.microsoft.com/office/drawing/2014/main" id="{1619953C-2C90-BE68-BE4B-E05D008AEE9E}"/>
+            </a:ext>
+          </a:extLst>
+        </p:cNvPr>
+        <p:cNvGrpSpPr/>
+        <p:nvPr/>
+      </p:nvGrpSpPr>
+      <p:grpSpPr>
+        <a:xfrm>
+          <a:off x="0" y="0"/>
+          <a:ext cx="0" cy="0"/>
+          <a:chOff x="0" y="0"/>
+          <a:chExt cx="0" cy="0"/>
+        </a:xfrm>
+      </p:grpSpPr>
+      <p:sp>
+        <p:nvSpPr>
+          <p:cNvPr id="2" name="Slide Image Placeholder 1">
+            <a:extLst>
+              <a:ext uri="{FF2B5EF4-FFF2-40B4-BE49-F238E27FC236}">
+                <a16:creationId xmlns:a16="http://schemas.microsoft.com/office/drawing/2014/main" id="{93C1AAC1-EE3C-B955-65F7-7842844E3744}"/>
+              </a:ext>
+            </a:extLst>
+          </p:cNvPr>
+          <p:cNvSpPr>
+            <a:spLocks noGrp="1" noRot="1" noChangeAspect="1"/>
+          </p:cNvSpPr>
+          <p:nvPr>
+            <p:ph type="sldImg"/>
+          </p:nvPr>
+        </p:nvSpPr>
+        <p:spPr/>
+      </p:sp>
+      <p:sp>
+        <p:nvSpPr>
+          <p:cNvPr id="3" name="Notes Placeholder 2">
+            <a:extLst>
+              <a:ext uri="{FF2B5EF4-FFF2-40B4-BE49-F238E27FC236}">
+                <a16:creationId xmlns:a16="http://schemas.microsoft.com/office/drawing/2014/main" id="{58458312-63C6-6D27-950B-4EBEEA5996B2}"/>
+              </a:ext>
+            </a:extLst>
+          </p:cNvPr>
+          <p:cNvSpPr>
+            <a:spLocks noGrp="1"/>
+          </p:cNvSpPr>
+          <p:nvPr>
+            <p:ph type="body" idx="1"/>
+          </p:nvPr>
+        </p:nvSpPr>
+        <p:spPr/>
+        <p:txBody>
+          <a:bodyPr/>
+          <a:lstStyle/>
+          <a:p>
+            <a:endParaRPr lang="en-VN"/>
+          </a:p>
+        </p:txBody>
+      </p:sp>
+      <p:sp>
+        <p:nvSpPr>
+          <p:cNvPr id="4" name="Slide Number Placeholder 3">
+            <a:extLst>
+              <a:ext uri="{FF2B5EF4-FFF2-40B4-BE49-F238E27FC236}">
+                <a16:creationId xmlns:a16="http://schemas.microsoft.com/office/drawing/2014/main" id="{D2CA742A-6868-11FD-A1C7-1655D8A4BE0F}"/>
+              </a:ext>
+            </a:extLst>
+          </p:cNvPr>
+          <p:cNvSpPr>
+            <a:spLocks noGrp="1"/>
+          </p:cNvSpPr>
+          <p:nvPr>
+            <p:ph type="sldNum" sz="quarter" idx="5"/>
+          </p:nvPr>
+        </p:nvSpPr>
+        <p:spPr/>
+        <p:txBody>
+          <a:bodyPr/>
+          <a:lstStyle/>
+          <a:p>
+            <a:fld id="{576FF3D1-0F45-2240-9B47-75654C02E24A}" type="slidenum">
+              <a:t>28</a:t>
+            </a:fld>
+            <a:endParaRPr lang="en-VN"/>
+          </a:p>
+        </p:txBody>
+      </p:sp>
+    </p:spTree>
+    <p:extLst>
+      <p:ext uri="{BB962C8B-B14F-4D97-AF65-F5344CB8AC3E}">
+        <p14:creationId xmlns:p14="http://schemas.microsoft.com/office/powerpoint/2010/main" val="4102561433"/>
       </p:ext>
     </p:extLst>
   </p:cSld>
@@ -3391,7 +4705,7 @@
           <a:p>
             <a:fld id="{BAA8DE05-51EE-4692-B197-877FA1DAAAED}" type="datetimeFigureOut">
               <a:rPr lang="en-US" smtClean="0"/>
-              <a:t>11/26/24</a:t>
+              <a:t>11/27/24</a:t>
             </a:fld>
             <a:endParaRPr lang="en-US"/>
           </a:p>
@@ -3589,7 +4903,7 @@
           <a:p>
             <a:fld id="{BAA8DE05-51EE-4692-B197-877FA1DAAAED}" type="datetimeFigureOut">
               <a:rPr lang="en-US" smtClean="0"/>
-              <a:t>11/26/24</a:t>
+              <a:t>11/27/24</a:t>
             </a:fld>
             <a:endParaRPr lang="en-US"/>
           </a:p>
@@ -3797,7 +5111,7 @@
           <a:p>
             <a:fld id="{BAA8DE05-51EE-4692-B197-877FA1DAAAED}" type="datetimeFigureOut">
               <a:rPr lang="en-US" smtClean="0"/>
-              <a:t>11/26/24</a:t>
+              <a:t>11/27/24</a:t>
             </a:fld>
             <a:endParaRPr lang="en-US"/>
           </a:p>
@@ -3995,7 +5309,7 @@
           <a:p>
             <a:fld id="{BAA8DE05-51EE-4692-B197-877FA1DAAAED}" type="datetimeFigureOut">
               <a:rPr lang="en-US" smtClean="0"/>
-              <a:t>11/26/24</a:t>
+              <a:t>11/27/24</a:t>
             </a:fld>
             <a:endParaRPr lang="en-US"/>
           </a:p>
@@ -4270,7 +5584,7 @@
           <a:p>
             <a:fld id="{BAA8DE05-51EE-4692-B197-877FA1DAAAED}" type="datetimeFigureOut">
               <a:rPr lang="en-US" smtClean="0"/>
-              <a:t>11/26/24</a:t>
+              <a:t>11/27/24</a:t>
             </a:fld>
             <a:endParaRPr lang="en-US"/>
           </a:p>
@@ -4535,7 +5849,7 @@
           <a:p>
             <a:fld id="{BAA8DE05-51EE-4692-B197-877FA1DAAAED}" type="datetimeFigureOut">
               <a:rPr lang="en-US" smtClean="0"/>
-              <a:t>11/26/24</a:t>
+              <a:t>11/27/24</a:t>
             </a:fld>
             <a:endParaRPr lang="en-US"/>
           </a:p>
@@ -4947,7 +6261,7 @@
           <a:p>
             <a:fld id="{BAA8DE05-51EE-4692-B197-877FA1DAAAED}" type="datetimeFigureOut">
               <a:rPr lang="en-US" smtClean="0"/>
-              <a:t>11/26/24</a:t>
+              <a:t>11/27/24</a:t>
             </a:fld>
             <a:endParaRPr lang="en-US"/>
           </a:p>
@@ -5088,7 +6402,7 @@
           <a:p>
             <a:fld id="{BAA8DE05-51EE-4692-B197-877FA1DAAAED}" type="datetimeFigureOut">
               <a:rPr lang="en-US" smtClean="0"/>
-              <a:t>11/26/24</a:t>
+              <a:t>11/27/24</a:t>
             </a:fld>
             <a:endParaRPr lang="en-US"/>
           </a:p>
@@ -5201,7 +6515,7 @@
           <a:p>
             <a:fld id="{BAA8DE05-51EE-4692-B197-877FA1DAAAED}" type="datetimeFigureOut">
               <a:rPr lang="en-US" smtClean="0"/>
-              <a:t>11/26/24</a:t>
+              <a:t>11/27/24</a:t>
             </a:fld>
             <a:endParaRPr lang="en-US"/>
           </a:p>
@@ -5512,7 +6826,7 @@
           <a:p>
             <a:fld id="{BAA8DE05-51EE-4692-B197-877FA1DAAAED}" type="datetimeFigureOut">
               <a:rPr lang="en-US" smtClean="0"/>
-              <a:t>11/26/24</a:t>
+              <a:t>11/27/24</a:t>
             </a:fld>
             <a:endParaRPr lang="en-US"/>
           </a:p>
@@ -5800,7 +7114,7 @@
           <a:p>
             <a:fld id="{BAA8DE05-51EE-4692-B197-877FA1DAAAED}" type="datetimeFigureOut">
               <a:rPr lang="en-US" smtClean="0"/>
-              <a:t>11/26/24</a:t>
+              <a:t>11/27/24</a:t>
             </a:fld>
             <a:endParaRPr lang="en-US"/>
           </a:p>
@@ -6041,7 +7355,7 @@
           <a:p>
             <a:fld id="{BAA8DE05-51EE-4692-B197-877FA1DAAAED}" type="datetimeFigureOut">
               <a:rPr lang="en-US" smtClean="0"/>
-              <a:t>11/26/24</a:t>
+              <a:t>11/27/24</a:t>
             </a:fld>
             <a:endParaRPr lang="en-US"/>
           </a:p>
@@ -12328,6 +13642,12 @@
               </a:rPr>
               <a:t>- For example, there are many ways to ... ages of a ... and a .... If we want to create a method that accept a ... (such as age()) as a ... =&gt; We must create 2 ... and create 2 ... methods for each of the .... However with lambda, we just need the ... to ... the ages to be passed in as a ....</a:t>
             </a:r>
+            <a:r>
+              <a:rPr lang="en-US" sz="1800" b="1" i="1">
+                <a:sym typeface="Wingdings" pitchFamily="2" charset="2"/>
+              </a:rPr>
+              <a:t> (require verification on this explanation, Q1)</a:t>
+            </a:r>
           </a:p>
           <a:p>
             <a:pPr algn="l"/>
@@ -12344,7 +13664,43 @@
               <a:rPr lang="en-US" sz="1800">
                 <a:sym typeface="Wingdings" pitchFamily="2" charset="2"/>
               </a:rPr>
-              <a:t>- Although we will mention about</a:t>
+              <a:t>- Although we will mention about interface later, but now we will assume that interface is ... </a:t>
+            </a:r>
+          </a:p>
+          <a:p>
+            <a:pPr algn="l"/>
+            <a:r>
+              <a:rPr lang="en-US" sz="1800">
+                <a:sym typeface="Wingdings" pitchFamily="2" charset="2"/>
+              </a:rPr>
+              <a:t>- The method print() is ... =&gt; ... design because it doesn't care about which type of ... we are ... right now. However, if we want to check if the ... can ..., we have to create another ... and another ... =&gt; ... design</a:t>
+            </a:r>
+          </a:p>
+          <a:p>
+            <a:pPr algn="l"/>
+            <a:r>
+              <a:rPr lang="en-US" sz="1800">
+                <a:sym typeface="Wingdings" pitchFamily="2" charset="2"/>
+              </a:rPr>
+              <a:t>– Instead, why can't we just specify the ... =&gt; We can do it using lambda</a:t>
+            </a:r>
+          </a:p>
+          <a:p>
+            <a:pPr algn="l"/>
+            <a:r>
+              <a:rPr lang="en-US" sz="1800">
+                <a:sym typeface="Wingdings" pitchFamily="2" charset="2"/>
+              </a:rPr>
+              <a:t>(code illustration snippet 40)</a:t>
+            </a:r>
+          </a:p>
+          <a:p>
+            <a:pPr algn="l"/>
+            <a:r>
+              <a:rPr lang="en-US" sz="1800">
+                <a:sym typeface="Wingdings" pitchFamily="2" charset="2"/>
+              </a:rPr>
+              <a:t>- If we can do this with ..., why can't we do with others ? (code illustration snippet 41) </a:t>
             </a:r>
           </a:p>
         </p:txBody>
@@ -12788,6 +14144,676 @@
                                           <p:spTgt spid="4">
                                             <p:txEl>
                                               <p:pRg st="8" end="8"/>
+                                            </p:txEl>
+                                          </p:spTgt>
+                                        </p:tgtEl>
+                                        <p:attrNameLst>
+                                          <p:attrName>style.visibility</p:attrName>
+                                        </p:attrNameLst>
+                                      </p:cBhvr>
+                                      <p:to>
+                                        <p:strVal val="visible"/>
+                                      </p:to>
+                                    </p:set>
+                                  </p:childTnLst>
+                                </p:cTn>
+                              </p:par>
+                            </p:childTnLst>
+                          </p:cTn>
+                        </p:par>
+                      </p:childTnLst>
+                    </p:cTn>
+                  </p:par>
+                  <p:par>
+                    <p:cTn id="39" fill="hold">
+                      <p:stCondLst>
+                        <p:cond delay="indefinite"/>
+                      </p:stCondLst>
+                      <p:childTnLst>
+                        <p:par>
+                          <p:cTn id="40" fill="hold">
+                            <p:stCondLst>
+                              <p:cond delay="0"/>
+                            </p:stCondLst>
+                            <p:childTnLst>
+                              <p:par>
+                                <p:cTn id="41" presetID="1" presetClass="entr" presetSubtype="0" fill="hold" nodeType="clickEffect">
+                                  <p:stCondLst>
+                                    <p:cond delay="0"/>
+                                  </p:stCondLst>
+                                  <p:childTnLst>
+                                    <p:set>
+                                      <p:cBhvr>
+                                        <p:cTn id="42" dur="1" fill="hold">
+                                          <p:stCondLst>
+                                            <p:cond delay="0"/>
+                                          </p:stCondLst>
+                                        </p:cTn>
+                                        <p:tgtEl>
+                                          <p:spTgt spid="4">
+                                            <p:txEl>
+                                              <p:pRg st="9" end="9"/>
+                                            </p:txEl>
+                                          </p:spTgt>
+                                        </p:tgtEl>
+                                        <p:attrNameLst>
+                                          <p:attrName>style.visibility</p:attrName>
+                                        </p:attrNameLst>
+                                      </p:cBhvr>
+                                      <p:to>
+                                        <p:strVal val="visible"/>
+                                      </p:to>
+                                    </p:set>
+                                  </p:childTnLst>
+                                </p:cTn>
+                              </p:par>
+                            </p:childTnLst>
+                          </p:cTn>
+                        </p:par>
+                      </p:childTnLst>
+                    </p:cTn>
+                  </p:par>
+                  <p:par>
+                    <p:cTn id="43" fill="hold">
+                      <p:stCondLst>
+                        <p:cond delay="indefinite"/>
+                      </p:stCondLst>
+                      <p:childTnLst>
+                        <p:par>
+                          <p:cTn id="44" fill="hold">
+                            <p:stCondLst>
+                              <p:cond delay="0"/>
+                            </p:stCondLst>
+                            <p:childTnLst>
+                              <p:par>
+                                <p:cTn id="45" presetID="1" presetClass="entr" presetSubtype="0" fill="hold" nodeType="clickEffect">
+                                  <p:stCondLst>
+                                    <p:cond delay="0"/>
+                                  </p:stCondLst>
+                                  <p:childTnLst>
+                                    <p:set>
+                                      <p:cBhvr>
+                                        <p:cTn id="46" dur="1" fill="hold">
+                                          <p:stCondLst>
+                                            <p:cond delay="0"/>
+                                          </p:stCondLst>
+                                        </p:cTn>
+                                        <p:tgtEl>
+                                          <p:spTgt spid="4">
+                                            <p:txEl>
+                                              <p:pRg st="10" end="10"/>
+                                            </p:txEl>
+                                          </p:spTgt>
+                                        </p:tgtEl>
+                                        <p:attrNameLst>
+                                          <p:attrName>style.visibility</p:attrName>
+                                        </p:attrNameLst>
+                                      </p:cBhvr>
+                                      <p:to>
+                                        <p:strVal val="visible"/>
+                                      </p:to>
+                                    </p:set>
+                                  </p:childTnLst>
+                                </p:cTn>
+                              </p:par>
+                            </p:childTnLst>
+                          </p:cTn>
+                        </p:par>
+                      </p:childTnLst>
+                    </p:cTn>
+                  </p:par>
+                  <p:par>
+                    <p:cTn id="47" fill="hold">
+                      <p:stCondLst>
+                        <p:cond delay="indefinite"/>
+                      </p:stCondLst>
+                      <p:childTnLst>
+                        <p:par>
+                          <p:cTn id="48" fill="hold">
+                            <p:stCondLst>
+                              <p:cond delay="0"/>
+                            </p:stCondLst>
+                            <p:childTnLst>
+                              <p:par>
+                                <p:cTn id="49" presetID="1" presetClass="entr" presetSubtype="0" fill="hold" nodeType="clickEffect">
+                                  <p:stCondLst>
+                                    <p:cond delay="0"/>
+                                  </p:stCondLst>
+                                  <p:childTnLst>
+                                    <p:set>
+                                      <p:cBhvr>
+                                        <p:cTn id="50" dur="1" fill="hold">
+                                          <p:stCondLst>
+                                            <p:cond delay="0"/>
+                                          </p:stCondLst>
+                                        </p:cTn>
+                                        <p:tgtEl>
+                                          <p:spTgt spid="4">
+                                            <p:txEl>
+                                              <p:pRg st="11" end="11"/>
+                                            </p:txEl>
+                                          </p:spTgt>
+                                        </p:tgtEl>
+                                        <p:attrNameLst>
+                                          <p:attrName>style.visibility</p:attrName>
+                                        </p:attrNameLst>
+                                      </p:cBhvr>
+                                      <p:to>
+                                        <p:strVal val="visible"/>
+                                      </p:to>
+                                    </p:set>
+                                  </p:childTnLst>
+                                </p:cTn>
+                              </p:par>
+                            </p:childTnLst>
+                          </p:cTn>
+                        </p:par>
+                      </p:childTnLst>
+                    </p:cTn>
+                  </p:par>
+                  <p:par>
+                    <p:cTn id="51" fill="hold">
+                      <p:stCondLst>
+                        <p:cond delay="indefinite"/>
+                      </p:stCondLst>
+                      <p:childTnLst>
+                        <p:par>
+                          <p:cTn id="52" fill="hold">
+                            <p:stCondLst>
+                              <p:cond delay="0"/>
+                            </p:stCondLst>
+                            <p:childTnLst>
+                              <p:par>
+                                <p:cTn id="53" presetID="1" presetClass="entr" presetSubtype="0" fill="hold" nodeType="clickEffect">
+                                  <p:stCondLst>
+                                    <p:cond delay="0"/>
+                                  </p:stCondLst>
+                                  <p:childTnLst>
+                                    <p:set>
+                                      <p:cBhvr>
+                                        <p:cTn id="54" dur="1" fill="hold">
+                                          <p:stCondLst>
+                                            <p:cond delay="0"/>
+                                          </p:stCondLst>
+                                        </p:cTn>
+                                        <p:tgtEl>
+                                          <p:spTgt spid="4">
+                                            <p:txEl>
+                                              <p:pRg st="12" end="12"/>
+                                            </p:txEl>
+                                          </p:spTgt>
+                                        </p:tgtEl>
+                                        <p:attrNameLst>
+                                          <p:attrName>style.visibility</p:attrName>
+                                        </p:attrNameLst>
+                                      </p:cBhvr>
+                                      <p:to>
+                                        <p:strVal val="visible"/>
+                                      </p:to>
+                                    </p:set>
+                                  </p:childTnLst>
+                                </p:cTn>
+                              </p:par>
+                            </p:childTnLst>
+                          </p:cTn>
+                        </p:par>
+                      </p:childTnLst>
+                    </p:cTn>
+                  </p:par>
+                </p:childTnLst>
+              </p:cTn>
+              <p:prevCondLst>
+                <p:cond evt="onPrev" delay="0">
+                  <p:tgtEl>
+                    <p:sldTgt/>
+                  </p:tgtEl>
+                </p:cond>
+              </p:prevCondLst>
+              <p:nextCondLst>
+                <p:cond evt="onNext" delay="0">
+                  <p:tgtEl>
+                    <p:sldTgt/>
+                  </p:tgtEl>
+                </p:cond>
+              </p:nextCondLst>
+            </p:seq>
+          </p:childTnLst>
+        </p:cTn>
+      </p:par>
+    </p:tnLst>
+  </p:timing>
+</p:sld>
+</file>
+
+<file path=ppt/slides/slide19.xml><?xml version="1.0" encoding="utf-8"?>
+<p:sld xmlns:a="http://schemas.openxmlformats.org/drawingml/2006/main" xmlns:r="http://schemas.openxmlformats.org/officeDocument/2006/relationships" xmlns:p="http://schemas.openxmlformats.org/presentationml/2006/main">
+  <p:cSld>
+    <p:spTree>
+      <p:nvGrpSpPr>
+        <p:cNvPr id="1" name="">
+          <a:extLst>
+            <a:ext uri="{FF2B5EF4-FFF2-40B4-BE49-F238E27FC236}">
+              <a16:creationId xmlns:a16="http://schemas.microsoft.com/office/drawing/2014/main" id="{2F63270F-EC1F-3EB2-7B33-E645CAA4EB73}"/>
+            </a:ext>
+          </a:extLst>
+        </p:cNvPr>
+        <p:cNvGrpSpPr/>
+        <p:nvPr/>
+      </p:nvGrpSpPr>
+      <p:grpSpPr>
+        <a:xfrm>
+          <a:off x="0" y="0"/>
+          <a:ext cx="0" cy="0"/>
+          <a:chOff x="0" y="0"/>
+          <a:chExt cx="0" cy="0"/>
+        </a:xfrm>
+      </p:grpSpPr>
+      <p:sp>
+        <p:nvSpPr>
+          <p:cNvPr id="3" name="Subtitle 2">
+            <a:extLst>
+              <a:ext uri="{FF2B5EF4-FFF2-40B4-BE49-F238E27FC236}">
+                <a16:creationId xmlns:a16="http://schemas.microsoft.com/office/drawing/2014/main" id="{E51C9AAA-C498-A792-8208-1E43AC7476BB}"/>
+              </a:ext>
+            </a:extLst>
+          </p:cNvPr>
+          <p:cNvSpPr>
+            <a:spLocks noGrp="1"/>
+          </p:cNvSpPr>
+          <p:nvPr>
+            <p:ph type="subTitle" idx="1"/>
+          </p:nvPr>
+        </p:nvSpPr>
+        <p:spPr>
+          <a:xfrm>
+            <a:off x="152399" y="217488"/>
+            <a:ext cx="11223171" cy="303212"/>
+          </a:xfrm>
+        </p:spPr>
+        <p:txBody>
+          <a:bodyPr>
+            <a:normAutofit fontScale="92500" lnSpcReduction="20000"/>
+          </a:bodyPr>
+          <a:lstStyle/>
+          <a:p>
+            <a:r>
+              <a:rPr lang="en-US" sz="1800" b="1"/>
+              <a:t>Writing simple lambda</a:t>
+            </a:r>
+          </a:p>
+        </p:txBody>
+      </p:sp>
+      <p:sp>
+        <p:nvSpPr>
+          <p:cNvPr id="4" name="Subtitle 2">
+            <a:extLst>
+              <a:ext uri="{FF2B5EF4-FFF2-40B4-BE49-F238E27FC236}">
+                <a16:creationId xmlns:a16="http://schemas.microsoft.com/office/drawing/2014/main" id="{0CF8833F-7219-85EE-86E0-63A7F6AEA81C}"/>
+              </a:ext>
+            </a:extLst>
+          </p:cNvPr>
+          <p:cNvSpPr txBox="1">
+            <a:spLocks/>
+          </p:cNvSpPr>
+          <p:nvPr/>
+        </p:nvSpPr>
+        <p:spPr>
+          <a:xfrm>
+            <a:off x="0" y="820738"/>
+            <a:ext cx="12192000" cy="6037262"/>
+          </a:xfrm>
+          <a:prstGeom prst="rect">
+            <a:avLst/>
+          </a:prstGeom>
+        </p:spPr>
+        <p:txBody>
+          <a:bodyPr vert="horz" lIns="91440" tIns="45720" rIns="91440" bIns="45720" rtlCol="0">
+            <a:normAutofit/>
+          </a:bodyPr>
+          <a:lstStyle>
+            <a:lvl1pPr marL="0" indent="0" algn="ctr" defTabSz="914400" rtl="0" eaLnBrk="1" latinLnBrk="0" hangingPunct="1">
+              <a:lnSpc>
+                <a:spcPct val="90000"/>
+              </a:lnSpc>
+              <a:spcBef>
+                <a:spcPts val="1000"/>
+              </a:spcBef>
+              <a:buFont typeface="Arial" panose="020B0604020202020204" pitchFamily="34" charset="0"/>
+              <a:buNone/>
+              <a:defRPr sz="2400" kern="1200">
+                <a:solidFill>
+                  <a:schemeClr val="tx1"/>
+                </a:solidFill>
+                <a:latin typeface="+mn-lt"/>
+                <a:ea typeface="+mn-ea"/>
+                <a:cs typeface="+mn-cs"/>
+              </a:defRPr>
+            </a:lvl1pPr>
+            <a:lvl2pPr marL="457200" indent="0" algn="ctr" defTabSz="914400" rtl="0" eaLnBrk="1" latinLnBrk="0" hangingPunct="1">
+              <a:lnSpc>
+                <a:spcPct val="90000"/>
+              </a:lnSpc>
+              <a:spcBef>
+                <a:spcPts val="500"/>
+              </a:spcBef>
+              <a:buFont typeface="Arial" panose="020B0604020202020204" pitchFamily="34" charset="0"/>
+              <a:buNone/>
+              <a:defRPr sz="2000" kern="1200">
+                <a:solidFill>
+                  <a:schemeClr val="tx1"/>
+                </a:solidFill>
+                <a:latin typeface="+mn-lt"/>
+                <a:ea typeface="+mn-ea"/>
+                <a:cs typeface="+mn-cs"/>
+              </a:defRPr>
+            </a:lvl2pPr>
+            <a:lvl3pPr marL="914400" indent="0" algn="ctr" defTabSz="914400" rtl="0" eaLnBrk="1" latinLnBrk="0" hangingPunct="1">
+              <a:lnSpc>
+                <a:spcPct val="90000"/>
+              </a:lnSpc>
+              <a:spcBef>
+                <a:spcPts val="500"/>
+              </a:spcBef>
+              <a:buFont typeface="Arial" panose="020B0604020202020204" pitchFamily="34" charset="0"/>
+              <a:buNone/>
+              <a:defRPr sz="1800" kern="1200">
+                <a:solidFill>
+                  <a:schemeClr val="tx1"/>
+                </a:solidFill>
+                <a:latin typeface="+mn-lt"/>
+                <a:ea typeface="+mn-ea"/>
+                <a:cs typeface="+mn-cs"/>
+              </a:defRPr>
+            </a:lvl3pPr>
+            <a:lvl4pPr marL="1371600" indent="0" algn="ctr" defTabSz="914400" rtl="0" eaLnBrk="1" latinLnBrk="0" hangingPunct="1">
+              <a:lnSpc>
+                <a:spcPct val="90000"/>
+              </a:lnSpc>
+              <a:spcBef>
+                <a:spcPts val="500"/>
+              </a:spcBef>
+              <a:buFont typeface="Arial" panose="020B0604020202020204" pitchFamily="34" charset="0"/>
+              <a:buNone/>
+              <a:defRPr sz="1600" kern="1200">
+                <a:solidFill>
+                  <a:schemeClr val="tx1"/>
+                </a:solidFill>
+                <a:latin typeface="+mn-lt"/>
+                <a:ea typeface="+mn-ea"/>
+                <a:cs typeface="+mn-cs"/>
+              </a:defRPr>
+            </a:lvl4pPr>
+            <a:lvl5pPr marL="1828800" indent="0" algn="ctr" defTabSz="914400" rtl="0" eaLnBrk="1" latinLnBrk="0" hangingPunct="1">
+              <a:lnSpc>
+                <a:spcPct val="90000"/>
+              </a:lnSpc>
+              <a:spcBef>
+                <a:spcPts val="500"/>
+              </a:spcBef>
+              <a:buFont typeface="Arial" panose="020B0604020202020204" pitchFamily="34" charset="0"/>
+              <a:buNone/>
+              <a:defRPr sz="1600" kern="1200">
+                <a:solidFill>
+                  <a:schemeClr val="tx1"/>
+                </a:solidFill>
+                <a:latin typeface="+mn-lt"/>
+                <a:ea typeface="+mn-ea"/>
+                <a:cs typeface="+mn-cs"/>
+              </a:defRPr>
+            </a:lvl5pPr>
+            <a:lvl6pPr marL="2286000" indent="0" algn="ctr" defTabSz="914400" rtl="0" eaLnBrk="1" latinLnBrk="0" hangingPunct="1">
+              <a:lnSpc>
+                <a:spcPct val="90000"/>
+              </a:lnSpc>
+              <a:spcBef>
+                <a:spcPts val="500"/>
+              </a:spcBef>
+              <a:buFont typeface="Arial" panose="020B0604020202020204" pitchFamily="34" charset="0"/>
+              <a:buNone/>
+              <a:defRPr sz="1600" kern="1200">
+                <a:solidFill>
+                  <a:schemeClr val="tx1"/>
+                </a:solidFill>
+                <a:latin typeface="+mn-lt"/>
+                <a:ea typeface="+mn-ea"/>
+                <a:cs typeface="+mn-cs"/>
+              </a:defRPr>
+            </a:lvl6pPr>
+            <a:lvl7pPr marL="2743200" indent="0" algn="ctr" defTabSz="914400" rtl="0" eaLnBrk="1" latinLnBrk="0" hangingPunct="1">
+              <a:lnSpc>
+                <a:spcPct val="90000"/>
+              </a:lnSpc>
+              <a:spcBef>
+                <a:spcPts val="500"/>
+              </a:spcBef>
+              <a:buFont typeface="Arial" panose="020B0604020202020204" pitchFamily="34" charset="0"/>
+              <a:buNone/>
+              <a:defRPr sz="1600" kern="1200">
+                <a:solidFill>
+                  <a:schemeClr val="tx1"/>
+                </a:solidFill>
+                <a:latin typeface="+mn-lt"/>
+                <a:ea typeface="+mn-ea"/>
+                <a:cs typeface="+mn-cs"/>
+              </a:defRPr>
+            </a:lvl7pPr>
+            <a:lvl8pPr marL="3200400" indent="0" algn="ctr" defTabSz="914400" rtl="0" eaLnBrk="1" latinLnBrk="0" hangingPunct="1">
+              <a:lnSpc>
+                <a:spcPct val="90000"/>
+              </a:lnSpc>
+              <a:spcBef>
+                <a:spcPts val="500"/>
+              </a:spcBef>
+              <a:buFont typeface="Arial" panose="020B0604020202020204" pitchFamily="34" charset="0"/>
+              <a:buNone/>
+              <a:defRPr sz="1600" kern="1200">
+                <a:solidFill>
+                  <a:schemeClr val="tx1"/>
+                </a:solidFill>
+                <a:latin typeface="+mn-lt"/>
+                <a:ea typeface="+mn-ea"/>
+                <a:cs typeface="+mn-cs"/>
+              </a:defRPr>
+            </a:lvl8pPr>
+            <a:lvl9pPr marL="3657600" indent="0" algn="ctr" defTabSz="914400" rtl="0" eaLnBrk="1" latinLnBrk="0" hangingPunct="1">
+              <a:lnSpc>
+                <a:spcPct val="90000"/>
+              </a:lnSpc>
+              <a:spcBef>
+                <a:spcPts val="500"/>
+              </a:spcBef>
+              <a:buFont typeface="Arial" panose="020B0604020202020204" pitchFamily="34" charset="0"/>
+              <a:buNone/>
+              <a:defRPr sz="1600" kern="1200">
+                <a:solidFill>
+                  <a:schemeClr val="tx1"/>
+                </a:solidFill>
+                <a:latin typeface="+mn-lt"/>
+                <a:ea typeface="+mn-ea"/>
+                <a:cs typeface="+mn-cs"/>
+              </a:defRPr>
+            </a:lvl9pPr>
+          </a:lstStyle>
+          <a:p>
+            <a:pPr algn="l"/>
+            <a:r>
+              <a:rPr lang="en-US" sz="1800">
+                <a:sym typeface="Wingdings" pitchFamily="2" charset="2"/>
+              </a:rPr>
+              <a:t>- Lambda use a special concept called .... It means that when Java detect a ... call inside another ... call =&gt; it will call the ... one. However, with ..., the ... one won't be called unless the ... one get called</a:t>
+            </a:r>
+          </a:p>
+          <a:p>
+            <a:pPr algn="l"/>
+            <a:r>
+              <a:rPr lang="en-US" sz="1800">
+                <a:sym typeface="Wingdings" pitchFamily="2" charset="2"/>
+              </a:rPr>
+              <a:t>=&gt; The order of lambda execution is: </a:t>
+            </a:r>
+          </a:p>
+          <a:p>
+            <a:pPr algn="l"/>
+            <a:r>
+              <a:rPr lang="en-US" sz="1800">
+                <a:sym typeface="Wingdings" pitchFamily="2" charset="2"/>
+              </a:rPr>
+              <a:t>... get called -&gt; the ... method inside the ... get called =&gt; it will refer to the ... passed in as ... (ask teacher to verify this) </a:t>
+            </a:r>
+          </a:p>
+          <a:p>
+            <a:pPr algn="l"/>
+            <a:endParaRPr lang="en-US" sz="1800">
+              <a:sym typeface="Wingdings" pitchFamily="2" charset="2"/>
+            </a:endParaRPr>
+          </a:p>
+        </p:txBody>
+      </p:sp>
+    </p:spTree>
+    <p:extLst>
+      <p:ext uri="{BB962C8B-B14F-4D97-AF65-F5344CB8AC3E}">
+        <p14:creationId xmlns:p14="http://schemas.microsoft.com/office/powerpoint/2010/main" val="119991096"/>
+      </p:ext>
+    </p:extLst>
+  </p:cSld>
+  <p:clrMapOvr>
+    <a:masterClrMapping/>
+  </p:clrMapOvr>
+  <p:timing>
+    <p:tnLst>
+      <p:par>
+        <p:cTn id="1" dur="indefinite" restart="never" nodeType="tmRoot">
+          <p:childTnLst>
+            <p:seq concurrent="1" nextAc="seek">
+              <p:cTn id="2" dur="indefinite" nodeType="mainSeq">
+                <p:childTnLst>
+                  <p:par>
+                    <p:cTn id="3" fill="hold">
+                      <p:stCondLst>
+                        <p:cond delay="indefinite"/>
+                      </p:stCondLst>
+                      <p:childTnLst>
+                        <p:par>
+                          <p:cTn id="4" fill="hold">
+                            <p:stCondLst>
+                              <p:cond delay="0"/>
+                            </p:stCondLst>
+                            <p:childTnLst>
+                              <p:par>
+                                <p:cTn id="5" presetID="1" presetClass="entr" presetSubtype="0" fill="hold" nodeType="clickEffect">
+                                  <p:stCondLst>
+                                    <p:cond delay="0"/>
+                                  </p:stCondLst>
+                                  <p:childTnLst>
+                                    <p:set>
+                                      <p:cBhvr>
+                                        <p:cTn id="6" dur="1" fill="hold">
+                                          <p:stCondLst>
+                                            <p:cond delay="0"/>
+                                          </p:stCondLst>
+                                        </p:cTn>
+                                        <p:tgtEl>
+                                          <p:spTgt spid="4">
+                                            <p:txEl>
+                                              <p:pRg st="0" end="0"/>
+                                            </p:txEl>
+                                          </p:spTgt>
+                                        </p:tgtEl>
+                                        <p:attrNameLst>
+                                          <p:attrName>style.visibility</p:attrName>
+                                        </p:attrNameLst>
+                                      </p:cBhvr>
+                                      <p:to>
+                                        <p:strVal val="visible"/>
+                                      </p:to>
+                                    </p:set>
+                                  </p:childTnLst>
+                                </p:cTn>
+                              </p:par>
+                            </p:childTnLst>
+                          </p:cTn>
+                        </p:par>
+                      </p:childTnLst>
+                    </p:cTn>
+                  </p:par>
+                  <p:par>
+                    <p:cTn id="7" fill="hold">
+                      <p:stCondLst>
+                        <p:cond delay="indefinite"/>
+                      </p:stCondLst>
+                      <p:childTnLst>
+                        <p:par>
+                          <p:cTn id="8" fill="hold">
+                            <p:stCondLst>
+                              <p:cond delay="0"/>
+                            </p:stCondLst>
+                            <p:childTnLst>
+                              <p:par>
+                                <p:cTn id="9" presetID="1" presetClass="entr" presetSubtype="0" fill="hold" nodeType="clickEffect">
+                                  <p:stCondLst>
+                                    <p:cond delay="0"/>
+                                  </p:stCondLst>
+                                  <p:childTnLst>
+                                    <p:set>
+                                      <p:cBhvr>
+                                        <p:cTn id="10" dur="1" fill="hold">
+                                          <p:stCondLst>
+                                            <p:cond delay="0"/>
+                                          </p:stCondLst>
+                                        </p:cTn>
+                                        <p:tgtEl>
+                                          <p:spTgt spid="4">
+                                            <p:txEl>
+                                              <p:pRg st="1" end="1"/>
+                                            </p:txEl>
+                                          </p:spTgt>
+                                        </p:tgtEl>
+                                        <p:attrNameLst>
+                                          <p:attrName>style.visibility</p:attrName>
+                                        </p:attrNameLst>
+                                      </p:cBhvr>
+                                      <p:to>
+                                        <p:strVal val="visible"/>
+                                      </p:to>
+                                    </p:set>
+                                  </p:childTnLst>
+                                </p:cTn>
+                              </p:par>
+                            </p:childTnLst>
+                          </p:cTn>
+                        </p:par>
+                      </p:childTnLst>
+                    </p:cTn>
+                  </p:par>
+                  <p:par>
+                    <p:cTn id="11" fill="hold">
+                      <p:stCondLst>
+                        <p:cond delay="indefinite"/>
+                      </p:stCondLst>
+                      <p:childTnLst>
+                        <p:par>
+                          <p:cTn id="12" fill="hold">
+                            <p:stCondLst>
+                              <p:cond delay="0"/>
+                            </p:stCondLst>
+                            <p:childTnLst>
+                              <p:par>
+                                <p:cTn id="13" presetID="1" presetClass="entr" presetSubtype="0" fill="hold" nodeType="clickEffect">
+                                  <p:stCondLst>
+                                    <p:cond delay="0"/>
+                                  </p:stCondLst>
+                                  <p:childTnLst>
+                                    <p:set>
+                                      <p:cBhvr>
+                                        <p:cTn id="14" dur="1" fill="hold">
+                                          <p:stCondLst>
+                                            <p:cond delay="0"/>
+                                          </p:stCondLst>
+                                        </p:cTn>
+                                        <p:tgtEl>
+                                          <p:spTgt spid="4">
+                                            <p:txEl>
+                                              <p:pRg st="2" end="2"/>
                                             </p:txEl>
                                           </p:spTgt>
                                         </p:tgtEl>
@@ -13773,6 +15799,5665 @@
                                           <p:spTgt spid="4">
                                             <p:txEl>
                                               <p:pRg st="12" end="12"/>
+                                            </p:txEl>
+                                          </p:spTgt>
+                                        </p:tgtEl>
+                                        <p:attrNameLst>
+                                          <p:attrName>style.visibility</p:attrName>
+                                        </p:attrNameLst>
+                                      </p:cBhvr>
+                                      <p:to>
+                                        <p:strVal val="visible"/>
+                                      </p:to>
+                                    </p:set>
+                                  </p:childTnLst>
+                                </p:cTn>
+                              </p:par>
+                            </p:childTnLst>
+                          </p:cTn>
+                        </p:par>
+                      </p:childTnLst>
+                    </p:cTn>
+                  </p:par>
+                </p:childTnLst>
+              </p:cTn>
+              <p:prevCondLst>
+                <p:cond evt="onPrev" delay="0">
+                  <p:tgtEl>
+                    <p:sldTgt/>
+                  </p:tgtEl>
+                </p:cond>
+              </p:prevCondLst>
+              <p:nextCondLst>
+                <p:cond evt="onNext" delay="0">
+                  <p:tgtEl>
+                    <p:sldTgt/>
+                  </p:tgtEl>
+                </p:cond>
+              </p:nextCondLst>
+            </p:seq>
+          </p:childTnLst>
+        </p:cTn>
+      </p:par>
+    </p:tnLst>
+  </p:timing>
+</p:sld>
+</file>
+
+<file path=ppt/slides/slide20.xml><?xml version="1.0" encoding="utf-8"?>
+<p:sld xmlns:a="http://schemas.openxmlformats.org/drawingml/2006/main" xmlns:r="http://schemas.openxmlformats.org/officeDocument/2006/relationships" xmlns:p="http://schemas.openxmlformats.org/presentationml/2006/main">
+  <p:cSld>
+    <p:spTree>
+      <p:nvGrpSpPr>
+        <p:cNvPr id="1" name="">
+          <a:extLst>
+            <a:ext uri="{FF2B5EF4-FFF2-40B4-BE49-F238E27FC236}">
+              <a16:creationId xmlns:a16="http://schemas.microsoft.com/office/drawing/2014/main" id="{BC6992D3-3D01-0160-128F-A34DFF4C44BA}"/>
+            </a:ext>
+          </a:extLst>
+        </p:cNvPr>
+        <p:cNvGrpSpPr/>
+        <p:nvPr/>
+      </p:nvGrpSpPr>
+      <p:grpSpPr>
+        <a:xfrm>
+          <a:off x="0" y="0"/>
+          <a:ext cx="0" cy="0"/>
+          <a:chOff x="0" y="0"/>
+          <a:chExt cx="0" cy="0"/>
+        </a:xfrm>
+      </p:grpSpPr>
+      <p:sp>
+        <p:nvSpPr>
+          <p:cNvPr id="3" name="Subtitle 2">
+            <a:extLst>
+              <a:ext uri="{FF2B5EF4-FFF2-40B4-BE49-F238E27FC236}">
+                <a16:creationId xmlns:a16="http://schemas.microsoft.com/office/drawing/2014/main" id="{80A14F03-1A4B-BB65-4792-87662F73B594}"/>
+              </a:ext>
+            </a:extLst>
+          </p:cNvPr>
+          <p:cNvSpPr>
+            <a:spLocks noGrp="1"/>
+          </p:cNvSpPr>
+          <p:nvPr>
+            <p:ph type="subTitle" idx="1"/>
+          </p:nvPr>
+        </p:nvSpPr>
+        <p:spPr>
+          <a:xfrm>
+            <a:off x="152399" y="217488"/>
+            <a:ext cx="11223171" cy="303212"/>
+          </a:xfrm>
+        </p:spPr>
+        <p:txBody>
+          <a:bodyPr>
+            <a:normAutofit fontScale="92500" lnSpcReduction="20000"/>
+          </a:bodyPr>
+          <a:lstStyle/>
+          <a:p>
+            <a:r>
+              <a:rPr lang="en-US" sz="1800" b="1"/>
+              <a:t>Lambda syntax </a:t>
+            </a:r>
+          </a:p>
+        </p:txBody>
+      </p:sp>
+      <p:sp>
+        <p:nvSpPr>
+          <p:cNvPr id="4" name="Subtitle 2">
+            <a:extLst>
+              <a:ext uri="{FF2B5EF4-FFF2-40B4-BE49-F238E27FC236}">
+                <a16:creationId xmlns:a16="http://schemas.microsoft.com/office/drawing/2014/main" id="{99C0A46A-387D-1422-60C5-8896B73F1E15}"/>
+              </a:ext>
+            </a:extLst>
+          </p:cNvPr>
+          <p:cNvSpPr txBox="1">
+            <a:spLocks/>
+          </p:cNvSpPr>
+          <p:nvPr/>
+        </p:nvSpPr>
+        <p:spPr>
+          <a:xfrm>
+            <a:off x="0" y="820738"/>
+            <a:ext cx="12192000" cy="6037262"/>
+          </a:xfrm>
+          <a:prstGeom prst="rect">
+            <a:avLst/>
+          </a:prstGeom>
+        </p:spPr>
+        <p:txBody>
+          <a:bodyPr vert="horz" lIns="91440" tIns="45720" rIns="91440" bIns="45720" rtlCol="0">
+            <a:normAutofit/>
+          </a:bodyPr>
+          <a:lstStyle>
+            <a:lvl1pPr marL="0" indent="0" algn="ctr" defTabSz="914400" rtl="0" eaLnBrk="1" latinLnBrk="0" hangingPunct="1">
+              <a:lnSpc>
+                <a:spcPct val="90000"/>
+              </a:lnSpc>
+              <a:spcBef>
+                <a:spcPts val="1000"/>
+              </a:spcBef>
+              <a:buFont typeface="Arial" panose="020B0604020202020204" pitchFamily="34" charset="0"/>
+              <a:buNone/>
+              <a:defRPr sz="2400" kern="1200">
+                <a:solidFill>
+                  <a:schemeClr val="tx1"/>
+                </a:solidFill>
+                <a:latin typeface="+mn-lt"/>
+                <a:ea typeface="+mn-ea"/>
+                <a:cs typeface="+mn-cs"/>
+              </a:defRPr>
+            </a:lvl1pPr>
+            <a:lvl2pPr marL="457200" indent="0" algn="ctr" defTabSz="914400" rtl="0" eaLnBrk="1" latinLnBrk="0" hangingPunct="1">
+              <a:lnSpc>
+                <a:spcPct val="90000"/>
+              </a:lnSpc>
+              <a:spcBef>
+                <a:spcPts val="500"/>
+              </a:spcBef>
+              <a:buFont typeface="Arial" panose="020B0604020202020204" pitchFamily="34" charset="0"/>
+              <a:buNone/>
+              <a:defRPr sz="2000" kern="1200">
+                <a:solidFill>
+                  <a:schemeClr val="tx1"/>
+                </a:solidFill>
+                <a:latin typeface="+mn-lt"/>
+                <a:ea typeface="+mn-ea"/>
+                <a:cs typeface="+mn-cs"/>
+              </a:defRPr>
+            </a:lvl2pPr>
+            <a:lvl3pPr marL="914400" indent="0" algn="ctr" defTabSz="914400" rtl="0" eaLnBrk="1" latinLnBrk="0" hangingPunct="1">
+              <a:lnSpc>
+                <a:spcPct val="90000"/>
+              </a:lnSpc>
+              <a:spcBef>
+                <a:spcPts val="500"/>
+              </a:spcBef>
+              <a:buFont typeface="Arial" panose="020B0604020202020204" pitchFamily="34" charset="0"/>
+              <a:buNone/>
+              <a:defRPr sz="1800" kern="1200">
+                <a:solidFill>
+                  <a:schemeClr val="tx1"/>
+                </a:solidFill>
+                <a:latin typeface="+mn-lt"/>
+                <a:ea typeface="+mn-ea"/>
+                <a:cs typeface="+mn-cs"/>
+              </a:defRPr>
+            </a:lvl3pPr>
+            <a:lvl4pPr marL="1371600" indent="0" algn="ctr" defTabSz="914400" rtl="0" eaLnBrk="1" latinLnBrk="0" hangingPunct="1">
+              <a:lnSpc>
+                <a:spcPct val="90000"/>
+              </a:lnSpc>
+              <a:spcBef>
+                <a:spcPts val="500"/>
+              </a:spcBef>
+              <a:buFont typeface="Arial" panose="020B0604020202020204" pitchFamily="34" charset="0"/>
+              <a:buNone/>
+              <a:defRPr sz="1600" kern="1200">
+                <a:solidFill>
+                  <a:schemeClr val="tx1"/>
+                </a:solidFill>
+                <a:latin typeface="+mn-lt"/>
+                <a:ea typeface="+mn-ea"/>
+                <a:cs typeface="+mn-cs"/>
+              </a:defRPr>
+            </a:lvl4pPr>
+            <a:lvl5pPr marL="1828800" indent="0" algn="ctr" defTabSz="914400" rtl="0" eaLnBrk="1" latinLnBrk="0" hangingPunct="1">
+              <a:lnSpc>
+                <a:spcPct val="90000"/>
+              </a:lnSpc>
+              <a:spcBef>
+                <a:spcPts val="500"/>
+              </a:spcBef>
+              <a:buFont typeface="Arial" panose="020B0604020202020204" pitchFamily="34" charset="0"/>
+              <a:buNone/>
+              <a:defRPr sz="1600" kern="1200">
+                <a:solidFill>
+                  <a:schemeClr val="tx1"/>
+                </a:solidFill>
+                <a:latin typeface="+mn-lt"/>
+                <a:ea typeface="+mn-ea"/>
+                <a:cs typeface="+mn-cs"/>
+              </a:defRPr>
+            </a:lvl5pPr>
+            <a:lvl6pPr marL="2286000" indent="0" algn="ctr" defTabSz="914400" rtl="0" eaLnBrk="1" latinLnBrk="0" hangingPunct="1">
+              <a:lnSpc>
+                <a:spcPct val="90000"/>
+              </a:lnSpc>
+              <a:spcBef>
+                <a:spcPts val="500"/>
+              </a:spcBef>
+              <a:buFont typeface="Arial" panose="020B0604020202020204" pitchFamily="34" charset="0"/>
+              <a:buNone/>
+              <a:defRPr sz="1600" kern="1200">
+                <a:solidFill>
+                  <a:schemeClr val="tx1"/>
+                </a:solidFill>
+                <a:latin typeface="+mn-lt"/>
+                <a:ea typeface="+mn-ea"/>
+                <a:cs typeface="+mn-cs"/>
+              </a:defRPr>
+            </a:lvl6pPr>
+            <a:lvl7pPr marL="2743200" indent="0" algn="ctr" defTabSz="914400" rtl="0" eaLnBrk="1" latinLnBrk="0" hangingPunct="1">
+              <a:lnSpc>
+                <a:spcPct val="90000"/>
+              </a:lnSpc>
+              <a:spcBef>
+                <a:spcPts val="500"/>
+              </a:spcBef>
+              <a:buFont typeface="Arial" panose="020B0604020202020204" pitchFamily="34" charset="0"/>
+              <a:buNone/>
+              <a:defRPr sz="1600" kern="1200">
+                <a:solidFill>
+                  <a:schemeClr val="tx1"/>
+                </a:solidFill>
+                <a:latin typeface="+mn-lt"/>
+                <a:ea typeface="+mn-ea"/>
+                <a:cs typeface="+mn-cs"/>
+              </a:defRPr>
+            </a:lvl7pPr>
+            <a:lvl8pPr marL="3200400" indent="0" algn="ctr" defTabSz="914400" rtl="0" eaLnBrk="1" latinLnBrk="0" hangingPunct="1">
+              <a:lnSpc>
+                <a:spcPct val="90000"/>
+              </a:lnSpc>
+              <a:spcBef>
+                <a:spcPts val="500"/>
+              </a:spcBef>
+              <a:buFont typeface="Arial" panose="020B0604020202020204" pitchFamily="34" charset="0"/>
+              <a:buNone/>
+              <a:defRPr sz="1600" kern="1200">
+                <a:solidFill>
+                  <a:schemeClr val="tx1"/>
+                </a:solidFill>
+                <a:latin typeface="+mn-lt"/>
+                <a:ea typeface="+mn-ea"/>
+                <a:cs typeface="+mn-cs"/>
+              </a:defRPr>
+            </a:lvl8pPr>
+            <a:lvl9pPr marL="3657600" indent="0" algn="ctr" defTabSz="914400" rtl="0" eaLnBrk="1" latinLnBrk="0" hangingPunct="1">
+              <a:lnSpc>
+                <a:spcPct val="90000"/>
+              </a:lnSpc>
+              <a:spcBef>
+                <a:spcPts val="500"/>
+              </a:spcBef>
+              <a:buFont typeface="Arial" panose="020B0604020202020204" pitchFamily="34" charset="0"/>
+              <a:buNone/>
+              <a:defRPr sz="1600" kern="1200">
+                <a:solidFill>
+                  <a:schemeClr val="tx1"/>
+                </a:solidFill>
+                <a:latin typeface="+mn-lt"/>
+                <a:ea typeface="+mn-ea"/>
+                <a:cs typeface="+mn-cs"/>
+              </a:defRPr>
+            </a:lvl9pPr>
+          </a:lstStyle>
+          <a:p>
+            <a:pPr algn="l"/>
+            <a:r>
+              <a:rPr lang="en-US" sz="1800">
+                <a:sym typeface="Wingdings" pitchFamily="2" charset="2"/>
+              </a:rPr>
+              <a:t>- One of the ... lambda that we can write is ...</a:t>
+            </a:r>
+          </a:p>
+          <a:p>
+            <a:pPr algn="l"/>
+            <a:r>
+              <a:rPr lang="en-US" sz="1800">
+                <a:sym typeface="Wingdings" pitchFamily="2" charset="2"/>
+              </a:rPr>
+              <a:t>- The lambda that we just illustrated is equilvalent to ... Java that we should invoke a ... on a ... reference, which will ... a ... value (as a result of invoking ...) but how can Java understand this ?</a:t>
+            </a:r>
+          </a:p>
+          <a:p>
+            <a:pPr algn="l"/>
+            <a:r>
+              <a:rPr lang="en-US" sz="1800">
+                <a:sym typeface="Wingdings" pitchFamily="2" charset="2"/>
+              </a:rPr>
+              <a:t>- Java will base on the ... when passing ... to the ...</a:t>
+            </a:r>
+          </a:p>
+          <a:p>
+            <a:pPr algn="l"/>
+            <a:r>
+              <a:rPr lang="en-US" sz="1800">
+                <a:sym typeface="Wingdings" pitchFamily="2" charset="2"/>
+              </a:rPr>
+              <a:t>- Java will ... our lambda with the ... of the interface ... in the .... Then after that, it will ... our lambda to the ... in the interface</a:t>
+            </a:r>
+          </a:p>
+          <a:p>
+            <a:pPr algn="l"/>
+            <a:r>
+              <a:rPr lang="en-US" sz="1800">
+                <a:sym typeface="Wingdings" pitchFamily="2" charset="2"/>
+              </a:rPr>
+              <a:t>– It will compare our ... with ... in the interface (If that ... accept an ... as a parameter =&gt; our ... must also ..., if the method ... =&gt; our ... must also ...)</a:t>
+            </a:r>
+          </a:p>
+          <a:p>
+            <a:pPr algn="l"/>
+            <a:endParaRPr lang="en-US" sz="1800">
+              <a:sym typeface="Wingdings" pitchFamily="2" charset="2"/>
+            </a:endParaRPr>
+          </a:p>
+        </p:txBody>
+      </p:sp>
+    </p:spTree>
+    <p:extLst>
+      <p:ext uri="{BB962C8B-B14F-4D97-AF65-F5344CB8AC3E}">
+        <p14:creationId xmlns:p14="http://schemas.microsoft.com/office/powerpoint/2010/main" val="654458363"/>
+      </p:ext>
+    </p:extLst>
+  </p:cSld>
+  <p:clrMapOvr>
+    <a:masterClrMapping/>
+  </p:clrMapOvr>
+  <p:timing>
+    <p:tnLst>
+      <p:par>
+        <p:cTn id="1" dur="indefinite" restart="never" nodeType="tmRoot">
+          <p:childTnLst>
+            <p:seq concurrent="1" nextAc="seek">
+              <p:cTn id="2" dur="indefinite" nodeType="mainSeq">
+                <p:childTnLst>
+                  <p:par>
+                    <p:cTn id="3" fill="hold">
+                      <p:stCondLst>
+                        <p:cond delay="indefinite"/>
+                      </p:stCondLst>
+                      <p:childTnLst>
+                        <p:par>
+                          <p:cTn id="4" fill="hold">
+                            <p:stCondLst>
+                              <p:cond delay="0"/>
+                            </p:stCondLst>
+                            <p:childTnLst>
+                              <p:par>
+                                <p:cTn id="5" presetID="1" presetClass="entr" presetSubtype="0" fill="hold" nodeType="clickEffect">
+                                  <p:stCondLst>
+                                    <p:cond delay="0"/>
+                                  </p:stCondLst>
+                                  <p:childTnLst>
+                                    <p:set>
+                                      <p:cBhvr>
+                                        <p:cTn id="6" dur="1" fill="hold">
+                                          <p:stCondLst>
+                                            <p:cond delay="0"/>
+                                          </p:stCondLst>
+                                        </p:cTn>
+                                        <p:tgtEl>
+                                          <p:spTgt spid="4">
+                                            <p:txEl>
+                                              <p:pRg st="0" end="0"/>
+                                            </p:txEl>
+                                          </p:spTgt>
+                                        </p:tgtEl>
+                                        <p:attrNameLst>
+                                          <p:attrName>style.visibility</p:attrName>
+                                        </p:attrNameLst>
+                                      </p:cBhvr>
+                                      <p:to>
+                                        <p:strVal val="visible"/>
+                                      </p:to>
+                                    </p:set>
+                                  </p:childTnLst>
+                                </p:cTn>
+                              </p:par>
+                            </p:childTnLst>
+                          </p:cTn>
+                        </p:par>
+                      </p:childTnLst>
+                    </p:cTn>
+                  </p:par>
+                  <p:par>
+                    <p:cTn id="7" fill="hold">
+                      <p:stCondLst>
+                        <p:cond delay="indefinite"/>
+                      </p:stCondLst>
+                      <p:childTnLst>
+                        <p:par>
+                          <p:cTn id="8" fill="hold">
+                            <p:stCondLst>
+                              <p:cond delay="0"/>
+                            </p:stCondLst>
+                            <p:childTnLst>
+                              <p:par>
+                                <p:cTn id="9" presetID="1" presetClass="entr" presetSubtype="0" fill="hold" nodeType="clickEffect">
+                                  <p:stCondLst>
+                                    <p:cond delay="0"/>
+                                  </p:stCondLst>
+                                  <p:childTnLst>
+                                    <p:set>
+                                      <p:cBhvr>
+                                        <p:cTn id="10" dur="1" fill="hold">
+                                          <p:stCondLst>
+                                            <p:cond delay="0"/>
+                                          </p:stCondLst>
+                                        </p:cTn>
+                                        <p:tgtEl>
+                                          <p:spTgt spid="4">
+                                            <p:txEl>
+                                              <p:pRg st="1" end="1"/>
+                                            </p:txEl>
+                                          </p:spTgt>
+                                        </p:tgtEl>
+                                        <p:attrNameLst>
+                                          <p:attrName>style.visibility</p:attrName>
+                                        </p:attrNameLst>
+                                      </p:cBhvr>
+                                      <p:to>
+                                        <p:strVal val="visible"/>
+                                      </p:to>
+                                    </p:set>
+                                  </p:childTnLst>
+                                </p:cTn>
+                              </p:par>
+                            </p:childTnLst>
+                          </p:cTn>
+                        </p:par>
+                      </p:childTnLst>
+                    </p:cTn>
+                  </p:par>
+                  <p:par>
+                    <p:cTn id="11" fill="hold">
+                      <p:stCondLst>
+                        <p:cond delay="indefinite"/>
+                      </p:stCondLst>
+                      <p:childTnLst>
+                        <p:par>
+                          <p:cTn id="12" fill="hold">
+                            <p:stCondLst>
+                              <p:cond delay="0"/>
+                            </p:stCondLst>
+                            <p:childTnLst>
+                              <p:par>
+                                <p:cTn id="13" presetID="1" presetClass="entr" presetSubtype="0" fill="hold" nodeType="clickEffect">
+                                  <p:stCondLst>
+                                    <p:cond delay="0"/>
+                                  </p:stCondLst>
+                                  <p:childTnLst>
+                                    <p:set>
+                                      <p:cBhvr>
+                                        <p:cTn id="14" dur="1" fill="hold">
+                                          <p:stCondLst>
+                                            <p:cond delay="0"/>
+                                          </p:stCondLst>
+                                        </p:cTn>
+                                        <p:tgtEl>
+                                          <p:spTgt spid="4">
+                                            <p:txEl>
+                                              <p:pRg st="2" end="2"/>
+                                            </p:txEl>
+                                          </p:spTgt>
+                                        </p:tgtEl>
+                                        <p:attrNameLst>
+                                          <p:attrName>style.visibility</p:attrName>
+                                        </p:attrNameLst>
+                                      </p:cBhvr>
+                                      <p:to>
+                                        <p:strVal val="visible"/>
+                                      </p:to>
+                                    </p:set>
+                                  </p:childTnLst>
+                                </p:cTn>
+                              </p:par>
+                            </p:childTnLst>
+                          </p:cTn>
+                        </p:par>
+                      </p:childTnLst>
+                    </p:cTn>
+                  </p:par>
+                  <p:par>
+                    <p:cTn id="15" fill="hold">
+                      <p:stCondLst>
+                        <p:cond delay="indefinite"/>
+                      </p:stCondLst>
+                      <p:childTnLst>
+                        <p:par>
+                          <p:cTn id="16" fill="hold">
+                            <p:stCondLst>
+                              <p:cond delay="0"/>
+                            </p:stCondLst>
+                            <p:childTnLst>
+                              <p:par>
+                                <p:cTn id="17" presetID="1" presetClass="entr" presetSubtype="0" fill="hold" nodeType="clickEffect">
+                                  <p:stCondLst>
+                                    <p:cond delay="0"/>
+                                  </p:stCondLst>
+                                  <p:childTnLst>
+                                    <p:set>
+                                      <p:cBhvr>
+                                        <p:cTn id="18" dur="1" fill="hold">
+                                          <p:stCondLst>
+                                            <p:cond delay="0"/>
+                                          </p:stCondLst>
+                                        </p:cTn>
+                                        <p:tgtEl>
+                                          <p:spTgt spid="4">
+                                            <p:txEl>
+                                              <p:pRg st="3" end="3"/>
+                                            </p:txEl>
+                                          </p:spTgt>
+                                        </p:tgtEl>
+                                        <p:attrNameLst>
+                                          <p:attrName>style.visibility</p:attrName>
+                                        </p:attrNameLst>
+                                      </p:cBhvr>
+                                      <p:to>
+                                        <p:strVal val="visible"/>
+                                      </p:to>
+                                    </p:set>
+                                  </p:childTnLst>
+                                </p:cTn>
+                              </p:par>
+                            </p:childTnLst>
+                          </p:cTn>
+                        </p:par>
+                      </p:childTnLst>
+                    </p:cTn>
+                  </p:par>
+                  <p:par>
+                    <p:cTn id="19" fill="hold">
+                      <p:stCondLst>
+                        <p:cond delay="indefinite"/>
+                      </p:stCondLst>
+                      <p:childTnLst>
+                        <p:par>
+                          <p:cTn id="20" fill="hold">
+                            <p:stCondLst>
+                              <p:cond delay="0"/>
+                            </p:stCondLst>
+                            <p:childTnLst>
+                              <p:par>
+                                <p:cTn id="21" presetID="1" presetClass="entr" presetSubtype="0" fill="hold" nodeType="clickEffect">
+                                  <p:stCondLst>
+                                    <p:cond delay="0"/>
+                                  </p:stCondLst>
+                                  <p:childTnLst>
+                                    <p:set>
+                                      <p:cBhvr>
+                                        <p:cTn id="22" dur="1" fill="hold">
+                                          <p:stCondLst>
+                                            <p:cond delay="0"/>
+                                          </p:stCondLst>
+                                        </p:cTn>
+                                        <p:tgtEl>
+                                          <p:spTgt spid="4">
+                                            <p:txEl>
+                                              <p:pRg st="4" end="4"/>
+                                            </p:txEl>
+                                          </p:spTgt>
+                                        </p:tgtEl>
+                                        <p:attrNameLst>
+                                          <p:attrName>style.visibility</p:attrName>
+                                        </p:attrNameLst>
+                                      </p:cBhvr>
+                                      <p:to>
+                                        <p:strVal val="visible"/>
+                                      </p:to>
+                                    </p:set>
+                                  </p:childTnLst>
+                                </p:cTn>
+                              </p:par>
+                            </p:childTnLst>
+                          </p:cTn>
+                        </p:par>
+                      </p:childTnLst>
+                    </p:cTn>
+                  </p:par>
+                </p:childTnLst>
+              </p:cTn>
+              <p:prevCondLst>
+                <p:cond evt="onPrev" delay="0">
+                  <p:tgtEl>
+                    <p:sldTgt/>
+                  </p:tgtEl>
+                </p:cond>
+              </p:prevCondLst>
+              <p:nextCondLst>
+                <p:cond evt="onNext" delay="0">
+                  <p:tgtEl>
+                    <p:sldTgt/>
+                  </p:tgtEl>
+                </p:cond>
+              </p:nextCondLst>
+            </p:seq>
+          </p:childTnLst>
+        </p:cTn>
+      </p:par>
+    </p:tnLst>
+  </p:timing>
+</p:sld>
+</file>
+
+<file path=ppt/slides/slide21.xml><?xml version="1.0" encoding="utf-8"?>
+<p:sld xmlns:a="http://schemas.openxmlformats.org/drawingml/2006/main" xmlns:r="http://schemas.openxmlformats.org/officeDocument/2006/relationships" xmlns:p="http://schemas.openxmlformats.org/presentationml/2006/main">
+  <p:cSld>
+    <p:spTree>
+      <p:nvGrpSpPr>
+        <p:cNvPr id="1" name="">
+          <a:extLst>
+            <a:ext uri="{FF2B5EF4-FFF2-40B4-BE49-F238E27FC236}">
+              <a16:creationId xmlns:a16="http://schemas.microsoft.com/office/drawing/2014/main" id="{0DAA1FAF-6108-50F9-E5C9-8B576D88383D}"/>
+            </a:ext>
+          </a:extLst>
+        </p:cNvPr>
+        <p:cNvGrpSpPr/>
+        <p:nvPr/>
+      </p:nvGrpSpPr>
+      <p:grpSpPr>
+        <a:xfrm>
+          <a:off x="0" y="0"/>
+          <a:ext cx="0" cy="0"/>
+          <a:chOff x="0" y="0"/>
+          <a:chExt cx="0" cy="0"/>
+        </a:xfrm>
+      </p:grpSpPr>
+      <p:sp>
+        <p:nvSpPr>
+          <p:cNvPr id="3" name="Subtitle 2">
+            <a:extLst>
+              <a:ext uri="{FF2B5EF4-FFF2-40B4-BE49-F238E27FC236}">
+                <a16:creationId xmlns:a16="http://schemas.microsoft.com/office/drawing/2014/main" id="{0E16FACE-8DA0-6C2C-F3E1-84EA6ACAC040}"/>
+              </a:ext>
+            </a:extLst>
+          </p:cNvPr>
+          <p:cNvSpPr>
+            <a:spLocks noGrp="1"/>
+          </p:cNvSpPr>
+          <p:nvPr>
+            <p:ph type="subTitle" idx="1"/>
+          </p:nvPr>
+        </p:nvSpPr>
+        <p:spPr>
+          <a:xfrm>
+            <a:off x="152399" y="217488"/>
+            <a:ext cx="11223171" cy="303212"/>
+          </a:xfrm>
+        </p:spPr>
+        <p:txBody>
+          <a:bodyPr>
+            <a:normAutofit fontScale="92500" lnSpcReduction="20000"/>
+          </a:bodyPr>
+          <a:lstStyle/>
+          <a:p>
+            <a:r>
+              <a:rPr lang="en-US" sz="1800" b="1"/>
+              <a:t>Lambda syntax </a:t>
+            </a:r>
+          </a:p>
+        </p:txBody>
+      </p:sp>
+      <p:sp>
+        <p:nvSpPr>
+          <p:cNvPr id="4" name="Subtitle 2">
+            <a:extLst>
+              <a:ext uri="{FF2B5EF4-FFF2-40B4-BE49-F238E27FC236}">
+                <a16:creationId xmlns:a16="http://schemas.microsoft.com/office/drawing/2014/main" id="{59DFFAD9-0C24-35EA-5400-867B288442C2}"/>
+              </a:ext>
+            </a:extLst>
+          </p:cNvPr>
+          <p:cNvSpPr txBox="1">
+            <a:spLocks/>
+          </p:cNvSpPr>
+          <p:nvPr/>
+        </p:nvSpPr>
+        <p:spPr>
+          <a:xfrm>
+            <a:off x="0" y="820738"/>
+            <a:ext cx="12192000" cy="6037262"/>
+          </a:xfrm>
+          <a:prstGeom prst="rect">
+            <a:avLst/>
+          </a:prstGeom>
+        </p:spPr>
+        <p:txBody>
+          <a:bodyPr vert="horz" lIns="91440" tIns="45720" rIns="91440" bIns="45720" rtlCol="0">
+            <a:normAutofit/>
+          </a:bodyPr>
+          <a:lstStyle>
+            <a:lvl1pPr marL="0" indent="0" algn="ctr" defTabSz="914400" rtl="0" eaLnBrk="1" latinLnBrk="0" hangingPunct="1">
+              <a:lnSpc>
+                <a:spcPct val="90000"/>
+              </a:lnSpc>
+              <a:spcBef>
+                <a:spcPts val="1000"/>
+              </a:spcBef>
+              <a:buFont typeface="Arial" panose="020B0604020202020204" pitchFamily="34" charset="0"/>
+              <a:buNone/>
+              <a:defRPr sz="2400" kern="1200">
+                <a:solidFill>
+                  <a:schemeClr val="tx1"/>
+                </a:solidFill>
+                <a:latin typeface="+mn-lt"/>
+                <a:ea typeface="+mn-ea"/>
+                <a:cs typeface="+mn-cs"/>
+              </a:defRPr>
+            </a:lvl1pPr>
+            <a:lvl2pPr marL="457200" indent="0" algn="ctr" defTabSz="914400" rtl="0" eaLnBrk="1" latinLnBrk="0" hangingPunct="1">
+              <a:lnSpc>
+                <a:spcPct val="90000"/>
+              </a:lnSpc>
+              <a:spcBef>
+                <a:spcPts val="500"/>
+              </a:spcBef>
+              <a:buFont typeface="Arial" panose="020B0604020202020204" pitchFamily="34" charset="0"/>
+              <a:buNone/>
+              <a:defRPr sz="2000" kern="1200">
+                <a:solidFill>
+                  <a:schemeClr val="tx1"/>
+                </a:solidFill>
+                <a:latin typeface="+mn-lt"/>
+                <a:ea typeface="+mn-ea"/>
+                <a:cs typeface="+mn-cs"/>
+              </a:defRPr>
+            </a:lvl2pPr>
+            <a:lvl3pPr marL="914400" indent="0" algn="ctr" defTabSz="914400" rtl="0" eaLnBrk="1" latinLnBrk="0" hangingPunct="1">
+              <a:lnSpc>
+                <a:spcPct val="90000"/>
+              </a:lnSpc>
+              <a:spcBef>
+                <a:spcPts val="500"/>
+              </a:spcBef>
+              <a:buFont typeface="Arial" panose="020B0604020202020204" pitchFamily="34" charset="0"/>
+              <a:buNone/>
+              <a:defRPr sz="1800" kern="1200">
+                <a:solidFill>
+                  <a:schemeClr val="tx1"/>
+                </a:solidFill>
+                <a:latin typeface="+mn-lt"/>
+                <a:ea typeface="+mn-ea"/>
+                <a:cs typeface="+mn-cs"/>
+              </a:defRPr>
+            </a:lvl3pPr>
+            <a:lvl4pPr marL="1371600" indent="0" algn="ctr" defTabSz="914400" rtl="0" eaLnBrk="1" latinLnBrk="0" hangingPunct="1">
+              <a:lnSpc>
+                <a:spcPct val="90000"/>
+              </a:lnSpc>
+              <a:spcBef>
+                <a:spcPts val="500"/>
+              </a:spcBef>
+              <a:buFont typeface="Arial" panose="020B0604020202020204" pitchFamily="34" charset="0"/>
+              <a:buNone/>
+              <a:defRPr sz="1600" kern="1200">
+                <a:solidFill>
+                  <a:schemeClr val="tx1"/>
+                </a:solidFill>
+                <a:latin typeface="+mn-lt"/>
+                <a:ea typeface="+mn-ea"/>
+                <a:cs typeface="+mn-cs"/>
+              </a:defRPr>
+            </a:lvl4pPr>
+            <a:lvl5pPr marL="1828800" indent="0" algn="ctr" defTabSz="914400" rtl="0" eaLnBrk="1" latinLnBrk="0" hangingPunct="1">
+              <a:lnSpc>
+                <a:spcPct val="90000"/>
+              </a:lnSpc>
+              <a:spcBef>
+                <a:spcPts val="500"/>
+              </a:spcBef>
+              <a:buFont typeface="Arial" panose="020B0604020202020204" pitchFamily="34" charset="0"/>
+              <a:buNone/>
+              <a:defRPr sz="1600" kern="1200">
+                <a:solidFill>
+                  <a:schemeClr val="tx1"/>
+                </a:solidFill>
+                <a:latin typeface="+mn-lt"/>
+                <a:ea typeface="+mn-ea"/>
+                <a:cs typeface="+mn-cs"/>
+              </a:defRPr>
+            </a:lvl5pPr>
+            <a:lvl6pPr marL="2286000" indent="0" algn="ctr" defTabSz="914400" rtl="0" eaLnBrk="1" latinLnBrk="0" hangingPunct="1">
+              <a:lnSpc>
+                <a:spcPct val="90000"/>
+              </a:lnSpc>
+              <a:spcBef>
+                <a:spcPts val="500"/>
+              </a:spcBef>
+              <a:buFont typeface="Arial" panose="020B0604020202020204" pitchFamily="34" charset="0"/>
+              <a:buNone/>
+              <a:defRPr sz="1600" kern="1200">
+                <a:solidFill>
+                  <a:schemeClr val="tx1"/>
+                </a:solidFill>
+                <a:latin typeface="+mn-lt"/>
+                <a:ea typeface="+mn-ea"/>
+                <a:cs typeface="+mn-cs"/>
+              </a:defRPr>
+            </a:lvl6pPr>
+            <a:lvl7pPr marL="2743200" indent="0" algn="ctr" defTabSz="914400" rtl="0" eaLnBrk="1" latinLnBrk="0" hangingPunct="1">
+              <a:lnSpc>
+                <a:spcPct val="90000"/>
+              </a:lnSpc>
+              <a:spcBef>
+                <a:spcPts val="500"/>
+              </a:spcBef>
+              <a:buFont typeface="Arial" panose="020B0604020202020204" pitchFamily="34" charset="0"/>
+              <a:buNone/>
+              <a:defRPr sz="1600" kern="1200">
+                <a:solidFill>
+                  <a:schemeClr val="tx1"/>
+                </a:solidFill>
+                <a:latin typeface="+mn-lt"/>
+                <a:ea typeface="+mn-ea"/>
+                <a:cs typeface="+mn-cs"/>
+              </a:defRPr>
+            </a:lvl7pPr>
+            <a:lvl8pPr marL="3200400" indent="0" algn="ctr" defTabSz="914400" rtl="0" eaLnBrk="1" latinLnBrk="0" hangingPunct="1">
+              <a:lnSpc>
+                <a:spcPct val="90000"/>
+              </a:lnSpc>
+              <a:spcBef>
+                <a:spcPts val="500"/>
+              </a:spcBef>
+              <a:buFont typeface="Arial" panose="020B0604020202020204" pitchFamily="34" charset="0"/>
+              <a:buNone/>
+              <a:defRPr sz="1600" kern="1200">
+                <a:solidFill>
+                  <a:schemeClr val="tx1"/>
+                </a:solidFill>
+                <a:latin typeface="+mn-lt"/>
+                <a:ea typeface="+mn-ea"/>
+                <a:cs typeface="+mn-cs"/>
+              </a:defRPr>
+            </a:lvl8pPr>
+            <a:lvl9pPr marL="3657600" indent="0" algn="ctr" defTabSz="914400" rtl="0" eaLnBrk="1" latinLnBrk="0" hangingPunct="1">
+              <a:lnSpc>
+                <a:spcPct val="90000"/>
+              </a:lnSpc>
+              <a:spcBef>
+                <a:spcPts val="500"/>
+              </a:spcBef>
+              <a:buFont typeface="Arial" panose="020B0604020202020204" pitchFamily="34" charset="0"/>
+              <a:buNone/>
+              <a:defRPr sz="1600" kern="1200">
+                <a:solidFill>
+                  <a:schemeClr val="tx1"/>
+                </a:solidFill>
+                <a:latin typeface="+mn-lt"/>
+                <a:ea typeface="+mn-ea"/>
+                <a:cs typeface="+mn-cs"/>
+              </a:defRPr>
+            </a:lvl9pPr>
+          </a:lstStyle>
+          <a:p>
+            <a:pPr algn="l"/>
+            <a:r>
+              <a:rPr lang="en-US" sz="1800">
+                <a:sym typeface="Wingdings" pitchFamily="2" charset="2"/>
+              </a:rPr>
+              <a:t>- This picture below is the structure of a ... (... version)</a:t>
+            </a:r>
+          </a:p>
+          <a:p>
+            <a:pPr algn="l"/>
+            <a:endParaRPr lang="en-US" sz="1800">
+              <a:sym typeface="Wingdings" pitchFamily="2" charset="2"/>
+            </a:endParaRPr>
+          </a:p>
+        </p:txBody>
+      </p:sp>
+      <p:pic>
+        <p:nvPicPr>
+          <p:cNvPr id="2" name="Picture 1">
+            <a:extLst>
+              <a:ext uri="{FF2B5EF4-FFF2-40B4-BE49-F238E27FC236}">
+                <a16:creationId xmlns:a16="http://schemas.microsoft.com/office/drawing/2014/main" id="{53A23C3F-E3F2-1A5B-664E-0FEE8F7FEF73}"/>
+              </a:ext>
+            </a:extLst>
+          </p:cNvPr>
+          <p:cNvPicPr>
+            <a:picLocks noChangeAspect="1"/>
+          </p:cNvPicPr>
+          <p:nvPr/>
+        </p:nvPicPr>
+        <p:blipFill>
+          <a:blip r:embed="rId3"/>
+          <a:stretch>
+            <a:fillRect/>
+          </a:stretch>
+        </p:blipFill>
+        <p:spPr>
+          <a:xfrm>
+            <a:off x="2810918" y="1891384"/>
+            <a:ext cx="6570163" cy="4145878"/>
+          </a:xfrm>
+          <a:prstGeom prst="rect">
+            <a:avLst/>
+          </a:prstGeom>
+        </p:spPr>
+      </p:pic>
+      <mc:AlternateContent xmlns:mc="http://schemas.openxmlformats.org/markup-compatibility/2006">
+        <mc:Choice xmlns:p14="http://schemas.microsoft.com/office/powerpoint/2010/main" Requires="p14">
+          <p:contentPart p14:bwMode="auto" r:id="rId4">
+            <p14:nvContentPartPr>
+              <p14:cNvPr id="6" name="Ink 5">
+                <a:extLst>
+                  <a:ext uri="{FF2B5EF4-FFF2-40B4-BE49-F238E27FC236}">
+                    <a16:creationId xmlns:a16="http://schemas.microsoft.com/office/drawing/2014/main" id="{BD9CEFAB-D631-A683-E64D-0CF5BFCFB05F}"/>
+                  </a:ext>
+                </a:extLst>
+              </p14:cNvPr>
+              <p14:cNvContentPartPr/>
+              <p14:nvPr/>
+            </p14:nvContentPartPr>
+            <p14:xfrm>
+              <a:off x="3187124" y="2399944"/>
+              <a:ext cx="2460960" cy="214200"/>
+            </p14:xfrm>
+          </p:contentPart>
+        </mc:Choice>
+        <mc:Fallback>
+          <p:pic>
+            <p:nvPicPr>
+              <p:cNvPr id="6" name="Ink 5">
+                <a:extLst>
+                  <a:ext uri="{FF2B5EF4-FFF2-40B4-BE49-F238E27FC236}">
+                    <a16:creationId xmlns:a16="http://schemas.microsoft.com/office/drawing/2014/main" id="{BD9CEFAB-D631-A683-E64D-0CF5BFCFB05F}"/>
+                  </a:ext>
+                </a:extLst>
+              </p:cNvPr>
+              <p:cNvPicPr/>
+              <p:nvPr/>
+            </p:nvPicPr>
+            <p:blipFill>
+              <a:blip r:embed="rId5"/>
+              <a:stretch>
+                <a:fillRect/>
+              </a:stretch>
+            </p:blipFill>
+            <p:spPr>
+              <a:xfrm>
+                <a:off x="3124124" y="2336944"/>
+                <a:ext cx="2586600" cy="339840"/>
+              </a:xfrm>
+              <a:prstGeom prst="rect">
+                <a:avLst/>
+              </a:prstGeom>
+            </p:spPr>
+          </p:pic>
+        </mc:Fallback>
+      </mc:AlternateContent>
+      <mc:AlternateContent xmlns:mc="http://schemas.openxmlformats.org/markup-compatibility/2006">
+        <mc:Choice xmlns:p14="http://schemas.microsoft.com/office/powerpoint/2010/main" Requires="p14">
+          <p:contentPart p14:bwMode="auto" r:id="rId6">
+            <p14:nvContentPartPr>
+              <p14:cNvPr id="7" name="Ink 6">
+                <a:extLst>
+                  <a:ext uri="{FF2B5EF4-FFF2-40B4-BE49-F238E27FC236}">
+                    <a16:creationId xmlns:a16="http://schemas.microsoft.com/office/drawing/2014/main" id="{3BCEC04E-4862-A54E-1A37-5B9BEDDF7BB5}"/>
+                  </a:ext>
+                </a:extLst>
+              </p14:cNvPr>
+              <p14:cNvContentPartPr/>
+              <p14:nvPr/>
+            </p14:nvContentPartPr>
+            <p14:xfrm>
+              <a:off x="8039924" y="2240464"/>
+              <a:ext cx="658080" cy="251640"/>
+            </p14:xfrm>
+          </p:contentPart>
+        </mc:Choice>
+        <mc:Fallback>
+          <p:pic>
+            <p:nvPicPr>
+              <p:cNvPr id="7" name="Ink 6">
+                <a:extLst>
+                  <a:ext uri="{FF2B5EF4-FFF2-40B4-BE49-F238E27FC236}">
+                    <a16:creationId xmlns:a16="http://schemas.microsoft.com/office/drawing/2014/main" id="{3BCEC04E-4862-A54E-1A37-5B9BEDDF7BB5}"/>
+                  </a:ext>
+                </a:extLst>
+              </p:cNvPr>
+              <p:cNvPicPr/>
+              <p:nvPr/>
+            </p:nvPicPr>
+            <p:blipFill>
+              <a:blip r:embed="rId7"/>
+              <a:stretch>
+                <a:fillRect/>
+              </a:stretch>
+            </p:blipFill>
+            <p:spPr>
+              <a:xfrm>
+                <a:off x="7977284" y="2177824"/>
+                <a:ext cx="783720" cy="377280"/>
+              </a:xfrm>
+              <a:prstGeom prst="rect">
+                <a:avLst/>
+              </a:prstGeom>
+            </p:spPr>
+          </p:pic>
+        </mc:Fallback>
+      </mc:AlternateContent>
+      <mc:AlternateContent xmlns:mc="http://schemas.openxmlformats.org/markup-compatibility/2006">
+        <mc:Choice xmlns:p14="http://schemas.microsoft.com/office/powerpoint/2010/main" Requires="p14">
+          <p:contentPart p14:bwMode="auto" r:id="rId8">
+            <p14:nvContentPartPr>
+              <p14:cNvPr id="8" name="Ink 7">
+                <a:extLst>
+                  <a:ext uri="{FF2B5EF4-FFF2-40B4-BE49-F238E27FC236}">
+                    <a16:creationId xmlns:a16="http://schemas.microsoft.com/office/drawing/2014/main" id="{7EA53410-93B9-13D3-A028-9FA490920580}"/>
+                  </a:ext>
+                </a:extLst>
+              </p14:cNvPr>
+              <p14:cNvContentPartPr/>
+              <p14:nvPr/>
+            </p14:nvContentPartPr>
+            <p14:xfrm>
+              <a:off x="3933404" y="5086264"/>
+              <a:ext cx="1582200" cy="334440"/>
+            </p14:xfrm>
+          </p:contentPart>
+        </mc:Choice>
+        <mc:Fallback>
+          <p:pic>
+            <p:nvPicPr>
+              <p:cNvPr id="8" name="Ink 7">
+                <a:extLst>
+                  <a:ext uri="{FF2B5EF4-FFF2-40B4-BE49-F238E27FC236}">
+                    <a16:creationId xmlns:a16="http://schemas.microsoft.com/office/drawing/2014/main" id="{7EA53410-93B9-13D3-A028-9FA490920580}"/>
+                  </a:ext>
+                </a:extLst>
+              </p:cNvPr>
+              <p:cNvPicPr/>
+              <p:nvPr/>
+            </p:nvPicPr>
+            <p:blipFill>
+              <a:blip r:embed="rId9"/>
+              <a:stretch>
+                <a:fillRect/>
+              </a:stretch>
+            </p:blipFill>
+            <p:spPr>
+              <a:xfrm>
+                <a:off x="3870764" y="5023624"/>
+                <a:ext cx="1707840" cy="460080"/>
+              </a:xfrm>
+              <a:prstGeom prst="rect">
+                <a:avLst/>
+              </a:prstGeom>
+            </p:spPr>
+          </p:pic>
+        </mc:Fallback>
+      </mc:AlternateContent>
+    </p:spTree>
+    <p:extLst>
+      <p:ext uri="{BB962C8B-B14F-4D97-AF65-F5344CB8AC3E}">
+        <p14:creationId xmlns:p14="http://schemas.microsoft.com/office/powerpoint/2010/main" val="2656481775"/>
+      </p:ext>
+    </p:extLst>
+  </p:cSld>
+  <p:clrMapOvr>
+    <a:masterClrMapping/>
+  </p:clrMapOvr>
+  <p:timing>
+    <p:tnLst>
+      <p:par>
+        <p:cTn id="1" dur="indefinite" restart="never" nodeType="tmRoot">
+          <p:childTnLst>
+            <p:seq concurrent="1" nextAc="seek">
+              <p:cTn id="2" dur="indefinite" nodeType="mainSeq">
+                <p:childTnLst>
+                  <p:par>
+                    <p:cTn id="3" fill="hold">
+                      <p:stCondLst>
+                        <p:cond delay="indefinite"/>
+                      </p:stCondLst>
+                      <p:childTnLst>
+                        <p:par>
+                          <p:cTn id="4" fill="hold">
+                            <p:stCondLst>
+                              <p:cond delay="0"/>
+                            </p:stCondLst>
+                            <p:childTnLst>
+                              <p:par>
+                                <p:cTn id="5" presetID="1" presetClass="entr" presetSubtype="0" fill="hold" nodeType="clickEffect">
+                                  <p:stCondLst>
+                                    <p:cond delay="0"/>
+                                  </p:stCondLst>
+                                  <p:childTnLst>
+                                    <p:set>
+                                      <p:cBhvr>
+                                        <p:cTn id="6" dur="1" fill="hold">
+                                          <p:stCondLst>
+                                            <p:cond delay="0"/>
+                                          </p:stCondLst>
+                                        </p:cTn>
+                                        <p:tgtEl>
+                                          <p:spTgt spid="4">
+                                            <p:txEl>
+                                              <p:pRg st="0" end="0"/>
+                                            </p:txEl>
+                                          </p:spTgt>
+                                        </p:tgtEl>
+                                        <p:attrNameLst>
+                                          <p:attrName>style.visibility</p:attrName>
+                                        </p:attrNameLst>
+                                      </p:cBhvr>
+                                      <p:to>
+                                        <p:strVal val="visible"/>
+                                      </p:to>
+                                    </p:set>
+                                  </p:childTnLst>
+                                </p:cTn>
+                              </p:par>
+                            </p:childTnLst>
+                          </p:cTn>
+                        </p:par>
+                      </p:childTnLst>
+                    </p:cTn>
+                  </p:par>
+                  <p:par>
+                    <p:cTn id="7" fill="hold">
+                      <p:stCondLst>
+                        <p:cond delay="indefinite"/>
+                      </p:stCondLst>
+                      <p:childTnLst>
+                        <p:par>
+                          <p:cTn id="8" fill="hold">
+                            <p:stCondLst>
+                              <p:cond delay="0"/>
+                            </p:stCondLst>
+                            <p:childTnLst>
+                              <p:par>
+                                <p:cTn id="9" presetID="1" presetClass="entr" presetSubtype="0" fill="hold" nodeType="clickEffect">
+                                  <p:stCondLst>
+                                    <p:cond delay="0"/>
+                                  </p:stCondLst>
+                                  <p:childTnLst>
+                                    <p:set>
+                                      <p:cBhvr>
+                                        <p:cTn id="10" dur="1" fill="hold">
+                                          <p:stCondLst>
+                                            <p:cond delay="0"/>
+                                          </p:stCondLst>
+                                        </p:cTn>
+                                        <p:tgtEl>
+                                          <p:spTgt spid="2"/>
+                                        </p:tgtEl>
+                                        <p:attrNameLst>
+                                          <p:attrName>style.visibility</p:attrName>
+                                        </p:attrNameLst>
+                                      </p:cBhvr>
+                                      <p:to>
+                                        <p:strVal val="visible"/>
+                                      </p:to>
+                                    </p:set>
+                                  </p:childTnLst>
+                                </p:cTn>
+                              </p:par>
+                            </p:childTnLst>
+                          </p:cTn>
+                        </p:par>
+                      </p:childTnLst>
+                    </p:cTn>
+                  </p:par>
+                </p:childTnLst>
+              </p:cTn>
+              <p:prevCondLst>
+                <p:cond evt="onPrev" delay="0">
+                  <p:tgtEl>
+                    <p:sldTgt/>
+                  </p:tgtEl>
+                </p:cond>
+              </p:prevCondLst>
+              <p:nextCondLst>
+                <p:cond evt="onNext" delay="0">
+                  <p:tgtEl>
+                    <p:sldTgt/>
+                  </p:tgtEl>
+                </p:cond>
+              </p:nextCondLst>
+            </p:seq>
+          </p:childTnLst>
+        </p:cTn>
+      </p:par>
+    </p:tnLst>
+  </p:timing>
+</p:sld>
+</file>
+
+<file path=ppt/slides/slide22.xml><?xml version="1.0" encoding="utf-8"?>
+<p:sld xmlns:a="http://schemas.openxmlformats.org/drawingml/2006/main" xmlns:r="http://schemas.openxmlformats.org/officeDocument/2006/relationships" xmlns:p="http://schemas.openxmlformats.org/presentationml/2006/main">
+  <p:cSld>
+    <p:spTree>
+      <p:nvGrpSpPr>
+        <p:cNvPr id="1" name="">
+          <a:extLst>
+            <a:ext uri="{FF2B5EF4-FFF2-40B4-BE49-F238E27FC236}">
+              <a16:creationId xmlns:a16="http://schemas.microsoft.com/office/drawing/2014/main" id="{F13F0AA2-AA08-E8E3-BD52-02CD98EB2469}"/>
+            </a:ext>
+          </a:extLst>
+        </p:cNvPr>
+        <p:cNvGrpSpPr/>
+        <p:nvPr/>
+      </p:nvGrpSpPr>
+      <p:grpSpPr>
+        <a:xfrm>
+          <a:off x="0" y="0"/>
+          <a:ext cx="0" cy="0"/>
+          <a:chOff x="0" y="0"/>
+          <a:chExt cx="0" cy="0"/>
+        </a:xfrm>
+      </p:grpSpPr>
+      <p:sp>
+        <p:nvSpPr>
+          <p:cNvPr id="3" name="Subtitle 2">
+            <a:extLst>
+              <a:ext uri="{FF2B5EF4-FFF2-40B4-BE49-F238E27FC236}">
+                <a16:creationId xmlns:a16="http://schemas.microsoft.com/office/drawing/2014/main" id="{D7BDAAB4-561B-83F5-3C16-CB25BB814865}"/>
+              </a:ext>
+            </a:extLst>
+          </p:cNvPr>
+          <p:cNvSpPr>
+            <a:spLocks noGrp="1"/>
+          </p:cNvSpPr>
+          <p:nvPr>
+            <p:ph type="subTitle" idx="1"/>
+          </p:nvPr>
+        </p:nvSpPr>
+        <p:spPr>
+          <a:xfrm>
+            <a:off x="152399" y="217488"/>
+            <a:ext cx="11223171" cy="303212"/>
+          </a:xfrm>
+        </p:spPr>
+        <p:txBody>
+          <a:bodyPr>
+            <a:normAutofit fontScale="92500" lnSpcReduction="20000"/>
+          </a:bodyPr>
+          <a:lstStyle/>
+          <a:p>
+            <a:r>
+              <a:rPr lang="en-US" sz="1800" b="1"/>
+              <a:t>Lambda syntax </a:t>
+            </a:r>
+          </a:p>
+        </p:txBody>
+      </p:sp>
+      <p:sp>
+        <p:nvSpPr>
+          <p:cNvPr id="4" name="Subtitle 2">
+            <a:extLst>
+              <a:ext uri="{FF2B5EF4-FFF2-40B4-BE49-F238E27FC236}">
+                <a16:creationId xmlns:a16="http://schemas.microsoft.com/office/drawing/2014/main" id="{E00FD1DF-9C73-967D-0508-4C51058ADDA6}"/>
+              </a:ext>
+            </a:extLst>
+          </p:cNvPr>
+          <p:cNvSpPr txBox="1">
+            <a:spLocks/>
+          </p:cNvSpPr>
+          <p:nvPr/>
+        </p:nvSpPr>
+        <p:spPr>
+          <a:xfrm>
+            <a:off x="0" y="820738"/>
+            <a:ext cx="12192000" cy="6037262"/>
+          </a:xfrm>
+          <a:prstGeom prst="rect">
+            <a:avLst/>
+          </a:prstGeom>
+        </p:spPr>
+        <p:txBody>
+          <a:bodyPr vert="horz" lIns="91440" tIns="45720" rIns="91440" bIns="45720" rtlCol="0">
+            <a:normAutofit/>
+          </a:bodyPr>
+          <a:lstStyle>
+            <a:lvl1pPr marL="0" indent="0" algn="ctr" defTabSz="914400" rtl="0" eaLnBrk="1" latinLnBrk="0" hangingPunct="1">
+              <a:lnSpc>
+                <a:spcPct val="90000"/>
+              </a:lnSpc>
+              <a:spcBef>
+                <a:spcPts val="1000"/>
+              </a:spcBef>
+              <a:buFont typeface="Arial" panose="020B0604020202020204" pitchFamily="34" charset="0"/>
+              <a:buNone/>
+              <a:defRPr sz="2400" kern="1200">
+                <a:solidFill>
+                  <a:schemeClr val="tx1"/>
+                </a:solidFill>
+                <a:latin typeface="+mn-lt"/>
+                <a:ea typeface="+mn-ea"/>
+                <a:cs typeface="+mn-cs"/>
+              </a:defRPr>
+            </a:lvl1pPr>
+            <a:lvl2pPr marL="457200" indent="0" algn="ctr" defTabSz="914400" rtl="0" eaLnBrk="1" latinLnBrk="0" hangingPunct="1">
+              <a:lnSpc>
+                <a:spcPct val="90000"/>
+              </a:lnSpc>
+              <a:spcBef>
+                <a:spcPts val="500"/>
+              </a:spcBef>
+              <a:buFont typeface="Arial" panose="020B0604020202020204" pitchFamily="34" charset="0"/>
+              <a:buNone/>
+              <a:defRPr sz="2000" kern="1200">
+                <a:solidFill>
+                  <a:schemeClr val="tx1"/>
+                </a:solidFill>
+                <a:latin typeface="+mn-lt"/>
+                <a:ea typeface="+mn-ea"/>
+                <a:cs typeface="+mn-cs"/>
+              </a:defRPr>
+            </a:lvl2pPr>
+            <a:lvl3pPr marL="914400" indent="0" algn="ctr" defTabSz="914400" rtl="0" eaLnBrk="1" latinLnBrk="0" hangingPunct="1">
+              <a:lnSpc>
+                <a:spcPct val="90000"/>
+              </a:lnSpc>
+              <a:spcBef>
+                <a:spcPts val="500"/>
+              </a:spcBef>
+              <a:buFont typeface="Arial" panose="020B0604020202020204" pitchFamily="34" charset="0"/>
+              <a:buNone/>
+              <a:defRPr sz="1800" kern="1200">
+                <a:solidFill>
+                  <a:schemeClr val="tx1"/>
+                </a:solidFill>
+                <a:latin typeface="+mn-lt"/>
+                <a:ea typeface="+mn-ea"/>
+                <a:cs typeface="+mn-cs"/>
+              </a:defRPr>
+            </a:lvl3pPr>
+            <a:lvl4pPr marL="1371600" indent="0" algn="ctr" defTabSz="914400" rtl="0" eaLnBrk="1" latinLnBrk="0" hangingPunct="1">
+              <a:lnSpc>
+                <a:spcPct val="90000"/>
+              </a:lnSpc>
+              <a:spcBef>
+                <a:spcPts val="500"/>
+              </a:spcBef>
+              <a:buFont typeface="Arial" panose="020B0604020202020204" pitchFamily="34" charset="0"/>
+              <a:buNone/>
+              <a:defRPr sz="1600" kern="1200">
+                <a:solidFill>
+                  <a:schemeClr val="tx1"/>
+                </a:solidFill>
+                <a:latin typeface="+mn-lt"/>
+                <a:ea typeface="+mn-ea"/>
+                <a:cs typeface="+mn-cs"/>
+              </a:defRPr>
+            </a:lvl4pPr>
+            <a:lvl5pPr marL="1828800" indent="0" algn="ctr" defTabSz="914400" rtl="0" eaLnBrk="1" latinLnBrk="0" hangingPunct="1">
+              <a:lnSpc>
+                <a:spcPct val="90000"/>
+              </a:lnSpc>
+              <a:spcBef>
+                <a:spcPts val="500"/>
+              </a:spcBef>
+              <a:buFont typeface="Arial" panose="020B0604020202020204" pitchFamily="34" charset="0"/>
+              <a:buNone/>
+              <a:defRPr sz="1600" kern="1200">
+                <a:solidFill>
+                  <a:schemeClr val="tx1"/>
+                </a:solidFill>
+                <a:latin typeface="+mn-lt"/>
+                <a:ea typeface="+mn-ea"/>
+                <a:cs typeface="+mn-cs"/>
+              </a:defRPr>
+            </a:lvl5pPr>
+            <a:lvl6pPr marL="2286000" indent="0" algn="ctr" defTabSz="914400" rtl="0" eaLnBrk="1" latinLnBrk="0" hangingPunct="1">
+              <a:lnSpc>
+                <a:spcPct val="90000"/>
+              </a:lnSpc>
+              <a:spcBef>
+                <a:spcPts val="500"/>
+              </a:spcBef>
+              <a:buFont typeface="Arial" panose="020B0604020202020204" pitchFamily="34" charset="0"/>
+              <a:buNone/>
+              <a:defRPr sz="1600" kern="1200">
+                <a:solidFill>
+                  <a:schemeClr val="tx1"/>
+                </a:solidFill>
+                <a:latin typeface="+mn-lt"/>
+                <a:ea typeface="+mn-ea"/>
+                <a:cs typeface="+mn-cs"/>
+              </a:defRPr>
+            </a:lvl6pPr>
+            <a:lvl7pPr marL="2743200" indent="0" algn="ctr" defTabSz="914400" rtl="0" eaLnBrk="1" latinLnBrk="0" hangingPunct="1">
+              <a:lnSpc>
+                <a:spcPct val="90000"/>
+              </a:lnSpc>
+              <a:spcBef>
+                <a:spcPts val="500"/>
+              </a:spcBef>
+              <a:buFont typeface="Arial" panose="020B0604020202020204" pitchFamily="34" charset="0"/>
+              <a:buNone/>
+              <a:defRPr sz="1600" kern="1200">
+                <a:solidFill>
+                  <a:schemeClr val="tx1"/>
+                </a:solidFill>
+                <a:latin typeface="+mn-lt"/>
+                <a:ea typeface="+mn-ea"/>
+                <a:cs typeface="+mn-cs"/>
+              </a:defRPr>
+            </a:lvl7pPr>
+            <a:lvl8pPr marL="3200400" indent="0" algn="ctr" defTabSz="914400" rtl="0" eaLnBrk="1" latinLnBrk="0" hangingPunct="1">
+              <a:lnSpc>
+                <a:spcPct val="90000"/>
+              </a:lnSpc>
+              <a:spcBef>
+                <a:spcPts val="500"/>
+              </a:spcBef>
+              <a:buFont typeface="Arial" panose="020B0604020202020204" pitchFamily="34" charset="0"/>
+              <a:buNone/>
+              <a:defRPr sz="1600" kern="1200">
+                <a:solidFill>
+                  <a:schemeClr val="tx1"/>
+                </a:solidFill>
+                <a:latin typeface="+mn-lt"/>
+                <a:ea typeface="+mn-ea"/>
+                <a:cs typeface="+mn-cs"/>
+              </a:defRPr>
+            </a:lvl8pPr>
+            <a:lvl9pPr marL="3657600" indent="0" algn="ctr" defTabSz="914400" rtl="0" eaLnBrk="1" latinLnBrk="0" hangingPunct="1">
+              <a:lnSpc>
+                <a:spcPct val="90000"/>
+              </a:lnSpc>
+              <a:spcBef>
+                <a:spcPts val="500"/>
+              </a:spcBef>
+              <a:buFont typeface="Arial" panose="020B0604020202020204" pitchFamily="34" charset="0"/>
+              <a:buNone/>
+              <a:defRPr sz="1600" kern="1200">
+                <a:solidFill>
+                  <a:schemeClr val="tx1"/>
+                </a:solidFill>
+                <a:latin typeface="+mn-lt"/>
+                <a:ea typeface="+mn-ea"/>
+                <a:cs typeface="+mn-cs"/>
+              </a:defRPr>
+            </a:lvl9pPr>
+          </a:lstStyle>
+          <a:p>
+            <a:pPr algn="l"/>
+            <a:r>
+              <a:rPr lang="en-US" sz="1800">
+                <a:sym typeface="Wingdings" pitchFamily="2" charset="2"/>
+              </a:rPr>
+              <a:t>- This picture below is the structure of a ... (... version)</a:t>
+            </a:r>
+          </a:p>
+          <a:p>
+            <a:pPr algn="l"/>
+            <a:endParaRPr lang="en-US" sz="1800">
+              <a:sym typeface="Wingdings" pitchFamily="2" charset="2"/>
+            </a:endParaRPr>
+          </a:p>
+        </p:txBody>
+      </p:sp>
+      <p:pic>
+        <p:nvPicPr>
+          <p:cNvPr id="5" name="Picture 4">
+            <a:extLst>
+              <a:ext uri="{FF2B5EF4-FFF2-40B4-BE49-F238E27FC236}">
+                <a16:creationId xmlns:a16="http://schemas.microsoft.com/office/drawing/2014/main" id="{E4BD4833-3FC8-EC41-16A1-15ED80D91449}"/>
+              </a:ext>
+            </a:extLst>
+          </p:cNvPr>
+          <p:cNvPicPr>
+            <a:picLocks noChangeAspect="1"/>
+          </p:cNvPicPr>
+          <p:nvPr/>
+        </p:nvPicPr>
+        <p:blipFill>
+          <a:blip r:embed="rId3"/>
+          <a:stretch>
+            <a:fillRect/>
+          </a:stretch>
+        </p:blipFill>
+        <p:spPr>
+          <a:xfrm>
+            <a:off x="1095958" y="1828483"/>
+            <a:ext cx="10000083" cy="4021772"/>
+          </a:xfrm>
+          <a:prstGeom prst="rect">
+            <a:avLst/>
+          </a:prstGeom>
+        </p:spPr>
+      </p:pic>
+      <mc:AlternateContent xmlns:mc="http://schemas.openxmlformats.org/markup-compatibility/2006">
+        <mc:Choice xmlns:p14="http://schemas.microsoft.com/office/powerpoint/2010/main" Requires="p14">
+          <p:contentPart p14:bwMode="auto" r:id="rId4">
+            <p14:nvContentPartPr>
+              <p14:cNvPr id="9" name="Ink 8">
+                <a:extLst>
+                  <a:ext uri="{FF2B5EF4-FFF2-40B4-BE49-F238E27FC236}">
+                    <a16:creationId xmlns:a16="http://schemas.microsoft.com/office/drawing/2014/main" id="{85F5E78D-3A4A-E9D4-8A75-442D6313099F}"/>
+                  </a:ext>
+                </a:extLst>
+              </p14:cNvPr>
+              <p14:cNvContentPartPr/>
+              <p14:nvPr/>
+            </p14:nvContentPartPr>
+            <p14:xfrm>
+              <a:off x="2937644" y="2209504"/>
+              <a:ext cx="2149920" cy="278640"/>
+            </p14:xfrm>
+          </p:contentPart>
+        </mc:Choice>
+        <mc:Fallback>
+          <p:pic>
+            <p:nvPicPr>
+              <p:cNvPr id="9" name="Ink 8">
+                <a:extLst>
+                  <a:ext uri="{FF2B5EF4-FFF2-40B4-BE49-F238E27FC236}">
+                    <a16:creationId xmlns:a16="http://schemas.microsoft.com/office/drawing/2014/main" id="{85F5E78D-3A4A-E9D4-8A75-442D6313099F}"/>
+                  </a:ext>
+                </a:extLst>
+              </p:cNvPr>
+              <p:cNvPicPr/>
+              <p:nvPr/>
+            </p:nvPicPr>
+            <p:blipFill>
+              <a:blip r:embed="rId5"/>
+              <a:stretch>
+                <a:fillRect/>
+              </a:stretch>
+            </p:blipFill>
+            <p:spPr>
+              <a:xfrm>
+                <a:off x="2875004" y="2146864"/>
+                <a:ext cx="2275560" cy="404280"/>
+              </a:xfrm>
+              <a:prstGeom prst="rect">
+                <a:avLst/>
+              </a:prstGeom>
+            </p:spPr>
+          </p:pic>
+        </mc:Fallback>
+      </mc:AlternateContent>
+      <mc:AlternateContent xmlns:mc="http://schemas.openxmlformats.org/markup-compatibility/2006">
+        <mc:Choice xmlns:p14="http://schemas.microsoft.com/office/powerpoint/2010/main" Requires="p14">
+          <p:contentPart p14:bwMode="auto" r:id="rId6">
+            <p14:nvContentPartPr>
+              <p14:cNvPr id="10" name="Ink 9">
+                <a:extLst>
+                  <a:ext uri="{FF2B5EF4-FFF2-40B4-BE49-F238E27FC236}">
+                    <a16:creationId xmlns:a16="http://schemas.microsoft.com/office/drawing/2014/main" id="{507B3ABA-CB51-6913-845C-4C4E64D30D76}"/>
+                  </a:ext>
+                </a:extLst>
+              </p14:cNvPr>
+              <p14:cNvContentPartPr/>
+              <p14:nvPr/>
+            </p14:nvContentPartPr>
+            <p14:xfrm>
+              <a:off x="1502684" y="4549504"/>
+              <a:ext cx="2850840" cy="293760"/>
+            </p14:xfrm>
+          </p:contentPart>
+        </mc:Choice>
+        <mc:Fallback>
+          <p:pic>
+            <p:nvPicPr>
+              <p:cNvPr id="10" name="Ink 9">
+                <a:extLst>
+                  <a:ext uri="{FF2B5EF4-FFF2-40B4-BE49-F238E27FC236}">
+                    <a16:creationId xmlns:a16="http://schemas.microsoft.com/office/drawing/2014/main" id="{507B3ABA-CB51-6913-845C-4C4E64D30D76}"/>
+                  </a:ext>
+                </a:extLst>
+              </p:cNvPr>
+              <p:cNvPicPr/>
+              <p:nvPr/>
+            </p:nvPicPr>
+            <p:blipFill>
+              <a:blip r:embed="rId7"/>
+              <a:stretch>
+                <a:fillRect/>
+              </a:stretch>
+            </p:blipFill>
+            <p:spPr>
+              <a:xfrm>
+                <a:off x="1439684" y="4486864"/>
+                <a:ext cx="2976480" cy="419400"/>
+              </a:xfrm>
+              <a:prstGeom prst="rect">
+                <a:avLst/>
+              </a:prstGeom>
+            </p:spPr>
+          </p:pic>
+        </mc:Fallback>
+      </mc:AlternateContent>
+      <mc:AlternateContent xmlns:mc="http://schemas.openxmlformats.org/markup-compatibility/2006">
+        <mc:Choice xmlns:p14="http://schemas.microsoft.com/office/powerpoint/2010/main" Requires="p14">
+          <p:contentPart p14:bwMode="auto" r:id="rId8">
+            <p14:nvContentPartPr>
+              <p14:cNvPr id="11" name="Ink 10">
+                <a:extLst>
+                  <a:ext uri="{FF2B5EF4-FFF2-40B4-BE49-F238E27FC236}">
+                    <a16:creationId xmlns:a16="http://schemas.microsoft.com/office/drawing/2014/main" id="{A4C084AA-63C4-BA26-CDA8-34248BC8E941}"/>
+                  </a:ext>
+                </a:extLst>
+              </p14:cNvPr>
+              <p14:cNvContentPartPr/>
+              <p14:nvPr/>
+            </p14:nvContentPartPr>
+            <p14:xfrm>
+              <a:off x="4298084" y="5157904"/>
+              <a:ext cx="932040" cy="202320"/>
+            </p14:xfrm>
+          </p:contentPart>
+        </mc:Choice>
+        <mc:Fallback>
+          <p:pic>
+            <p:nvPicPr>
+              <p:cNvPr id="11" name="Ink 10">
+                <a:extLst>
+                  <a:ext uri="{FF2B5EF4-FFF2-40B4-BE49-F238E27FC236}">
+                    <a16:creationId xmlns:a16="http://schemas.microsoft.com/office/drawing/2014/main" id="{A4C084AA-63C4-BA26-CDA8-34248BC8E941}"/>
+                  </a:ext>
+                </a:extLst>
+              </p:cNvPr>
+              <p:cNvPicPr/>
+              <p:nvPr/>
+            </p:nvPicPr>
+            <p:blipFill>
+              <a:blip r:embed="rId9"/>
+              <a:stretch>
+                <a:fillRect/>
+              </a:stretch>
+            </p:blipFill>
+            <p:spPr>
+              <a:xfrm>
+                <a:off x="4235444" y="5095264"/>
+                <a:ext cx="1057680" cy="327960"/>
+              </a:xfrm>
+              <a:prstGeom prst="rect">
+                <a:avLst/>
+              </a:prstGeom>
+            </p:spPr>
+          </p:pic>
+        </mc:Fallback>
+      </mc:AlternateContent>
+      <mc:AlternateContent xmlns:mc="http://schemas.openxmlformats.org/markup-compatibility/2006">
+        <mc:Choice xmlns:p14="http://schemas.microsoft.com/office/powerpoint/2010/main" Requires="p14">
+          <p:contentPart p14:bwMode="auto" r:id="rId10">
+            <p14:nvContentPartPr>
+              <p14:cNvPr id="12" name="Ink 11">
+                <a:extLst>
+                  <a:ext uri="{FF2B5EF4-FFF2-40B4-BE49-F238E27FC236}">
+                    <a16:creationId xmlns:a16="http://schemas.microsoft.com/office/drawing/2014/main" id="{EC51F457-D6E0-4B8B-98FD-27D9CBD057D1}"/>
+                  </a:ext>
+                </a:extLst>
+              </p14:cNvPr>
+              <p14:cNvContentPartPr/>
+              <p14:nvPr/>
+            </p14:nvContentPartPr>
+            <p14:xfrm>
+              <a:off x="6497684" y="5162944"/>
+              <a:ext cx="3204360" cy="225000"/>
+            </p14:xfrm>
+          </p:contentPart>
+        </mc:Choice>
+        <mc:Fallback>
+          <p:pic>
+            <p:nvPicPr>
+              <p:cNvPr id="12" name="Ink 11">
+                <a:extLst>
+                  <a:ext uri="{FF2B5EF4-FFF2-40B4-BE49-F238E27FC236}">
+                    <a16:creationId xmlns:a16="http://schemas.microsoft.com/office/drawing/2014/main" id="{EC51F457-D6E0-4B8B-98FD-27D9CBD057D1}"/>
+                  </a:ext>
+                </a:extLst>
+              </p:cNvPr>
+              <p:cNvPicPr/>
+              <p:nvPr/>
+            </p:nvPicPr>
+            <p:blipFill>
+              <a:blip r:embed="rId11"/>
+              <a:stretch>
+                <a:fillRect/>
+              </a:stretch>
+            </p:blipFill>
+            <p:spPr>
+              <a:xfrm>
+                <a:off x="6434684" y="5100304"/>
+                <a:ext cx="3330000" cy="350640"/>
+              </a:xfrm>
+              <a:prstGeom prst="rect">
+                <a:avLst/>
+              </a:prstGeom>
+            </p:spPr>
+          </p:pic>
+        </mc:Fallback>
+      </mc:AlternateContent>
+      <mc:AlternateContent xmlns:mc="http://schemas.openxmlformats.org/markup-compatibility/2006">
+        <mc:Choice xmlns:p14="http://schemas.microsoft.com/office/powerpoint/2010/main" Requires="p14">
+          <p:contentPart p14:bwMode="auto" r:id="rId12">
+            <p14:nvContentPartPr>
+              <p14:cNvPr id="13" name="Ink 12">
+                <a:extLst>
+                  <a:ext uri="{FF2B5EF4-FFF2-40B4-BE49-F238E27FC236}">
+                    <a16:creationId xmlns:a16="http://schemas.microsoft.com/office/drawing/2014/main" id="{3A933F9D-BB7F-78A5-A729-7F8C51CF9048}"/>
+                  </a:ext>
+                </a:extLst>
+              </p14:cNvPr>
+              <p14:cNvContentPartPr/>
+              <p14:nvPr/>
+            </p14:nvContentPartPr>
+            <p14:xfrm>
+              <a:off x="9610964" y="2172064"/>
+              <a:ext cx="623880" cy="200520"/>
+            </p14:xfrm>
+          </p:contentPart>
+        </mc:Choice>
+        <mc:Fallback>
+          <p:pic>
+            <p:nvPicPr>
+              <p:cNvPr id="13" name="Ink 12">
+                <a:extLst>
+                  <a:ext uri="{FF2B5EF4-FFF2-40B4-BE49-F238E27FC236}">
+                    <a16:creationId xmlns:a16="http://schemas.microsoft.com/office/drawing/2014/main" id="{3A933F9D-BB7F-78A5-A729-7F8C51CF9048}"/>
+                  </a:ext>
+                </a:extLst>
+              </p:cNvPr>
+              <p:cNvPicPr/>
+              <p:nvPr/>
+            </p:nvPicPr>
+            <p:blipFill>
+              <a:blip r:embed="rId13"/>
+              <a:stretch>
+                <a:fillRect/>
+              </a:stretch>
+            </p:blipFill>
+            <p:spPr>
+              <a:xfrm>
+                <a:off x="9547964" y="2109424"/>
+                <a:ext cx="749520" cy="326160"/>
+              </a:xfrm>
+              <a:prstGeom prst="rect">
+                <a:avLst/>
+              </a:prstGeom>
+            </p:spPr>
+          </p:pic>
+        </mc:Fallback>
+      </mc:AlternateContent>
+    </p:spTree>
+    <p:extLst>
+      <p:ext uri="{BB962C8B-B14F-4D97-AF65-F5344CB8AC3E}">
+        <p14:creationId xmlns:p14="http://schemas.microsoft.com/office/powerpoint/2010/main" val="75844932"/>
+      </p:ext>
+    </p:extLst>
+  </p:cSld>
+  <p:clrMapOvr>
+    <a:masterClrMapping/>
+  </p:clrMapOvr>
+  <p:timing>
+    <p:tnLst>
+      <p:par>
+        <p:cTn id="1" dur="indefinite" restart="never" nodeType="tmRoot">
+          <p:childTnLst>
+            <p:seq concurrent="1" nextAc="seek">
+              <p:cTn id="2" dur="indefinite" nodeType="mainSeq">
+                <p:childTnLst>
+                  <p:par>
+                    <p:cTn id="3" fill="hold">
+                      <p:stCondLst>
+                        <p:cond delay="indefinite"/>
+                      </p:stCondLst>
+                      <p:childTnLst>
+                        <p:par>
+                          <p:cTn id="4" fill="hold">
+                            <p:stCondLst>
+                              <p:cond delay="0"/>
+                            </p:stCondLst>
+                            <p:childTnLst>
+                              <p:par>
+                                <p:cTn id="5" presetID="1" presetClass="entr" presetSubtype="0" fill="hold" nodeType="clickEffect">
+                                  <p:stCondLst>
+                                    <p:cond delay="0"/>
+                                  </p:stCondLst>
+                                  <p:childTnLst>
+                                    <p:set>
+                                      <p:cBhvr>
+                                        <p:cTn id="6" dur="1" fill="hold">
+                                          <p:stCondLst>
+                                            <p:cond delay="0"/>
+                                          </p:stCondLst>
+                                        </p:cTn>
+                                        <p:tgtEl>
+                                          <p:spTgt spid="4">
+                                            <p:txEl>
+                                              <p:pRg st="0" end="0"/>
+                                            </p:txEl>
+                                          </p:spTgt>
+                                        </p:tgtEl>
+                                        <p:attrNameLst>
+                                          <p:attrName>style.visibility</p:attrName>
+                                        </p:attrNameLst>
+                                      </p:cBhvr>
+                                      <p:to>
+                                        <p:strVal val="visible"/>
+                                      </p:to>
+                                    </p:set>
+                                  </p:childTnLst>
+                                </p:cTn>
+                              </p:par>
+                            </p:childTnLst>
+                          </p:cTn>
+                        </p:par>
+                      </p:childTnLst>
+                    </p:cTn>
+                  </p:par>
+                  <p:par>
+                    <p:cTn id="7" fill="hold">
+                      <p:stCondLst>
+                        <p:cond delay="indefinite"/>
+                      </p:stCondLst>
+                      <p:childTnLst>
+                        <p:par>
+                          <p:cTn id="8" fill="hold">
+                            <p:stCondLst>
+                              <p:cond delay="0"/>
+                            </p:stCondLst>
+                            <p:childTnLst>
+                              <p:par>
+                                <p:cTn id="9" presetID="1" presetClass="entr" presetSubtype="0" fill="hold" nodeType="clickEffect">
+                                  <p:stCondLst>
+                                    <p:cond delay="0"/>
+                                  </p:stCondLst>
+                                  <p:childTnLst>
+                                    <p:set>
+                                      <p:cBhvr>
+                                        <p:cTn id="10" dur="1" fill="hold">
+                                          <p:stCondLst>
+                                            <p:cond delay="0"/>
+                                          </p:stCondLst>
+                                        </p:cTn>
+                                        <p:tgtEl>
+                                          <p:spTgt spid="5"/>
+                                        </p:tgtEl>
+                                        <p:attrNameLst>
+                                          <p:attrName>style.visibility</p:attrName>
+                                        </p:attrNameLst>
+                                      </p:cBhvr>
+                                      <p:to>
+                                        <p:strVal val="visible"/>
+                                      </p:to>
+                                    </p:set>
+                                  </p:childTnLst>
+                                </p:cTn>
+                              </p:par>
+                            </p:childTnLst>
+                          </p:cTn>
+                        </p:par>
+                      </p:childTnLst>
+                    </p:cTn>
+                  </p:par>
+                </p:childTnLst>
+              </p:cTn>
+              <p:prevCondLst>
+                <p:cond evt="onPrev" delay="0">
+                  <p:tgtEl>
+                    <p:sldTgt/>
+                  </p:tgtEl>
+                </p:cond>
+              </p:prevCondLst>
+              <p:nextCondLst>
+                <p:cond evt="onNext" delay="0">
+                  <p:tgtEl>
+                    <p:sldTgt/>
+                  </p:tgtEl>
+                </p:cond>
+              </p:nextCondLst>
+            </p:seq>
+          </p:childTnLst>
+        </p:cTn>
+      </p:par>
+    </p:tnLst>
+  </p:timing>
+</p:sld>
+</file>
+
+<file path=ppt/slides/slide23.xml><?xml version="1.0" encoding="utf-8"?>
+<p:sld xmlns:a="http://schemas.openxmlformats.org/drawingml/2006/main" xmlns:r="http://schemas.openxmlformats.org/officeDocument/2006/relationships" xmlns:p="http://schemas.openxmlformats.org/presentationml/2006/main">
+  <p:cSld>
+    <p:spTree>
+      <p:nvGrpSpPr>
+        <p:cNvPr id="1" name="">
+          <a:extLst>
+            <a:ext uri="{FF2B5EF4-FFF2-40B4-BE49-F238E27FC236}">
+              <a16:creationId xmlns:a16="http://schemas.microsoft.com/office/drawing/2014/main" id="{7BB47727-D5F6-B051-5369-8593CE37E0EB}"/>
+            </a:ext>
+          </a:extLst>
+        </p:cNvPr>
+        <p:cNvGrpSpPr/>
+        <p:nvPr/>
+      </p:nvGrpSpPr>
+      <p:grpSpPr>
+        <a:xfrm>
+          <a:off x="0" y="0"/>
+          <a:ext cx="0" cy="0"/>
+          <a:chOff x="0" y="0"/>
+          <a:chExt cx="0" cy="0"/>
+        </a:xfrm>
+      </p:grpSpPr>
+      <p:sp>
+        <p:nvSpPr>
+          <p:cNvPr id="3" name="Subtitle 2">
+            <a:extLst>
+              <a:ext uri="{FF2B5EF4-FFF2-40B4-BE49-F238E27FC236}">
+                <a16:creationId xmlns:a16="http://schemas.microsoft.com/office/drawing/2014/main" id="{9D908162-051C-12EC-EBD3-4DB6B0A4A3FD}"/>
+              </a:ext>
+            </a:extLst>
+          </p:cNvPr>
+          <p:cNvSpPr>
+            <a:spLocks noGrp="1"/>
+          </p:cNvSpPr>
+          <p:nvPr>
+            <p:ph type="subTitle" idx="1"/>
+          </p:nvPr>
+        </p:nvSpPr>
+        <p:spPr>
+          <a:xfrm>
+            <a:off x="152399" y="217488"/>
+            <a:ext cx="11223171" cy="303212"/>
+          </a:xfrm>
+        </p:spPr>
+        <p:txBody>
+          <a:bodyPr>
+            <a:normAutofit fontScale="92500" lnSpcReduction="20000"/>
+          </a:bodyPr>
+          <a:lstStyle/>
+          <a:p>
+            <a:r>
+              <a:rPr lang="en-US" sz="1800" b="1"/>
+              <a:t>Lambda syntax </a:t>
+            </a:r>
+          </a:p>
+        </p:txBody>
+      </p:sp>
+      <p:sp>
+        <p:nvSpPr>
+          <p:cNvPr id="4" name="Subtitle 2">
+            <a:extLst>
+              <a:ext uri="{FF2B5EF4-FFF2-40B4-BE49-F238E27FC236}">
+                <a16:creationId xmlns:a16="http://schemas.microsoft.com/office/drawing/2014/main" id="{D335FF9E-445F-7E5B-0C7C-5C683CD6483C}"/>
+              </a:ext>
+            </a:extLst>
+          </p:cNvPr>
+          <p:cNvSpPr txBox="1">
+            <a:spLocks/>
+          </p:cNvSpPr>
+          <p:nvPr/>
+        </p:nvSpPr>
+        <p:spPr>
+          <a:xfrm>
+            <a:off x="0" y="820738"/>
+            <a:ext cx="12192000" cy="6037262"/>
+          </a:xfrm>
+          <a:prstGeom prst="rect">
+            <a:avLst/>
+          </a:prstGeom>
+        </p:spPr>
+        <p:txBody>
+          <a:bodyPr vert="horz" lIns="91440" tIns="45720" rIns="91440" bIns="45720" rtlCol="0">
+            <a:normAutofit/>
+          </a:bodyPr>
+          <a:lstStyle>
+            <a:lvl1pPr marL="0" indent="0" algn="ctr" defTabSz="914400" rtl="0" eaLnBrk="1" latinLnBrk="0" hangingPunct="1">
+              <a:lnSpc>
+                <a:spcPct val="90000"/>
+              </a:lnSpc>
+              <a:spcBef>
+                <a:spcPts val="1000"/>
+              </a:spcBef>
+              <a:buFont typeface="Arial" panose="020B0604020202020204" pitchFamily="34" charset="0"/>
+              <a:buNone/>
+              <a:defRPr sz="2400" kern="1200">
+                <a:solidFill>
+                  <a:schemeClr val="tx1"/>
+                </a:solidFill>
+                <a:latin typeface="+mn-lt"/>
+                <a:ea typeface="+mn-ea"/>
+                <a:cs typeface="+mn-cs"/>
+              </a:defRPr>
+            </a:lvl1pPr>
+            <a:lvl2pPr marL="457200" indent="0" algn="ctr" defTabSz="914400" rtl="0" eaLnBrk="1" latinLnBrk="0" hangingPunct="1">
+              <a:lnSpc>
+                <a:spcPct val="90000"/>
+              </a:lnSpc>
+              <a:spcBef>
+                <a:spcPts val="500"/>
+              </a:spcBef>
+              <a:buFont typeface="Arial" panose="020B0604020202020204" pitchFamily="34" charset="0"/>
+              <a:buNone/>
+              <a:defRPr sz="2000" kern="1200">
+                <a:solidFill>
+                  <a:schemeClr val="tx1"/>
+                </a:solidFill>
+                <a:latin typeface="+mn-lt"/>
+                <a:ea typeface="+mn-ea"/>
+                <a:cs typeface="+mn-cs"/>
+              </a:defRPr>
+            </a:lvl2pPr>
+            <a:lvl3pPr marL="914400" indent="0" algn="ctr" defTabSz="914400" rtl="0" eaLnBrk="1" latinLnBrk="0" hangingPunct="1">
+              <a:lnSpc>
+                <a:spcPct val="90000"/>
+              </a:lnSpc>
+              <a:spcBef>
+                <a:spcPts val="500"/>
+              </a:spcBef>
+              <a:buFont typeface="Arial" panose="020B0604020202020204" pitchFamily="34" charset="0"/>
+              <a:buNone/>
+              <a:defRPr sz="1800" kern="1200">
+                <a:solidFill>
+                  <a:schemeClr val="tx1"/>
+                </a:solidFill>
+                <a:latin typeface="+mn-lt"/>
+                <a:ea typeface="+mn-ea"/>
+                <a:cs typeface="+mn-cs"/>
+              </a:defRPr>
+            </a:lvl3pPr>
+            <a:lvl4pPr marL="1371600" indent="0" algn="ctr" defTabSz="914400" rtl="0" eaLnBrk="1" latinLnBrk="0" hangingPunct="1">
+              <a:lnSpc>
+                <a:spcPct val="90000"/>
+              </a:lnSpc>
+              <a:spcBef>
+                <a:spcPts val="500"/>
+              </a:spcBef>
+              <a:buFont typeface="Arial" panose="020B0604020202020204" pitchFamily="34" charset="0"/>
+              <a:buNone/>
+              <a:defRPr sz="1600" kern="1200">
+                <a:solidFill>
+                  <a:schemeClr val="tx1"/>
+                </a:solidFill>
+                <a:latin typeface="+mn-lt"/>
+                <a:ea typeface="+mn-ea"/>
+                <a:cs typeface="+mn-cs"/>
+              </a:defRPr>
+            </a:lvl4pPr>
+            <a:lvl5pPr marL="1828800" indent="0" algn="ctr" defTabSz="914400" rtl="0" eaLnBrk="1" latinLnBrk="0" hangingPunct="1">
+              <a:lnSpc>
+                <a:spcPct val="90000"/>
+              </a:lnSpc>
+              <a:spcBef>
+                <a:spcPts val="500"/>
+              </a:spcBef>
+              <a:buFont typeface="Arial" panose="020B0604020202020204" pitchFamily="34" charset="0"/>
+              <a:buNone/>
+              <a:defRPr sz="1600" kern="1200">
+                <a:solidFill>
+                  <a:schemeClr val="tx1"/>
+                </a:solidFill>
+                <a:latin typeface="+mn-lt"/>
+                <a:ea typeface="+mn-ea"/>
+                <a:cs typeface="+mn-cs"/>
+              </a:defRPr>
+            </a:lvl5pPr>
+            <a:lvl6pPr marL="2286000" indent="0" algn="ctr" defTabSz="914400" rtl="0" eaLnBrk="1" latinLnBrk="0" hangingPunct="1">
+              <a:lnSpc>
+                <a:spcPct val="90000"/>
+              </a:lnSpc>
+              <a:spcBef>
+                <a:spcPts val="500"/>
+              </a:spcBef>
+              <a:buFont typeface="Arial" panose="020B0604020202020204" pitchFamily="34" charset="0"/>
+              <a:buNone/>
+              <a:defRPr sz="1600" kern="1200">
+                <a:solidFill>
+                  <a:schemeClr val="tx1"/>
+                </a:solidFill>
+                <a:latin typeface="+mn-lt"/>
+                <a:ea typeface="+mn-ea"/>
+                <a:cs typeface="+mn-cs"/>
+              </a:defRPr>
+            </a:lvl6pPr>
+            <a:lvl7pPr marL="2743200" indent="0" algn="ctr" defTabSz="914400" rtl="0" eaLnBrk="1" latinLnBrk="0" hangingPunct="1">
+              <a:lnSpc>
+                <a:spcPct val="90000"/>
+              </a:lnSpc>
+              <a:spcBef>
+                <a:spcPts val="500"/>
+              </a:spcBef>
+              <a:buFont typeface="Arial" panose="020B0604020202020204" pitchFamily="34" charset="0"/>
+              <a:buNone/>
+              <a:defRPr sz="1600" kern="1200">
+                <a:solidFill>
+                  <a:schemeClr val="tx1"/>
+                </a:solidFill>
+                <a:latin typeface="+mn-lt"/>
+                <a:ea typeface="+mn-ea"/>
+                <a:cs typeface="+mn-cs"/>
+              </a:defRPr>
+            </a:lvl7pPr>
+            <a:lvl8pPr marL="3200400" indent="0" algn="ctr" defTabSz="914400" rtl="0" eaLnBrk="1" latinLnBrk="0" hangingPunct="1">
+              <a:lnSpc>
+                <a:spcPct val="90000"/>
+              </a:lnSpc>
+              <a:spcBef>
+                <a:spcPts val="500"/>
+              </a:spcBef>
+              <a:buFont typeface="Arial" panose="020B0604020202020204" pitchFamily="34" charset="0"/>
+              <a:buNone/>
+              <a:defRPr sz="1600" kern="1200">
+                <a:solidFill>
+                  <a:schemeClr val="tx1"/>
+                </a:solidFill>
+                <a:latin typeface="+mn-lt"/>
+                <a:ea typeface="+mn-ea"/>
+                <a:cs typeface="+mn-cs"/>
+              </a:defRPr>
+            </a:lvl8pPr>
+            <a:lvl9pPr marL="3657600" indent="0" algn="ctr" defTabSz="914400" rtl="0" eaLnBrk="1" latinLnBrk="0" hangingPunct="1">
+              <a:lnSpc>
+                <a:spcPct val="90000"/>
+              </a:lnSpc>
+              <a:spcBef>
+                <a:spcPts val="500"/>
+              </a:spcBef>
+              <a:buFont typeface="Arial" panose="020B0604020202020204" pitchFamily="34" charset="0"/>
+              <a:buNone/>
+              <a:defRPr sz="1600" kern="1200">
+                <a:solidFill>
+                  <a:schemeClr val="tx1"/>
+                </a:solidFill>
+                <a:latin typeface="+mn-lt"/>
+                <a:ea typeface="+mn-ea"/>
+                <a:cs typeface="+mn-cs"/>
+              </a:defRPr>
+            </a:lvl9pPr>
+          </a:lstStyle>
+          <a:p>
+            <a:pPr algn="l"/>
+            <a:r>
+              <a:rPr lang="en-US" sz="1800">
+                <a:sym typeface="Wingdings" pitchFamily="2" charset="2"/>
+              </a:rPr>
+              <a:t>- The ... for the parameter can be ... but with ... special rules:</a:t>
+            </a:r>
+          </a:p>
+          <a:p>
+            <a:pPr algn="l"/>
+            <a:r>
+              <a:rPr lang="en-US" sz="1800">
+                <a:sym typeface="Wingdings" pitchFamily="2" charset="2"/>
+              </a:rPr>
+              <a:t>+) There is only ...</a:t>
+            </a:r>
+          </a:p>
+          <a:p>
+            <a:pPr algn="l"/>
+            <a:r>
+              <a:rPr lang="en-US" sz="1800">
+                <a:sym typeface="Wingdings" pitchFamily="2" charset="2"/>
+              </a:rPr>
+              <a:t>+) There is no ...</a:t>
+            </a:r>
+          </a:p>
+          <a:p>
+            <a:pPr algn="l"/>
+            <a:r>
+              <a:rPr lang="en-US" sz="1800">
+                <a:sym typeface="Wingdings" pitchFamily="2" charset="2"/>
+              </a:rPr>
+              <a:t>- We can also ... the curly bracket, but with ... rules:</a:t>
+            </a:r>
+          </a:p>
+          <a:p>
+            <a:pPr algn="l"/>
+            <a:r>
+              <a:rPr lang="en-US" sz="1800">
+                <a:sym typeface="Wingdings" pitchFamily="2" charset="2"/>
+              </a:rPr>
+              <a:t>+) The bracket can be ... if there is only ...</a:t>
+            </a:r>
+          </a:p>
+          <a:p>
+            <a:pPr algn="l"/>
+            <a:r>
+              <a:rPr lang="en-US" sz="1800">
+                <a:sym typeface="Wingdings" pitchFamily="2" charset="2"/>
+              </a:rPr>
+              <a:t>+)If the bracket is ..., the ... keyword must be ... and the ... sign must also be ...</a:t>
+            </a:r>
+          </a:p>
+          <a:p>
+            <a:pPr algn="l"/>
+            <a:r>
+              <a:rPr lang="en-US" sz="1800">
+                <a:sym typeface="Wingdings" pitchFamily="2" charset="2"/>
+              </a:rPr>
+              <a:t>+)If the bracket isn't ..., the ... must be maintained</a:t>
+            </a:r>
+          </a:p>
+          <a:p>
+            <a:pPr algn="l"/>
+            <a:r>
+              <a:rPr lang="en-US" sz="1800">
+                <a:sym typeface="Wingdings" pitchFamily="2" charset="2"/>
+              </a:rPr>
+              <a:t>+) Look at these lambda example, check if there any problem</a:t>
+            </a:r>
+          </a:p>
+          <a:p>
+            <a:pPr algn="l"/>
+            <a:endParaRPr lang="en-US" sz="1800">
+              <a:sym typeface="Wingdings" pitchFamily="2" charset="2"/>
+            </a:endParaRPr>
+          </a:p>
+        </p:txBody>
+      </p:sp>
+      <p:pic>
+        <p:nvPicPr>
+          <p:cNvPr id="2" name="Picture 1">
+            <a:extLst>
+              <a:ext uri="{FF2B5EF4-FFF2-40B4-BE49-F238E27FC236}">
+                <a16:creationId xmlns:a16="http://schemas.microsoft.com/office/drawing/2014/main" id="{43A19C94-D531-5848-7006-54CDB3C20F8C}"/>
+              </a:ext>
+            </a:extLst>
+          </p:cNvPr>
+          <p:cNvPicPr>
+            <a:picLocks noChangeAspect="1"/>
+          </p:cNvPicPr>
+          <p:nvPr/>
+        </p:nvPicPr>
+        <p:blipFill>
+          <a:blip r:embed="rId3"/>
+          <a:stretch>
+            <a:fillRect/>
+          </a:stretch>
+        </p:blipFill>
+        <p:spPr>
+          <a:xfrm>
+            <a:off x="2209800" y="4162754"/>
+            <a:ext cx="7772400" cy="2054285"/>
+          </a:xfrm>
+          <a:prstGeom prst="rect">
+            <a:avLst/>
+          </a:prstGeom>
+        </p:spPr>
+      </p:pic>
+    </p:spTree>
+    <p:extLst>
+      <p:ext uri="{BB962C8B-B14F-4D97-AF65-F5344CB8AC3E}">
+        <p14:creationId xmlns:p14="http://schemas.microsoft.com/office/powerpoint/2010/main" val="3225310750"/>
+      </p:ext>
+    </p:extLst>
+  </p:cSld>
+  <p:clrMapOvr>
+    <a:masterClrMapping/>
+  </p:clrMapOvr>
+  <p:timing>
+    <p:tnLst>
+      <p:par>
+        <p:cTn id="1" dur="indefinite" restart="never" nodeType="tmRoot">
+          <p:childTnLst>
+            <p:seq concurrent="1" nextAc="seek">
+              <p:cTn id="2" dur="indefinite" nodeType="mainSeq">
+                <p:childTnLst>
+                  <p:par>
+                    <p:cTn id="3" fill="hold">
+                      <p:stCondLst>
+                        <p:cond delay="indefinite"/>
+                      </p:stCondLst>
+                      <p:childTnLst>
+                        <p:par>
+                          <p:cTn id="4" fill="hold">
+                            <p:stCondLst>
+                              <p:cond delay="0"/>
+                            </p:stCondLst>
+                            <p:childTnLst>
+                              <p:par>
+                                <p:cTn id="5" presetID="1" presetClass="entr" presetSubtype="0" fill="hold" nodeType="clickEffect">
+                                  <p:stCondLst>
+                                    <p:cond delay="0"/>
+                                  </p:stCondLst>
+                                  <p:childTnLst>
+                                    <p:set>
+                                      <p:cBhvr>
+                                        <p:cTn id="6" dur="1" fill="hold">
+                                          <p:stCondLst>
+                                            <p:cond delay="0"/>
+                                          </p:stCondLst>
+                                        </p:cTn>
+                                        <p:tgtEl>
+                                          <p:spTgt spid="4">
+                                            <p:txEl>
+                                              <p:pRg st="0" end="0"/>
+                                            </p:txEl>
+                                          </p:spTgt>
+                                        </p:tgtEl>
+                                        <p:attrNameLst>
+                                          <p:attrName>style.visibility</p:attrName>
+                                        </p:attrNameLst>
+                                      </p:cBhvr>
+                                      <p:to>
+                                        <p:strVal val="visible"/>
+                                      </p:to>
+                                    </p:set>
+                                  </p:childTnLst>
+                                </p:cTn>
+                              </p:par>
+                            </p:childTnLst>
+                          </p:cTn>
+                        </p:par>
+                      </p:childTnLst>
+                    </p:cTn>
+                  </p:par>
+                  <p:par>
+                    <p:cTn id="7" fill="hold">
+                      <p:stCondLst>
+                        <p:cond delay="indefinite"/>
+                      </p:stCondLst>
+                      <p:childTnLst>
+                        <p:par>
+                          <p:cTn id="8" fill="hold">
+                            <p:stCondLst>
+                              <p:cond delay="0"/>
+                            </p:stCondLst>
+                            <p:childTnLst>
+                              <p:par>
+                                <p:cTn id="9" presetID="1" presetClass="entr" presetSubtype="0" fill="hold" nodeType="clickEffect">
+                                  <p:stCondLst>
+                                    <p:cond delay="0"/>
+                                  </p:stCondLst>
+                                  <p:childTnLst>
+                                    <p:set>
+                                      <p:cBhvr>
+                                        <p:cTn id="10" dur="1" fill="hold">
+                                          <p:stCondLst>
+                                            <p:cond delay="0"/>
+                                          </p:stCondLst>
+                                        </p:cTn>
+                                        <p:tgtEl>
+                                          <p:spTgt spid="4">
+                                            <p:txEl>
+                                              <p:pRg st="1" end="1"/>
+                                            </p:txEl>
+                                          </p:spTgt>
+                                        </p:tgtEl>
+                                        <p:attrNameLst>
+                                          <p:attrName>style.visibility</p:attrName>
+                                        </p:attrNameLst>
+                                      </p:cBhvr>
+                                      <p:to>
+                                        <p:strVal val="visible"/>
+                                      </p:to>
+                                    </p:set>
+                                  </p:childTnLst>
+                                </p:cTn>
+                              </p:par>
+                            </p:childTnLst>
+                          </p:cTn>
+                        </p:par>
+                      </p:childTnLst>
+                    </p:cTn>
+                  </p:par>
+                  <p:par>
+                    <p:cTn id="11" fill="hold">
+                      <p:stCondLst>
+                        <p:cond delay="indefinite"/>
+                      </p:stCondLst>
+                      <p:childTnLst>
+                        <p:par>
+                          <p:cTn id="12" fill="hold">
+                            <p:stCondLst>
+                              <p:cond delay="0"/>
+                            </p:stCondLst>
+                            <p:childTnLst>
+                              <p:par>
+                                <p:cTn id="13" presetID="1" presetClass="entr" presetSubtype="0" fill="hold" nodeType="clickEffect">
+                                  <p:stCondLst>
+                                    <p:cond delay="0"/>
+                                  </p:stCondLst>
+                                  <p:childTnLst>
+                                    <p:set>
+                                      <p:cBhvr>
+                                        <p:cTn id="14" dur="1" fill="hold">
+                                          <p:stCondLst>
+                                            <p:cond delay="0"/>
+                                          </p:stCondLst>
+                                        </p:cTn>
+                                        <p:tgtEl>
+                                          <p:spTgt spid="4">
+                                            <p:txEl>
+                                              <p:pRg st="2" end="2"/>
+                                            </p:txEl>
+                                          </p:spTgt>
+                                        </p:tgtEl>
+                                        <p:attrNameLst>
+                                          <p:attrName>style.visibility</p:attrName>
+                                        </p:attrNameLst>
+                                      </p:cBhvr>
+                                      <p:to>
+                                        <p:strVal val="visible"/>
+                                      </p:to>
+                                    </p:set>
+                                  </p:childTnLst>
+                                </p:cTn>
+                              </p:par>
+                            </p:childTnLst>
+                          </p:cTn>
+                        </p:par>
+                      </p:childTnLst>
+                    </p:cTn>
+                  </p:par>
+                  <p:par>
+                    <p:cTn id="15" fill="hold">
+                      <p:stCondLst>
+                        <p:cond delay="indefinite"/>
+                      </p:stCondLst>
+                      <p:childTnLst>
+                        <p:par>
+                          <p:cTn id="16" fill="hold">
+                            <p:stCondLst>
+                              <p:cond delay="0"/>
+                            </p:stCondLst>
+                            <p:childTnLst>
+                              <p:par>
+                                <p:cTn id="17" presetID="1" presetClass="entr" presetSubtype="0" fill="hold" nodeType="clickEffect">
+                                  <p:stCondLst>
+                                    <p:cond delay="0"/>
+                                  </p:stCondLst>
+                                  <p:childTnLst>
+                                    <p:set>
+                                      <p:cBhvr>
+                                        <p:cTn id="18" dur="1" fill="hold">
+                                          <p:stCondLst>
+                                            <p:cond delay="0"/>
+                                          </p:stCondLst>
+                                        </p:cTn>
+                                        <p:tgtEl>
+                                          <p:spTgt spid="4">
+                                            <p:txEl>
+                                              <p:pRg st="3" end="3"/>
+                                            </p:txEl>
+                                          </p:spTgt>
+                                        </p:tgtEl>
+                                        <p:attrNameLst>
+                                          <p:attrName>style.visibility</p:attrName>
+                                        </p:attrNameLst>
+                                      </p:cBhvr>
+                                      <p:to>
+                                        <p:strVal val="visible"/>
+                                      </p:to>
+                                    </p:set>
+                                  </p:childTnLst>
+                                </p:cTn>
+                              </p:par>
+                            </p:childTnLst>
+                          </p:cTn>
+                        </p:par>
+                      </p:childTnLst>
+                    </p:cTn>
+                  </p:par>
+                  <p:par>
+                    <p:cTn id="19" fill="hold">
+                      <p:stCondLst>
+                        <p:cond delay="indefinite"/>
+                      </p:stCondLst>
+                      <p:childTnLst>
+                        <p:par>
+                          <p:cTn id="20" fill="hold">
+                            <p:stCondLst>
+                              <p:cond delay="0"/>
+                            </p:stCondLst>
+                            <p:childTnLst>
+                              <p:par>
+                                <p:cTn id="21" presetID="1" presetClass="entr" presetSubtype="0" fill="hold" nodeType="clickEffect">
+                                  <p:stCondLst>
+                                    <p:cond delay="0"/>
+                                  </p:stCondLst>
+                                  <p:childTnLst>
+                                    <p:set>
+                                      <p:cBhvr>
+                                        <p:cTn id="22" dur="1" fill="hold">
+                                          <p:stCondLst>
+                                            <p:cond delay="0"/>
+                                          </p:stCondLst>
+                                        </p:cTn>
+                                        <p:tgtEl>
+                                          <p:spTgt spid="4">
+                                            <p:txEl>
+                                              <p:pRg st="4" end="4"/>
+                                            </p:txEl>
+                                          </p:spTgt>
+                                        </p:tgtEl>
+                                        <p:attrNameLst>
+                                          <p:attrName>style.visibility</p:attrName>
+                                        </p:attrNameLst>
+                                      </p:cBhvr>
+                                      <p:to>
+                                        <p:strVal val="visible"/>
+                                      </p:to>
+                                    </p:set>
+                                  </p:childTnLst>
+                                </p:cTn>
+                              </p:par>
+                            </p:childTnLst>
+                          </p:cTn>
+                        </p:par>
+                      </p:childTnLst>
+                    </p:cTn>
+                  </p:par>
+                  <p:par>
+                    <p:cTn id="23" fill="hold">
+                      <p:stCondLst>
+                        <p:cond delay="indefinite"/>
+                      </p:stCondLst>
+                      <p:childTnLst>
+                        <p:par>
+                          <p:cTn id="24" fill="hold">
+                            <p:stCondLst>
+                              <p:cond delay="0"/>
+                            </p:stCondLst>
+                            <p:childTnLst>
+                              <p:par>
+                                <p:cTn id="25" presetID="1" presetClass="entr" presetSubtype="0" fill="hold" nodeType="clickEffect">
+                                  <p:stCondLst>
+                                    <p:cond delay="0"/>
+                                  </p:stCondLst>
+                                  <p:childTnLst>
+                                    <p:set>
+                                      <p:cBhvr>
+                                        <p:cTn id="26" dur="1" fill="hold">
+                                          <p:stCondLst>
+                                            <p:cond delay="0"/>
+                                          </p:stCondLst>
+                                        </p:cTn>
+                                        <p:tgtEl>
+                                          <p:spTgt spid="4">
+                                            <p:txEl>
+                                              <p:pRg st="5" end="5"/>
+                                            </p:txEl>
+                                          </p:spTgt>
+                                        </p:tgtEl>
+                                        <p:attrNameLst>
+                                          <p:attrName>style.visibility</p:attrName>
+                                        </p:attrNameLst>
+                                      </p:cBhvr>
+                                      <p:to>
+                                        <p:strVal val="visible"/>
+                                      </p:to>
+                                    </p:set>
+                                  </p:childTnLst>
+                                </p:cTn>
+                              </p:par>
+                            </p:childTnLst>
+                          </p:cTn>
+                        </p:par>
+                      </p:childTnLst>
+                    </p:cTn>
+                  </p:par>
+                  <p:par>
+                    <p:cTn id="27" fill="hold">
+                      <p:stCondLst>
+                        <p:cond delay="indefinite"/>
+                      </p:stCondLst>
+                      <p:childTnLst>
+                        <p:par>
+                          <p:cTn id="28" fill="hold">
+                            <p:stCondLst>
+                              <p:cond delay="0"/>
+                            </p:stCondLst>
+                            <p:childTnLst>
+                              <p:par>
+                                <p:cTn id="29" presetID="1" presetClass="entr" presetSubtype="0" fill="hold" nodeType="clickEffect">
+                                  <p:stCondLst>
+                                    <p:cond delay="0"/>
+                                  </p:stCondLst>
+                                  <p:childTnLst>
+                                    <p:set>
+                                      <p:cBhvr>
+                                        <p:cTn id="30" dur="1" fill="hold">
+                                          <p:stCondLst>
+                                            <p:cond delay="0"/>
+                                          </p:stCondLst>
+                                        </p:cTn>
+                                        <p:tgtEl>
+                                          <p:spTgt spid="4">
+                                            <p:txEl>
+                                              <p:pRg st="6" end="6"/>
+                                            </p:txEl>
+                                          </p:spTgt>
+                                        </p:tgtEl>
+                                        <p:attrNameLst>
+                                          <p:attrName>style.visibility</p:attrName>
+                                        </p:attrNameLst>
+                                      </p:cBhvr>
+                                      <p:to>
+                                        <p:strVal val="visible"/>
+                                      </p:to>
+                                    </p:set>
+                                  </p:childTnLst>
+                                </p:cTn>
+                              </p:par>
+                            </p:childTnLst>
+                          </p:cTn>
+                        </p:par>
+                      </p:childTnLst>
+                    </p:cTn>
+                  </p:par>
+                  <p:par>
+                    <p:cTn id="31" fill="hold">
+                      <p:stCondLst>
+                        <p:cond delay="indefinite"/>
+                      </p:stCondLst>
+                      <p:childTnLst>
+                        <p:par>
+                          <p:cTn id="32" fill="hold">
+                            <p:stCondLst>
+                              <p:cond delay="0"/>
+                            </p:stCondLst>
+                            <p:childTnLst>
+                              <p:par>
+                                <p:cTn id="33" presetID="1" presetClass="entr" presetSubtype="0" fill="hold" nodeType="clickEffect">
+                                  <p:stCondLst>
+                                    <p:cond delay="0"/>
+                                  </p:stCondLst>
+                                  <p:childTnLst>
+                                    <p:set>
+                                      <p:cBhvr>
+                                        <p:cTn id="34" dur="1" fill="hold">
+                                          <p:stCondLst>
+                                            <p:cond delay="0"/>
+                                          </p:stCondLst>
+                                        </p:cTn>
+                                        <p:tgtEl>
+                                          <p:spTgt spid="4">
+                                            <p:txEl>
+                                              <p:pRg st="7" end="7"/>
+                                            </p:txEl>
+                                          </p:spTgt>
+                                        </p:tgtEl>
+                                        <p:attrNameLst>
+                                          <p:attrName>style.visibility</p:attrName>
+                                        </p:attrNameLst>
+                                      </p:cBhvr>
+                                      <p:to>
+                                        <p:strVal val="visible"/>
+                                      </p:to>
+                                    </p:set>
+                                  </p:childTnLst>
+                                </p:cTn>
+                              </p:par>
+                            </p:childTnLst>
+                          </p:cTn>
+                        </p:par>
+                      </p:childTnLst>
+                    </p:cTn>
+                  </p:par>
+                  <p:par>
+                    <p:cTn id="35" fill="hold">
+                      <p:stCondLst>
+                        <p:cond delay="indefinite"/>
+                      </p:stCondLst>
+                      <p:childTnLst>
+                        <p:par>
+                          <p:cTn id="36" fill="hold">
+                            <p:stCondLst>
+                              <p:cond delay="0"/>
+                            </p:stCondLst>
+                            <p:childTnLst>
+                              <p:par>
+                                <p:cTn id="37" presetID="1" presetClass="entr" presetSubtype="0" fill="hold" nodeType="clickEffect">
+                                  <p:stCondLst>
+                                    <p:cond delay="0"/>
+                                  </p:stCondLst>
+                                  <p:childTnLst>
+                                    <p:set>
+                                      <p:cBhvr>
+                                        <p:cTn id="38" dur="1" fill="hold">
+                                          <p:stCondLst>
+                                            <p:cond delay="0"/>
+                                          </p:stCondLst>
+                                        </p:cTn>
+                                        <p:tgtEl>
+                                          <p:spTgt spid="2"/>
+                                        </p:tgtEl>
+                                        <p:attrNameLst>
+                                          <p:attrName>style.visibility</p:attrName>
+                                        </p:attrNameLst>
+                                      </p:cBhvr>
+                                      <p:to>
+                                        <p:strVal val="visible"/>
+                                      </p:to>
+                                    </p:set>
+                                  </p:childTnLst>
+                                </p:cTn>
+                              </p:par>
+                            </p:childTnLst>
+                          </p:cTn>
+                        </p:par>
+                      </p:childTnLst>
+                    </p:cTn>
+                  </p:par>
+                </p:childTnLst>
+              </p:cTn>
+              <p:prevCondLst>
+                <p:cond evt="onPrev" delay="0">
+                  <p:tgtEl>
+                    <p:sldTgt/>
+                  </p:tgtEl>
+                </p:cond>
+              </p:prevCondLst>
+              <p:nextCondLst>
+                <p:cond evt="onNext" delay="0">
+                  <p:tgtEl>
+                    <p:sldTgt/>
+                  </p:tgtEl>
+                </p:cond>
+              </p:nextCondLst>
+            </p:seq>
+          </p:childTnLst>
+        </p:cTn>
+      </p:par>
+    </p:tnLst>
+  </p:timing>
+</p:sld>
+</file>
+
+<file path=ppt/slides/slide24.xml><?xml version="1.0" encoding="utf-8"?>
+<p:sld xmlns:a="http://schemas.openxmlformats.org/drawingml/2006/main" xmlns:r="http://schemas.openxmlformats.org/officeDocument/2006/relationships" xmlns:p="http://schemas.openxmlformats.org/presentationml/2006/main">
+  <p:cSld>
+    <p:spTree>
+      <p:nvGrpSpPr>
+        <p:cNvPr id="1" name="">
+          <a:extLst>
+            <a:ext uri="{FF2B5EF4-FFF2-40B4-BE49-F238E27FC236}">
+              <a16:creationId xmlns:a16="http://schemas.microsoft.com/office/drawing/2014/main" id="{DDB38FA6-C99B-B91C-DA01-0A41C1F56983}"/>
+            </a:ext>
+          </a:extLst>
+        </p:cNvPr>
+        <p:cNvGrpSpPr/>
+        <p:nvPr/>
+      </p:nvGrpSpPr>
+      <p:grpSpPr>
+        <a:xfrm>
+          <a:off x="0" y="0"/>
+          <a:ext cx="0" cy="0"/>
+          <a:chOff x="0" y="0"/>
+          <a:chExt cx="0" cy="0"/>
+        </a:xfrm>
+      </p:grpSpPr>
+      <p:sp>
+        <p:nvSpPr>
+          <p:cNvPr id="3" name="Subtitle 2">
+            <a:extLst>
+              <a:ext uri="{FF2B5EF4-FFF2-40B4-BE49-F238E27FC236}">
+                <a16:creationId xmlns:a16="http://schemas.microsoft.com/office/drawing/2014/main" id="{C9E58155-7EC4-A85F-16DF-2946A7C05D1A}"/>
+              </a:ext>
+            </a:extLst>
+          </p:cNvPr>
+          <p:cNvSpPr>
+            <a:spLocks noGrp="1"/>
+          </p:cNvSpPr>
+          <p:nvPr>
+            <p:ph type="subTitle" idx="1"/>
+          </p:nvPr>
+        </p:nvSpPr>
+        <p:spPr>
+          <a:xfrm>
+            <a:off x="152399" y="217488"/>
+            <a:ext cx="11223171" cy="303212"/>
+          </a:xfrm>
+        </p:spPr>
+        <p:txBody>
+          <a:bodyPr>
+            <a:normAutofit fontScale="92500" lnSpcReduction="20000"/>
+          </a:bodyPr>
+          <a:lstStyle/>
+          <a:p>
+            <a:r>
+              <a:rPr lang="en-US" sz="1800" b="1"/>
+              <a:t>Lambda syntax </a:t>
+            </a:r>
+          </a:p>
+        </p:txBody>
+      </p:sp>
+      <p:sp>
+        <p:nvSpPr>
+          <p:cNvPr id="4" name="Subtitle 2">
+            <a:extLst>
+              <a:ext uri="{FF2B5EF4-FFF2-40B4-BE49-F238E27FC236}">
+                <a16:creationId xmlns:a16="http://schemas.microsoft.com/office/drawing/2014/main" id="{717FD3EE-819A-E38D-823F-62A9B33EBED9}"/>
+              </a:ext>
+            </a:extLst>
+          </p:cNvPr>
+          <p:cNvSpPr txBox="1">
+            <a:spLocks/>
+          </p:cNvSpPr>
+          <p:nvPr/>
+        </p:nvSpPr>
+        <p:spPr>
+          <a:xfrm>
+            <a:off x="0" y="820738"/>
+            <a:ext cx="12192000" cy="6037262"/>
+          </a:xfrm>
+          <a:prstGeom prst="rect">
+            <a:avLst/>
+          </a:prstGeom>
+        </p:spPr>
+        <p:txBody>
+          <a:bodyPr vert="horz" lIns="91440" tIns="45720" rIns="91440" bIns="45720" rtlCol="0">
+            <a:normAutofit/>
+          </a:bodyPr>
+          <a:lstStyle>
+            <a:lvl1pPr marL="0" indent="0" algn="ctr" defTabSz="914400" rtl="0" eaLnBrk="1" latinLnBrk="0" hangingPunct="1">
+              <a:lnSpc>
+                <a:spcPct val="90000"/>
+              </a:lnSpc>
+              <a:spcBef>
+                <a:spcPts val="1000"/>
+              </a:spcBef>
+              <a:buFont typeface="Arial" panose="020B0604020202020204" pitchFamily="34" charset="0"/>
+              <a:buNone/>
+              <a:defRPr sz="2400" kern="1200">
+                <a:solidFill>
+                  <a:schemeClr val="tx1"/>
+                </a:solidFill>
+                <a:latin typeface="+mn-lt"/>
+                <a:ea typeface="+mn-ea"/>
+                <a:cs typeface="+mn-cs"/>
+              </a:defRPr>
+            </a:lvl1pPr>
+            <a:lvl2pPr marL="457200" indent="0" algn="ctr" defTabSz="914400" rtl="0" eaLnBrk="1" latinLnBrk="0" hangingPunct="1">
+              <a:lnSpc>
+                <a:spcPct val="90000"/>
+              </a:lnSpc>
+              <a:spcBef>
+                <a:spcPts val="500"/>
+              </a:spcBef>
+              <a:buFont typeface="Arial" panose="020B0604020202020204" pitchFamily="34" charset="0"/>
+              <a:buNone/>
+              <a:defRPr sz="2000" kern="1200">
+                <a:solidFill>
+                  <a:schemeClr val="tx1"/>
+                </a:solidFill>
+                <a:latin typeface="+mn-lt"/>
+                <a:ea typeface="+mn-ea"/>
+                <a:cs typeface="+mn-cs"/>
+              </a:defRPr>
+            </a:lvl2pPr>
+            <a:lvl3pPr marL="914400" indent="0" algn="ctr" defTabSz="914400" rtl="0" eaLnBrk="1" latinLnBrk="0" hangingPunct="1">
+              <a:lnSpc>
+                <a:spcPct val="90000"/>
+              </a:lnSpc>
+              <a:spcBef>
+                <a:spcPts val="500"/>
+              </a:spcBef>
+              <a:buFont typeface="Arial" panose="020B0604020202020204" pitchFamily="34" charset="0"/>
+              <a:buNone/>
+              <a:defRPr sz="1800" kern="1200">
+                <a:solidFill>
+                  <a:schemeClr val="tx1"/>
+                </a:solidFill>
+                <a:latin typeface="+mn-lt"/>
+                <a:ea typeface="+mn-ea"/>
+                <a:cs typeface="+mn-cs"/>
+              </a:defRPr>
+            </a:lvl3pPr>
+            <a:lvl4pPr marL="1371600" indent="0" algn="ctr" defTabSz="914400" rtl="0" eaLnBrk="1" latinLnBrk="0" hangingPunct="1">
+              <a:lnSpc>
+                <a:spcPct val="90000"/>
+              </a:lnSpc>
+              <a:spcBef>
+                <a:spcPts val="500"/>
+              </a:spcBef>
+              <a:buFont typeface="Arial" panose="020B0604020202020204" pitchFamily="34" charset="0"/>
+              <a:buNone/>
+              <a:defRPr sz="1600" kern="1200">
+                <a:solidFill>
+                  <a:schemeClr val="tx1"/>
+                </a:solidFill>
+                <a:latin typeface="+mn-lt"/>
+                <a:ea typeface="+mn-ea"/>
+                <a:cs typeface="+mn-cs"/>
+              </a:defRPr>
+            </a:lvl4pPr>
+            <a:lvl5pPr marL="1828800" indent="0" algn="ctr" defTabSz="914400" rtl="0" eaLnBrk="1" latinLnBrk="0" hangingPunct="1">
+              <a:lnSpc>
+                <a:spcPct val="90000"/>
+              </a:lnSpc>
+              <a:spcBef>
+                <a:spcPts val="500"/>
+              </a:spcBef>
+              <a:buFont typeface="Arial" panose="020B0604020202020204" pitchFamily="34" charset="0"/>
+              <a:buNone/>
+              <a:defRPr sz="1600" kern="1200">
+                <a:solidFill>
+                  <a:schemeClr val="tx1"/>
+                </a:solidFill>
+                <a:latin typeface="+mn-lt"/>
+                <a:ea typeface="+mn-ea"/>
+                <a:cs typeface="+mn-cs"/>
+              </a:defRPr>
+            </a:lvl5pPr>
+            <a:lvl6pPr marL="2286000" indent="0" algn="ctr" defTabSz="914400" rtl="0" eaLnBrk="1" latinLnBrk="0" hangingPunct="1">
+              <a:lnSpc>
+                <a:spcPct val="90000"/>
+              </a:lnSpc>
+              <a:spcBef>
+                <a:spcPts val="500"/>
+              </a:spcBef>
+              <a:buFont typeface="Arial" panose="020B0604020202020204" pitchFamily="34" charset="0"/>
+              <a:buNone/>
+              <a:defRPr sz="1600" kern="1200">
+                <a:solidFill>
+                  <a:schemeClr val="tx1"/>
+                </a:solidFill>
+                <a:latin typeface="+mn-lt"/>
+                <a:ea typeface="+mn-ea"/>
+                <a:cs typeface="+mn-cs"/>
+              </a:defRPr>
+            </a:lvl6pPr>
+            <a:lvl7pPr marL="2743200" indent="0" algn="ctr" defTabSz="914400" rtl="0" eaLnBrk="1" latinLnBrk="0" hangingPunct="1">
+              <a:lnSpc>
+                <a:spcPct val="90000"/>
+              </a:lnSpc>
+              <a:spcBef>
+                <a:spcPts val="500"/>
+              </a:spcBef>
+              <a:buFont typeface="Arial" panose="020B0604020202020204" pitchFamily="34" charset="0"/>
+              <a:buNone/>
+              <a:defRPr sz="1600" kern="1200">
+                <a:solidFill>
+                  <a:schemeClr val="tx1"/>
+                </a:solidFill>
+                <a:latin typeface="+mn-lt"/>
+                <a:ea typeface="+mn-ea"/>
+                <a:cs typeface="+mn-cs"/>
+              </a:defRPr>
+            </a:lvl7pPr>
+            <a:lvl8pPr marL="3200400" indent="0" algn="ctr" defTabSz="914400" rtl="0" eaLnBrk="1" latinLnBrk="0" hangingPunct="1">
+              <a:lnSpc>
+                <a:spcPct val="90000"/>
+              </a:lnSpc>
+              <a:spcBef>
+                <a:spcPts val="500"/>
+              </a:spcBef>
+              <a:buFont typeface="Arial" panose="020B0604020202020204" pitchFamily="34" charset="0"/>
+              <a:buNone/>
+              <a:defRPr sz="1600" kern="1200">
+                <a:solidFill>
+                  <a:schemeClr val="tx1"/>
+                </a:solidFill>
+                <a:latin typeface="+mn-lt"/>
+                <a:ea typeface="+mn-ea"/>
+                <a:cs typeface="+mn-cs"/>
+              </a:defRPr>
+            </a:lvl8pPr>
+            <a:lvl9pPr marL="3657600" indent="0" algn="ctr" defTabSz="914400" rtl="0" eaLnBrk="1" latinLnBrk="0" hangingPunct="1">
+              <a:lnSpc>
+                <a:spcPct val="90000"/>
+              </a:lnSpc>
+              <a:spcBef>
+                <a:spcPts val="500"/>
+              </a:spcBef>
+              <a:buFont typeface="Arial" panose="020B0604020202020204" pitchFamily="34" charset="0"/>
+              <a:buNone/>
+              <a:defRPr sz="1600" kern="1200">
+                <a:solidFill>
+                  <a:schemeClr val="tx1"/>
+                </a:solidFill>
+                <a:latin typeface="+mn-lt"/>
+                <a:ea typeface="+mn-ea"/>
+                <a:cs typeface="+mn-cs"/>
+              </a:defRPr>
+            </a:lvl9pPr>
+          </a:lstStyle>
+          <a:p>
+            <a:pPr algn="l"/>
+            <a:r>
+              <a:rPr lang="en-US" sz="1800">
+                <a:sym typeface="Wingdings" pitchFamily="2" charset="2"/>
+              </a:rPr>
+              <a:t>- Note: On line 6 and 7, we can see that there are ... but there is only ... is used. Java ... this and therefore we can ... many of them and use how many as we want</a:t>
+            </a:r>
+          </a:p>
+          <a:p>
+            <a:pPr algn="l"/>
+            <a:endParaRPr lang="en-US" sz="1800">
+              <a:sym typeface="Wingdings" pitchFamily="2" charset="2"/>
+            </a:endParaRPr>
+          </a:p>
+          <a:p>
+            <a:pPr algn="l"/>
+            <a:r>
+              <a:rPr lang="en-US" sz="1800">
+                <a:sym typeface="Wingdings" pitchFamily="2" charset="2"/>
+              </a:rPr>
+              <a:t>- What is the problem of each of these lambda down here ?</a:t>
+            </a:r>
+          </a:p>
+          <a:p>
+            <a:pPr algn="l"/>
+            <a:endParaRPr lang="en-US" sz="1800">
+              <a:sym typeface="Wingdings" pitchFamily="2" charset="2"/>
+            </a:endParaRPr>
+          </a:p>
+          <a:p>
+            <a:pPr algn="l"/>
+            <a:endParaRPr lang="en-US" sz="1800">
+              <a:sym typeface="Wingdings" pitchFamily="2" charset="2"/>
+            </a:endParaRPr>
+          </a:p>
+          <a:p>
+            <a:pPr algn="l"/>
+            <a:endParaRPr lang="en-US" sz="1800">
+              <a:sym typeface="Wingdings" pitchFamily="2" charset="2"/>
+            </a:endParaRPr>
+          </a:p>
+          <a:p>
+            <a:pPr algn="l"/>
+            <a:endParaRPr lang="en-US" sz="1800">
+              <a:sym typeface="Wingdings" pitchFamily="2" charset="2"/>
+            </a:endParaRPr>
+          </a:p>
+          <a:p>
+            <a:pPr algn="l"/>
+            <a:endParaRPr lang="en-US" sz="1800">
+              <a:sym typeface="Wingdings" pitchFamily="2" charset="2"/>
+            </a:endParaRPr>
+          </a:p>
+          <a:p>
+            <a:pPr algn="l"/>
+            <a:endParaRPr lang="en-US" sz="1800">
+              <a:sym typeface="Wingdings" pitchFamily="2" charset="2"/>
+            </a:endParaRPr>
+          </a:p>
+          <a:p>
+            <a:pPr algn="l"/>
+            <a:endParaRPr lang="en-US" sz="1800">
+              <a:sym typeface="Wingdings" pitchFamily="2" charset="2"/>
+            </a:endParaRPr>
+          </a:p>
+          <a:p>
+            <a:pPr algn="l"/>
+            <a:r>
+              <a:rPr lang="en-US" sz="1800">
+                <a:sym typeface="Wingdings" pitchFamily="2" charset="2"/>
+              </a:rPr>
+              <a:t>(ask question about the real world scenario section – Q2) </a:t>
+            </a:r>
+          </a:p>
+        </p:txBody>
+      </p:sp>
+      <p:pic>
+        <p:nvPicPr>
+          <p:cNvPr id="5" name="Picture 4">
+            <a:extLst>
+              <a:ext uri="{FF2B5EF4-FFF2-40B4-BE49-F238E27FC236}">
+                <a16:creationId xmlns:a16="http://schemas.microsoft.com/office/drawing/2014/main" id="{5C402846-3C6D-E418-97BE-DE8DABA04CA8}"/>
+              </a:ext>
+            </a:extLst>
+          </p:cNvPr>
+          <p:cNvPicPr>
+            <a:picLocks noChangeAspect="1"/>
+          </p:cNvPicPr>
+          <p:nvPr/>
+        </p:nvPicPr>
+        <p:blipFill>
+          <a:blip r:embed="rId3"/>
+          <a:stretch>
+            <a:fillRect/>
+          </a:stretch>
+        </p:blipFill>
+        <p:spPr>
+          <a:xfrm>
+            <a:off x="2478390" y="2662508"/>
+            <a:ext cx="7235220" cy="1532983"/>
+          </a:xfrm>
+          <a:prstGeom prst="rect">
+            <a:avLst/>
+          </a:prstGeom>
+        </p:spPr>
+      </p:pic>
+    </p:spTree>
+    <p:extLst>
+      <p:ext uri="{BB962C8B-B14F-4D97-AF65-F5344CB8AC3E}">
+        <p14:creationId xmlns:p14="http://schemas.microsoft.com/office/powerpoint/2010/main" val="19772470"/>
+      </p:ext>
+    </p:extLst>
+  </p:cSld>
+  <p:clrMapOvr>
+    <a:masterClrMapping/>
+  </p:clrMapOvr>
+  <p:timing>
+    <p:tnLst>
+      <p:par>
+        <p:cTn id="1" dur="indefinite" restart="never" nodeType="tmRoot">
+          <p:childTnLst>
+            <p:seq concurrent="1" nextAc="seek">
+              <p:cTn id="2" dur="indefinite" nodeType="mainSeq">
+                <p:childTnLst>
+                  <p:par>
+                    <p:cTn id="3" fill="hold">
+                      <p:stCondLst>
+                        <p:cond delay="indefinite"/>
+                      </p:stCondLst>
+                      <p:childTnLst>
+                        <p:par>
+                          <p:cTn id="4" fill="hold">
+                            <p:stCondLst>
+                              <p:cond delay="0"/>
+                            </p:stCondLst>
+                            <p:childTnLst>
+                              <p:par>
+                                <p:cTn id="5" presetID="1" presetClass="entr" presetSubtype="0" fill="hold" nodeType="clickEffect">
+                                  <p:stCondLst>
+                                    <p:cond delay="0"/>
+                                  </p:stCondLst>
+                                  <p:childTnLst>
+                                    <p:set>
+                                      <p:cBhvr>
+                                        <p:cTn id="6" dur="1" fill="hold">
+                                          <p:stCondLst>
+                                            <p:cond delay="0"/>
+                                          </p:stCondLst>
+                                        </p:cTn>
+                                        <p:tgtEl>
+                                          <p:spTgt spid="4">
+                                            <p:txEl>
+                                              <p:pRg st="0" end="0"/>
+                                            </p:txEl>
+                                          </p:spTgt>
+                                        </p:tgtEl>
+                                        <p:attrNameLst>
+                                          <p:attrName>style.visibility</p:attrName>
+                                        </p:attrNameLst>
+                                      </p:cBhvr>
+                                      <p:to>
+                                        <p:strVal val="visible"/>
+                                      </p:to>
+                                    </p:set>
+                                  </p:childTnLst>
+                                </p:cTn>
+                              </p:par>
+                            </p:childTnLst>
+                          </p:cTn>
+                        </p:par>
+                      </p:childTnLst>
+                    </p:cTn>
+                  </p:par>
+                  <p:par>
+                    <p:cTn id="7" fill="hold">
+                      <p:stCondLst>
+                        <p:cond delay="indefinite"/>
+                      </p:stCondLst>
+                      <p:childTnLst>
+                        <p:par>
+                          <p:cTn id="8" fill="hold">
+                            <p:stCondLst>
+                              <p:cond delay="0"/>
+                            </p:stCondLst>
+                            <p:childTnLst>
+                              <p:par>
+                                <p:cTn id="9" presetID="1" presetClass="entr" presetSubtype="0" fill="hold" nodeType="clickEffect">
+                                  <p:stCondLst>
+                                    <p:cond delay="0"/>
+                                  </p:stCondLst>
+                                  <p:childTnLst>
+                                    <p:set>
+                                      <p:cBhvr>
+                                        <p:cTn id="10" dur="1" fill="hold">
+                                          <p:stCondLst>
+                                            <p:cond delay="0"/>
+                                          </p:stCondLst>
+                                        </p:cTn>
+                                        <p:tgtEl>
+                                          <p:spTgt spid="4">
+                                            <p:txEl>
+                                              <p:pRg st="2" end="2"/>
+                                            </p:txEl>
+                                          </p:spTgt>
+                                        </p:tgtEl>
+                                        <p:attrNameLst>
+                                          <p:attrName>style.visibility</p:attrName>
+                                        </p:attrNameLst>
+                                      </p:cBhvr>
+                                      <p:to>
+                                        <p:strVal val="visible"/>
+                                      </p:to>
+                                    </p:set>
+                                  </p:childTnLst>
+                                </p:cTn>
+                              </p:par>
+                            </p:childTnLst>
+                          </p:cTn>
+                        </p:par>
+                      </p:childTnLst>
+                    </p:cTn>
+                  </p:par>
+                  <p:par>
+                    <p:cTn id="11" fill="hold">
+                      <p:stCondLst>
+                        <p:cond delay="indefinite"/>
+                      </p:stCondLst>
+                      <p:childTnLst>
+                        <p:par>
+                          <p:cTn id="12" fill="hold">
+                            <p:stCondLst>
+                              <p:cond delay="0"/>
+                            </p:stCondLst>
+                            <p:childTnLst>
+                              <p:par>
+                                <p:cTn id="13" presetID="1" presetClass="entr" presetSubtype="0" fill="hold" nodeType="clickEffect">
+                                  <p:stCondLst>
+                                    <p:cond delay="0"/>
+                                  </p:stCondLst>
+                                  <p:childTnLst>
+                                    <p:set>
+                                      <p:cBhvr>
+                                        <p:cTn id="14" dur="1" fill="hold">
+                                          <p:stCondLst>
+                                            <p:cond delay="0"/>
+                                          </p:stCondLst>
+                                        </p:cTn>
+                                        <p:tgtEl>
+                                          <p:spTgt spid="5"/>
+                                        </p:tgtEl>
+                                        <p:attrNameLst>
+                                          <p:attrName>style.visibility</p:attrName>
+                                        </p:attrNameLst>
+                                      </p:cBhvr>
+                                      <p:to>
+                                        <p:strVal val="visible"/>
+                                      </p:to>
+                                    </p:set>
+                                  </p:childTnLst>
+                                </p:cTn>
+                              </p:par>
+                            </p:childTnLst>
+                          </p:cTn>
+                        </p:par>
+                      </p:childTnLst>
+                    </p:cTn>
+                  </p:par>
+                  <p:par>
+                    <p:cTn id="15" fill="hold">
+                      <p:stCondLst>
+                        <p:cond delay="indefinite"/>
+                      </p:stCondLst>
+                      <p:childTnLst>
+                        <p:par>
+                          <p:cTn id="16" fill="hold">
+                            <p:stCondLst>
+                              <p:cond delay="0"/>
+                            </p:stCondLst>
+                            <p:childTnLst>
+                              <p:par>
+                                <p:cTn id="17" presetID="1" presetClass="entr" presetSubtype="0" fill="hold" nodeType="clickEffect">
+                                  <p:stCondLst>
+                                    <p:cond delay="0"/>
+                                  </p:stCondLst>
+                                  <p:childTnLst>
+                                    <p:set>
+                                      <p:cBhvr>
+                                        <p:cTn id="18" dur="1" fill="hold">
+                                          <p:stCondLst>
+                                            <p:cond delay="0"/>
+                                          </p:stCondLst>
+                                        </p:cTn>
+                                        <p:tgtEl>
+                                          <p:spTgt spid="4">
+                                            <p:txEl>
+                                              <p:pRg st="10" end="10"/>
+                                            </p:txEl>
+                                          </p:spTgt>
+                                        </p:tgtEl>
+                                        <p:attrNameLst>
+                                          <p:attrName>style.visibility</p:attrName>
+                                        </p:attrNameLst>
+                                      </p:cBhvr>
+                                      <p:to>
+                                        <p:strVal val="visible"/>
+                                      </p:to>
+                                    </p:set>
+                                  </p:childTnLst>
+                                </p:cTn>
+                              </p:par>
+                            </p:childTnLst>
+                          </p:cTn>
+                        </p:par>
+                      </p:childTnLst>
+                    </p:cTn>
+                  </p:par>
+                </p:childTnLst>
+              </p:cTn>
+              <p:prevCondLst>
+                <p:cond evt="onPrev" delay="0">
+                  <p:tgtEl>
+                    <p:sldTgt/>
+                  </p:tgtEl>
+                </p:cond>
+              </p:prevCondLst>
+              <p:nextCondLst>
+                <p:cond evt="onNext" delay="0">
+                  <p:tgtEl>
+                    <p:sldTgt/>
+                  </p:tgtEl>
+                </p:cond>
+              </p:nextCondLst>
+            </p:seq>
+          </p:childTnLst>
+        </p:cTn>
+      </p:par>
+    </p:tnLst>
+  </p:timing>
+</p:sld>
+</file>
+
+<file path=ppt/slides/slide25.xml><?xml version="1.0" encoding="utf-8"?>
+<p:sld xmlns:a="http://schemas.openxmlformats.org/drawingml/2006/main" xmlns:r="http://schemas.openxmlformats.org/officeDocument/2006/relationships" xmlns:p="http://schemas.openxmlformats.org/presentationml/2006/main">
+  <p:cSld>
+    <p:spTree>
+      <p:nvGrpSpPr>
+        <p:cNvPr id="1" name="">
+          <a:extLst>
+            <a:ext uri="{FF2B5EF4-FFF2-40B4-BE49-F238E27FC236}">
+              <a16:creationId xmlns:a16="http://schemas.microsoft.com/office/drawing/2014/main" id="{D14C3FAC-1953-D48D-EC89-24B1999FBA9B}"/>
+            </a:ext>
+          </a:extLst>
+        </p:cNvPr>
+        <p:cNvGrpSpPr/>
+        <p:nvPr/>
+      </p:nvGrpSpPr>
+      <p:grpSpPr>
+        <a:xfrm>
+          <a:off x="0" y="0"/>
+          <a:ext cx="0" cy="0"/>
+          <a:chOff x="0" y="0"/>
+          <a:chExt cx="0" cy="0"/>
+        </a:xfrm>
+      </p:grpSpPr>
+      <p:sp>
+        <p:nvSpPr>
+          <p:cNvPr id="3" name="Subtitle 2">
+            <a:extLst>
+              <a:ext uri="{FF2B5EF4-FFF2-40B4-BE49-F238E27FC236}">
+                <a16:creationId xmlns:a16="http://schemas.microsoft.com/office/drawing/2014/main" id="{AD39F68A-10C4-E4F9-727D-C0A0017E8FA0}"/>
+              </a:ext>
+            </a:extLst>
+          </p:cNvPr>
+          <p:cNvSpPr>
+            <a:spLocks noGrp="1"/>
+          </p:cNvSpPr>
+          <p:nvPr>
+            <p:ph type="subTitle" idx="1"/>
+          </p:nvPr>
+        </p:nvSpPr>
+        <p:spPr>
+          <a:xfrm>
+            <a:off x="152399" y="217488"/>
+            <a:ext cx="11223171" cy="303212"/>
+          </a:xfrm>
+        </p:spPr>
+        <p:txBody>
+          <a:bodyPr>
+            <a:normAutofit fontScale="92500" lnSpcReduction="20000"/>
+          </a:bodyPr>
+          <a:lstStyle/>
+          <a:p>
+            <a:r>
+              <a:rPr lang="en-US" sz="1800" b="1"/>
+              <a:t>Lambda syntax </a:t>
+            </a:r>
+          </a:p>
+        </p:txBody>
+      </p:sp>
+      <p:sp>
+        <p:nvSpPr>
+          <p:cNvPr id="4" name="Subtitle 2">
+            <a:extLst>
+              <a:ext uri="{FF2B5EF4-FFF2-40B4-BE49-F238E27FC236}">
+                <a16:creationId xmlns:a16="http://schemas.microsoft.com/office/drawing/2014/main" id="{2FC1ABB8-68CA-069F-B671-FF9E04C39F96}"/>
+              </a:ext>
+            </a:extLst>
+          </p:cNvPr>
+          <p:cNvSpPr txBox="1">
+            <a:spLocks/>
+          </p:cNvSpPr>
+          <p:nvPr/>
+        </p:nvSpPr>
+        <p:spPr>
+          <a:xfrm>
+            <a:off x="0" y="820738"/>
+            <a:ext cx="12192000" cy="6037262"/>
+          </a:xfrm>
+          <a:prstGeom prst="rect">
+            <a:avLst/>
+          </a:prstGeom>
+        </p:spPr>
+        <p:txBody>
+          <a:bodyPr vert="horz" lIns="91440" tIns="45720" rIns="91440" bIns="45720" rtlCol="0">
+            <a:normAutofit/>
+          </a:bodyPr>
+          <a:lstStyle>
+            <a:lvl1pPr marL="0" indent="0" algn="ctr" defTabSz="914400" rtl="0" eaLnBrk="1" latinLnBrk="0" hangingPunct="1">
+              <a:lnSpc>
+                <a:spcPct val="90000"/>
+              </a:lnSpc>
+              <a:spcBef>
+                <a:spcPts val="1000"/>
+              </a:spcBef>
+              <a:buFont typeface="Arial" panose="020B0604020202020204" pitchFamily="34" charset="0"/>
+              <a:buNone/>
+              <a:defRPr sz="2400" kern="1200">
+                <a:solidFill>
+                  <a:schemeClr val="tx1"/>
+                </a:solidFill>
+                <a:latin typeface="+mn-lt"/>
+                <a:ea typeface="+mn-ea"/>
+                <a:cs typeface="+mn-cs"/>
+              </a:defRPr>
+            </a:lvl1pPr>
+            <a:lvl2pPr marL="457200" indent="0" algn="ctr" defTabSz="914400" rtl="0" eaLnBrk="1" latinLnBrk="0" hangingPunct="1">
+              <a:lnSpc>
+                <a:spcPct val="90000"/>
+              </a:lnSpc>
+              <a:spcBef>
+                <a:spcPts val="500"/>
+              </a:spcBef>
+              <a:buFont typeface="Arial" panose="020B0604020202020204" pitchFamily="34" charset="0"/>
+              <a:buNone/>
+              <a:defRPr sz="2000" kern="1200">
+                <a:solidFill>
+                  <a:schemeClr val="tx1"/>
+                </a:solidFill>
+                <a:latin typeface="+mn-lt"/>
+                <a:ea typeface="+mn-ea"/>
+                <a:cs typeface="+mn-cs"/>
+              </a:defRPr>
+            </a:lvl2pPr>
+            <a:lvl3pPr marL="914400" indent="0" algn="ctr" defTabSz="914400" rtl="0" eaLnBrk="1" latinLnBrk="0" hangingPunct="1">
+              <a:lnSpc>
+                <a:spcPct val="90000"/>
+              </a:lnSpc>
+              <a:spcBef>
+                <a:spcPts val="500"/>
+              </a:spcBef>
+              <a:buFont typeface="Arial" panose="020B0604020202020204" pitchFamily="34" charset="0"/>
+              <a:buNone/>
+              <a:defRPr sz="1800" kern="1200">
+                <a:solidFill>
+                  <a:schemeClr val="tx1"/>
+                </a:solidFill>
+                <a:latin typeface="+mn-lt"/>
+                <a:ea typeface="+mn-ea"/>
+                <a:cs typeface="+mn-cs"/>
+              </a:defRPr>
+            </a:lvl3pPr>
+            <a:lvl4pPr marL="1371600" indent="0" algn="ctr" defTabSz="914400" rtl="0" eaLnBrk="1" latinLnBrk="0" hangingPunct="1">
+              <a:lnSpc>
+                <a:spcPct val="90000"/>
+              </a:lnSpc>
+              <a:spcBef>
+                <a:spcPts val="500"/>
+              </a:spcBef>
+              <a:buFont typeface="Arial" panose="020B0604020202020204" pitchFamily="34" charset="0"/>
+              <a:buNone/>
+              <a:defRPr sz="1600" kern="1200">
+                <a:solidFill>
+                  <a:schemeClr val="tx1"/>
+                </a:solidFill>
+                <a:latin typeface="+mn-lt"/>
+                <a:ea typeface="+mn-ea"/>
+                <a:cs typeface="+mn-cs"/>
+              </a:defRPr>
+            </a:lvl4pPr>
+            <a:lvl5pPr marL="1828800" indent="0" algn="ctr" defTabSz="914400" rtl="0" eaLnBrk="1" latinLnBrk="0" hangingPunct="1">
+              <a:lnSpc>
+                <a:spcPct val="90000"/>
+              </a:lnSpc>
+              <a:spcBef>
+                <a:spcPts val="500"/>
+              </a:spcBef>
+              <a:buFont typeface="Arial" panose="020B0604020202020204" pitchFamily="34" charset="0"/>
+              <a:buNone/>
+              <a:defRPr sz="1600" kern="1200">
+                <a:solidFill>
+                  <a:schemeClr val="tx1"/>
+                </a:solidFill>
+                <a:latin typeface="+mn-lt"/>
+                <a:ea typeface="+mn-ea"/>
+                <a:cs typeface="+mn-cs"/>
+              </a:defRPr>
+            </a:lvl5pPr>
+            <a:lvl6pPr marL="2286000" indent="0" algn="ctr" defTabSz="914400" rtl="0" eaLnBrk="1" latinLnBrk="0" hangingPunct="1">
+              <a:lnSpc>
+                <a:spcPct val="90000"/>
+              </a:lnSpc>
+              <a:spcBef>
+                <a:spcPts val="500"/>
+              </a:spcBef>
+              <a:buFont typeface="Arial" panose="020B0604020202020204" pitchFamily="34" charset="0"/>
+              <a:buNone/>
+              <a:defRPr sz="1600" kern="1200">
+                <a:solidFill>
+                  <a:schemeClr val="tx1"/>
+                </a:solidFill>
+                <a:latin typeface="+mn-lt"/>
+                <a:ea typeface="+mn-ea"/>
+                <a:cs typeface="+mn-cs"/>
+              </a:defRPr>
+            </a:lvl6pPr>
+            <a:lvl7pPr marL="2743200" indent="0" algn="ctr" defTabSz="914400" rtl="0" eaLnBrk="1" latinLnBrk="0" hangingPunct="1">
+              <a:lnSpc>
+                <a:spcPct val="90000"/>
+              </a:lnSpc>
+              <a:spcBef>
+                <a:spcPts val="500"/>
+              </a:spcBef>
+              <a:buFont typeface="Arial" panose="020B0604020202020204" pitchFamily="34" charset="0"/>
+              <a:buNone/>
+              <a:defRPr sz="1600" kern="1200">
+                <a:solidFill>
+                  <a:schemeClr val="tx1"/>
+                </a:solidFill>
+                <a:latin typeface="+mn-lt"/>
+                <a:ea typeface="+mn-ea"/>
+                <a:cs typeface="+mn-cs"/>
+              </a:defRPr>
+            </a:lvl7pPr>
+            <a:lvl8pPr marL="3200400" indent="0" algn="ctr" defTabSz="914400" rtl="0" eaLnBrk="1" latinLnBrk="0" hangingPunct="1">
+              <a:lnSpc>
+                <a:spcPct val="90000"/>
+              </a:lnSpc>
+              <a:spcBef>
+                <a:spcPts val="500"/>
+              </a:spcBef>
+              <a:buFont typeface="Arial" panose="020B0604020202020204" pitchFamily="34" charset="0"/>
+              <a:buNone/>
+              <a:defRPr sz="1600" kern="1200">
+                <a:solidFill>
+                  <a:schemeClr val="tx1"/>
+                </a:solidFill>
+                <a:latin typeface="+mn-lt"/>
+                <a:ea typeface="+mn-ea"/>
+                <a:cs typeface="+mn-cs"/>
+              </a:defRPr>
+            </a:lvl8pPr>
+            <a:lvl9pPr marL="3657600" indent="0" algn="ctr" defTabSz="914400" rtl="0" eaLnBrk="1" latinLnBrk="0" hangingPunct="1">
+              <a:lnSpc>
+                <a:spcPct val="90000"/>
+              </a:lnSpc>
+              <a:spcBef>
+                <a:spcPts val="500"/>
+              </a:spcBef>
+              <a:buFont typeface="Arial" panose="020B0604020202020204" pitchFamily="34" charset="0"/>
+              <a:buNone/>
+              <a:defRPr sz="1600" kern="1200">
+                <a:solidFill>
+                  <a:schemeClr val="tx1"/>
+                </a:solidFill>
+                <a:latin typeface="+mn-lt"/>
+                <a:ea typeface="+mn-ea"/>
+                <a:cs typeface="+mn-cs"/>
+              </a:defRPr>
+            </a:lvl9pPr>
+          </a:lstStyle>
+          <a:p>
+            <a:pPr algn="l"/>
+            <a:r>
+              <a:rPr lang="en-US" sz="1800">
+                <a:sym typeface="Wingdings" pitchFamily="2" charset="2"/>
+              </a:rPr>
+              <a:t>- The ... of lambda is considered as ... =&gt; Any other variable ... that has the ... name with lambda ... will be prohibited =&gt; if trying to do that =&gt; ...</a:t>
+            </a:r>
+          </a:p>
+          <a:p>
+            <a:pPr algn="l"/>
+            <a:endParaRPr lang="en-US" sz="1800">
+              <a:sym typeface="Wingdings" pitchFamily="2" charset="2"/>
+            </a:endParaRPr>
+          </a:p>
+        </p:txBody>
+      </p:sp>
+      <p:pic>
+        <p:nvPicPr>
+          <p:cNvPr id="2" name="Picture 1">
+            <a:extLst>
+              <a:ext uri="{FF2B5EF4-FFF2-40B4-BE49-F238E27FC236}">
+                <a16:creationId xmlns:a16="http://schemas.microsoft.com/office/drawing/2014/main" id="{32EFBCBE-6CDC-C03B-1472-DC2AE9F1F15F}"/>
+              </a:ext>
+            </a:extLst>
+          </p:cNvPr>
+          <p:cNvPicPr>
+            <a:picLocks noChangeAspect="1"/>
+          </p:cNvPicPr>
+          <p:nvPr/>
+        </p:nvPicPr>
+        <p:blipFill>
+          <a:blip r:embed="rId3"/>
+          <a:stretch>
+            <a:fillRect/>
+          </a:stretch>
+        </p:blipFill>
+        <p:spPr>
+          <a:xfrm>
+            <a:off x="2123237" y="2644078"/>
+            <a:ext cx="7945526" cy="857557"/>
+          </a:xfrm>
+          <a:prstGeom prst="rect">
+            <a:avLst/>
+          </a:prstGeom>
+        </p:spPr>
+      </p:pic>
+      <p:pic>
+        <p:nvPicPr>
+          <p:cNvPr id="6" name="Picture 5">
+            <a:extLst>
+              <a:ext uri="{FF2B5EF4-FFF2-40B4-BE49-F238E27FC236}">
+                <a16:creationId xmlns:a16="http://schemas.microsoft.com/office/drawing/2014/main" id="{214FCC2A-9D6B-FBF7-3F19-8071CBD7C6E9}"/>
+              </a:ext>
+            </a:extLst>
+          </p:cNvPr>
+          <p:cNvPicPr>
+            <a:picLocks noChangeAspect="1"/>
+          </p:cNvPicPr>
+          <p:nvPr/>
+        </p:nvPicPr>
+        <p:blipFill>
+          <a:blip r:embed="rId4"/>
+          <a:stretch>
+            <a:fillRect/>
+          </a:stretch>
+        </p:blipFill>
+        <p:spPr>
+          <a:xfrm>
+            <a:off x="2352434" y="4016765"/>
+            <a:ext cx="7487132" cy="857557"/>
+          </a:xfrm>
+          <a:prstGeom prst="rect">
+            <a:avLst/>
+          </a:prstGeom>
+        </p:spPr>
+      </p:pic>
+    </p:spTree>
+    <p:extLst>
+      <p:ext uri="{BB962C8B-B14F-4D97-AF65-F5344CB8AC3E}">
+        <p14:creationId xmlns:p14="http://schemas.microsoft.com/office/powerpoint/2010/main" val="859789358"/>
+      </p:ext>
+    </p:extLst>
+  </p:cSld>
+  <p:clrMapOvr>
+    <a:masterClrMapping/>
+  </p:clrMapOvr>
+  <p:timing>
+    <p:tnLst>
+      <p:par>
+        <p:cTn id="1" dur="indefinite" restart="never" nodeType="tmRoot">
+          <p:childTnLst>
+            <p:seq concurrent="1" nextAc="seek">
+              <p:cTn id="2" dur="indefinite" nodeType="mainSeq">
+                <p:childTnLst>
+                  <p:par>
+                    <p:cTn id="3" fill="hold">
+                      <p:stCondLst>
+                        <p:cond delay="indefinite"/>
+                      </p:stCondLst>
+                      <p:childTnLst>
+                        <p:par>
+                          <p:cTn id="4" fill="hold">
+                            <p:stCondLst>
+                              <p:cond delay="0"/>
+                            </p:stCondLst>
+                            <p:childTnLst>
+                              <p:par>
+                                <p:cTn id="5" presetID="1" presetClass="entr" presetSubtype="0" fill="hold" nodeType="clickEffect">
+                                  <p:stCondLst>
+                                    <p:cond delay="0"/>
+                                  </p:stCondLst>
+                                  <p:childTnLst>
+                                    <p:set>
+                                      <p:cBhvr>
+                                        <p:cTn id="6" dur="1" fill="hold">
+                                          <p:stCondLst>
+                                            <p:cond delay="0"/>
+                                          </p:stCondLst>
+                                        </p:cTn>
+                                        <p:tgtEl>
+                                          <p:spTgt spid="4">
+                                            <p:txEl>
+                                              <p:pRg st="0" end="0"/>
+                                            </p:txEl>
+                                          </p:spTgt>
+                                        </p:tgtEl>
+                                        <p:attrNameLst>
+                                          <p:attrName>style.visibility</p:attrName>
+                                        </p:attrNameLst>
+                                      </p:cBhvr>
+                                      <p:to>
+                                        <p:strVal val="visible"/>
+                                      </p:to>
+                                    </p:set>
+                                  </p:childTnLst>
+                                </p:cTn>
+                              </p:par>
+                            </p:childTnLst>
+                          </p:cTn>
+                        </p:par>
+                      </p:childTnLst>
+                    </p:cTn>
+                  </p:par>
+                  <p:par>
+                    <p:cTn id="7" fill="hold">
+                      <p:stCondLst>
+                        <p:cond delay="indefinite"/>
+                      </p:stCondLst>
+                      <p:childTnLst>
+                        <p:par>
+                          <p:cTn id="8" fill="hold">
+                            <p:stCondLst>
+                              <p:cond delay="0"/>
+                            </p:stCondLst>
+                            <p:childTnLst>
+                              <p:par>
+                                <p:cTn id="9" presetID="1" presetClass="entr" presetSubtype="0" fill="hold" nodeType="clickEffect">
+                                  <p:stCondLst>
+                                    <p:cond delay="0"/>
+                                  </p:stCondLst>
+                                  <p:childTnLst>
+                                    <p:set>
+                                      <p:cBhvr>
+                                        <p:cTn id="10" dur="1" fill="hold">
+                                          <p:stCondLst>
+                                            <p:cond delay="0"/>
+                                          </p:stCondLst>
+                                        </p:cTn>
+                                        <p:tgtEl>
+                                          <p:spTgt spid="2"/>
+                                        </p:tgtEl>
+                                        <p:attrNameLst>
+                                          <p:attrName>style.visibility</p:attrName>
+                                        </p:attrNameLst>
+                                      </p:cBhvr>
+                                      <p:to>
+                                        <p:strVal val="visible"/>
+                                      </p:to>
+                                    </p:set>
+                                  </p:childTnLst>
+                                </p:cTn>
+                              </p:par>
+                            </p:childTnLst>
+                          </p:cTn>
+                        </p:par>
+                      </p:childTnLst>
+                    </p:cTn>
+                  </p:par>
+                  <p:par>
+                    <p:cTn id="11" fill="hold">
+                      <p:stCondLst>
+                        <p:cond delay="indefinite"/>
+                      </p:stCondLst>
+                      <p:childTnLst>
+                        <p:par>
+                          <p:cTn id="12" fill="hold">
+                            <p:stCondLst>
+                              <p:cond delay="0"/>
+                            </p:stCondLst>
+                            <p:childTnLst>
+                              <p:par>
+                                <p:cTn id="13" presetID="1" presetClass="entr" presetSubtype="0" fill="hold" nodeType="clickEffect">
+                                  <p:stCondLst>
+                                    <p:cond delay="0"/>
+                                  </p:stCondLst>
+                                  <p:childTnLst>
+                                    <p:set>
+                                      <p:cBhvr>
+                                        <p:cTn id="14" dur="1" fill="hold">
+                                          <p:stCondLst>
+                                            <p:cond delay="0"/>
+                                          </p:stCondLst>
+                                        </p:cTn>
+                                        <p:tgtEl>
+                                          <p:spTgt spid="6"/>
+                                        </p:tgtEl>
+                                        <p:attrNameLst>
+                                          <p:attrName>style.visibility</p:attrName>
+                                        </p:attrNameLst>
+                                      </p:cBhvr>
+                                      <p:to>
+                                        <p:strVal val="visible"/>
+                                      </p:to>
+                                    </p:set>
+                                  </p:childTnLst>
+                                </p:cTn>
+                              </p:par>
+                            </p:childTnLst>
+                          </p:cTn>
+                        </p:par>
+                      </p:childTnLst>
+                    </p:cTn>
+                  </p:par>
+                </p:childTnLst>
+              </p:cTn>
+              <p:prevCondLst>
+                <p:cond evt="onPrev" delay="0">
+                  <p:tgtEl>
+                    <p:sldTgt/>
+                  </p:tgtEl>
+                </p:cond>
+              </p:prevCondLst>
+              <p:nextCondLst>
+                <p:cond evt="onNext" delay="0">
+                  <p:tgtEl>
+                    <p:sldTgt/>
+                  </p:tgtEl>
+                </p:cond>
+              </p:nextCondLst>
+            </p:seq>
+          </p:childTnLst>
+        </p:cTn>
+      </p:par>
+    </p:tnLst>
+  </p:timing>
+</p:sld>
+</file>
+
+<file path=ppt/slides/slide26.xml><?xml version="1.0" encoding="utf-8"?>
+<p:sld xmlns:a="http://schemas.openxmlformats.org/drawingml/2006/main" xmlns:r="http://schemas.openxmlformats.org/officeDocument/2006/relationships" xmlns:p="http://schemas.openxmlformats.org/presentationml/2006/main">
+  <p:cSld>
+    <p:spTree>
+      <p:nvGrpSpPr>
+        <p:cNvPr id="1" name="">
+          <a:extLst>
+            <a:ext uri="{FF2B5EF4-FFF2-40B4-BE49-F238E27FC236}">
+              <a16:creationId xmlns:a16="http://schemas.microsoft.com/office/drawing/2014/main" id="{ACD1C4CC-DF15-3593-13C9-DB3D4C2CF955}"/>
+            </a:ext>
+          </a:extLst>
+        </p:cNvPr>
+        <p:cNvGrpSpPr/>
+        <p:nvPr/>
+      </p:nvGrpSpPr>
+      <p:grpSpPr>
+        <a:xfrm>
+          <a:off x="0" y="0"/>
+          <a:ext cx="0" cy="0"/>
+          <a:chOff x="0" y="0"/>
+          <a:chExt cx="0" cy="0"/>
+        </a:xfrm>
+      </p:grpSpPr>
+      <p:sp>
+        <p:nvSpPr>
+          <p:cNvPr id="3" name="Subtitle 2">
+            <a:extLst>
+              <a:ext uri="{FF2B5EF4-FFF2-40B4-BE49-F238E27FC236}">
+                <a16:creationId xmlns:a16="http://schemas.microsoft.com/office/drawing/2014/main" id="{B39B30DB-8E43-D0EE-8FA7-766EDDBC6BB7}"/>
+              </a:ext>
+            </a:extLst>
+          </p:cNvPr>
+          <p:cNvSpPr>
+            <a:spLocks noGrp="1"/>
+          </p:cNvSpPr>
+          <p:nvPr>
+            <p:ph type="subTitle" idx="1"/>
+          </p:nvPr>
+        </p:nvSpPr>
+        <p:spPr>
+          <a:xfrm>
+            <a:off x="152399" y="217488"/>
+            <a:ext cx="11223171" cy="303212"/>
+          </a:xfrm>
+        </p:spPr>
+        <p:txBody>
+          <a:bodyPr>
+            <a:normAutofit fontScale="92500" lnSpcReduction="20000"/>
+          </a:bodyPr>
+          <a:lstStyle/>
+          <a:p>
+            <a:r>
+              <a:rPr lang="en-US" sz="1800" b="1"/>
+              <a:t>Lambda Predicate </a:t>
+            </a:r>
+          </a:p>
+        </p:txBody>
+      </p:sp>
+      <p:sp>
+        <p:nvSpPr>
+          <p:cNvPr id="4" name="Subtitle 2">
+            <a:extLst>
+              <a:ext uri="{FF2B5EF4-FFF2-40B4-BE49-F238E27FC236}">
+                <a16:creationId xmlns:a16="http://schemas.microsoft.com/office/drawing/2014/main" id="{F66D9A58-06EE-84FF-0CDF-BBFB438501AD}"/>
+              </a:ext>
+            </a:extLst>
+          </p:cNvPr>
+          <p:cNvSpPr txBox="1">
+            <a:spLocks/>
+          </p:cNvSpPr>
+          <p:nvPr/>
+        </p:nvSpPr>
+        <p:spPr>
+          <a:xfrm>
+            <a:off x="0" y="820738"/>
+            <a:ext cx="12192000" cy="6037262"/>
+          </a:xfrm>
+          <a:prstGeom prst="rect">
+            <a:avLst/>
+          </a:prstGeom>
+        </p:spPr>
+        <p:txBody>
+          <a:bodyPr vert="horz" lIns="91440" tIns="45720" rIns="91440" bIns="45720" rtlCol="0">
+            <a:normAutofit/>
+          </a:bodyPr>
+          <a:lstStyle>
+            <a:lvl1pPr marL="0" indent="0" algn="ctr" defTabSz="914400" rtl="0" eaLnBrk="1" latinLnBrk="0" hangingPunct="1">
+              <a:lnSpc>
+                <a:spcPct val="90000"/>
+              </a:lnSpc>
+              <a:spcBef>
+                <a:spcPts val="1000"/>
+              </a:spcBef>
+              <a:buFont typeface="Arial" panose="020B0604020202020204" pitchFamily="34" charset="0"/>
+              <a:buNone/>
+              <a:defRPr sz="2400" kern="1200">
+                <a:solidFill>
+                  <a:schemeClr val="tx1"/>
+                </a:solidFill>
+                <a:latin typeface="+mn-lt"/>
+                <a:ea typeface="+mn-ea"/>
+                <a:cs typeface="+mn-cs"/>
+              </a:defRPr>
+            </a:lvl1pPr>
+            <a:lvl2pPr marL="457200" indent="0" algn="ctr" defTabSz="914400" rtl="0" eaLnBrk="1" latinLnBrk="0" hangingPunct="1">
+              <a:lnSpc>
+                <a:spcPct val="90000"/>
+              </a:lnSpc>
+              <a:spcBef>
+                <a:spcPts val="500"/>
+              </a:spcBef>
+              <a:buFont typeface="Arial" panose="020B0604020202020204" pitchFamily="34" charset="0"/>
+              <a:buNone/>
+              <a:defRPr sz="2000" kern="1200">
+                <a:solidFill>
+                  <a:schemeClr val="tx1"/>
+                </a:solidFill>
+                <a:latin typeface="+mn-lt"/>
+                <a:ea typeface="+mn-ea"/>
+                <a:cs typeface="+mn-cs"/>
+              </a:defRPr>
+            </a:lvl2pPr>
+            <a:lvl3pPr marL="914400" indent="0" algn="ctr" defTabSz="914400" rtl="0" eaLnBrk="1" latinLnBrk="0" hangingPunct="1">
+              <a:lnSpc>
+                <a:spcPct val="90000"/>
+              </a:lnSpc>
+              <a:spcBef>
+                <a:spcPts val="500"/>
+              </a:spcBef>
+              <a:buFont typeface="Arial" panose="020B0604020202020204" pitchFamily="34" charset="0"/>
+              <a:buNone/>
+              <a:defRPr sz="1800" kern="1200">
+                <a:solidFill>
+                  <a:schemeClr val="tx1"/>
+                </a:solidFill>
+                <a:latin typeface="+mn-lt"/>
+                <a:ea typeface="+mn-ea"/>
+                <a:cs typeface="+mn-cs"/>
+              </a:defRPr>
+            </a:lvl3pPr>
+            <a:lvl4pPr marL="1371600" indent="0" algn="ctr" defTabSz="914400" rtl="0" eaLnBrk="1" latinLnBrk="0" hangingPunct="1">
+              <a:lnSpc>
+                <a:spcPct val="90000"/>
+              </a:lnSpc>
+              <a:spcBef>
+                <a:spcPts val="500"/>
+              </a:spcBef>
+              <a:buFont typeface="Arial" panose="020B0604020202020204" pitchFamily="34" charset="0"/>
+              <a:buNone/>
+              <a:defRPr sz="1600" kern="1200">
+                <a:solidFill>
+                  <a:schemeClr val="tx1"/>
+                </a:solidFill>
+                <a:latin typeface="+mn-lt"/>
+                <a:ea typeface="+mn-ea"/>
+                <a:cs typeface="+mn-cs"/>
+              </a:defRPr>
+            </a:lvl4pPr>
+            <a:lvl5pPr marL="1828800" indent="0" algn="ctr" defTabSz="914400" rtl="0" eaLnBrk="1" latinLnBrk="0" hangingPunct="1">
+              <a:lnSpc>
+                <a:spcPct val="90000"/>
+              </a:lnSpc>
+              <a:spcBef>
+                <a:spcPts val="500"/>
+              </a:spcBef>
+              <a:buFont typeface="Arial" panose="020B0604020202020204" pitchFamily="34" charset="0"/>
+              <a:buNone/>
+              <a:defRPr sz="1600" kern="1200">
+                <a:solidFill>
+                  <a:schemeClr val="tx1"/>
+                </a:solidFill>
+                <a:latin typeface="+mn-lt"/>
+                <a:ea typeface="+mn-ea"/>
+                <a:cs typeface="+mn-cs"/>
+              </a:defRPr>
+            </a:lvl5pPr>
+            <a:lvl6pPr marL="2286000" indent="0" algn="ctr" defTabSz="914400" rtl="0" eaLnBrk="1" latinLnBrk="0" hangingPunct="1">
+              <a:lnSpc>
+                <a:spcPct val="90000"/>
+              </a:lnSpc>
+              <a:spcBef>
+                <a:spcPts val="500"/>
+              </a:spcBef>
+              <a:buFont typeface="Arial" panose="020B0604020202020204" pitchFamily="34" charset="0"/>
+              <a:buNone/>
+              <a:defRPr sz="1600" kern="1200">
+                <a:solidFill>
+                  <a:schemeClr val="tx1"/>
+                </a:solidFill>
+                <a:latin typeface="+mn-lt"/>
+                <a:ea typeface="+mn-ea"/>
+                <a:cs typeface="+mn-cs"/>
+              </a:defRPr>
+            </a:lvl6pPr>
+            <a:lvl7pPr marL="2743200" indent="0" algn="ctr" defTabSz="914400" rtl="0" eaLnBrk="1" latinLnBrk="0" hangingPunct="1">
+              <a:lnSpc>
+                <a:spcPct val="90000"/>
+              </a:lnSpc>
+              <a:spcBef>
+                <a:spcPts val="500"/>
+              </a:spcBef>
+              <a:buFont typeface="Arial" panose="020B0604020202020204" pitchFamily="34" charset="0"/>
+              <a:buNone/>
+              <a:defRPr sz="1600" kern="1200">
+                <a:solidFill>
+                  <a:schemeClr val="tx1"/>
+                </a:solidFill>
+                <a:latin typeface="+mn-lt"/>
+                <a:ea typeface="+mn-ea"/>
+                <a:cs typeface="+mn-cs"/>
+              </a:defRPr>
+            </a:lvl7pPr>
+            <a:lvl8pPr marL="3200400" indent="0" algn="ctr" defTabSz="914400" rtl="0" eaLnBrk="1" latinLnBrk="0" hangingPunct="1">
+              <a:lnSpc>
+                <a:spcPct val="90000"/>
+              </a:lnSpc>
+              <a:spcBef>
+                <a:spcPts val="500"/>
+              </a:spcBef>
+              <a:buFont typeface="Arial" panose="020B0604020202020204" pitchFamily="34" charset="0"/>
+              <a:buNone/>
+              <a:defRPr sz="1600" kern="1200">
+                <a:solidFill>
+                  <a:schemeClr val="tx1"/>
+                </a:solidFill>
+                <a:latin typeface="+mn-lt"/>
+                <a:ea typeface="+mn-ea"/>
+                <a:cs typeface="+mn-cs"/>
+              </a:defRPr>
+            </a:lvl8pPr>
+            <a:lvl9pPr marL="3657600" indent="0" algn="ctr" defTabSz="914400" rtl="0" eaLnBrk="1" latinLnBrk="0" hangingPunct="1">
+              <a:lnSpc>
+                <a:spcPct val="90000"/>
+              </a:lnSpc>
+              <a:spcBef>
+                <a:spcPts val="500"/>
+              </a:spcBef>
+              <a:buFont typeface="Arial" panose="020B0604020202020204" pitchFamily="34" charset="0"/>
+              <a:buNone/>
+              <a:defRPr sz="1600" kern="1200">
+                <a:solidFill>
+                  <a:schemeClr val="tx1"/>
+                </a:solidFill>
+                <a:latin typeface="+mn-lt"/>
+                <a:ea typeface="+mn-ea"/>
+                <a:cs typeface="+mn-cs"/>
+              </a:defRPr>
+            </a:lvl9pPr>
+          </a:lstStyle>
+          <a:p>
+            <a:pPr algn="l"/>
+            <a:r>
+              <a:rPr lang="en-US" sz="1800">
+                <a:sym typeface="Wingdings" pitchFamily="2" charset="2"/>
+              </a:rPr>
+              <a:t>- We have seen lambda is ... when doing ...</a:t>
+            </a:r>
+          </a:p>
+          <a:p>
+            <a:pPr algn="l"/>
+            <a:r>
+              <a:rPr lang="en-US" sz="1800">
+                <a:sym typeface="Wingdings" pitchFamily="2" charset="2"/>
+              </a:rPr>
+              <a:t>– However, what happen if we want to test on more ... ?</a:t>
+            </a:r>
+          </a:p>
+          <a:p>
+            <a:pPr algn="l"/>
+            <a:r>
+              <a:rPr lang="en-US" sz="1800">
+                <a:sym typeface="Wingdings" pitchFamily="2" charset="2"/>
+              </a:rPr>
+              <a:t>- Luckily, Java understand this problem =&gt; create Predicate ...</a:t>
+            </a:r>
+          </a:p>
+          <a:p>
+            <a:pPr algn="l"/>
+            <a:r>
+              <a:rPr lang="en-US" sz="1800">
+                <a:sym typeface="Wingdings" pitchFamily="2" charset="2"/>
+              </a:rPr>
+              <a:t>(Java API illustration), also explain what is the "T" appears in the API</a:t>
+            </a:r>
+          </a:p>
+          <a:p>
+            <a:pPr algn="l"/>
+            <a:r>
+              <a:rPr lang="en-US" sz="1800">
+                <a:sym typeface="Wingdings" pitchFamily="2" charset="2"/>
+              </a:rPr>
+              <a:t>(ask question - Q3)</a:t>
+            </a:r>
+          </a:p>
+          <a:p>
+            <a:pPr algn="l"/>
+            <a:r>
+              <a:rPr lang="en-US" sz="1800">
+                <a:sym typeface="Wingdings" pitchFamily="2" charset="2"/>
+              </a:rPr>
+              <a:t>(code illustration snippet 42)</a:t>
+            </a:r>
+          </a:p>
+          <a:p>
+            <a:pPr algn="l"/>
+            <a:r>
+              <a:rPr lang="en-US" sz="1800">
+                <a:sym typeface="Wingdings" pitchFamily="2" charset="2"/>
+              </a:rPr>
+              <a:t>- Java also ... to some other ... in their API </a:t>
+            </a:r>
+          </a:p>
+          <a:p>
+            <a:pPr algn="l"/>
+            <a:r>
+              <a:rPr lang="en-US" sz="1800">
+                <a:sym typeface="Wingdings" pitchFamily="2" charset="2"/>
+              </a:rPr>
+              <a:t>(Java API illustration + code illustration snippet 43)</a:t>
+            </a:r>
+          </a:p>
+          <a:p>
+            <a:pPr algn="l"/>
+            <a:endParaRPr lang="en-US" sz="1800">
+              <a:sym typeface="Wingdings" pitchFamily="2" charset="2"/>
+            </a:endParaRPr>
+          </a:p>
+        </p:txBody>
+      </p:sp>
+    </p:spTree>
+    <p:extLst>
+      <p:ext uri="{BB962C8B-B14F-4D97-AF65-F5344CB8AC3E}">
+        <p14:creationId xmlns:p14="http://schemas.microsoft.com/office/powerpoint/2010/main" val="3102402121"/>
+      </p:ext>
+    </p:extLst>
+  </p:cSld>
+  <p:clrMapOvr>
+    <a:masterClrMapping/>
+  </p:clrMapOvr>
+  <p:timing>
+    <p:tnLst>
+      <p:par>
+        <p:cTn id="1" dur="indefinite" restart="never" nodeType="tmRoot">
+          <p:childTnLst>
+            <p:seq concurrent="1" nextAc="seek">
+              <p:cTn id="2" dur="indefinite" nodeType="mainSeq">
+                <p:childTnLst>
+                  <p:par>
+                    <p:cTn id="3" fill="hold">
+                      <p:stCondLst>
+                        <p:cond delay="indefinite"/>
+                      </p:stCondLst>
+                      <p:childTnLst>
+                        <p:par>
+                          <p:cTn id="4" fill="hold">
+                            <p:stCondLst>
+                              <p:cond delay="0"/>
+                            </p:stCondLst>
+                            <p:childTnLst>
+                              <p:par>
+                                <p:cTn id="5" presetID="1" presetClass="entr" presetSubtype="0" fill="hold" nodeType="clickEffect">
+                                  <p:stCondLst>
+                                    <p:cond delay="0"/>
+                                  </p:stCondLst>
+                                  <p:childTnLst>
+                                    <p:set>
+                                      <p:cBhvr>
+                                        <p:cTn id="6" dur="1" fill="hold">
+                                          <p:stCondLst>
+                                            <p:cond delay="0"/>
+                                          </p:stCondLst>
+                                        </p:cTn>
+                                        <p:tgtEl>
+                                          <p:spTgt spid="4">
+                                            <p:txEl>
+                                              <p:pRg st="0" end="0"/>
+                                            </p:txEl>
+                                          </p:spTgt>
+                                        </p:tgtEl>
+                                        <p:attrNameLst>
+                                          <p:attrName>style.visibility</p:attrName>
+                                        </p:attrNameLst>
+                                      </p:cBhvr>
+                                      <p:to>
+                                        <p:strVal val="visible"/>
+                                      </p:to>
+                                    </p:set>
+                                  </p:childTnLst>
+                                </p:cTn>
+                              </p:par>
+                            </p:childTnLst>
+                          </p:cTn>
+                        </p:par>
+                      </p:childTnLst>
+                    </p:cTn>
+                  </p:par>
+                  <p:par>
+                    <p:cTn id="7" fill="hold">
+                      <p:stCondLst>
+                        <p:cond delay="indefinite"/>
+                      </p:stCondLst>
+                      <p:childTnLst>
+                        <p:par>
+                          <p:cTn id="8" fill="hold">
+                            <p:stCondLst>
+                              <p:cond delay="0"/>
+                            </p:stCondLst>
+                            <p:childTnLst>
+                              <p:par>
+                                <p:cTn id="9" presetID="1" presetClass="entr" presetSubtype="0" fill="hold" nodeType="clickEffect">
+                                  <p:stCondLst>
+                                    <p:cond delay="0"/>
+                                  </p:stCondLst>
+                                  <p:childTnLst>
+                                    <p:set>
+                                      <p:cBhvr>
+                                        <p:cTn id="10" dur="1" fill="hold">
+                                          <p:stCondLst>
+                                            <p:cond delay="0"/>
+                                          </p:stCondLst>
+                                        </p:cTn>
+                                        <p:tgtEl>
+                                          <p:spTgt spid="4">
+                                            <p:txEl>
+                                              <p:pRg st="1" end="1"/>
+                                            </p:txEl>
+                                          </p:spTgt>
+                                        </p:tgtEl>
+                                        <p:attrNameLst>
+                                          <p:attrName>style.visibility</p:attrName>
+                                        </p:attrNameLst>
+                                      </p:cBhvr>
+                                      <p:to>
+                                        <p:strVal val="visible"/>
+                                      </p:to>
+                                    </p:set>
+                                  </p:childTnLst>
+                                </p:cTn>
+                              </p:par>
+                            </p:childTnLst>
+                          </p:cTn>
+                        </p:par>
+                      </p:childTnLst>
+                    </p:cTn>
+                  </p:par>
+                  <p:par>
+                    <p:cTn id="11" fill="hold">
+                      <p:stCondLst>
+                        <p:cond delay="indefinite"/>
+                      </p:stCondLst>
+                      <p:childTnLst>
+                        <p:par>
+                          <p:cTn id="12" fill="hold">
+                            <p:stCondLst>
+                              <p:cond delay="0"/>
+                            </p:stCondLst>
+                            <p:childTnLst>
+                              <p:par>
+                                <p:cTn id="13" presetID="1" presetClass="entr" presetSubtype="0" fill="hold" nodeType="clickEffect">
+                                  <p:stCondLst>
+                                    <p:cond delay="0"/>
+                                  </p:stCondLst>
+                                  <p:childTnLst>
+                                    <p:set>
+                                      <p:cBhvr>
+                                        <p:cTn id="14" dur="1" fill="hold">
+                                          <p:stCondLst>
+                                            <p:cond delay="0"/>
+                                          </p:stCondLst>
+                                        </p:cTn>
+                                        <p:tgtEl>
+                                          <p:spTgt spid="4">
+                                            <p:txEl>
+                                              <p:pRg st="2" end="2"/>
+                                            </p:txEl>
+                                          </p:spTgt>
+                                        </p:tgtEl>
+                                        <p:attrNameLst>
+                                          <p:attrName>style.visibility</p:attrName>
+                                        </p:attrNameLst>
+                                      </p:cBhvr>
+                                      <p:to>
+                                        <p:strVal val="visible"/>
+                                      </p:to>
+                                    </p:set>
+                                  </p:childTnLst>
+                                </p:cTn>
+                              </p:par>
+                            </p:childTnLst>
+                          </p:cTn>
+                        </p:par>
+                      </p:childTnLst>
+                    </p:cTn>
+                  </p:par>
+                  <p:par>
+                    <p:cTn id="15" fill="hold">
+                      <p:stCondLst>
+                        <p:cond delay="indefinite"/>
+                      </p:stCondLst>
+                      <p:childTnLst>
+                        <p:par>
+                          <p:cTn id="16" fill="hold">
+                            <p:stCondLst>
+                              <p:cond delay="0"/>
+                            </p:stCondLst>
+                            <p:childTnLst>
+                              <p:par>
+                                <p:cTn id="17" presetID="1" presetClass="entr" presetSubtype="0" fill="hold" nodeType="clickEffect">
+                                  <p:stCondLst>
+                                    <p:cond delay="0"/>
+                                  </p:stCondLst>
+                                  <p:childTnLst>
+                                    <p:set>
+                                      <p:cBhvr>
+                                        <p:cTn id="18" dur="1" fill="hold">
+                                          <p:stCondLst>
+                                            <p:cond delay="0"/>
+                                          </p:stCondLst>
+                                        </p:cTn>
+                                        <p:tgtEl>
+                                          <p:spTgt spid="4">
+                                            <p:txEl>
+                                              <p:pRg st="3" end="3"/>
+                                            </p:txEl>
+                                          </p:spTgt>
+                                        </p:tgtEl>
+                                        <p:attrNameLst>
+                                          <p:attrName>style.visibility</p:attrName>
+                                        </p:attrNameLst>
+                                      </p:cBhvr>
+                                      <p:to>
+                                        <p:strVal val="visible"/>
+                                      </p:to>
+                                    </p:set>
+                                  </p:childTnLst>
+                                </p:cTn>
+                              </p:par>
+                            </p:childTnLst>
+                          </p:cTn>
+                        </p:par>
+                      </p:childTnLst>
+                    </p:cTn>
+                  </p:par>
+                  <p:par>
+                    <p:cTn id="19" fill="hold">
+                      <p:stCondLst>
+                        <p:cond delay="indefinite"/>
+                      </p:stCondLst>
+                      <p:childTnLst>
+                        <p:par>
+                          <p:cTn id="20" fill="hold">
+                            <p:stCondLst>
+                              <p:cond delay="0"/>
+                            </p:stCondLst>
+                            <p:childTnLst>
+                              <p:par>
+                                <p:cTn id="21" presetID="1" presetClass="entr" presetSubtype="0" fill="hold" nodeType="clickEffect">
+                                  <p:stCondLst>
+                                    <p:cond delay="0"/>
+                                  </p:stCondLst>
+                                  <p:childTnLst>
+                                    <p:set>
+                                      <p:cBhvr>
+                                        <p:cTn id="22" dur="1" fill="hold">
+                                          <p:stCondLst>
+                                            <p:cond delay="0"/>
+                                          </p:stCondLst>
+                                        </p:cTn>
+                                        <p:tgtEl>
+                                          <p:spTgt spid="4">
+                                            <p:txEl>
+                                              <p:pRg st="4" end="4"/>
+                                            </p:txEl>
+                                          </p:spTgt>
+                                        </p:tgtEl>
+                                        <p:attrNameLst>
+                                          <p:attrName>style.visibility</p:attrName>
+                                        </p:attrNameLst>
+                                      </p:cBhvr>
+                                      <p:to>
+                                        <p:strVal val="visible"/>
+                                      </p:to>
+                                    </p:set>
+                                  </p:childTnLst>
+                                </p:cTn>
+                              </p:par>
+                            </p:childTnLst>
+                          </p:cTn>
+                        </p:par>
+                      </p:childTnLst>
+                    </p:cTn>
+                  </p:par>
+                  <p:par>
+                    <p:cTn id="23" fill="hold">
+                      <p:stCondLst>
+                        <p:cond delay="indefinite"/>
+                      </p:stCondLst>
+                      <p:childTnLst>
+                        <p:par>
+                          <p:cTn id="24" fill="hold">
+                            <p:stCondLst>
+                              <p:cond delay="0"/>
+                            </p:stCondLst>
+                            <p:childTnLst>
+                              <p:par>
+                                <p:cTn id="25" presetID="1" presetClass="entr" presetSubtype="0" fill="hold" nodeType="clickEffect">
+                                  <p:stCondLst>
+                                    <p:cond delay="0"/>
+                                  </p:stCondLst>
+                                  <p:childTnLst>
+                                    <p:set>
+                                      <p:cBhvr>
+                                        <p:cTn id="26" dur="1" fill="hold">
+                                          <p:stCondLst>
+                                            <p:cond delay="0"/>
+                                          </p:stCondLst>
+                                        </p:cTn>
+                                        <p:tgtEl>
+                                          <p:spTgt spid="4">
+                                            <p:txEl>
+                                              <p:pRg st="5" end="5"/>
+                                            </p:txEl>
+                                          </p:spTgt>
+                                        </p:tgtEl>
+                                        <p:attrNameLst>
+                                          <p:attrName>style.visibility</p:attrName>
+                                        </p:attrNameLst>
+                                      </p:cBhvr>
+                                      <p:to>
+                                        <p:strVal val="visible"/>
+                                      </p:to>
+                                    </p:set>
+                                  </p:childTnLst>
+                                </p:cTn>
+                              </p:par>
+                            </p:childTnLst>
+                          </p:cTn>
+                        </p:par>
+                      </p:childTnLst>
+                    </p:cTn>
+                  </p:par>
+                  <p:par>
+                    <p:cTn id="27" fill="hold">
+                      <p:stCondLst>
+                        <p:cond delay="indefinite"/>
+                      </p:stCondLst>
+                      <p:childTnLst>
+                        <p:par>
+                          <p:cTn id="28" fill="hold">
+                            <p:stCondLst>
+                              <p:cond delay="0"/>
+                            </p:stCondLst>
+                            <p:childTnLst>
+                              <p:par>
+                                <p:cTn id="29" presetID="1" presetClass="entr" presetSubtype="0" fill="hold" nodeType="clickEffect">
+                                  <p:stCondLst>
+                                    <p:cond delay="0"/>
+                                  </p:stCondLst>
+                                  <p:childTnLst>
+                                    <p:set>
+                                      <p:cBhvr>
+                                        <p:cTn id="30" dur="1" fill="hold">
+                                          <p:stCondLst>
+                                            <p:cond delay="0"/>
+                                          </p:stCondLst>
+                                        </p:cTn>
+                                        <p:tgtEl>
+                                          <p:spTgt spid="4">
+                                            <p:txEl>
+                                              <p:pRg st="6" end="6"/>
+                                            </p:txEl>
+                                          </p:spTgt>
+                                        </p:tgtEl>
+                                        <p:attrNameLst>
+                                          <p:attrName>style.visibility</p:attrName>
+                                        </p:attrNameLst>
+                                      </p:cBhvr>
+                                      <p:to>
+                                        <p:strVal val="visible"/>
+                                      </p:to>
+                                    </p:set>
+                                  </p:childTnLst>
+                                </p:cTn>
+                              </p:par>
+                            </p:childTnLst>
+                          </p:cTn>
+                        </p:par>
+                      </p:childTnLst>
+                    </p:cTn>
+                  </p:par>
+                  <p:par>
+                    <p:cTn id="31" fill="hold">
+                      <p:stCondLst>
+                        <p:cond delay="indefinite"/>
+                      </p:stCondLst>
+                      <p:childTnLst>
+                        <p:par>
+                          <p:cTn id="32" fill="hold">
+                            <p:stCondLst>
+                              <p:cond delay="0"/>
+                            </p:stCondLst>
+                            <p:childTnLst>
+                              <p:par>
+                                <p:cTn id="33" presetID="1" presetClass="entr" presetSubtype="0" fill="hold" nodeType="clickEffect">
+                                  <p:stCondLst>
+                                    <p:cond delay="0"/>
+                                  </p:stCondLst>
+                                  <p:childTnLst>
+                                    <p:set>
+                                      <p:cBhvr>
+                                        <p:cTn id="34" dur="1" fill="hold">
+                                          <p:stCondLst>
+                                            <p:cond delay="0"/>
+                                          </p:stCondLst>
+                                        </p:cTn>
+                                        <p:tgtEl>
+                                          <p:spTgt spid="4">
+                                            <p:txEl>
+                                              <p:pRg st="7" end="7"/>
+                                            </p:txEl>
+                                          </p:spTgt>
+                                        </p:tgtEl>
+                                        <p:attrNameLst>
+                                          <p:attrName>style.visibility</p:attrName>
+                                        </p:attrNameLst>
+                                      </p:cBhvr>
+                                      <p:to>
+                                        <p:strVal val="visible"/>
+                                      </p:to>
+                                    </p:set>
+                                  </p:childTnLst>
+                                </p:cTn>
+                              </p:par>
+                            </p:childTnLst>
+                          </p:cTn>
+                        </p:par>
+                      </p:childTnLst>
+                    </p:cTn>
+                  </p:par>
+                </p:childTnLst>
+              </p:cTn>
+              <p:prevCondLst>
+                <p:cond evt="onPrev" delay="0">
+                  <p:tgtEl>
+                    <p:sldTgt/>
+                  </p:tgtEl>
+                </p:cond>
+              </p:prevCondLst>
+              <p:nextCondLst>
+                <p:cond evt="onNext" delay="0">
+                  <p:tgtEl>
+                    <p:sldTgt/>
+                  </p:tgtEl>
+                </p:cond>
+              </p:nextCondLst>
+            </p:seq>
+          </p:childTnLst>
+        </p:cTn>
+      </p:par>
+    </p:tnLst>
+  </p:timing>
+</p:sld>
+</file>
+
+<file path=ppt/slides/slide27.xml><?xml version="1.0" encoding="utf-8"?>
+<p:sld xmlns:a="http://schemas.openxmlformats.org/drawingml/2006/main" xmlns:r="http://schemas.openxmlformats.org/officeDocument/2006/relationships" xmlns:p="http://schemas.openxmlformats.org/presentationml/2006/main">
+  <p:cSld>
+    <p:spTree>
+      <p:nvGrpSpPr>
+        <p:cNvPr id="1" name="">
+          <a:extLst>
+            <a:ext uri="{FF2B5EF4-FFF2-40B4-BE49-F238E27FC236}">
+              <a16:creationId xmlns:a16="http://schemas.microsoft.com/office/drawing/2014/main" id="{EFAF7780-B459-907E-600A-EC1C0226478B}"/>
+            </a:ext>
+          </a:extLst>
+        </p:cNvPr>
+        <p:cNvGrpSpPr/>
+        <p:nvPr/>
+      </p:nvGrpSpPr>
+      <p:grpSpPr>
+        <a:xfrm>
+          <a:off x="0" y="0"/>
+          <a:ext cx="0" cy="0"/>
+          <a:chOff x="0" y="0"/>
+          <a:chExt cx="0" cy="0"/>
+        </a:xfrm>
+      </p:grpSpPr>
+      <p:sp>
+        <p:nvSpPr>
+          <p:cNvPr id="3" name="Subtitle 2">
+            <a:extLst>
+              <a:ext uri="{FF2B5EF4-FFF2-40B4-BE49-F238E27FC236}">
+                <a16:creationId xmlns:a16="http://schemas.microsoft.com/office/drawing/2014/main" id="{401C027B-A0D8-EFEC-0480-1A19187F4D9C}"/>
+              </a:ext>
+            </a:extLst>
+          </p:cNvPr>
+          <p:cNvSpPr>
+            <a:spLocks noGrp="1"/>
+          </p:cNvSpPr>
+          <p:nvPr>
+            <p:ph type="subTitle" idx="1"/>
+          </p:nvPr>
+        </p:nvSpPr>
+        <p:spPr>
+          <a:xfrm>
+            <a:off x="152399" y="217488"/>
+            <a:ext cx="11223171" cy="303212"/>
+          </a:xfrm>
+        </p:spPr>
+        <p:txBody>
+          <a:bodyPr>
+            <a:normAutofit fontScale="92500" lnSpcReduction="20000"/>
+          </a:bodyPr>
+          <a:lstStyle/>
+          <a:p>
+            <a:r>
+              <a:rPr lang="en-US" sz="1800" b="1"/>
+              <a:t>Q&amp;A section</a:t>
+            </a:r>
+          </a:p>
+        </p:txBody>
+      </p:sp>
+      <p:sp>
+        <p:nvSpPr>
+          <p:cNvPr id="4" name="Subtitle 2">
+            <a:extLst>
+              <a:ext uri="{FF2B5EF4-FFF2-40B4-BE49-F238E27FC236}">
+                <a16:creationId xmlns:a16="http://schemas.microsoft.com/office/drawing/2014/main" id="{440DB768-B7ED-6DA3-8C6A-32E7CA21BC7C}"/>
+              </a:ext>
+            </a:extLst>
+          </p:cNvPr>
+          <p:cNvSpPr txBox="1">
+            <a:spLocks/>
+          </p:cNvSpPr>
+          <p:nvPr/>
+        </p:nvSpPr>
+        <p:spPr>
+          <a:xfrm>
+            <a:off x="0" y="820738"/>
+            <a:ext cx="12192000" cy="6037262"/>
+          </a:xfrm>
+          <a:prstGeom prst="rect">
+            <a:avLst/>
+          </a:prstGeom>
+        </p:spPr>
+        <p:txBody>
+          <a:bodyPr vert="horz" lIns="91440" tIns="45720" rIns="91440" bIns="45720" rtlCol="0">
+            <a:normAutofit/>
+          </a:bodyPr>
+          <a:lstStyle>
+            <a:lvl1pPr marL="0" indent="0" algn="ctr" defTabSz="914400" rtl="0" eaLnBrk="1" latinLnBrk="0" hangingPunct="1">
+              <a:lnSpc>
+                <a:spcPct val="90000"/>
+              </a:lnSpc>
+              <a:spcBef>
+                <a:spcPts val="1000"/>
+              </a:spcBef>
+              <a:buFont typeface="Arial" panose="020B0604020202020204" pitchFamily="34" charset="0"/>
+              <a:buNone/>
+              <a:defRPr sz="2400" kern="1200">
+                <a:solidFill>
+                  <a:schemeClr val="tx1"/>
+                </a:solidFill>
+                <a:latin typeface="+mn-lt"/>
+                <a:ea typeface="+mn-ea"/>
+                <a:cs typeface="+mn-cs"/>
+              </a:defRPr>
+            </a:lvl1pPr>
+            <a:lvl2pPr marL="457200" indent="0" algn="ctr" defTabSz="914400" rtl="0" eaLnBrk="1" latinLnBrk="0" hangingPunct="1">
+              <a:lnSpc>
+                <a:spcPct val="90000"/>
+              </a:lnSpc>
+              <a:spcBef>
+                <a:spcPts val="500"/>
+              </a:spcBef>
+              <a:buFont typeface="Arial" panose="020B0604020202020204" pitchFamily="34" charset="0"/>
+              <a:buNone/>
+              <a:defRPr sz="2000" kern="1200">
+                <a:solidFill>
+                  <a:schemeClr val="tx1"/>
+                </a:solidFill>
+                <a:latin typeface="+mn-lt"/>
+                <a:ea typeface="+mn-ea"/>
+                <a:cs typeface="+mn-cs"/>
+              </a:defRPr>
+            </a:lvl2pPr>
+            <a:lvl3pPr marL="914400" indent="0" algn="ctr" defTabSz="914400" rtl="0" eaLnBrk="1" latinLnBrk="0" hangingPunct="1">
+              <a:lnSpc>
+                <a:spcPct val="90000"/>
+              </a:lnSpc>
+              <a:spcBef>
+                <a:spcPts val="500"/>
+              </a:spcBef>
+              <a:buFont typeface="Arial" panose="020B0604020202020204" pitchFamily="34" charset="0"/>
+              <a:buNone/>
+              <a:defRPr sz="1800" kern="1200">
+                <a:solidFill>
+                  <a:schemeClr val="tx1"/>
+                </a:solidFill>
+                <a:latin typeface="+mn-lt"/>
+                <a:ea typeface="+mn-ea"/>
+                <a:cs typeface="+mn-cs"/>
+              </a:defRPr>
+            </a:lvl3pPr>
+            <a:lvl4pPr marL="1371600" indent="0" algn="ctr" defTabSz="914400" rtl="0" eaLnBrk="1" latinLnBrk="0" hangingPunct="1">
+              <a:lnSpc>
+                <a:spcPct val="90000"/>
+              </a:lnSpc>
+              <a:spcBef>
+                <a:spcPts val="500"/>
+              </a:spcBef>
+              <a:buFont typeface="Arial" panose="020B0604020202020204" pitchFamily="34" charset="0"/>
+              <a:buNone/>
+              <a:defRPr sz="1600" kern="1200">
+                <a:solidFill>
+                  <a:schemeClr val="tx1"/>
+                </a:solidFill>
+                <a:latin typeface="+mn-lt"/>
+                <a:ea typeface="+mn-ea"/>
+                <a:cs typeface="+mn-cs"/>
+              </a:defRPr>
+            </a:lvl4pPr>
+            <a:lvl5pPr marL="1828800" indent="0" algn="ctr" defTabSz="914400" rtl="0" eaLnBrk="1" latinLnBrk="0" hangingPunct="1">
+              <a:lnSpc>
+                <a:spcPct val="90000"/>
+              </a:lnSpc>
+              <a:spcBef>
+                <a:spcPts val="500"/>
+              </a:spcBef>
+              <a:buFont typeface="Arial" panose="020B0604020202020204" pitchFamily="34" charset="0"/>
+              <a:buNone/>
+              <a:defRPr sz="1600" kern="1200">
+                <a:solidFill>
+                  <a:schemeClr val="tx1"/>
+                </a:solidFill>
+                <a:latin typeface="+mn-lt"/>
+                <a:ea typeface="+mn-ea"/>
+                <a:cs typeface="+mn-cs"/>
+              </a:defRPr>
+            </a:lvl5pPr>
+            <a:lvl6pPr marL="2286000" indent="0" algn="ctr" defTabSz="914400" rtl="0" eaLnBrk="1" latinLnBrk="0" hangingPunct="1">
+              <a:lnSpc>
+                <a:spcPct val="90000"/>
+              </a:lnSpc>
+              <a:spcBef>
+                <a:spcPts val="500"/>
+              </a:spcBef>
+              <a:buFont typeface="Arial" panose="020B0604020202020204" pitchFamily="34" charset="0"/>
+              <a:buNone/>
+              <a:defRPr sz="1600" kern="1200">
+                <a:solidFill>
+                  <a:schemeClr val="tx1"/>
+                </a:solidFill>
+                <a:latin typeface="+mn-lt"/>
+                <a:ea typeface="+mn-ea"/>
+                <a:cs typeface="+mn-cs"/>
+              </a:defRPr>
+            </a:lvl6pPr>
+            <a:lvl7pPr marL="2743200" indent="0" algn="ctr" defTabSz="914400" rtl="0" eaLnBrk="1" latinLnBrk="0" hangingPunct="1">
+              <a:lnSpc>
+                <a:spcPct val="90000"/>
+              </a:lnSpc>
+              <a:spcBef>
+                <a:spcPts val="500"/>
+              </a:spcBef>
+              <a:buFont typeface="Arial" panose="020B0604020202020204" pitchFamily="34" charset="0"/>
+              <a:buNone/>
+              <a:defRPr sz="1600" kern="1200">
+                <a:solidFill>
+                  <a:schemeClr val="tx1"/>
+                </a:solidFill>
+                <a:latin typeface="+mn-lt"/>
+                <a:ea typeface="+mn-ea"/>
+                <a:cs typeface="+mn-cs"/>
+              </a:defRPr>
+            </a:lvl7pPr>
+            <a:lvl8pPr marL="3200400" indent="0" algn="ctr" defTabSz="914400" rtl="0" eaLnBrk="1" latinLnBrk="0" hangingPunct="1">
+              <a:lnSpc>
+                <a:spcPct val="90000"/>
+              </a:lnSpc>
+              <a:spcBef>
+                <a:spcPts val="500"/>
+              </a:spcBef>
+              <a:buFont typeface="Arial" panose="020B0604020202020204" pitchFamily="34" charset="0"/>
+              <a:buNone/>
+              <a:defRPr sz="1600" kern="1200">
+                <a:solidFill>
+                  <a:schemeClr val="tx1"/>
+                </a:solidFill>
+                <a:latin typeface="+mn-lt"/>
+                <a:ea typeface="+mn-ea"/>
+                <a:cs typeface="+mn-cs"/>
+              </a:defRPr>
+            </a:lvl8pPr>
+            <a:lvl9pPr marL="3657600" indent="0" algn="ctr" defTabSz="914400" rtl="0" eaLnBrk="1" latinLnBrk="0" hangingPunct="1">
+              <a:lnSpc>
+                <a:spcPct val="90000"/>
+              </a:lnSpc>
+              <a:spcBef>
+                <a:spcPts val="500"/>
+              </a:spcBef>
+              <a:buFont typeface="Arial" panose="020B0604020202020204" pitchFamily="34" charset="0"/>
+              <a:buNone/>
+              <a:defRPr sz="1600" kern="1200">
+                <a:solidFill>
+                  <a:schemeClr val="tx1"/>
+                </a:solidFill>
+                <a:latin typeface="+mn-lt"/>
+                <a:ea typeface="+mn-ea"/>
+                <a:cs typeface="+mn-cs"/>
+              </a:defRPr>
+            </a:lvl9pPr>
+          </a:lstStyle>
+          <a:p>
+            <a:pPr algn="l"/>
+            <a:r>
+              <a:rPr lang="en-US" sz="1800">
+                <a:sym typeface="Wingdings" pitchFamily="2" charset="2"/>
+              </a:rPr>
+              <a:t>- Question 1, from review question</a:t>
+            </a:r>
+          </a:p>
+          <a:p>
+            <a:pPr algn="l"/>
+            <a:r>
+              <a:rPr lang="en-US" sz="1800">
+                <a:sym typeface="Wingdings" pitchFamily="2" charset="2"/>
+              </a:rPr>
+              <a:t>(check my package in directory, the question is on the comment)</a:t>
+            </a:r>
+          </a:p>
+          <a:p>
+            <a:pPr algn="l"/>
+            <a:endParaRPr lang="en-US" sz="1800">
+              <a:sym typeface="Wingdings" pitchFamily="2" charset="2"/>
+            </a:endParaRPr>
+          </a:p>
+          <a:p>
+            <a:pPr algn="l"/>
+            <a:r>
+              <a:rPr lang="en-US" sz="1800">
+                <a:sym typeface="Wingdings" pitchFamily="2" charset="2"/>
+              </a:rPr>
+              <a:t>- Question 2, from review question</a:t>
+            </a:r>
+          </a:p>
+          <a:p>
+            <a:pPr algn="l"/>
+            <a:r>
+              <a:rPr lang="en-US" sz="1800">
+                <a:sym typeface="Wingdings" pitchFamily="2" charset="2"/>
+              </a:rPr>
+              <a:t>why does option C is considered as valid answer ?</a:t>
+            </a:r>
+          </a:p>
+          <a:p>
+            <a:pPr algn="l"/>
+            <a:endParaRPr lang="en-US" sz="1800">
+              <a:sym typeface="Wingdings" pitchFamily="2" charset="2"/>
+            </a:endParaRPr>
+          </a:p>
+          <a:p>
+            <a:pPr algn="l"/>
+            <a:r>
+              <a:rPr lang="en-US" sz="1800">
+                <a:sym typeface="Wingdings" pitchFamily="2" charset="2"/>
+              </a:rPr>
+              <a:t> </a:t>
+            </a:r>
+          </a:p>
+          <a:p>
+            <a:pPr algn="l"/>
+            <a:endParaRPr lang="en-US" sz="1800">
+              <a:sym typeface="Wingdings" pitchFamily="2" charset="2"/>
+            </a:endParaRPr>
+          </a:p>
+        </p:txBody>
+      </p:sp>
+      <p:pic>
+        <p:nvPicPr>
+          <p:cNvPr id="2" name="Picture 1">
+            <a:extLst>
+              <a:ext uri="{FF2B5EF4-FFF2-40B4-BE49-F238E27FC236}">
+                <a16:creationId xmlns:a16="http://schemas.microsoft.com/office/drawing/2014/main" id="{95536F20-F51E-7949-3DEB-F71D87489C7D}"/>
+              </a:ext>
+            </a:extLst>
+          </p:cNvPr>
+          <p:cNvPicPr>
+            <a:picLocks noChangeAspect="1"/>
+          </p:cNvPicPr>
+          <p:nvPr/>
+        </p:nvPicPr>
+        <p:blipFill>
+          <a:blip r:embed="rId3"/>
+          <a:stretch>
+            <a:fillRect/>
+          </a:stretch>
+        </p:blipFill>
+        <p:spPr>
+          <a:xfrm>
+            <a:off x="2595561" y="3311912"/>
+            <a:ext cx="7000878" cy="1910828"/>
+          </a:xfrm>
+          <a:prstGeom prst="rect">
+            <a:avLst/>
+          </a:prstGeom>
+        </p:spPr>
+      </p:pic>
+    </p:spTree>
+    <p:extLst>
+      <p:ext uri="{BB962C8B-B14F-4D97-AF65-F5344CB8AC3E}">
+        <p14:creationId xmlns:p14="http://schemas.microsoft.com/office/powerpoint/2010/main" val="413730790"/>
+      </p:ext>
+    </p:extLst>
+  </p:cSld>
+  <p:clrMapOvr>
+    <a:masterClrMapping/>
+  </p:clrMapOvr>
+  <p:timing>
+    <p:tnLst>
+      <p:par>
+        <p:cTn id="1" dur="indefinite" restart="never" nodeType="tmRoot">
+          <p:childTnLst>
+            <p:seq concurrent="1" nextAc="seek">
+              <p:cTn id="2" dur="indefinite" nodeType="mainSeq">
+                <p:childTnLst>
+                  <p:par>
+                    <p:cTn id="3" fill="hold">
+                      <p:stCondLst>
+                        <p:cond delay="indefinite"/>
+                      </p:stCondLst>
+                      <p:childTnLst>
+                        <p:par>
+                          <p:cTn id="4" fill="hold">
+                            <p:stCondLst>
+                              <p:cond delay="0"/>
+                            </p:stCondLst>
+                            <p:childTnLst>
+                              <p:par>
+                                <p:cTn id="5" presetID="1" presetClass="entr" presetSubtype="0" fill="hold" nodeType="clickEffect">
+                                  <p:stCondLst>
+                                    <p:cond delay="0"/>
+                                  </p:stCondLst>
+                                  <p:childTnLst>
+                                    <p:set>
+                                      <p:cBhvr>
+                                        <p:cTn id="6" dur="1" fill="hold">
+                                          <p:stCondLst>
+                                            <p:cond delay="0"/>
+                                          </p:stCondLst>
+                                        </p:cTn>
+                                        <p:tgtEl>
+                                          <p:spTgt spid="4">
+                                            <p:txEl>
+                                              <p:pRg st="0" end="0"/>
+                                            </p:txEl>
+                                          </p:spTgt>
+                                        </p:tgtEl>
+                                        <p:attrNameLst>
+                                          <p:attrName>style.visibility</p:attrName>
+                                        </p:attrNameLst>
+                                      </p:cBhvr>
+                                      <p:to>
+                                        <p:strVal val="visible"/>
+                                      </p:to>
+                                    </p:set>
+                                  </p:childTnLst>
+                                </p:cTn>
+                              </p:par>
+                            </p:childTnLst>
+                          </p:cTn>
+                        </p:par>
+                      </p:childTnLst>
+                    </p:cTn>
+                  </p:par>
+                  <p:par>
+                    <p:cTn id="7" fill="hold">
+                      <p:stCondLst>
+                        <p:cond delay="indefinite"/>
+                      </p:stCondLst>
+                      <p:childTnLst>
+                        <p:par>
+                          <p:cTn id="8" fill="hold">
+                            <p:stCondLst>
+                              <p:cond delay="0"/>
+                            </p:stCondLst>
+                            <p:childTnLst>
+                              <p:par>
+                                <p:cTn id="9" presetID="1" presetClass="entr" presetSubtype="0" fill="hold" nodeType="clickEffect">
+                                  <p:stCondLst>
+                                    <p:cond delay="0"/>
+                                  </p:stCondLst>
+                                  <p:childTnLst>
+                                    <p:set>
+                                      <p:cBhvr>
+                                        <p:cTn id="10" dur="1" fill="hold">
+                                          <p:stCondLst>
+                                            <p:cond delay="0"/>
+                                          </p:stCondLst>
+                                        </p:cTn>
+                                        <p:tgtEl>
+                                          <p:spTgt spid="4">
+                                            <p:txEl>
+                                              <p:pRg st="1" end="1"/>
+                                            </p:txEl>
+                                          </p:spTgt>
+                                        </p:tgtEl>
+                                        <p:attrNameLst>
+                                          <p:attrName>style.visibility</p:attrName>
+                                        </p:attrNameLst>
+                                      </p:cBhvr>
+                                      <p:to>
+                                        <p:strVal val="visible"/>
+                                      </p:to>
+                                    </p:set>
+                                  </p:childTnLst>
+                                </p:cTn>
+                              </p:par>
+                            </p:childTnLst>
+                          </p:cTn>
+                        </p:par>
+                      </p:childTnLst>
+                    </p:cTn>
+                  </p:par>
+                  <p:par>
+                    <p:cTn id="11" fill="hold">
+                      <p:stCondLst>
+                        <p:cond delay="indefinite"/>
+                      </p:stCondLst>
+                      <p:childTnLst>
+                        <p:par>
+                          <p:cTn id="12" fill="hold">
+                            <p:stCondLst>
+                              <p:cond delay="0"/>
+                            </p:stCondLst>
+                            <p:childTnLst>
+                              <p:par>
+                                <p:cTn id="13" presetID="1" presetClass="entr" presetSubtype="0" fill="hold" nodeType="clickEffect">
+                                  <p:stCondLst>
+                                    <p:cond delay="0"/>
+                                  </p:stCondLst>
+                                  <p:childTnLst>
+                                    <p:set>
+                                      <p:cBhvr>
+                                        <p:cTn id="14" dur="1" fill="hold">
+                                          <p:stCondLst>
+                                            <p:cond delay="0"/>
+                                          </p:stCondLst>
+                                        </p:cTn>
+                                        <p:tgtEl>
+                                          <p:spTgt spid="4">
+                                            <p:txEl>
+                                              <p:pRg st="3" end="3"/>
+                                            </p:txEl>
+                                          </p:spTgt>
+                                        </p:tgtEl>
+                                        <p:attrNameLst>
+                                          <p:attrName>style.visibility</p:attrName>
+                                        </p:attrNameLst>
+                                      </p:cBhvr>
+                                      <p:to>
+                                        <p:strVal val="visible"/>
+                                      </p:to>
+                                    </p:set>
+                                  </p:childTnLst>
+                                </p:cTn>
+                              </p:par>
+                            </p:childTnLst>
+                          </p:cTn>
+                        </p:par>
+                      </p:childTnLst>
+                    </p:cTn>
+                  </p:par>
+                  <p:par>
+                    <p:cTn id="15" fill="hold">
+                      <p:stCondLst>
+                        <p:cond delay="indefinite"/>
+                      </p:stCondLst>
+                      <p:childTnLst>
+                        <p:par>
+                          <p:cTn id="16" fill="hold">
+                            <p:stCondLst>
+                              <p:cond delay="0"/>
+                            </p:stCondLst>
+                            <p:childTnLst>
+                              <p:par>
+                                <p:cTn id="17" presetID="1" presetClass="entr" presetSubtype="0" fill="hold" nodeType="clickEffect">
+                                  <p:stCondLst>
+                                    <p:cond delay="0"/>
+                                  </p:stCondLst>
+                                  <p:childTnLst>
+                                    <p:set>
+                                      <p:cBhvr>
+                                        <p:cTn id="18" dur="1" fill="hold">
+                                          <p:stCondLst>
+                                            <p:cond delay="0"/>
+                                          </p:stCondLst>
+                                        </p:cTn>
+                                        <p:tgtEl>
+                                          <p:spTgt spid="4">
+                                            <p:txEl>
+                                              <p:pRg st="4" end="4"/>
+                                            </p:txEl>
+                                          </p:spTgt>
+                                        </p:tgtEl>
+                                        <p:attrNameLst>
+                                          <p:attrName>style.visibility</p:attrName>
+                                        </p:attrNameLst>
+                                      </p:cBhvr>
+                                      <p:to>
+                                        <p:strVal val="visible"/>
+                                      </p:to>
+                                    </p:set>
+                                  </p:childTnLst>
+                                </p:cTn>
+                              </p:par>
+                            </p:childTnLst>
+                          </p:cTn>
+                        </p:par>
+                      </p:childTnLst>
+                    </p:cTn>
+                  </p:par>
+                  <p:par>
+                    <p:cTn id="19" fill="hold">
+                      <p:stCondLst>
+                        <p:cond delay="indefinite"/>
+                      </p:stCondLst>
+                      <p:childTnLst>
+                        <p:par>
+                          <p:cTn id="20" fill="hold">
+                            <p:stCondLst>
+                              <p:cond delay="0"/>
+                            </p:stCondLst>
+                            <p:childTnLst>
+                              <p:par>
+                                <p:cTn id="21" presetID="1" presetClass="entr" presetSubtype="0" fill="hold" nodeType="clickEffect">
+                                  <p:stCondLst>
+                                    <p:cond delay="0"/>
+                                  </p:stCondLst>
+                                  <p:childTnLst>
+                                    <p:set>
+                                      <p:cBhvr>
+                                        <p:cTn id="22" dur="1" fill="hold">
+                                          <p:stCondLst>
+                                            <p:cond delay="0"/>
+                                          </p:stCondLst>
+                                        </p:cTn>
+                                        <p:tgtEl>
+                                          <p:spTgt spid="4">
+                                            <p:txEl>
+                                              <p:pRg st="6" end="6"/>
+                                            </p:txEl>
+                                          </p:spTgt>
+                                        </p:tgtEl>
+                                        <p:attrNameLst>
+                                          <p:attrName>style.visibility</p:attrName>
+                                        </p:attrNameLst>
+                                      </p:cBhvr>
+                                      <p:to>
+                                        <p:strVal val="visible"/>
+                                      </p:to>
+                                    </p:set>
+                                  </p:childTnLst>
+                                </p:cTn>
+                              </p:par>
+                            </p:childTnLst>
+                          </p:cTn>
+                        </p:par>
+                      </p:childTnLst>
+                    </p:cTn>
+                  </p:par>
+                  <p:par>
+                    <p:cTn id="23" fill="hold">
+                      <p:stCondLst>
+                        <p:cond delay="indefinite"/>
+                      </p:stCondLst>
+                      <p:childTnLst>
+                        <p:par>
+                          <p:cTn id="24" fill="hold">
+                            <p:stCondLst>
+                              <p:cond delay="0"/>
+                            </p:stCondLst>
+                            <p:childTnLst>
+                              <p:par>
+                                <p:cTn id="25" presetID="1" presetClass="entr" presetSubtype="0" fill="hold" nodeType="clickEffect">
+                                  <p:stCondLst>
+                                    <p:cond delay="0"/>
+                                  </p:stCondLst>
+                                  <p:childTnLst>
+                                    <p:set>
+                                      <p:cBhvr>
+                                        <p:cTn id="26" dur="1" fill="hold">
+                                          <p:stCondLst>
+                                            <p:cond delay="0"/>
+                                          </p:stCondLst>
+                                        </p:cTn>
+                                        <p:tgtEl>
+                                          <p:spTgt spid="2"/>
+                                        </p:tgtEl>
+                                        <p:attrNameLst>
+                                          <p:attrName>style.visibility</p:attrName>
+                                        </p:attrNameLst>
+                                      </p:cBhvr>
+                                      <p:to>
+                                        <p:strVal val="visible"/>
+                                      </p:to>
+                                    </p:set>
+                                  </p:childTnLst>
+                                </p:cTn>
+                              </p:par>
+                            </p:childTnLst>
+                          </p:cTn>
+                        </p:par>
+                      </p:childTnLst>
+                    </p:cTn>
+                  </p:par>
+                </p:childTnLst>
+              </p:cTn>
+              <p:prevCondLst>
+                <p:cond evt="onPrev" delay="0">
+                  <p:tgtEl>
+                    <p:sldTgt/>
+                  </p:tgtEl>
+                </p:cond>
+              </p:prevCondLst>
+              <p:nextCondLst>
+                <p:cond evt="onNext" delay="0">
+                  <p:tgtEl>
+                    <p:sldTgt/>
+                  </p:tgtEl>
+                </p:cond>
+              </p:nextCondLst>
+            </p:seq>
+          </p:childTnLst>
+        </p:cTn>
+      </p:par>
+    </p:tnLst>
+  </p:timing>
+</p:sld>
+</file>
+
+<file path=ppt/slides/slide28.xml><?xml version="1.0" encoding="utf-8"?>
+<p:sld xmlns:a="http://schemas.openxmlformats.org/drawingml/2006/main" xmlns:r="http://schemas.openxmlformats.org/officeDocument/2006/relationships" xmlns:p="http://schemas.openxmlformats.org/presentationml/2006/main">
+  <p:cSld>
+    <p:spTree>
+      <p:nvGrpSpPr>
+        <p:cNvPr id="1" name="">
+          <a:extLst>
+            <a:ext uri="{FF2B5EF4-FFF2-40B4-BE49-F238E27FC236}">
+              <a16:creationId xmlns:a16="http://schemas.microsoft.com/office/drawing/2014/main" id="{8B300C5B-CC21-F5FF-E27A-67BF786234B8}"/>
+            </a:ext>
+          </a:extLst>
+        </p:cNvPr>
+        <p:cNvGrpSpPr/>
+        <p:nvPr/>
+      </p:nvGrpSpPr>
+      <p:grpSpPr>
+        <a:xfrm>
+          <a:off x="0" y="0"/>
+          <a:ext cx="0" cy="0"/>
+          <a:chOff x="0" y="0"/>
+          <a:chExt cx="0" cy="0"/>
+        </a:xfrm>
+      </p:grpSpPr>
+      <p:sp>
+        <p:nvSpPr>
+          <p:cNvPr id="3" name="Subtitle 2">
+            <a:extLst>
+              <a:ext uri="{FF2B5EF4-FFF2-40B4-BE49-F238E27FC236}">
+                <a16:creationId xmlns:a16="http://schemas.microsoft.com/office/drawing/2014/main" id="{C2E54647-A66F-7D02-0F8C-CBBE83B7FE71}"/>
+              </a:ext>
+            </a:extLst>
+          </p:cNvPr>
+          <p:cNvSpPr>
+            <a:spLocks noGrp="1"/>
+          </p:cNvSpPr>
+          <p:nvPr>
+            <p:ph type="subTitle" idx="1"/>
+          </p:nvPr>
+        </p:nvSpPr>
+        <p:spPr>
+          <a:xfrm>
+            <a:off x="152399" y="217488"/>
+            <a:ext cx="11223171" cy="303212"/>
+          </a:xfrm>
+        </p:spPr>
+        <p:txBody>
+          <a:bodyPr>
+            <a:normAutofit fontScale="92500" lnSpcReduction="20000"/>
+          </a:bodyPr>
+          <a:lstStyle/>
+          <a:p>
+            <a:r>
+              <a:rPr lang="en-US" sz="1800" b="1"/>
+              <a:t>Q&amp;A section</a:t>
+            </a:r>
+          </a:p>
+        </p:txBody>
+      </p:sp>
+      <p:sp>
+        <p:nvSpPr>
+          <p:cNvPr id="4" name="Subtitle 2">
+            <a:extLst>
+              <a:ext uri="{FF2B5EF4-FFF2-40B4-BE49-F238E27FC236}">
+                <a16:creationId xmlns:a16="http://schemas.microsoft.com/office/drawing/2014/main" id="{89FCC934-F6EA-FEA3-8550-2FD4E141CAA7}"/>
+              </a:ext>
+            </a:extLst>
+          </p:cNvPr>
+          <p:cNvSpPr txBox="1">
+            <a:spLocks/>
+          </p:cNvSpPr>
+          <p:nvPr/>
+        </p:nvSpPr>
+        <p:spPr>
+          <a:xfrm>
+            <a:off x="0" y="820738"/>
+            <a:ext cx="12192000" cy="6037262"/>
+          </a:xfrm>
+          <a:prstGeom prst="rect">
+            <a:avLst/>
+          </a:prstGeom>
+        </p:spPr>
+        <p:txBody>
+          <a:bodyPr vert="horz" lIns="91440" tIns="45720" rIns="91440" bIns="45720" rtlCol="0">
+            <a:normAutofit/>
+          </a:bodyPr>
+          <a:lstStyle>
+            <a:lvl1pPr marL="0" indent="0" algn="ctr" defTabSz="914400" rtl="0" eaLnBrk="1" latinLnBrk="0" hangingPunct="1">
+              <a:lnSpc>
+                <a:spcPct val="90000"/>
+              </a:lnSpc>
+              <a:spcBef>
+                <a:spcPts val="1000"/>
+              </a:spcBef>
+              <a:buFont typeface="Arial" panose="020B0604020202020204" pitchFamily="34" charset="0"/>
+              <a:buNone/>
+              <a:defRPr sz="2400" kern="1200">
+                <a:solidFill>
+                  <a:schemeClr val="tx1"/>
+                </a:solidFill>
+                <a:latin typeface="+mn-lt"/>
+                <a:ea typeface="+mn-ea"/>
+                <a:cs typeface="+mn-cs"/>
+              </a:defRPr>
+            </a:lvl1pPr>
+            <a:lvl2pPr marL="457200" indent="0" algn="ctr" defTabSz="914400" rtl="0" eaLnBrk="1" latinLnBrk="0" hangingPunct="1">
+              <a:lnSpc>
+                <a:spcPct val="90000"/>
+              </a:lnSpc>
+              <a:spcBef>
+                <a:spcPts val="500"/>
+              </a:spcBef>
+              <a:buFont typeface="Arial" panose="020B0604020202020204" pitchFamily="34" charset="0"/>
+              <a:buNone/>
+              <a:defRPr sz="2000" kern="1200">
+                <a:solidFill>
+                  <a:schemeClr val="tx1"/>
+                </a:solidFill>
+                <a:latin typeface="+mn-lt"/>
+                <a:ea typeface="+mn-ea"/>
+                <a:cs typeface="+mn-cs"/>
+              </a:defRPr>
+            </a:lvl2pPr>
+            <a:lvl3pPr marL="914400" indent="0" algn="ctr" defTabSz="914400" rtl="0" eaLnBrk="1" latinLnBrk="0" hangingPunct="1">
+              <a:lnSpc>
+                <a:spcPct val="90000"/>
+              </a:lnSpc>
+              <a:spcBef>
+                <a:spcPts val="500"/>
+              </a:spcBef>
+              <a:buFont typeface="Arial" panose="020B0604020202020204" pitchFamily="34" charset="0"/>
+              <a:buNone/>
+              <a:defRPr sz="1800" kern="1200">
+                <a:solidFill>
+                  <a:schemeClr val="tx1"/>
+                </a:solidFill>
+                <a:latin typeface="+mn-lt"/>
+                <a:ea typeface="+mn-ea"/>
+                <a:cs typeface="+mn-cs"/>
+              </a:defRPr>
+            </a:lvl3pPr>
+            <a:lvl4pPr marL="1371600" indent="0" algn="ctr" defTabSz="914400" rtl="0" eaLnBrk="1" latinLnBrk="0" hangingPunct="1">
+              <a:lnSpc>
+                <a:spcPct val="90000"/>
+              </a:lnSpc>
+              <a:spcBef>
+                <a:spcPts val="500"/>
+              </a:spcBef>
+              <a:buFont typeface="Arial" panose="020B0604020202020204" pitchFamily="34" charset="0"/>
+              <a:buNone/>
+              <a:defRPr sz="1600" kern="1200">
+                <a:solidFill>
+                  <a:schemeClr val="tx1"/>
+                </a:solidFill>
+                <a:latin typeface="+mn-lt"/>
+                <a:ea typeface="+mn-ea"/>
+                <a:cs typeface="+mn-cs"/>
+              </a:defRPr>
+            </a:lvl4pPr>
+            <a:lvl5pPr marL="1828800" indent="0" algn="ctr" defTabSz="914400" rtl="0" eaLnBrk="1" latinLnBrk="0" hangingPunct="1">
+              <a:lnSpc>
+                <a:spcPct val="90000"/>
+              </a:lnSpc>
+              <a:spcBef>
+                <a:spcPts val="500"/>
+              </a:spcBef>
+              <a:buFont typeface="Arial" panose="020B0604020202020204" pitchFamily="34" charset="0"/>
+              <a:buNone/>
+              <a:defRPr sz="1600" kern="1200">
+                <a:solidFill>
+                  <a:schemeClr val="tx1"/>
+                </a:solidFill>
+                <a:latin typeface="+mn-lt"/>
+                <a:ea typeface="+mn-ea"/>
+                <a:cs typeface="+mn-cs"/>
+              </a:defRPr>
+            </a:lvl5pPr>
+            <a:lvl6pPr marL="2286000" indent="0" algn="ctr" defTabSz="914400" rtl="0" eaLnBrk="1" latinLnBrk="0" hangingPunct="1">
+              <a:lnSpc>
+                <a:spcPct val="90000"/>
+              </a:lnSpc>
+              <a:spcBef>
+                <a:spcPts val="500"/>
+              </a:spcBef>
+              <a:buFont typeface="Arial" panose="020B0604020202020204" pitchFamily="34" charset="0"/>
+              <a:buNone/>
+              <a:defRPr sz="1600" kern="1200">
+                <a:solidFill>
+                  <a:schemeClr val="tx1"/>
+                </a:solidFill>
+                <a:latin typeface="+mn-lt"/>
+                <a:ea typeface="+mn-ea"/>
+                <a:cs typeface="+mn-cs"/>
+              </a:defRPr>
+            </a:lvl6pPr>
+            <a:lvl7pPr marL="2743200" indent="0" algn="ctr" defTabSz="914400" rtl="0" eaLnBrk="1" latinLnBrk="0" hangingPunct="1">
+              <a:lnSpc>
+                <a:spcPct val="90000"/>
+              </a:lnSpc>
+              <a:spcBef>
+                <a:spcPts val="500"/>
+              </a:spcBef>
+              <a:buFont typeface="Arial" panose="020B0604020202020204" pitchFamily="34" charset="0"/>
+              <a:buNone/>
+              <a:defRPr sz="1600" kern="1200">
+                <a:solidFill>
+                  <a:schemeClr val="tx1"/>
+                </a:solidFill>
+                <a:latin typeface="+mn-lt"/>
+                <a:ea typeface="+mn-ea"/>
+                <a:cs typeface="+mn-cs"/>
+              </a:defRPr>
+            </a:lvl7pPr>
+            <a:lvl8pPr marL="3200400" indent="0" algn="ctr" defTabSz="914400" rtl="0" eaLnBrk="1" latinLnBrk="0" hangingPunct="1">
+              <a:lnSpc>
+                <a:spcPct val="90000"/>
+              </a:lnSpc>
+              <a:spcBef>
+                <a:spcPts val="500"/>
+              </a:spcBef>
+              <a:buFont typeface="Arial" panose="020B0604020202020204" pitchFamily="34" charset="0"/>
+              <a:buNone/>
+              <a:defRPr sz="1600" kern="1200">
+                <a:solidFill>
+                  <a:schemeClr val="tx1"/>
+                </a:solidFill>
+                <a:latin typeface="+mn-lt"/>
+                <a:ea typeface="+mn-ea"/>
+                <a:cs typeface="+mn-cs"/>
+              </a:defRPr>
+            </a:lvl8pPr>
+            <a:lvl9pPr marL="3657600" indent="0" algn="ctr" defTabSz="914400" rtl="0" eaLnBrk="1" latinLnBrk="0" hangingPunct="1">
+              <a:lnSpc>
+                <a:spcPct val="90000"/>
+              </a:lnSpc>
+              <a:spcBef>
+                <a:spcPts val="500"/>
+              </a:spcBef>
+              <a:buFont typeface="Arial" panose="020B0604020202020204" pitchFamily="34" charset="0"/>
+              <a:buNone/>
+              <a:defRPr sz="1600" kern="1200">
+                <a:solidFill>
+                  <a:schemeClr val="tx1"/>
+                </a:solidFill>
+                <a:latin typeface="+mn-lt"/>
+                <a:ea typeface="+mn-ea"/>
+                <a:cs typeface="+mn-cs"/>
+              </a:defRPr>
+            </a:lvl9pPr>
+          </a:lstStyle>
+          <a:p>
+            <a:pPr algn="l"/>
+            <a:r>
+              <a:rPr lang="en-US" sz="1800">
+                <a:sym typeface="Wingdings" pitchFamily="2" charset="2"/>
+              </a:rPr>
+              <a:t>- Question 3 (check Q3 class in directory, the question is in the note)</a:t>
+            </a:r>
+          </a:p>
+          <a:p>
+            <a:pPr algn="l"/>
+            <a:r>
+              <a:rPr lang="en-US" sz="1800">
+                <a:sym typeface="Wingdings" pitchFamily="2" charset="2"/>
+              </a:rPr>
+              <a:t> </a:t>
+            </a:r>
+          </a:p>
+          <a:p>
+            <a:pPr algn="l"/>
+            <a:endParaRPr lang="en-US" sz="1800">
+              <a:sym typeface="Wingdings" pitchFamily="2" charset="2"/>
+            </a:endParaRPr>
+          </a:p>
+        </p:txBody>
+      </p:sp>
+    </p:spTree>
+    <p:extLst>
+      <p:ext uri="{BB962C8B-B14F-4D97-AF65-F5344CB8AC3E}">
+        <p14:creationId xmlns:p14="http://schemas.microsoft.com/office/powerpoint/2010/main" val="1694198057"/>
+      </p:ext>
+    </p:extLst>
+  </p:cSld>
+  <p:clrMapOvr>
+    <a:masterClrMapping/>
+  </p:clrMapOvr>
+  <p:timing>
+    <p:tnLst>
+      <p:par>
+        <p:cTn id="1" dur="indefinite" restart="never" nodeType="tmRoot">
+          <p:childTnLst>
+            <p:seq concurrent="1" nextAc="seek">
+              <p:cTn id="2" dur="indefinite" nodeType="mainSeq">
+                <p:childTnLst>
+                  <p:par>
+                    <p:cTn id="3" fill="hold">
+                      <p:stCondLst>
+                        <p:cond delay="indefinite"/>
+                      </p:stCondLst>
+                      <p:childTnLst>
+                        <p:par>
+                          <p:cTn id="4" fill="hold">
+                            <p:stCondLst>
+                              <p:cond delay="0"/>
+                            </p:stCondLst>
+                            <p:childTnLst>
+                              <p:par>
+                                <p:cTn id="5" presetID="1" presetClass="entr" presetSubtype="0" fill="hold" nodeType="clickEffect">
+                                  <p:stCondLst>
+                                    <p:cond delay="0"/>
+                                  </p:stCondLst>
+                                  <p:childTnLst>
+                                    <p:set>
+                                      <p:cBhvr>
+                                        <p:cTn id="6" dur="1" fill="hold">
+                                          <p:stCondLst>
+                                            <p:cond delay="0"/>
+                                          </p:stCondLst>
+                                        </p:cTn>
+                                        <p:tgtEl>
+                                          <p:spTgt spid="4">
+                                            <p:txEl>
+                                              <p:pRg st="1" end="1"/>
+                                            </p:txEl>
+                                          </p:spTgt>
+                                        </p:tgtEl>
+                                        <p:attrNameLst>
+                                          <p:attrName>style.visibility</p:attrName>
+                                        </p:attrNameLst>
+                                      </p:cBhvr>
+                                      <p:to>
+                                        <p:strVal val="visible"/>
+                                      </p:to>
+                                    </p:set>
+                                  </p:childTnLst>
+                                </p:cTn>
+                              </p:par>
+                            </p:childTnLst>
+                          </p:cTn>
+                        </p:par>
+                      </p:childTnLst>
+                    </p:cTn>
+                  </p:par>
+                  <p:par>
+                    <p:cTn id="7" fill="hold">
+                      <p:stCondLst>
+                        <p:cond delay="indefinite"/>
+                      </p:stCondLst>
+                      <p:childTnLst>
+                        <p:par>
+                          <p:cTn id="8" fill="hold">
+                            <p:stCondLst>
+                              <p:cond delay="0"/>
+                            </p:stCondLst>
+                            <p:childTnLst>
+                              <p:par>
+                                <p:cTn id="9" presetID="1" presetClass="entr" presetSubtype="0" fill="hold" nodeType="clickEffect">
+                                  <p:stCondLst>
+                                    <p:cond delay="0"/>
+                                  </p:stCondLst>
+                                  <p:childTnLst>
+                                    <p:set>
+                                      <p:cBhvr>
+                                        <p:cTn id="10" dur="1" fill="hold">
+                                          <p:stCondLst>
+                                            <p:cond delay="0"/>
+                                          </p:stCondLst>
+                                        </p:cTn>
+                                        <p:tgtEl>
+                                          <p:spTgt spid="4">
+                                            <p:txEl>
+                                              <p:pRg st="0" end="0"/>
                                             </p:txEl>
                                           </p:spTgt>
                                         </p:tgtEl>

--- a/self-study resources/J8SE1/Chapter 4 - Methods and Encapsulation.pptx
+++ b/self-study resources/J8SE1/Chapter 4 - Methods and Encapsulation.pptx
@@ -10369,7 +10369,7 @@
               <a:rPr lang="en-US" sz="1800">
                 <a:sym typeface="Wingdings" pitchFamily="2" charset="2"/>
               </a:rPr>
-              <a:t>(code illustration snippet 23) (ask question Q7)</a:t>
+              <a:t>(code illustration snippet 23) </a:t>
             </a:r>
           </a:p>
           <a:p>
@@ -16730,8 +16730,8 @@
           </a:prstGeom>
         </p:spPr>
       </p:pic>
-      <mc:AlternateContent xmlns:mc="http://schemas.openxmlformats.org/markup-compatibility/2006">
-        <mc:Choice xmlns:p14="http://schemas.microsoft.com/office/powerpoint/2010/main" Requires="p14">
+      <mc:AlternateContent xmlns:mc="http://schemas.openxmlformats.org/markup-compatibility/2006" xmlns:p14="http://schemas.microsoft.com/office/powerpoint/2010/main">
+        <mc:Choice Requires="p14">
           <p:contentPart p14:bwMode="auto" r:id="rId4">
             <p14:nvContentPartPr>
               <p14:cNvPr id="6" name="Ink 5">
@@ -16750,7 +16750,7 @@
             </p14:xfrm>
           </p:contentPart>
         </mc:Choice>
-        <mc:Fallback>
+        <mc:Fallback xmlns="">
           <p:pic>
             <p:nvPicPr>
               <p:cNvPr id="6" name="Ink 5">
@@ -16781,8 +16781,8 @@
           </p:pic>
         </mc:Fallback>
       </mc:AlternateContent>
-      <mc:AlternateContent xmlns:mc="http://schemas.openxmlformats.org/markup-compatibility/2006">
-        <mc:Choice xmlns:p14="http://schemas.microsoft.com/office/powerpoint/2010/main" Requires="p14">
+      <mc:AlternateContent xmlns:mc="http://schemas.openxmlformats.org/markup-compatibility/2006" xmlns:p14="http://schemas.microsoft.com/office/powerpoint/2010/main">
+        <mc:Choice Requires="p14">
           <p:contentPart p14:bwMode="auto" r:id="rId6">
             <p14:nvContentPartPr>
               <p14:cNvPr id="7" name="Ink 6">
@@ -16801,7 +16801,7 @@
             </p14:xfrm>
           </p:contentPart>
         </mc:Choice>
-        <mc:Fallback>
+        <mc:Fallback xmlns="">
           <p:pic>
             <p:nvPicPr>
               <p:cNvPr id="7" name="Ink 6">
@@ -16832,8 +16832,8 @@
           </p:pic>
         </mc:Fallback>
       </mc:AlternateContent>
-      <mc:AlternateContent xmlns:mc="http://schemas.openxmlformats.org/markup-compatibility/2006">
-        <mc:Choice xmlns:p14="http://schemas.microsoft.com/office/powerpoint/2010/main" Requires="p14">
+      <mc:AlternateContent xmlns:mc="http://schemas.openxmlformats.org/markup-compatibility/2006" xmlns:p14="http://schemas.microsoft.com/office/powerpoint/2010/main">
+        <mc:Choice Requires="p14">
           <p:contentPart p14:bwMode="auto" r:id="rId8">
             <p14:nvContentPartPr>
               <p14:cNvPr id="8" name="Ink 7">
@@ -16852,7 +16852,7 @@
             </p14:xfrm>
           </p:contentPart>
         </mc:Choice>
-        <mc:Fallback>
+        <mc:Fallback xmlns="">
           <p:pic>
             <p:nvPicPr>
               <p:cNvPr id="8" name="Ink 7">
@@ -17316,8 +17316,8 @@
           </a:prstGeom>
         </p:spPr>
       </p:pic>
-      <mc:AlternateContent xmlns:mc="http://schemas.openxmlformats.org/markup-compatibility/2006">
-        <mc:Choice xmlns:p14="http://schemas.microsoft.com/office/powerpoint/2010/main" Requires="p14">
+      <mc:AlternateContent xmlns:mc="http://schemas.openxmlformats.org/markup-compatibility/2006" xmlns:p14="http://schemas.microsoft.com/office/powerpoint/2010/main">
+        <mc:Choice Requires="p14">
           <p:contentPart p14:bwMode="auto" r:id="rId4">
             <p14:nvContentPartPr>
               <p14:cNvPr id="9" name="Ink 8">
@@ -17336,7 +17336,7 @@
             </p14:xfrm>
           </p:contentPart>
         </mc:Choice>
-        <mc:Fallback>
+        <mc:Fallback xmlns="">
           <p:pic>
             <p:nvPicPr>
               <p:cNvPr id="9" name="Ink 8">
@@ -17367,8 +17367,8 @@
           </p:pic>
         </mc:Fallback>
       </mc:AlternateContent>
-      <mc:AlternateContent xmlns:mc="http://schemas.openxmlformats.org/markup-compatibility/2006">
-        <mc:Choice xmlns:p14="http://schemas.microsoft.com/office/powerpoint/2010/main" Requires="p14">
+      <mc:AlternateContent xmlns:mc="http://schemas.openxmlformats.org/markup-compatibility/2006" xmlns:p14="http://schemas.microsoft.com/office/powerpoint/2010/main">
+        <mc:Choice Requires="p14">
           <p:contentPart p14:bwMode="auto" r:id="rId6">
             <p14:nvContentPartPr>
               <p14:cNvPr id="10" name="Ink 9">
@@ -17387,7 +17387,7 @@
             </p14:xfrm>
           </p:contentPart>
         </mc:Choice>
-        <mc:Fallback>
+        <mc:Fallback xmlns="">
           <p:pic>
             <p:nvPicPr>
               <p:cNvPr id="10" name="Ink 9">
@@ -17418,8 +17418,8 @@
           </p:pic>
         </mc:Fallback>
       </mc:AlternateContent>
-      <mc:AlternateContent xmlns:mc="http://schemas.openxmlformats.org/markup-compatibility/2006">
-        <mc:Choice xmlns:p14="http://schemas.microsoft.com/office/powerpoint/2010/main" Requires="p14">
+      <mc:AlternateContent xmlns:mc="http://schemas.openxmlformats.org/markup-compatibility/2006" xmlns:p14="http://schemas.microsoft.com/office/powerpoint/2010/main">
+        <mc:Choice Requires="p14">
           <p:contentPart p14:bwMode="auto" r:id="rId8">
             <p14:nvContentPartPr>
               <p14:cNvPr id="11" name="Ink 10">
@@ -17438,7 +17438,7 @@
             </p14:xfrm>
           </p:contentPart>
         </mc:Choice>
-        <mc:Fallback>
+        <mc:Fallback xmlns="">
           <p:pic>
             <p:nvPicPr>
               <p:cNvPr id="11" name="Ink 10">
@@ -17469,8 +17469,8 @@
           </p:pic>
         </mc:Fallback>
       </mc:AlternateContent>
-      <mc:AlternateContent xmlns:mc="http://schemas.openxmlformats.org/markup-compatibility/2006">
-        <mc:Choice xmlns:p14="http://schemas.microsoft.com/office/powerpoint/2010/main" Requires="p14">
+      <mc:AlternateContent xmlns:mc="http://schemas.openxmlformats.org/markup-compatibility/2006" xmlns:p14="http://schemas.microsoft.com/office/powerpoint/2010/main">
+        <mc:Choice Requires="p14">
           <p:contentPart p14:bwMode="auto" r:id="rId10">
             <p14:nvContentPartPr>
               <p14:cNvPr id="12" name="Ink 11">
@@ -17489,7 +17489,7 @@
             </p14:xfrm>
           </p:contentPart>
         </mc:Choice>
-        <mc:Fallback>
+        <mc:Fallback xmlns="">
           <p:pic>
             <p:nvPicPr>
               <p:cNvPr id="12" name="Ink 11">
@@ -17520,8 +17520,8 @@
           </p:pic>
         </mc:Fallback>
       </mc:AlternateContent>
-      <mc:AlternateContent xmlns:mc="http://schemas.openxmlformats.org/markup-compatibility/2006">
-        <mc:Choice xmlns:p14="http://schemas.microsoft.com/office/powerpoint/2010/main" Requires="p14">
+      <mc:AlternateContent xmlns:mc="http://schemas.openxmlformats.org/markup-compatibility/2006" xmlns:p14="http://schemas.microsoft.com/office/powerpoint/2010/main">
+        <mc:Choice Requires="p14">
           <p:contentPart p14:bwMode="auto" r:id="rId12">
             <p14:nvContentPartPr>
               <p14:cNvPr id="13" name="Ink 12">
@@ -17540,7 +17540,7 @@
             </p14:xfrm>
           </p:contentPart>
         </mc:Choice>
-        <mc:Fallback>
+        <mc:Fallback xmlns="">
           <p:pic>
             <p:nvPicPr>
               <p:cNvPr id="13" name="Ink 12">
